--- a/Lectures/Introduction to MPI/Introduction to MPI.pptx
+++ b/Lectures/Introduction to MPI/Introduction to MPI.pptx
@@ -212,7 +212,7 @@
           <a:p>
             <a:fld id="{DBE0ECA1-3FBF-48AE-AD2A-4439AE745E19}" type="datetimeFigureOut">
               <a:rPr lang="en-US" smtClean="0"/>
-              <a:t>1/5/2014</a:t>
+              <a:t>1/6/2014</a:t>
             </a:fld>
             <a:endParaRPr lang="en-US"/>
           </a:p>
@@ -673,7 +673,7 @@
           <a:p>
             <a:fld id="{9769DED8-28D4-45B9-A00F-7CFE9335FEA6}" type="datetime1">
               <a:rPr lang="en-US" smtClean="0"/>
-              <a:t>1/5/2014</a:t>
+              <a:t>1/6/2014</a:t>
             </a:fld>
             <a:endParaRPr lang="en-US"/>
           </a:p>
@@ -938,7 +938,7 @@
           <a:p>
             <a:fld id="{2DB3D439-1F88-44B4-B5F7-F9BCD4064257}" type="datetime1">
               <a:rPr lang="en-US" smtClean="0"/>
-              <a:t>1/5/2014</a:t>
+              <a:t>1/6/2014</a:t>
             </a:fld>
             <a:endParaRPr lang="en-US"/>
           </a:p>
@@ -1113,7 +1113,7 @@
           <a:p>
             <a:fld id="{99C5638F-6F55-4055-935C-67841BE78C36}" type="datetime1">
               <a:rPr lang="en-US" smtClean="0"/>
-              <a:t>1/5/2014</a:t>
+              <a:t>1/6/2014</a:t>
             </a:fld>
             <a:endParaRPr lang="en-US"/>
           </a:p>
@@ -1278,7 +1278,7 @@
           <a:p>
             <a:fld id="{E6987D90-0C92-4B22-A29D-FED15412CED2}" type="datetime1">
               <a:rPr lang="en-US" smtClean="0"/>
-              <a:t>1/5/2014</a:t>
+              <a:t>1/6/2014</a:t>
             </a:fld>
             <a:endParaRPr lang="en-US"/>
           </a:p>
@@ -1527,7 +1527,7 @@
           <a:p>
             <a:fld id="{DDB67BC4-9554-49E0-BCB3-D1EF965BA0B8}" type="datetime1">
               <a:rPr lang="en-US" smtClean="0"/>
-              <a:t>1/5/2014</a:t>
+              <a:t>1/6/2014</a:t>
             </a:fld>
             <a:endParaRPr lang="en-US"/>
           </a:p>
@@ -1810,7 +1810,7 @@
           <a:p>
             <a:fld id="{EC24D770-803D-4E01-921C-9C100DD8230C}" type="datetime1">
               <a:rPr lang="en-US" smtClean="0"/>
-              <a:t>1/5/2014</a:t>
+              <a:t>1/6/2014</a:t>
             </a:fld>
             <a:endParaRPr lang="en-US"/>
           </a:p>
@@ -2249,7 +2249,7 @@
           <a:p>
             <a:fld id="{356AD44B-78A4-4209-8070-7DCBE2DC4992}" type="datetime1">
               <a:rPr lang="en-US" smtClean="0"/>
-              <a:t>1/5/2014</a:t>
+              <a:t>1/6/2014</a:t>
             </a:fld>
             <a:endParaRPr lang="en-US"/>
           </a:p>
@@ -2362,7 +2362,7 @@
           <a:p>
             <a:fld id="{A993C59A-7CA2-467F-B7F1-9096881A01B8}" type="datetime1">
               <a:rPr lang="en-US" smtClean="0"/>
-              <a:t>1/5/2014</a:t>
+              <a:t>1/6/2014</a:t>
             </a:fld>
             <a:endParaRPr lang="en-US"/>
           </a:p>
@@ -2452,7 +2452,7 @@
           <a:p>
             <a:fld id="{2B6B58D0-2488-434A-8ED1-692E09B85CC5}" type="datetime1">
               <a:rPr lang="en-US" smtClean="0"/>
-              <a:t>1/5/2014</a:t>
+              <a:t>1/6/2014</a:t>
             </a:fld>
             <a:endParaRPr lang="en-US"/>
           </a:p>
@@ -2694,7 +2694,7 @@
           <a:p>
             <a:fld id="{FDB0AFC2-7D64-4F61-A7B7-9932D3305DDA}" type="datetime1">
               <a:rPr lang="en-US" smtClean="0"/>
-              <a:t>1/5/2014</a:t>
+              <a:t>1/6/2014</a:t>
             </a:fld>
             <a:endParaRPr lang="en-US"/>
           </a:p>
@@ -2988,7 +2988,7 @@
           <a:p>
             <a:fld id="{4983D17A-D7B2-4ECE-8A2C-93679B9D177B}" type="datetime1">
               <a:rPr lang="en-US" smtClean="0"/>
-              <a:t>1/5/2014</a:t>
+              <a:t>1/6/2014</a:t>
             </a:fld>
             <a:endParaRPr lang="en-US"/>
           </a:p>
@@ -3282,7 +3282,7 @@
           <a:p>
             <a:fld id="{2A5275F7-419E-4C23-8A3D-2EE5742B2EC9}" type="datetime1">
               <a:rPr lang="en-US" smtClean="0"/>
-              <a:t>1/5/2014</a:t>
+              <a:t>1/6/2014</a:t>
             </a:fld>
             <a:endParaRPr lang="en-US"/>
           </a:p>
@@ -7899,7 +7899,11 @@
           <a:p>
             <a:r>
               <a:rPr lang="en-US" dirty="0" smtClean="0"/>
-              <a:t>Matrix Multiplication</a:t>
+              <a:t>Gaus</a:t>
+            </a:r>
+            <a:r>
+              <a:rPr lang="en-US" dirty="0" smtClean="0"/>
+              <a:t>s using MPI</a:t>
             </a:r>
             <a:endParaRPr lang="en-US" dirty="0"/>
           </a:p>
@@ -7922,7 +7926,7 @@
           <a:p>
             <a:r>
               <a:rPr lang="en-US" dirty="0" smtClean="0"/>
-              <a:t>Can we convert our task-based matrix multiplication algorithm to use MPI?</a:t>
+              <a:t>Let’s attempt to implement a simple sum of integers using MPI.</a:t>
             </a:r>
             <a:endParaRPr lang="en-US" dirty="0"/>
           </a:p>

--- a/Lectures/Introduction to MPI/Introduction to MPI.pptx
+++ b/Lectures/Introduction to MPI/Introduction to MPI.pptx
@@ -5,7 +5,7 @@
     <p:sldMasterId id="2147483660" r:id="rId1"/>
   </p:sldMasterIdLst>
   <p:notesMasterIdLst>
-    <p:notesMasterId r:id="rId23"/>
+    <p:notesMasterId r:id="rId25"/>
   </p:notesMasterIdLst>
   <p:sldIdLst>
     <p:sldId id="256" r:id="rId2"/>
@@ -19,16 +19,18 @@
     <p:sldId id="264" r:id="rId10"/>
     <p:sldId id="265" r:id="rId11"/>
     <p:sldId id="266" r:id="rId12"/>
-    <p:sldId id="267" r:id="rId13"/>
-    <p:sldId id="268" r:id="rId14"/>
-    <p:sldId id="269" r:id="rId15"/>
-    <p:sldId id="270" r:id="rId16"/>
-    <p:sldId id="271" r:id="rId17"/>
-    <p:sldId id="272" r:id="rId18"/>
-    <p:sldId id="273" r:id="rId19"/>
-    <p:sldId id="274" r:id="rId20"/>
-    <p:sldId id="275" r:id="rId21"/>
-    <p:sldId id="276" r:id="rId22"/>
+    <p:sldId id="278" r:id="rId13"/>
+    <p:sldId id="267" r:id="rId14"/>
+    <p:sldId id="268" r:id="rId15"/>
+    <p:sldId id="269" r:id="rId16"/>
+    <p:sldId id="270" r:id="rId17"/>
+    <p:sldId id="271" r:id="rId18"/>
+    <p:sldId id="272" r:id="rId19"/>
+    <p:sldId id="273" r:id="rId20"/>
+    <p:sldId id="274" r:id="rId21"/>
+    <p:sldId id="275" r:id="rId22"/>
+    <p:sldId id="276" r:id="rId23"/>
+    <p:sldId id="277" r:id="rId24"/>
   </p:sldIdLst>
   <p:sldSz cx="9144000" cy="6858000" type="screen4x3"/>
   <p:notesSz cx="6858000" cy="9144000"/>
@@ -212,7 +214,7 @@
           <a:p>
             <a:fld id="{DBE0ECA1-3FBF-48AE-AD2A-4439AE745E19}" type="datetimeFigureOut">
               <a:rPr lang="en-US" smtClean="0"/>
-              <a:t>1/6/2014</a:t>
+              <a:t>1/7/2014</a:t>
             </a:fld>
             <a:endParaRPr lang="en-US"/>
           </a:p>
@@ -673,7 +675,7 @@
           <a:p>
             <a:fld id="{9769DED8-28D4-45B9-A00F-7CFE9335FEA6}" type="datetime1">
               <a:rPr lang="en-US" smtClean="0"/>
-              <a:t>1/6/2014</a:t>
+              <a:t>1/7/2014</a:t>
             </a:fld>
             <a:endParaRPr lang="en-US"/>
           </a:p>
@@ -938,7 +940,7 @@
           <a:p>
             <a:fld id="{2DB3D439-1F88-44B4-B5F7-F9BCD4064257}" type="datetime1">
               <a:rPr lang="en-US" smtClean="0"/>
-              <a:t>1/6/2014</a:t>
+              <a:t>1/7/2014</a:t>
             </a:fld>
             <a:endParaRPr lang="en-US"/>
           </a:p>
@@ -1113,7 +1115,7 @@
           <a:p>
             <a:fld id="{99C5638F-6F55-4055-935C-67841BE78C36}" type="datetime1">
               <a:rPr lang="en-US" smtClean="0"/>
-              <a:t>1/6/2014</a:t>
+              <a:t>1/7/2014</a:t>
             </a:fld>
             <a:endParaRPr lang="en-US"/>
           </a:p>
@@ -1278,7 +1280,7 @@
           <a:p>
             <a:fld id="{E6987D90-0C92-4B22-A29D-FED15412CED2}" type="datetime1">
               <a:rPr lang="en-US" smtClean="0"/>
-              <a:t>1/6/2014</a:t>
+              <a:t>1/7/2014</a:t>
             </a:fld>
             <a:endParaRPr lang="en-US"/>
           </a:p>
@@ -1527,7 +1529,7 @@
           <a:p>
             <a:fld id="{DDB67BC4-9554-49E0-BCB3-D1EF965BA0B8}" type="datetime1">
               <a:rPr lang="en-US" smtClean="0"/>
-              <a:t>1/6/2014</a:t>
+              <a:t>1/7/2014</a:t>
             </a:fld>
             <a:endParaRPr lang="en-US"/>
           </a:p>
@@ -1810,7 +1812,7 @@
           <a:p>
             <a:fld id="{EC24D770-803D-4E01-921C-9C100DD8230C}" type="datetime1">
               <a:rPr lang="en-US" smtClean="0"/>
-              <a:t>1/6/2014</a:t>
+              <a:t>1/7/2014</a:t>
             </a:fld>
             <a:endParaRPr lang="en-US"/>
           </a:p>
@@ -2249,7 +2251,7 @@
           <a:p>
             <a:fld id="{356AD44B-78A4-4209-8070-7DCBE2DC4992}" type="datetime1">
               <a:rPr lang="en-US" smtClean="0"/>
-              <a:t>1/6/2014</a:t>
+              <a:t>1/7/2014</a:t>
             </a:fld>
             <a:endParaRPr lang="en-US"/>
           </a:p>
@@ -2362,7 +2364,7 @@
           <a:p>
             <a:fld id="{A993C59A-7CA2-467F-B7F1-9096881A01B8}" type="datetime1">
               <a:rPr lang="en-US" smtClean="0"/>
-              <a:t>1/6/2014</a:t>
+              <a:t>1/7/2014</a:t>
             </a:fld>
             <a:endParaRPr lang="en-US"/>
           </a:p>
@@ -2452,7 +2454,7 @@
           <a:p>
             <a:fld id="{2B6B58D0-2488-434A-8ED1-692E09B85CC5}" type="datetime1">
               <a:rPr lang="en-US" smtClean="0"/>
-              <a:t>1/6/2014</a:t>
+              <a:t>1/7/2014</a:t>
             </a:fld>
             <a:endParaRPr lang="en-US"/>
           </a:p>
@@ -2694,7 +2696,7 @@
           <a:p>
             <a:fld id="{FDB0AFC2-7D64-4F61-A7B7-9932D3305DDA}" type="datetime1">
               <a:rPr lang="en-US" smtClean="0"/>
-              <a:t>1/6/2014</a:t>
+              <a:t>1/7/2014</a:t>
             </a:fld>
             <a:endParaRPr lang="en-US"/>
           </a:p>
@@ -2988,7 +2990,7 @@
           <a:p>
             <a:fld id="{4983D17A-D7B2-4ECE-8A2C-93679B9D177B}" type="datetime1">
               <a:rPr lang="en-US" smtClean="0"/>
-              <a:t>1/6/2014</a:t>
+              <a:t>1/7/2014</a:t>
             </a:fld>
             <a:endParaRPr lang="en-US"/>
           </a:p>
@@ -3282,7 +3284,7 @@
           <a:p>
             <a:fld id="{2A5275F7-419E-4C23-8A3D-2EE5742B2EC9}" type="datetime1">
               <a:rPr lang="en-US" smtClean="0"/>
-              <a:t>1/6/2014</a:t>
+              <a:t>1/7/2014</a:t>
             </a:fld>
             <a:endParaRPr lang="en-US"/>
           </a:p>
@@ -4044,6 +4046,13 @@
   <p:clrMapOvr>
     <a:masterClrMapping/>
   </p:clrMapOvr>
+  <p:timing>
+    <p:tnLst>
+      <p:par>
+        <p:cTn id="1" dur="indefinite" restart="never" nodeType="tmRoot"/>
+      </p:par>
+    </p:tnLst>
+  </p:timing>
 </p:sld>
 </file>
 
@@ -4287,6 +4296,13 @@
   <p:clrMapOvr>
     <a:masterClrMapping/>
   </p:clrMapOvr>
+  <p:timing>
+    <p:tnLst>
+      <p:par>
+        <p:cTn id="1" dur="indefinite" restart="never" nodeType="tmRoot"/>
+      </p:par>
+    </p:tnLst>
+  </p:timing>
 </p:sld>
 </file>
 
@@ -4319,94 +4335,151 @@
         </p:nvSpPr>
         <p:spPr/>
         <p:txBody>
+          <a:bodyPr>
+            <a:normAutofit fontScale="90000"/>
+          </a:bodyPr>
+          <a:lstStyle/>
+          <a:p>
+            <a:r>
+              <a:rPr lang="en-US" dirty="0" smtClean="0"/>
+              <a:t>Determining the number of processes</a:t>
+            </a:r>
+            <a:endParaRPr lang="en-US" dirty="0"/>
+          </a:p>
+        </p:txBody>
+      </p:sp>
+      <p:sp>
+        <p:nvSpPr>
+          <p:cNvPr id="3" name="Content Placeholder 2"/>
+          <p:cNvSpPr>
+            <a:spLocks noGrp="1"/>
+          </p:cNvSpPr>
+          <p:nvPr>
+            <p:ph idx="1"/>
+          </p:nvPr>
+        </p:nvSpPr>
+        <p:spPr/>
+        <p:txBody>
           <a:bodyPr/>
           <a:lstStyle/>
           <a:p>
             <a:r>
               <a:rPr lang="en-US" dirty="0" smtClean="0"/>
-              <a:t>Passing messages</a:t>
-            </a:r>
+              <a:t>The number of processes is passed to the run-time on the command line by the user.</a:t>
+            </a:r>
+          </a:p>
+          <a:p>
+            <a:pPr marL="800100" lvl="1" indent="-342900"/>
+            <a:r>
+              <a:rPr lang="en-US" dirty="0" smtClean="0"/>
+              <a:t>The MPI_Comm_size method can be used to determine the number of processes.</a:t>
+            </a:r>
+          </a:p>
+          <a:p>
+            <a:pPr marL="342900" indent="-342900"/>
             <a:endParaRPr lang="en-US" dirty="0"/>
           </a:p>
-        </p:txBody>
-      </p:sp>
-      <p:sp>
-        <p:nvSpPr>
-          <p:cNvPr id="3" name="Content Placeholder 2"/>
-          <p:cNvSpPr>
-            <a:spLocks noGrp="1"/>
-          </p:cNvSpPr>
-          <p:nvPr>
-            <p:ph idx="1"/>
-          </p:nvPr>
-        </p:nvSpPr>
-        <p:spPr/>
-        <p:txBody>
-          <a:bodyPr/>
-          <a:lstStyle/>
-          <a:p>
-            <a:r>
-              <a:rPr lang="en-US" dirty="0" smtClean="0"/>
-              <a:t>We can use the MPI_Send and MPI_Recv methods to pass messages.</a:t>
-            </a:r>
-          </a:p>
-          <a:p>
-            <a:pPr marL="800100" lvl="1" indent="-342900"/>
-            <a:r>
-              <a:rPr lang="en-US" dirty="0" smtClean="0"/>
-              <a:t>MPI_Send is called to send a message to another process</a:t>
-            </a:r>
-          </a:p>
-          <a:p>
-            <a:pPr marL="800100" lvl="1" indent="-342900"/>
-            <a:r>
-              <a:rPr lang="en-US" dirty="0" smtClean="0"/>
-              <a:t>MPI_Recv is called to get a message sent to this process</a:t>
-            </a:r>
-          </a:p>
-          <a:p>
-            <a:pPr marL="800100" lvl="1" indent="-342900"/>
-            <a:r>
-              <a:rPr lang="en-US" dirty="0" smtClean="0"/>
-              <a:t>Both of these methods are </a:t>
-            </a:r>
-            <a:r>
-              <a:rPr lang="en-US" i="1" dirty="0" smtClean="0"/>
-              <a:t>blocking</a:t>
-            </a:r>
-            <a:endParaRPr lang="en-US" dirty="0"/>
-          </a:p>
-          <a:p>
-            <a:pPr marL="1485900" lvl="2" indent="-342900"/>
-            <a:r>
-              <a:rPr lang="en-US" dirty="0" smtClean="0"/>
-              <a:t>MPI_Send does not return until the matching MPI_Recv has started and the data is sent.</a:t>
-            </a:r>
-          </a:p>
-          <a:p>
-            <a:pPr marL="1485900" lvl="2" indent="-342900"/>
-            <a:r>
-              <a:rPr lang="en-US" dirty="0" smtClean="0"/>
-              <a:t>MPI_Recv does not return until the match send has started and the data is received.</a:t>
-            </a:r>
-          </a:p>
-          <a:p>
-            <a:pPr marL="800100" lvl="1" indent="-342900"/>
-            <a:r>
-              <a:rPr lang="en-US" dirty="0" smtClean="0"/>
-              <a:t>MPI does define non-blocking send and receive methods</a:t>
-            </a:r>
-          </a:p>
-          <a:p>
-            <a:pPr marL="800100" lvl="1" indent="-342900"/>
-            <a:r>
-              <a:rPr lang="en-US" dirty="0" smtClean="0"/>
-              <a:t>The performance benefit is sometimes not worth the cost of implementation.</a:t>
-            </a:r>
-            <a:endParaRPr lang="en-US" dirty="0"/>
-          </a:p>
           <a:p>
             <a:pPr marL="342900" indent="-342900"/>
+            <a:r>
+              <a:rPr lang="en-US" dirty="0">
+                <a:cs typeface="Courier New" panose="02070309020205020404" pitchFamily="49" charset="0"/>
+              </a:rPr>
+              <a:t>Signature:</a:t>
+            </a:r>
+            <a:endParaRPr lang="en-US" dirty="0">
+              <a:latin typeface="Courier New" panose="02070309020205020404" pitchFamily="49" charset="0"/>
+              <a:cs typeface="Courier New" panose="02070309020205020404" pitchFamily="49" charset="0"/>
+            </a:endParaRPr>
+          </a:p>
+          <a:p>
+            <a:pPr marL="342900" indent="-342900"/>
+            <a:r>
+              <a:rPr lang="en-US" dirty="0" err="1">
+                <a:solidFill>
+                  <a:srgbClr val="7F0055"/>
+                </a:solidFill>
+                <a:latin typeface="Courier New" panose="02070309020205020404" pitchFamily="49" charset="0"/>
+                <a:cs typeface="Courier New" panose="02070309020205020404" pitchFamily="49" charset="0"/>
+              </a:rPr>
+              <a:t>int</a:t>
+            </a:r>
+            <a:r>
+              <a:rPr lang="en-US" dirty="0">
+                <a:latin typeface="Courier New" panose="02070309020205020404" pitchFamily="49" charset="0"/>
+                <a:cs typeface="Courier New" panose="02070309020205020404" pitchFamily="49" charset="0"/>
+              </a:rPr>
+              <a:t> </a:t>
+            </a:r>
+            <a:r>
+              <a:rPr lang="en-US" dirty="0" smtClean="0">
+                <a:latin typeface="Courier New" panose="02070309020205020404" pitchFamily="49" charset="0"/>
+                <a:cs typeface="Courier New" panose="02070309020205020404" pitchFamily="49" charset="0"/>
+              </a:rPr>
+              <a:t>MPI_Comm_size(</a:t>
+            </a:r>
+            <a:r>
+              <a:rPr lang="en-US" dirty="0" err="1" smtClean="0">
+                <a:latin typeface="Courier New" panose="02070309020205020404" pitchFamily="49" charset="0"/>
+                <a:cs typeface="Courier New" panose="02070309020205020404" pitchFamily="49" charset="0"/>
+              </a:rPr>
+              <a:t>MPI_Comm</a:t>
+            </a:r>
+            <a:r>
+              <a:rPr lang="en-US" dirty="0" smtClean="0">
+                <a:latin typeface="Courier New" panose="02070309020205020404" pitchFamily="49" charset="0"/>
+                <a:cs typeface="Courier New" panose="02070309020205020404" pitchFamily="49" charset="0"/>
+              </a:rPr>
+              <a:t> </a:t>
+            </a:r>
+            <a:r>
+              <a:rPr lang="en-US" dirty="0" err="1">
+                <a:latin typeface="Courier New" panose="02070309020205020404" pitchFamily="49" charset="0"/>
+                <a:cs typeface="Courier New" panose="02070309020205020404" pitchFamily="49" charset="0"/>
+              </a:rPr>
+              <a:t>comm</a:t>
+            </a:r>
+            <a:r>
+              <a:rPr lang="en-US" dirty="0">
+                <a:latin typeface="Courier New" panose="02070309020205020404" pitchFamily="49" charset="0"/>
+                <a:cs typeface="Courier New" panose="02070309020205020404" pitchFamily="49" charset="0"/>
+              </a:rPr>
+              <a:t>, </a:t>
+            </a:r>
+            <a:r>
+              <a:rPr lang="en-US" dirty="0" err="1">
+                <a:solidFill>
+                  <a:srgbClr val="7F0055"/>
+                </a:solidFill>
+                <a:latin typeface="Courier New" panose="02070309020205020404" pitchFamily="49" charset="0"/>
+                <a:cs typeface="Courier New" panose="02070309020205020404" pitchFamily="49" charset="0"/>
+              </a:rPr>
+              <a:t>int</a:t>
+            </a:r>
+            <a:r>
+              <a:rPr lang="en-US" dirty="0">
+                <a:latin typeface="Courier New" panose="02070309020205020404" pitchFamily="49" charset="0"/>
+                <a:cs typeface="Courier New" panose="02070309020205020404" pitchFamily="49" charset="0"/>
+              </a:rPr>
+              <a:t> </a:t>
+            </a:r>
+            <a:r>
+              <a:rPr lang="en-US" dirty="0" smtClean="0">
+                <a:latin typeface="Courier New" panose="02070309020205020404" pitchFamily="49" charset="0"/>
+                <a:cs typeface="Courier New" panose="02070309020205020404" pitchFamily="49" charset="0"/>
+              </a:rPr>
+              <a:t>*size)</a:t>
+            </a:r>
+            <a:endParaRPr lang="en-US" dirty="0">
+              <a:latin typeface="Courier New" panose="02070309020205020404" pitchFamily="49" charset="0"/>
+              <a:cs typeface="Courier New" panose="02070309020205020404" pitchFamily="49" charset="0"/>
+            </a:endParaRPr>
+          </a:p>
+          <a:p>
+            <a:pPr marL="342900" indent="-342900"/>
+            <a:endParaRPr lang="en-US" dirty="0" smtClean="0"/>
+          </a:p>
+          <a:p>
             <a:endParaRPr lang="en-US" dirty="0"/>
           </a:p>
         </p:txBody>
@@ -4437,13 +4510,20 @@
     </p:spTree>
     <p:extLst>
       <p:ext uri="{BB962C8B-B14F-4D97-AF65-F5344CB8AC3E}">
-        <p14:creationId xmlns:p14="http://schemas.microsoft.com/office/powerpoint/2010/main" val="2458564212"/>
+        <p14:creationId xmlns:p14="http://schemas.microsoft.com/office/powerpoint/2010/main" val="3769285209"/>
       </p:ext>
     </p:extLst>
   </p:cSld>
   <p:clrMapOvr>
     <a:masterClrMapping/>
   </p:clrMapOvr>
+  <p:timing>
+    <p:tnLst>
+      <p:par>
+        <p:cTn id="1" dur="indefinite" restart="never" nodeType="tmRoot"/>
+      </p:par>
+    </p:tnLst>
+  </p:timing>
 </p:sld>
 </file>
 
@@ -4481,15 +4561,7 @@
           <a:p>
             <a:r>
               <a:rPr lang="en-US" dirty="0" smtClean="0"/>
-              <a:t>Send and </a:t>
-            </a:r>
-            <a:r>
-              <a:rPr lang="en-US" dirty="0" err="1" smtClean="0"/>
-              <a:t>RecV</a:t>
-            </a:r>
-            <a:r>
-              <a:rPr lang="en-US" dirty="0" smtClean="0"/>
-              <a:t> signatures</a:t>
+              <a:t>Passing messages</a:t>
             </a:r>
             <a:endParaRPr lang="en-US" dirty="0"/>
           </a:p>
@@ -4511,492 +4583,68 @@
           <a:lstStyle/>
           <a:p>
             <a:r>
-              <a:rPr lang="en-US" dirty="0" err="1">
-                <a:solidFill>
-                  <a:srgbClr val="7F0055"/>
-                </a:solidFill>
-                <a:latin typeface="Courier New" panose="02070309020205020404" pitchFamily="49" charset="0"/>
-                <a:cs typeface="Courier New" panose="02070309020205020404" pitchFamily="49" charset="0"/>
-              </a:rPr>
-              <a:t>int</a:t>
-            </a:r>
-            <a:r>
-              <a:rPr lang="en-US" dirty="0">
-                <a:latin typeface="Courier New" panose="02070309020205020404" pitchFamily="49" charset="0"/>
-                <a:cs typeface="Courier New" panose="02070309020205020404" pitchFamily="49" charset="0"/>
-              </a:rPr>
-              <a:t> MPI_Send(</a:t>
-            </a:r>
-            <a:r>
-              <a:rPr lang="en-US" dirty="0">
-                <a:solidFill>
-                  <a:srgbClr val="7F0055"/>
-                </a:solidFill>
-                <a:latin typeface="Courier New" panose="02070309020205020404" pitchFamily="49" charset="0"/>
-                <a:cs typeface="Courier New" panose="02070309020205020404" pitchFamily="49" charset="0"/>
-              </a:rPr>
-              <a:t>void</a:t>
-            </a:r>
-            <a:r>
-              <a:rPr lang="en-US" dirty="0">
-                <a:latin typeface="Courier New" panose="02070309020205020404" pitchFamily="49" charset="0"/>
-                <a:cs typeface="Courier New" panose="02070309020205020404" pitchFamily="49" charset="0"/>
-              </a:rPr>
-              <a:t> *</a:t>
-            </a:r>
-            <a:r>
-              <a:rPr lang="en-US" dirty="0" err="1">
-                <a:latin typeface="Courier New" panose="02070309020205020404" pitchFamily="49" charset="0"/>
-                <a:cs typeface="Courier New" panose="02070309020205020404" pitchFamily="49" charset="0"/>
-              </a:rPr>
-              <a:t>buf</a:t>
-            </a:r>
-            <a:r>
-              <a:rPr lang="en-US" dirty="0">
-                <a:latin typeface="Courier New" panose="02070309020205020404" pitchFamily="49" charset="0"/>
-                <a:cs typeface="Courier New" panose="02070309020205020404" pitchFamily="49" charset="0"/>
-              </a:rPr>
-              <a:t>, </a:t>
-            </a:r>
-            <a:r>
-              <a:rPr lang="en-US" dirty="0" err="1">
-                <a:solidFill>
-                  <a:srgbClr val="7F0055"/>
-                </a:solidFill>
-                <a:latin typeface="Courier New" panose="02070309020205020404" pitchFamily="49" charset="0"/>
-                <a:cs typeface="Courier New" panose="02070309020205020404" pitchFamily="49" charset="0"/>
-              </a:rPr>
-              <a:t>int</a:t>
-            </a:r>
-            <a:r>
-              <a:rPr lang="en-US" dirty="0">
-                <a:latin typeface="Courier New" panose="02070309020205020404" pitchFamily="49" charset="0"/>
-                <a:cs typeface="Courier New" panose="02070309020205020404" pitchFamily="49" charset="0"/>
-              </a:rPr>
-              <a:t> </a:t>
-            </a:r>
-            <a:r>
-              <a:rPr lang="en-US" dirty="0" smtClean="0">
-                <a:latin typeface="Courier New" panose="02070309020205020404" pitchFamily="49" charset="0"/>
-                <a:cs typeface="Courier New" panose="02070309020205020404" pitchFamily="49" charset="0"/>
-              </a:rPr>
-              <a:t>count,</a:t>
-            </a:r>
-          </a:p>
-          <a:p>
-            <a:r>
-              <a:rPr lang="en-US" dirty="0">
-                <a:latin typeface="Courier New" panose="02070309020205020404" pitchFamily="49" charset="0"/>
-                <a:cs typeface="Courier New" panose="02070309020205020404" pitchFamily="49" charset="0"/>
-              </a:rPr>
-              <a:t>	</a:t>
-            </a:r>
-            <a:r>
-              <a:rPr lang="en-US" dirty="0" smtClean="0">
-                <a:latin typeface="Courier New" panose="02070309020205020404" pitchFamily="49" charset="0"/>
-                <a:cs typeface="Courier New" panose="02070309020205020404" pitchFamily="49" charset="0"/>
-              </a:rPr>
-              <a:t>	 </a:t>
-            </a:r>
-            <a:r>
-              <a:rPr lang="en-US" dirty="0" err="1" smtClean="0">
-                <a:latin typeface="Courier New" panose="02070309020205020404" pitchFamily="49" charset="0"/>
-                <a:cs typeface="Courier New" panose="02070309020205020404" pitchFamily="49" charset="0"/>
-              </a:rPr>
-              <a:t>MPI_Datatype</a:t>
-            </a:r>
-            <a:r>
-              <a:rPr lang="en-US" dirty="0" smtClean="0">
-                <a:latin typeface="Courier New" panose="02070309020205020404" pitchFamily="49" charset="0"/>
-                <a:cs typeface="Courier New" panose="02070309020205020404" pitchFamily="49" charset="0"/>
-              </a:rPr>
-              <a:t> </a:t>
-            </a:r>
-            <a:r>
-              <a:rPr lang="en-US" dirty="0" err="1">
-                <a:latin typeface="Courier New" panose="02070309020205020404" pitchFamily="49" charset="0"/>
-                <a:cs typeface="Courier New" panose="02070309020205020404" pitchFamily="49" charset="0"/>
-              </a:rPr>
-              <a:t>datatype</a:t>
-            </a:r>
-            <a:r>
-              <a:rPr lang="en-US" dirty="0">
-                <a:latin typeface="Courier New" panose="02070309020205020404" pitchFamily="49" charset="0"/>
-                <a:cs typeface="Courier New" panose="02070309020205020404" pitchFamily="49" charset="0"/>
-              </a:rPr>
-              <a:t>, </a:t>
-            </a:r>
-            <a:r>
-              <a:rPr lang="en-US" dirty="0" err="1">
-                <a:solidFill>
-                  <a:srgbClr val="7F0055"/>
-                </a:solidFill>
-                <a:latin typeface="Courier New" panose="02070309020205020404" pitchFamily="49" charset="0"/>
-                <a:cs typeface="Courier New" panose="02070309020205020404" pitchFamily="49" charset="0"/>
-              </a:rPr>
-              <a:t>int</a:t>
-            </a:r>
-            <a:r>
-              <a:rPr lang="en-US" dirty="0">
-                <a:latin typeface="Courier New" panose="02070309020205020404" pitchFamily="49" charset="0"/>
-                <a:cs typeface="Courier New" panose="02070309020205020404" pitchFamily="49" charset="0"/>
-              </a:rPr>
-              <a:t> </a:t>
-            </a:r>
-            <a:r>
-              <a:rPr lang="en-US" dirty="0" err="1" smtClean="0">
-                <a:latin typeface="Courier New" panose="02070309020205020404" pitchFamily="49" charset="0"/>
-                <a:cs typeface="Courier New" panose="02070309020205020404" pitchFamily="49" charset="0"/>
-              </a:rPr>
-              <a:t>dest</a:t>
-            </a:r>
-            <a:r>
-              <a:rPr lang="en-US" dirty="0" smtClean="0">
-                <a:latin typeface="Courier New" panose="02070309020205020404" pitchFamily="49" charset="0"/>
-                <a:cs typeface="Courier New" panose="02070309020205020404" pitchFamily="49" charset="0"/>
-              </a:rPr>
-              <a:t>,</a:t>
-            </a:r>
-          </a:p>
-          <a:p>
-            <a:r>
-              <a:rPr lang="en-US" dirty="0">
-                <a:solidFill>
-                  <a:srgbClr val="7F0055"/>
-                </a:solidFill>
-                <a:latin typeface="Courier New" panose="02070309020205020404" pitchFamily="49" charset="0"/>
-                <a:cs typeface="Courier New" panose="02070309020205020404" pitchFamily="49" charset="0"/>
-              </a:rPr>
-              <a:t> </a:t>
-            </a:r>
-            <a:r>
-              <a:rPr lang="en-US" dirty="0" smtClean="0">
-                <a:solidFill>
-                  <a:srgbClr val="7F0055"/>
-                </a:solidFill>
-                <a:latin typeface="Courier New" panose="02070309020205020404" pitchFamily="49" charset="0"/>
-                <a:cs typeface="Courier New" panose="02070309020205020404" pitchFamily="49" charset="0"/>
-              </a:rPr>
-              <a:t>            </a:t>
-            </a:r>
-            <a:r>
-              <a:rPr lang="en-US" dirty="0" err="1" smtClean="0">
-                <a:solidFill>
-                  <a:srgbClr val="7F0055"/>
-                </a:solidFill>
-                <a:latin typeface="Courier New" panose="02070309020205020404" pitchFamily="49" charset="0"/>
-                <a:cs typeface="Courier New" panose="02070309020205020404" pitchFamily="49" charset="0"/>
-              </a:rPr>
-              <a:t>int</a:t>
-            </a:r>
-            <a:r>
-              <a:rPr lang="en-US" dirty="0" smtClean="0">
-                <a:latin typeface="Courier New" panose="02070309020205020404" pitchFamily="49" charset="0"/>
-                <a:cs typeface="Courier New" panose="02070309020205020404" pitchFamily="49" charset="0"/>
-              </a:rPr>
-              <a:t> </a:t>
-            </a:r>
-            <a:r>
-              <a:rPr lang="en-US" dirty="0">
-                <a:latin typeface="Courier New" panose="02070309020205020404" pitchFamily="49" charset="0"/>
-                <a:cs typeface="Courier New" panose="02070309020205020404" pitchFamily="49" charset="0"/>
-              </a:rPr>
-              <a:t>tag, </a:t>
-            </a:r>
-            <a:r>
-              <a:rPr lang="en-US" dirty="0" err="1">
-                <a:latin typeface="Courier New" panose="02070309020205020404" pitchFamily="49" charset="0"/>
-                <a:cs typeface="Courier New" panose="02070309020205020404" pitchFamily="49" charset="0"/>
-              </a:rPr>
-              <a:t>MPI_Comm</a:t>
-            </a:r>
-            <a:r>
-              <a:rPr lang="en-US" dirty="0">
-                <a:latin typeface="Courier New" panose="02070309020205020404" pitchFamily="49" charset="0"/>
-                <a:cs typeface="Courier New" panose="02070309020205020404" pitchFamily="49" charset="0"/>
-              </a:rPr>
-              <a:t> </a:t>
-            </a:r>
-            <a:r>
-              <a:rPr lang="en-US" dirty="0" err="1" smtClean="0">
-                <a:latin typeface="Courier New" panose="02070309020205020404" pitchFamily="49" charset="0"/>
-                <a:cs typeface="Courier New" panose="02070309020205020404" pitchFamily="49" charset="0"/>
-              </a:rPr>
-              <a:t>comm</a:t>
-            </a:r>
-            <a:r>
-              <a:rPr lang="en-US" dirty="0" smtClean="0">
-                <a:latin typeface="Courier New" panose="02070309020205020404" pitchFamily="49" charset="0"/>
-                <a:cs typeface="Courier New" panose="02070309020205020404" pitchFamily="49" charset="0"/>
-              </a:rPr>
-              <a:t>)</a:t>
-            </a:r>
-          </a:p>
-          <a:p>
-            <a:endParaRPr lang="en-US" dirty="0" smtClean="0">
-              <a:latin typeface="Courier New" panose="02070309020205020404" pitchFamily="49" charset="0"/>
-              <a:cs typeface="Courier New" panose="02070309020205020404" pitchFamily="49" charset="0"/>
-            </a:endParaRPr>
-          </a:p>
-          <a:p>
-            <a:r>
-              <a:rPr lang="en-US" dirty="0" err="1" smtClean="0">
-                <a:solidFill>
-                  <a:srgbClr val="7F0055"/>
-                </a:solidFill>
-                <a:latin typeface="Courier New" panose="02070309020205020404" pitchFamily="49" charset="0"/>
-                <a:cs typeface="Courier New" panose="02070309020205020404" pitchFamily="49" charset="0"/>
-              </a:rPr>
-              <a:t>int</a:t>
-            </a:r>
-            <a:r>
-              <a:rPr lang="en-US" dirty="0" smtClean="0">
-                <a:latin typeface="Courier New" panose="02070309020205020404" pitchFamily="49" charset="0"/>
-                <a:cs typeface="Courier New" panose="02070309020205020404" pitchFamily="49" charset="0"/>
-              </a:rPr>
-              <a:t> </a:t>
-            </a:r>
-            <a:r>
-              <a:rPr lang="en-US" dirty="0">
-                <a:latin typeface="Courier New" panose="02070309020205020404" pitchFamily="49" charset="0"/>
-                <a:cs typeface="Courier New" panose="02070309020205020404" pitchFamily="49" charset="0"/>
-              </a:rPr>
-              <a:t>MPI_Recv(</a:t>
-            </a:r>
-            <a:r>
-              <a:rPr lang="en-US" dirty="0">
-                <a:solidFill>
-                  <a:srgbClr val="7F0055"/>
-                </a:solidFill>
-                <a:latin typeface="Courier New" panose="02070309020205020404" pitchFamily="49" charset="0"/>
-                <a:cs typeface="Courier New" panose="02070309020205020404" pitchFamily="49" charset="0"/>
-              </a:rPr>
-              <a:t>void</a:t>
-            </a:r>
-            <a:r>
-              <a:rPr lang="en-US" dirty="0">
-                <a:latin typeface="Courier New" panose="02070309020205020404" pitchFamily="49" charset="0"/>
-                <a:cs typeface="Courier New" panose="02070309020205020404" pitchFamily="49" charset="0"/>
-              </a:rPr>
-              <a:t> *</a:t>
-            </a:r>
-            <a:r>
-              <a:rPr lang="en-US" dirty="0" err="1">
-                <a:latin typeface="Courier New" panose="02070309020205020404" pitchFamily="49" charset="0"/>
-                <a:cs typeface="Courier New" panose="02070309020205020404" pitchFamily="49" charset="0"/>
-              </a:rPr>
-              <a:t>buf</a:t>
-            </a:r>
-            <a:r>
-              <a:rPr lang="en-US" dirty="0">
-                <a:latin typeface="Courier New" panose="02070309020205020404" pitchFamily="49" charset="0"/>
-                <a:cs typeface="Courier New" panose="02070309020205020404" pitchFamily="49" charset="0"/>
-              </a:rPr>
-              <a:t>, </a:t>
-            </a:r>
-            <a:r>
-              <a:rPr lang="en-US" dirty="0" err="1">
-                <a:solidFill>
-                  <a:srgbClr val="7F0055"/>
-                </a:solidFill>
-                <a:latin typeface="Courier New" panose="02070309020205020404" pitchFamily="49" charset="0"/>
-                <a:cs typeface="Courier New" panose="02070309020205020404" pitchFamily="49" charset="0"/>
-              </a:rPr>
-              <a:t>int</a:t>
-            </a:r>
-            <a:r>
-              <a:rPr lang="en-US" dirty="0">
-                <a:latin typeface="Courier New" panose="02070309020205020404" pitchFamily="49" charset="0"/>
-                <a:cs typeface="Courier New" panose="02070309020205020404" pitchFamily="49" charset="0"/>
-              </a:rPr>
-              <a:t> </a:t>
-            </a:r>
-            <a:r>
-              <a:rPr lang="en-US" dirty="0" smtClean="0">
-                <a:latin typeface="Courier New" panose="02070309020205020404" pitchFamily="49" charset="0"/>
-                <a:cs typeface="Courier New" panose="02070309020205020404" pitchFamily="49" charset="0"/>
-              </a:rPr>
-              <a:t>count,</a:t>
-            </a:r>
-          </a:p>
-          <a:p>
-            <a:r>
-              <a:rPr lang="en-US" dirty="0">
-                <a:latin typeface="Courier New" panose="02070309020205020404" pitchFamily="49" charset="0"/>
-                <a:cs typeface="Courier New" panose="02070309020205020404" pitchFamily="49" charset="0"/>
-              </a:rPr>
-              <a:t>	</a:t>
-            </a:r>
-            <a:r>
-              <a:rPr lang="en-US" dirty="0" smtClean="0">
-                <a:latin typeface="Courier New" panose="02070309020205020404" pitchFamily="49" charset="0"/>
-                <a:cs typeface="Courier New" panose="02070309020205020404" pitchFamily="49" charset="0"/>
-              </a:rPr>
-              <a:t>	 </a:t>
-            </a:r>
-            <a:r>
-              <a:rPr lang="en-US" dirty="0" err="1" smtClean="0">
-                <a:latin typeface="Courier New" panose="02070309020205020404" pitchFamily="49" charset="0"/>
-                <a:cs typeface="Courier New" panose="02070309020205020404" pitchFamily="49" charset="0"/>
-              </a:rPr>
-              <a:t>MPI_Datatype</a:t>
-            </a:r>
-            <a:r>
-              <a:rPr lang="en-US" dirty="0" smtClean="0">
-                <a:latin typeface="Courier New" panose="02070309020205020404" pitchFamily="49" charset="0"/>
-                <a:cs typeface="Courier New" panose="02070309020205020404" pitchFamily="49" charset="0"/>
-              </a:rPr>
-              <a:t> </a:t>
-            </a:r>
-            <a:r>
-              <a:rPr lang="en-US" dirty="0" err="1">
-                <a:latin typeface="Courier New" panose="02070309020205020404" pitchFamily="49" charset="0"/>
-                <a:cs typeface="Courier New" panose="02070309020205020404" pitchFamily="49" charset="0"/>
-              </a:rPr>
-              <a:t>datatype</a:t>
-            </a:r>
-            <a:r>
-              <a:rPr lang="en-US" dirty="0">
-                <a:latin typeface="Courier New" panose="02070309020205020404" pitchFamily="49" charset="0"/>
-                <a:cs typeface="Courier New" panose="02070309020205020404" pitchFamily="49" charset="0"/>
-              </a:rPr>
-              <a:t>, </a:t>
-            </a:r>
-            <a:r>
-              <a:rPr lang="en-US" dirty="0" err="1">
-                <a:solidFill>
-                  <a:srgbClr val="7F0055"/>
-                </a:solidFill>
-                <a:latin typeface="Courier New" panose="02070309020205020404" pitchFamily="49" charset="0"/>
-                <a:cs typeface="Courier New" panose="02070309020205020404" pitchFamily="49" charset="0"/>
-              </a:rPr>
-              <a:t>int</a:t>
-            </a:r>
-            <a:r>
-              <a:rPr lang="en-US" dirty="0">
-                <a:latin typeface="Courier New" panose="02070309020205020404" pitchFamily="49" charset="0"/>
-                <a:cs typeface="Courier New" panose="02070309020205020404" pitchFamily="49" charset="0"/>
-              </a:rPr>
-              <a:t> </a:t>
-            </a:r>
-            <a:r>
-              <a:rPr lang="en-US" dirty="0" smtClean="0">
-                <a:latin typeface="Courier New" panose="02070309020205020404" pitchFamily="49" charset="0"/>
-                <a:cs typeface="Courier New" panose="02070309020205020404" pitchFamily="49" charset="0"/>
-              </a:rPr>
-              <a:t>source,</a:t>
-            </a:r>
-          </a:p>
-          <a:p>
-            <a:r>
-              <a:rPr lang="en-US" dirty="0">
-                <a:solidFill>
-                  <a:srgbClr val="7F0055"/>
-                </a:solidFill>
-                <a:latin typeface="Courier New" panose="02070309020205020404" pitchFamily="49" charset="0"/>
-                <a:cs typeface="Courier New" panose="02070309020205020404" pitchFamily="49" charset="0"/>
-              </a:rPr>
-              <a:t> </a:t>
-            </a:r>
-            <a:r>
-              <a:rPr lang="en-US" dirty="0" smtClean="0">
-                <a:solidFill>
-                  <a:srgbClr val="7F0055"/>
-                </a:solidFill>
-                <a:latin typeface="Courier New" panose="02070309020205020404" pitchFamily="49" charset="0"/>
-                <a:cs typeface="Courier New" panose="02070309020205020404" pitchFamily="49" charset="0"/>
-              </a:rPr>
-              <a:t>            </a:t>
-            </a:r>
-            <a:r>
-              <a:rPr lang="en-US" dirty="0" err="1" smtClean="0">
-                <a:solidFill>
-                  <a:srgbClr val="7F0055"/>
-                </a:solidFill>
-                <a:latin typeface="Courier New" panose="02070309020205020404" pitchFamily="49" charset="0"/>
-                <a:cs typeface="Courier New" panose="02070309020205020404" pitchFamily="49" charset="0"/>
-              </a:rPr>
-              <a:t>int</a:t>
-            </a:r>
-            <a:r>
-              <a:rPr lang="en-US" dirty="0" smtClean="0">
-                <a:latin typeface="Courier New" panose="02070309020205020404" pitchFamily="49" charset="0"/>
-                <a:cs typeface="Courier New" panose="02070309020205020404" pitchFamily="49" charset="0"/>
-              </a:rPr>
-              <a:t> </a:t>
-            </a:r>
-            <a:r>
-              <a:rPr lang="en-US" dirty="0">
-                <a:latin typeface="Courier New" panose="02070309020205020404" pitchFamily="49" charset="0"/>
-                <a:cs typeface="Courier New" panose="02070309020205020404" pitchFamily="49" charset="0"/>
-              </a:rPr>
-              <a:t>tag, </a:t>
-            </a:r>
-            <a:r>
-              <a:rPr lang="en-US" dirty="0" err="1">
-                <a:latin typeface="Courier New" panose="02070309020205020404" pitchFamily="49" charset="0"/>
-                <a:cs typeface="Courier New" panose="02070309020205020404" pitchFamily="49" charset="0"/>
-              </a:rPr>
-              <a:t>MPI_Comm</a:t>
-            </a:r>
-            <a:r>
-              <a:rPr lang="en-US" dirty="0">
-                <a:latin typeface="Courier New" panose="02070309020205020404" pitchFamily="49" charset="0"/>
-                <a:cs typeface="Courier New" panose="02070309020205020404" pitchFamily="49" charset="0"/>
-              </a:rPr>
-              <a:t> </a:t>
-            </a:r>
-            <a:r>
-              <a:rPr lang="en-US" dirty="0" err="1" smtClean="0">
-                <a:latin typeface="Courier New" panose="02070309020205020404" pitchFamily="49" charset="0"/>
-                <a:cs typeface="Courier New" panose="02070309020205020404" pitchFamily="49" charset="0"/>
-              </a:rPr>
-              <a:t>comm</a:t>
-            </a:r>
-            <a:r>
-              <a:rPr lang="en-US" dirty="0" smtClean="0">
-                <a:latin typeface="Courier New" panose="02070309020205020404" pitchFamily="49" charset="0"/>
-                <a:cs typeface="Courier New" panose="02070309020205020404" pitchFamily="49" charset="0"/>
-              </a:rPr>
-              <a:t>,</a:t>
-            </a:r>
-          </a:p>
-          <a:p>
-            <a:r>
-              <a:rPr lang="en-US" dirty="0">
-                <a:latin typeface="Courier New" panose="02070309020205020404" pitchFamily="49" charset="0"/>
-                <a:cs typeface="Courier New" panose="02070309020205020404" pitchFamily="49" charset="0"/>
-              </a:rPr>
-              <a:t> </a:t>
-            </a:r>
-            <a:r>
-              <a:rPr lang="en-US" dirty="0" smtClean="0">
-                <a:latin typeface="Courier New" panose="02070309020205020404" pitchFamily="49" charset="0"/>
-                <a:cs typeface="Courier New" panose="02070309020205020404" pitchFamily="49" charset="0"/>
-              </a:rPr>
-              <a:t>            </a:t>
-            </a:r>
-            <a:r>
-              <a:rPr lang="en-US" dirty="0" err="1" smtClean="0">
-                <a:latin typeface="Courier New" panose="02070309020205020404" pitchFamily="49" charset="0"/>
-                <a:cs typeface="Courier New" panose="02070309020205020404" pitchFamily="49" charset="0"/>
-              </a:rPr>
-              <a:t>MPI_Status</a:t>
-            </a:r>
-            <a:r>
-              <a:rPr lang="en-US" dirty="0" smtClean="0">
-                <a:latin typeface="Courier New" panose="02070309020205020404" pitchFamily="49" charset="0"/>
-                <a:cs typeface="Courier New" panose="02070309020205020404" pitchFamily="49" charset="0"/>
-              </a:rPr>
-              <a:t> </a:t>
-            </a:r>
-            <a:r>
-              <a:rPr lang="en-US" dirty="0">
-                <a:latin typeface="Courier New" panose="02070309020205020404" pitchFamily="49" charset="0"/>
-                <a:cs typeface="Courier New" panose="02070309020205020404" pitchFamily="49" charset="0"/>
-              </a:rPr>
-              <a:t>*status)</a:t>
-            </a:r>
+              <a:rPr lang="en-US" dirty="0" smtClean="0"/>
+              <a:t>We can use the MPI_Send and MPI_Recv methods to pass messages.</a:t>
+            </a:r>
+          </a:p>
+          <a:p>
+            <a:pPr marL="800100" lvl="1" indent="-342900"/>
+            <a:r>
+              <a:rPr lang="en-US" dirty="0" smtClean="0"/>
+              <a:t>MPI_Send is called to send a message to another process</a:t>
+            </a:r>
+          </a:p>
+          <a:p>
+            <a:pPr marL="800100" lvl="1" indent="-342900"/>
+            <a:r>
+              <a:rPr lang="en-US" dirty="0" smtClean="0"/>
+              <a:t>MPI_Recv is called to get a message sent to this process</a:t>
+            </a:r>
+          </a:p>
+          <a:p>
+            <a:pPr marL="800100" lvl="1" indent="-342900"/>
+            <a:r>
+              <a:rPr lang="en-US" dirty="0" smtClean="0"/>
+              <a:t>Both of these methods are </a:t>
+            </a:r>
+            <a:r>
+              <a:rPr lang="en-US" i="1" dirty="0" smtClean="0"/>
+              <a:t>blocking</a:t>
+            </a:r>
+            <a:endParaRPr lang="en-US" dirty="0"/>
+          </a:p>
+          <a:p>
+            <a:pPr marL="1485900" lvl="2" indent="-342900"/>
+            <a:r>
+              <a:rPr lang="en-US" dirty="0" smtClean="0"/>
+              <a:t>MPI_Send does not return until the matching MPI_Recv has started and the data is sent.</a:t>
+            </a:r>
+          </a:p>
+          <a:p>
+            <a:pPr marL="1485900" lvl="2" indent="-342900"/>
+            <a:r>
+              <a:rPr lang="en-US" dirty="0" smtClean="0"/>
+              <a:t>MPI_Recv does not return until the match send has started and the data is received.</a:t>
+            </a:r>
+          </a:p>
+          <a:p>
+            <a:pPr marL="800100" lvl="1" indent="-342900"/>
+            <a:r>
+              <a:rPr lang="en-US" dirty="0" smtClean="0"/>
+              <a:t>MPI does define non-blocking send and receive methods</a:t>
+            </a:r>
+          </a:p>
+          <a:p>
+            <a:pPr marL="800100" lvl="1" indent="-342900"/>
+            <a:r>
+              <a:rPr lang="en-US" dirty="0" smtClean="0"/>
+              <a:t>The performance benefit is sometimes not worth the cost of implementation.</a:t>
+            </a:r>
+            <a:endParaRPr lang="en-US" dirty="0"/>
+          </a:p>
+          <a:p>
+            <a:pPr marL="342900" indent="-342900"/>
+            <a:endParaRPr lang="en-US" dirty="0"/>
           </a:p>
         </p:txBody>
       </p:sp>
@@ -5026,13 +4674,20 @@
     </p:spTree>
     <p:extLst>
       <p:ext uri="{BB962C8B-B14F-4D97-AF65-F5344CB8AC3E}">
-        <p14:creationId xmlns:p14="http://schemas.microsoft.com/office/powerpoint/2010/main" val="225494662"/>
+        <p14:creationId xmlns:p14="http://schemas.microsoft.com/office/powerpoint/2010/main" val="2458564212"/>
       </p:ext>
     </p:extLst>
   </p:cSld>
   <p:clrMapOvr>
     <a:masterClrMapping/>
   </p:clrMapOvr>
+  <p:timing>
+    <p:tnLst>
+      <p:par>
+        <p:cTn id="1" dur="indefinite" restart="never" nodeType="tmRoot"/>
+      </p:par>
+    </p:tnLst>
+  </p:timing>
 </p:sld>
 </file>
 
@@ -5070,7 +4725,15 @@
           <a:p>
             <a:r>
               <a:rPr lang="en-US" dirty="0" smtClean="0"/>
-              <a:t>Running an MPI program</a:t>
+              <a:t>Send and </a:t>
+            </a:r>
+            <a:r>
+              <a:rPr lang="en-US" dirty="0" err="1" smtClean="0"/>
+              <a:t>RecV</a:t>
+            </a:r>
+            <a:r>
+              <a:rPr lang="en-US" dirty="0" smtClean="0"/>
+              <a:t> signatures</a:t>
             </a:r>
             <a:endParaRPr lang="en-US" dirty="0"/>
           </a:p>
@@ -5092,76 +4755,492 @@
           <a:lstStyle/>
           <a:p>
             <a:r>
-              <a:rPr lang="en-US" dirty="0" smtClean="0"/>
-              <a:t>MPI requires a special run-time environment.</a:t>
-            </a:r>
-          </a:p>
-          <a:p>
-            <a:pPr marL="800100" lvl="1" indent="-342900"/>
-            <a:r>
-              <a:rPr lang="en-US" dirty="0" smtClean="0"/>
-              <a:t>Fortran, C, and C++ all don’t use a run-time environment.</a:t>
-            </a:r>
-          </a:p>
-          <a:p>
-            <a:pPr marL="800100" lvl="1" indent="-342900"/>
-            <a:r>
-              <a:rPr lang="en-US" dirty="0" smtClean="0"/>
-              <a:t>MPI programs must start with a special program</a:t>
-            </a:r>
-          </a:p>
-          <a:p>
-            <a:pPr marL="800100" lvl="1" indent="-342900"/>
-            <a:r>
-              <a:rPr lang="en-US" dirty="0" smtClean="0"/>
-              <a:t>For MPICH2 that program is named </a:t>
-            </a:r>
-            <a:r>
-              <a:rPr lang="en-US" dirty="0" err="1" smtClean="0"/>
-              <a:t>mpiexec</a:t>
-            </a:r>
-            <a:endParaRPr lang="en-US" dirty="0" smtClean="0"/>
-          </a:p>
-          <a:p>
-            <a:pPr marL="1485900" lvl="2" indent="-342900"/>
-            <a:r>
-              <a:rPr lang="en-US" dirty="0" err="1"/>
-              <a:t>mpiexec</a:t>
-            </a:r>
-            <a:r>
-              <a:rPr lang="en-US" dirty="0"/>
-              <a:t> creates each </a:t>
-            </a:r>
-            <a:r>
-              <a:rPr lang="en-US" dirty="0" smtClean="0"/>
-              <a:t>process</a:t>
-            </a:r>
-          </a:p>
-          <a:p>
-            <a:pPr marL="1485900" lvl="2" indent="-342900"/>
-            <a:r>
-              <a:rPr lang="en-US" dirty="0" err="1" smtClean="0"/>
-              <a:t>mpiexec</a:t>
-            </a:r>
-            <a:r>
-              <a:rPr lang="en-US" dirty="0" smtClean="0"/>
-              <a:t> calls the </a:t>
+              <a:rPr lang="en-US" dirty="0" err="1">
+                <a:solidFill>
+                  <a:srgbClr val="7F0055"/>
+                </a:solidFill>
+                <a:latin typeface="Courier New" panose="02070309020205020404" pitchFamily="49" charset="0"/>
+                <a:cs typeface="Courier New" panose="02070309020205020404" pitchFamily="49" charset="0"/>
+              </a:rPr>
+              <a:t>int</a:t>
+            </a:r>
+            <a:r>
+              <a:rPr lang="en-US" dirty="0">
+                <a:latin typeface="Courier New" panose="02070309020205020404" pitchFamily="49" charset="0"/>
+                <a:cs typeface="Courier New" panose="02070309020205020404" pitchFamily="49" charset="0"/>
+              </a:rPr>
+              <a:t> MPI_Send(</a:t>
+            </a:r>
+            <a:r>
+              <a:rPr lang="en-US" dirty="0">
+                <a:solidFill>
+                  <a:srgbClr val="7F0055"/>
+                </a:solidFill>
+                <a:latin typeface="Courier New" panose="02070309020205020404" pitchFamily="49" charset="0"/>
+                <a:cs typeface="Courier New" panose="02070309020205020404" pitchFamily="49" charset="0"/>
+              </a:rPr>
+              <a:t>void</a:t>
+            </a:r>
+            <a:r>
+              <a:rPr lang="en-US" dirty="0">
+                <a:latin typeface="Courier New" panose="02070309020205020404" pitchFamily="49" charset="0"/>
+                <a:cs typeface="Courier New" panose="02070309020205020404" pitchFamily="49" charset="0"/>
+              </a:rPr>
+              <a:t> *</a:t>
+            </a:r>
+            <a:r>
+              <a:rPr lang="en-US" dirty="0" err="1">
+                <a:latin typeface="Courier New" panose="02070309020205020404" pitchFamily="49" charset="0"/>
+                <a:cs typeface="Courier New" panose="02070309020205020404" pitchFamily="49" charset="0"/>
+              </a:rPr>
+              <a:t>buf</a:t>
+            </a:r>
+            <a:r>
+              <a:rPr lang="en-US" dirty="0">
+                <a:latin typeface="Courier New" panose="02070309020205020404" pitchFamily="49" charset="0"/>
+                <a:cs typeface="Courier New" panose="02070309020205020404" pitchFamily="49" charset="0"/>
+              </a:rPr>
+              <a:t>, </a:t>
+            </a:r>
+            <a:r>
+              <a:rPr lang="en-US" dirty="0" err="1">
+                <a:solidFill>
+                  <a:srgbClr val="7F0055"/>
+                </a:solidFill>
+                <a:latin typeface="Courier New" panose="02070309020205020404" pitchFamily="49" charset="0"/>
+                <a:cs typeface="Courier New" panose="02070309020205020404" pitchFamily="49" charset="0"/>
+              </a:rPr>
+              <a:t>int</a:t>
+            </a:r>
+            <a:r>
+              <a:rPr lang="en-US" dirty="0">
+                <a:latin typeface="Courier New" panose="02070309020205020404" pitchFamily="49" charset="0"/>
+                <a:cs typeface="Courier New" panose="02070309020205020404" pitchFamily="49" charset="0"/>
+              </a:rPr>
+              <a:t> </a:t>
             </a:r>
             <a:r>
               <a:rPr lang="en-US" dirty="0" smtClean="0">
                 <a:latin typeface="Courier New" panose="02070309020205020404" pitchFamily="49" charset="0"/>
                 <a:cs typeface="Courier New" panose="02070309020205020404" pitchFamily="49" charset="0"/>
               </a:rPr>
-              <a:t>main</a:t>
-            </a:r>
-            <a:r>
-              <a:rPr lang="en-US" dirty="0" smtClean="0"/>
-              <a:t> function for each process</a:t>
-            </a:r>
-          </a:p>
-          <a:p>
-            <a:pPr marL="800100" lvl="1" indent="-342900"/>
-            <a:endParaRPr lang="en-US" dirty="0"/>
+              <a:t>count,</a:t>
+            </a:r>
+          </a:p>
+          <a:p>
+            <a:r>
+              <a:rPr lang="en-US" dirty="0">
+                <a:latin typeface="Courier New" panose="02070309020205020404" pitchFamily="49" charset="0"/>
+                <a:cs typeface="Courier New" panose="02070309020205020404" pitchFamily="49" charset="0"/>
+              </a:rPr>
+              <a:t>	</a:t>
+            </a:r>
+            <a:r>
+              <a:rPr lang="en-US" dirty="0" smtClean="0">
+                <a:latin typeface="Courier New" panose="02070309020205020404" pitchFamily="49" charset="0"/>
+                <a:cs typeface="Courier New" panose="02070309020205020404" pitchFamily="49" charset="0"/>
+              </a:rPr>
+              <a:t>	 </a:t>
+            </a:r>
+            <a:r>
+              <a:rPr lang="en-US" dirty="0" err="1" smtClean="0">
+                <a:latin typeface="Courier New" panose="02070309020205020404" pitchFamily="49" charset="0"/>
+                <a:cs typeface="Courier New" panose="02070309020205020404" pitchFamily="49" charset="0"/>
+              </a:rPr>
+              <a:t>MPI_Datatype</a:t>
+            </a:r>
+            <a:r>
+              <a:rPr lang="en-US" dirty="0" smtClean="0">
+                <a:latin typeface="Courier New" panose="02070309020205020404" pitchFamily="49" charset="0"/>
+                <a:cs typeface="Courier New" panose="02070309020205020404" pitchFamily="49" charset="0"/>
+              </a:rPr>
+              <a:t> </a:t>
+            </a:r>
+            <a:r>
+              <a:rPr lang="en-US" dirty="0" err="1">
+                <a:latin typeface="Courier New" panose="02070309020205020404" pitchFamily="49" charset="0"/>
+                <a:cs typeface="Courier New" panose="02070309020205020404" pitchFamily="49" charset="0"/>
+              </a:rPr>
+              <a:t>datatype</a:t>
+            </a:r>
+            <a:r>
+              <a:rPr lang="en-US" dirty="0">
+                <a:latin typeface="Courier New" panose="02070309020205020404" pitchFamily="49" charset="0"/>
+                <a:cs typeface="Courier New" panose="02070309020205020404" pitchFamily="49" charset="0"/>
+              </a:rPr>
+              <a:t>, </a:t>
+            </a:r>
+            <a:r>
+              <a:rPr lang="en-US" dirty="0" err="1">
+                <a:solidFill>
+                  <a:srgbClr val="7F0055"/>
+                </a:solidFill>
+                <a:latin typeface="Courier New" panose="02070309020205020404" pitchFamily="49" charset="0"/>
+                <a:cs typeface="Courier New" panose="02070309020205020404" pitchFamily="49" charset="0"/>
+              </a:rPr>
+              <a:t>int</a:t>
+            </a:r>
+            <a:r>
+              <a:rPr lang="en-US" dirty="0">
+                <a:latin typeface="Courier New" panose="02070309020205020404" pitchFamily="49" charset="0"/>
+                <a:cs typeface="Courier New" panose="02070309020205020404" pitchFamily="49" charset="0"/>
+              </a:rPr>
+              <a:t> </a:t>
+            </a:r>
+            <a:r>
+              <a:rPr lang="en-US" dirty="0" err="1" smtClean="0">
+                <a:latin typeface="Courier New" panose="02070309020205020404" pitchFamily="49" charset="0"/>
+                <a:cs typeface="Courier New" panose="02070309020205020404" pitchFamily="49" charset="0"/>
+              </a:rPr>
+              <a:t>dest</a:t>
+            </a:r>
+            <a:r>
+              <a:rPr lang="en-US" dirty="0" smtClean="0">
+                <a:latin typeface="Courier New" panose="02070309020205020404" pitchFamily="49" charset="0"/>
+                <a:cs typeface="Courier New" panose="02070309020205020404" pitchFamily="49" charset="0"/>
+              </a:rPr>
+              <a:t>,</a:t>
+            </a:r>
+          </a:p>
+          <a:p>
+            <a:r>
+              <a:rPr lang="en-US" dirty="0">
+                <a:solidFill>
+                  <a:srgbClr val="7F0055"/>
+                </a:solidFill>
+                <a:latin typeface="Courier New" panose="02070309020205020404" pitchFamily="49" charset="0"/>
+                <a:cs typeface="Courier New" panose="02070309020205020404" pitchFamily="49" charset="0"/>
+              </a:rPr>
+              <a:t> </a:t>
+            </a:r>
+            <a:r>
+              <a:rPr lang="en-US" dirty="0" smtClean="0">
+                <a:solidFill>
+                  <a:srgbClr val="7F0055"/>
+                </a:solidFill>
+                <a:latin typeface="Courier New" panose="02070309020205020404" pitchFamily="49" charset="0"/>
+                <a:cs typeface="Courier New" panose="02070309020205020404" pitchFamily="49" charset="0"/>
+              </a:rPr>
+              <a:t>            </a:t>
+            </a:r>
+            <a:r>
+              <a:rPr lang="en-US" dirty="0" err="1" smtClean="0">
+                <a:solidFill>
+                  <a:srgbClr val="7F0055"/>
+                </a:solidFill>
+                <a:latin typeface="Courier New" panose="02070309020205020404" pitchFamily="49" charset="0"/>
+                <a:cs typeface="Courier New" panose="02070309020205020404" pitchFamily="49" charset="0"/>
+              </a:rPr>
+              <a:t>int</a:t>
+            </a:r>
+            <a:r>
+              <a:rPr lang="en-US" dirty="0" smtClean="0">
+                <a:latin typeface="Courier New" panose="02070309020205020404" pitchFamily="49" charset="0"/>
+                <a:cs typeface="Courier New" panose="02070309020205020404" pitchFamily="49" charset="0"/>
+              </a:rPr>
+              <a:t> </a:t>
+            </a:r>
+            <a:r>
+              <a:rPr lang="en-US" dirty="0">
+                <a:latin typeface="Courier New" panose="02070309020205020404" pitchFamily="49" charset="0"/>
+                <a:cs typeface="Courier New" panose="02070309020205020404" pitchFamily="49" charset="0"/>
+              </a:rPr>
+              <a:t>tag, </a:t>
+            </a:r>
+            <a:r>
+              <a:rPr lang="en-US" dirty="0" err="1">
+                <a:latin typeface="Courier New" panose="02070309020205020404" pitchFamily="49" charset="0"/>
+                <a:cs typeface="Courier New" panose="02070309020205020404" pitchFamily="49" charset="0"/>
+              </a:rPr>
+              <a:t>MPI_Comm</a:t>
+            </a:r>
+            <a:r>
+              <a:rPr lang="en-US" dirty="0">
+                <a:latin typeface="Courier New" panose="02070309020205020404" pitchFamily="49" charset="0"/>
+                <a:cs typeface="Courier New" panose="02070309020205020404" pitchFamily="49" charset="0"/>
+              </a:rPr>
+              <a:t> </a:t>
+            </a:r>
+            <a:r>
+              <a:rPr lang="en-US" dirty="0" err="1" smtClean="0">
+                <a:latin typeface="Courier New" panose="02070309020205020404" pitchFamily="49" charset="0"/>
+                <a:cs typeface="Courier New" panose="02070309020205020404" pitchFamily="49" charset="0"/>
+              </a:rPr>
+              <a:t>comm</a:t>
+            </a:r>
+            <a:r>
+              <a:rPr lang="en-US" dirty="0" smtClean="0">
+                <a:latin typeface="Courier New" panose="02070309020205020404" pitchFamily="49" charset="0"/>
+                <a:cs typeface="Courier New" panose="02070309020205020404" pitchFamily="49" charset="0"/>
+              </a:rPr>
+              <a:t>)</a:t>
+            </a:r>
+          </a:p>
+          <a:p>
+            <a:endParaRPr lang="en-US" dirty="0" smtClean="0">
+              <a:latin typeface="Courier New" panose="02070309020205020404" pitchFamily="49" charset="0"/>
+              <a:cs typeface="Courier New" panose="02070309020205020404" pitchFamily="49" charset="0"/>
+            </a:endParaRPr>
+          </a:p>
+          <a:p>
+            <a:r>
+              <a:rPr lang="en-US" dirty="0" err="1" smtClean="0">
+                <a:solidFill>
+                  <a:srgbClr val="7F0055"/>
+                </a:solidFill>
+                <a:latin typeface="Courier New" panose="02070309020205020404" pitchFamily="49" charset="0"/>
+                <a:cs typeface="Courier New" panose="02070309020205020404" pitchFamily="49" charset="0"/>
+              </a:rPr>
+              <a:t>int</a:t>
+            </a:r>
+            <a:r>
+              <a:rPr lang="en-US" dirty="0" smtClean="0">
+                <a:latin typeface="Courier New" panose="02070309020205020404" pitchFamily="49" charset="0"/>
+                <a:cs typeface="Courier New" panose="02070309020205020404" pitchFamily="49" charset="0"/>
+              </a:rPr>
+              <a:t> </a:t>
+            </a:r>
+            <a:r>
+              <a:rPr lang="en-US" dirty="0">
+                <a:latin typeface="Courier New" panose="02070309020205020404" pitchFamily="49" charset="0"/>
+                <a:cs typeface="Courier New" panose="02070309020205020404" pitchFamily="49" charset="0"/>
+              </a:rPr>
+              <a:t>MPI_Recv(</a:t>
+            </a:r>
+            <a:r>
+              <a:rPr lang="en-US" dirty="0">
+                <a:solidFill>
+                  <a:srgbClr val="7F0055"/>
+                </a:solidFill>
+                <a:latin typeface="Courier New" panose="02070309020205020404" pitchFamily="49" charset="0"/>
+                <a:cs typeface="Courier New" panose="02070309020205020404" pitchFamily="49" charset="0"/>
+              </a:rPr>
+              <a:t>void</a:t>
+            </a:r>
+            <a:r>
+              <a:rPr lang="en-US" dirty="0">
+                <a:latin typeface="Courier New" panose="02070309020205020404" pitchFamily="49" charset="0"/>
+                <a:cs typeface="Courier New" panose="02070309020205020404" pitchFamily="49" charset="0"/>
+              </a:rPr>
+              <a:t> *</a:t>
+            </a:r>
+            <a:r>
+              <a:rPr lang="en-US" dirty="0" err="1">
+                <a:latin typeface="Courier New" panose="02070309020205020404" pitchFamily="49" charset="0"/>
+                <a:cs typeface="Courier New" panose="02070309020205020404" pitchFamily="49" charset="0"/>
+              </a:rPr>
+              <a:t>buf</a:t>
+            </a:r>
+            <a:r>
+              <a:rPr lang="en-US" dirty="0">
+                <a:latin typeface="Courier New" panose="02070309020205020404" pitchFamily="49" charset="0"/>
+                <a:cs typeface="Courier New" panose="02070309020205020404" pitchFamily="49" charset="0"/>
+              </a:rPr>
+              <a:t>, </a:t>
+            </a:r>
+            <a:r>
+              <a:rPr lang="en-US" dirty="0" err="1">
+                <a:solidFill>
+                  <a:srgbClr val="7F0055"/>
+                </a:solidFill>
+                <a:latin typeface="Courier New" panose="02070309020205020404" pitchFamily="49" charset="0"/>
+                <a:cs typeface="Courier New" panose="02070309020205020404" pitchFamily="49" charset="0"/>
+              </a:rPr>
+              <a:t>int</a:t>
+            </a:r>
+            <a:r>
+              <a:rPr lang="en-US" dirty="0">
+                <a:latin typeface="Courier New" panose="02070309020205020404" pitchFamily="49" charset="0"/>
+                <a:cs typeface="Courier New" panose="02070309020205020404" pitchFamily="49" charset="0"/>
+              </a:rPr>
+              <a:t> </a:t>
+            </a:r>
+            <a:r>
+              <a:rPr lang="en-US" dirty="0" smtClean="0">
+                <a:latin typeface="Courier New" panose="02070309020205020404" pitchFamily="49" charset="0"/>
+                <a:cs typeface="Courier New" panose="02070309020205020404" pitchFamily="49" charset="0"/>
+              </a:rPr>
+              <a:t>count,</a:t>
+            </a:r>
+          </a:p>
+          <a:p>
+            <a:r>
+              <a:rPr lang="en-US" dirty="0">
+                <a:latin typeface="Courier New" panose="02070309020205020404" pitchFamily="49" charset="0"/>
+                <a:cs typeface="Courier New" panose="02070309020205020404" pitchFamily="49" charset="0"/>
+              </a:rPr>
+              <a:t>	</a:t>
+            </a:r>
+            <a:r>
+              <a:rPr lang="en-US" dirty="0" smtClean="0">
+                <a:latin typeface="Courier New" panose="02070309020205020404" pitchFamily="49" charset="0"/>
+                <a:cs typeface="Courier New" panose="02070309020205020404" pitchFamily="49" charset="0"/>
+              </a:rPr>
+              <a:t>	 </a:t>
+            </a:r>
+            <a:r>
+              <a:rPr lang="en-US" dirty="0" err="1" smtClean="0">
+                <a:latin typeface="Courier New" panose="02070309020205020404" pitchFamily="49" charset="0"/>
+                <a:cs typeface="Courier New" panose="02070309020205020404" pitchFamily="49" charset="0"/>
+              </a:rPr>
+              <a:t>MPI_Datatype</a:t>
+            </a:r>
+            <a:r>
+              <a:rPr lang="en-US" dirty="0" smtClean="0">
+                <a:latin typeface="Courier New" panose="02070309020205020404" pitchFamily="49" charset="0"/>
+                <a:cs typeface="Courier New" panose="02070309020205020404" pitchFamily="49" charset="0"/>
+              </a:rPr>
+              <a:t> </a:t>
+            </a:r>
+            <a:r>
+              <a:rPr lang="en-US" dirty="0" err="1">
+                <a:latin typeface="Courier New" panose="02070309020205020404" pitchFamily="49" charset="0"/>
+                <a:cs typeface="Courier New" panose="02070309020205020404" pitchFamily="49" charset="0"/>
+              </a:rPr>
+              <a:t>datatype</a:t>
+            </a:r>
+            <a:r>
+              <a:rPr lang="en-US" dirty="0">
+                <a:latin typeface="Courier New" panose="02070309020205020404" pitchFamily="49" charset="0"/>
+                <a:cs typeface="Courier New" panose="02070309020205020404" pitchFamily="49" charset="0"/>
+              </a:rPr>
+              <a:t>, </a:t>
+            </a:r>
+            <a:r>
+              <a:rPr lang="en-US" dirty="0" err="1">
+                <a:solidFill>
+                  <a:srgbClr val="7F0055"/>
+                </a:solidFill>
+                <a:latin typeface="Courier New" panose="02070309020205020404" pitchFamily="49" charset="0"/>
+                <a:cs typeface="Courier New" panose="02070309020205020404" pitchFamily="49" charset="0"/>
+              </a:rPr>
+              <a:t>int</a:t>
+            </a:r>
+            <a:r>
+              <a:rPr lang="en-US" dirty="0">
+                <a:latin typeface="Courier New" panose="02070309020205020404" pitchFamily="49" charset="0"/>
+                <a:cs typeface="Courier New" panose="02070309020205020404" pitchFamily="49" charset="0"/>
+              </a:rPr>
+              <a:t> </a:t>
+            </a:r>
+            <a:r>
+              <a:rPr lang="en-US" dirty="0" smtClean="0">
+                <a:latin typeface="Courier New" panose="02070309020205020404" pitchFamily="49" charset="0"/>
+                <a:cs typeface="Courier New" panose="02070309020205020404" pitchFamily="49" charset="0"/>
+              </a:rPr>
+              <a:t>source,</a:t>
+            </a:r>
+          </a:p>
+          <a:p>
+            <a:r>
+              <a:rPr lang="en-US" dirty="0">
+                <a:solidFill>
+                  <a:srgbClr val="7F0055"/>
+                </a:solidFill>
+                <a:latin typeface="Courier New" panose="02070309020205020404" pitchFamily="49" charset="0"/>
+                <a:cs typeface="Courier New" panose="02070309020205020404" pitchFamily="49" charset="0"/>
+              </a:rPr>
+              <a:t> </a:t>
+            </a:r>
+            <a:r>
+              <a:rPr lang="en-US" dirty="0" smtClean="0">
+                <a:solidFill>
+                  <a:srgbClr val="7F0055"/>
+                </a:solidFill>
+                <a:latin typeface="Courier New" panose="02070309020205020404" pitchFamily="49" charset="0"/>
+                <a:cs typeface="Courier New" panose="02070309020205020404" pitchFamily="49" charset="0"/>
+              </a:rPr>
+              <a:t>            </a:t>
+            </a:r>
+            <a:r>
+              <a:rPr lang="en-US" dirty="0" err="1" smtClean="0">
+                <a:solidFill>
+                  <a:srgbClr val="7F0055"/>
+                </a:solidFill>
+                <a:latin typeface="Courier New" panose="02070309020205020404" pitchFamily="49" charset="0"/>
+                <a:cs typeface="Courier New" panose="02070309020205020404" pitchFamily="49" charset="0"/>
+              </a:rPr>
+              <a:t>int</a:t>
+            </a:r>
+            <a:r>
+              <a:rPr lang="en-US" dirty="0" smtClean="0">
+                <a:latin typeface="Courier New" panose="02070309020205020404" pitchFamily="49" charset="0"/>
+                <a:cs typeface="Courier New" panose="02070309020205020404" pitchFamily="49" charset="0"/>
+              </a:rPr>
+              <a:t> </a:t>
+            </a:r>
+            <a:r>
+              <a:rPr lang="en-US" dirty="0">
+                <a:latin typeface="Courier New" panose="02070309020205020404" pitchFamily="49" charset="0"/>
+                <a:cs typeface="Courier New" panose="02070309020205020404" pitchFamily="49" charset="0"/>
+              </a:rPr>
+              <a:t>tag, </a:t>
+            </a:r>
+            <a:r>
+              <a:rPr lang="en-US" dirty="0" err="1">
+                <a:latin typeface="Courier New" panose="02070309020205020404" pitchFamily="49" charset="0"/>
+                <a:cs typeface="Courier New" panose="02070309020205020404" pitchFamily="49" charset="0"/>
+              </a:rPr>
+              <a:t>MPI_Comm</a:t>
+            </a:r>
+            <a:r>
+              <a:rPr lang="en-US" dirty="0">
+                <a:latin typeface="Courier New" panose="02070309020205020404" pitchFamily="49" charset="0"/>
+                <a:cs typeface="Courier New" panose="02070309020205020404" pitchFamily="49" charset="0"/>
+              </a:rPr>
+              <a:t> </a:t>
+            </a:r>
+            <a:r>
+              <a:rPr lang="en-US" dirty="0" err="1" smtClean="0">
+                <a:latin typeface="Courier New" panose="02070309020205020404" pitchFamily="49" charset="0"/>
+                <a:cs typeface="Courier New" panose="02070309020205020404" pitchFamily="49" charset="0"/>
+              </a:rPr>
+              <a:t>comm</a:t>
+            </a:r>
+            <a:r>
+              <a:rPr lang="en-US" dirty="0" smtClean="0">
+                <a:latin typeface="Courier New" panose="02070309020205020404" pitchFamily="49" charset="0"/>
+                <a:cs typeface="Courier New" panose="02070309020205020404" pitchFamily="49" charset="0"/>
+              </a:rPr>
+              <a:t>,</a:t>
+            </a:r>
+          </a:p>
+          <a:p>
+            <a:r>
+              <a:rPr lang="en-US" dirty="0">
+                <a:latin typeface="Courier New" panose="02070309020205020404" pitchFamily="49" charset="0"/>
+                <a:cs typeface="Courier New" panose="02070309020205020404" pitchFamily="49" charset="0"/>
+              </a:rPr>
+              <a:t> </a:t>
+            </a:r>
+            <a:r>
+              <a:rPr lang="en-US" dirty="0" smtClean="0">
+                <a:latin typeface="Courier New" panose="02070309020205020404" pitchFamily="49" charset="0"/>
+                <a:cs typeface="Courier New" panose="02070309020205020404" pitchFamily="49" charset="0"/>
+              </a:rPr>
+              <a:t>            </a:t>
+            </a:r>
+            <a:r>
+              <a:rPr lang="en-US" dirty="0" err="1" smtClean="0">
+                <a:latin typeface="Courier New" panose="02070309020205020404" pitchFamily="49" charset="0"/>
+                <a:cs typeface="Courier New" panose="02070309020205020404" pitchFamily="49" charset="0"/>
+              </a:rPr>
+              <a:t>MPI_Status</a:t>
+            </a:r>
+            <a:r>
+              <a:rPr lang="en-US" dirty="0" smtClean="0">
+                <a:latin typeface="Courier New" panose="02070309020205020404" pitchFamily="49" charset="0"/>
+                <a:cs typeface="Courier New" panose="02070309020205020404" pitchFamily="49" charset="0"/>
+              </a:rPr>
+              <a:t> </a:t>
+            </a:r>
+            <a:r>
+              <a:rPr lang="en-US" dirty="0">
+                <a:latin typeface="Courier New" panose="02070309020205020404" pitchFamily="49" charset="0"/>
+                <a:cs typeface="Courier New" panose="02070309020205020404" pitchFamily="49" charset="0"/>
+              </a:rPr>
+              <a:t>*status)</a:t>
+            </a:r>
           </a:p>
         </p:txBody>
       </p:sp>
@@ -5191,13 +5270,20 @@
     </p:spTree>
     <p:extLst>
       <p:ext uri="{BB962C8B-B14F-4D97-AF65-F5344CB8AC3E}">
-        <p14:creationId xmlns:p14="http://schemas.microsoft.com/office/powerpoint/2010/main" val="3780055129"/>
+        <p14:creationId xmlns:p14="http://schemas.microsoft.com/office/powerpoint/2010/main" val="225494662"/>
       </p:ext>
     </p:extLst>
   </p:cSld>
   <p:clrMapOvr>
     <a:masterClrMapping/>
   </p:clrMapOvr>
+  <p:timing>
+    <p:tnLst>
+      <p:par>
+        <p:cTn id="1" dur="indefinite" restart="never" nodeType="tmRoot"/>
+      </p:par>
+    </p:tnLst>
+  </p:timing>
 </p:sld>
 </file>
 
@@ -5235,7 +5321,7 @@
           <a:p>
             <a:r>
               <a:rPr lang="en-US" dirty="0" smtClean="0"/>
-              <a:t>Unit testing and MPI program</a:t>
+              <a:t>Running an MPI program</a:t>
             </a:r>
             <a:endParaRPr lang="en-US" dirty="0"/>
           </a:p>
@@ -5258,50 +5344,75 @@
           <a:p>
             <a:r>
               <a:rPr lang="en-US" dirty="0" smtClean="0"/>
-              <a:t>How can we write unit tests when this special run-time environment is necessary?</a:t>
+              <a:t>MPI requires a special run-time environment.</a:t>
             </a:r>
           </a:p>
           <a:p>
             <a:pPr marL="800100" lvl="1" indent="-342900"/>
             <a:r>
               <a:rPr lang="en-US" dirty="0" smtClean="0"/>
-              <a:t>Short answer: Don’t</a:t>
+              <a:t>Fortran, C, and C++ all don’t use a run-time environment.</a:t>
             </a:r>
           </a:p>
           <a:p>
             <a:pPr marL="800100" lvl="1" indent="-342900"/>
             <a:r>
               <a:rPr lang="en-US" dirty="0" smtClean="0"/>
-              <a:t>Longer answer: Use dependency injection to isolate the MPI interface calls</a:t>
-            </a:r>
+              <a:t>MPI programs must start with a special program</a:t>
+            </a:r>
+          </a:p>
+          <a:p>
+            <a:pPr marL="800100" lvl="1" indent="-342900"/>
+            <a:r>
+              <a:rPr lang="en-US" dirty="0" smtClean="0"/>
+              <a:t>For MPICH2 that program is named </a:t>
+            </a:r>
+            <a:r>
+              <a:rPr lang="en-US" dirty="0" err="1" smtClean="0"/>
+              <a:t>mpiexec</a:t>
+            </a:r>
+            <a:endParaRPr lang="en-US" dirty="0" smtClean="0"/>
           </a:p>
           <a:p>
             <a:pPr marL="1485900" lvl="2" indent="-342900"/>
             <a:r>
-              <a:rPr lang="en-US" dirty="0" smtClean="0"/>
-              <a:t>Wrap the MPI API in a custom interface</a:t>
+              <a:rPr lang="en-US" dirty="0" err="1"/>
+              <a:t>mpiexec</a:t>
+            </a:r>
+            <a:r>
+              <a:rPr lang="en-US" dirty="0"/>
+              <a:t> creates each </a:t>
+            </a:r>
+            <a:r>
+              <a:rPr lang="en-US" dirty="0" smtClean="0"/>
+              <a:t>process</a:t>
             </a:r>
           </a:p>
           <a:p>
             <a:pPr marL="1485900" lvl="2" indent="-342900"/>
             <a:r>
-              <a:rPr lang="en-US" dirty="0" smtClean="0"/>
-              <a:t>All production code that uses MPI will use this interface</a:t>
-            </a:r>
-          </a:p>
-          <a:p>
-            <a:pPr marL="1485900" lvl="2" indent="-342900"/>
-            <a:r>
-              <a:rPr lang="en-US" dirty="0" smtClean="0"/>
-              <a:t>Implement a mock MPI object to pass to production code from unit tests</a:t>
-            </a:r>
-          </a:p>
-          <a:p>
-            <a:pPr marL="1485900" lvl="2" indent="-342900"/>
-            <a:r>
-              <a:rPr lang="en-US" dirty="0" smtClean="0"/>
-              <a:t>Use the real MPI interface to pass to production code from other production code</a:t>
-            </a:r>
+              <a:rPr lang="en-US" dirty="0" err="1" smtClean="0"/>
+              <a:t>mpiexec</a:t>
+            </a:r>
+            <a:r>
+              <a:rPr lang="en-US" dirty="0" smtClean="0"/>
+              <a:t> calls the </a:t>
+            </a:r>
+            <a:r>
+              <a:rPr lang="en-US" dirty="0" smtClean="0">
+                <a:latin typeface="Courier New" panose="02070309020205020404" pitchFamily="49" charset="0"/>
+                <a:cs typeface="Courier New" panose="02070309020205020404" pitchFamily="49" charset="0"/>
+              </a:rPr>
+              <a:t>main</a:t>
+            </a:r>
+            <a:r>
+              <a:rPr lang="en-US" dirty="0" smtClean="0"/>
+              <a:t> function for each process</a:t>
+            </a:r>
+          </a:p>
+          <a:p>
+            <a:pPr marL="800100" lvl="1" indent="-342900"/>
+            <a:endParaRPr lang="en-US" dirty="0"/>
           </a:p>
         </p:txBody>
       </p:sp>
@@ -5331,13 +5442,20 @@
     </p:spTree>
     <p:extLst>
       <p:ext uri="{BB962C8B-B14F-4D97-AF65-F5344CB8AC3E}">
-        <p14:creationId xmlns:p14="http://schemas.microsoft.com/office/powerpoint/2010/main" val="1519197785"/>
+        <p14:creationId xmlns:p14="http://schemas.microsoft.com/office/powerpoint/2010/main" val="3780055129"/>
       </p:ext>
     </p:extLst>
   </p:cSld>
   <p:clrMapOvr>
     <a:masterClrMapping/>
   </p:clrMapOvr>
+  <p:timing>
+    <p:tnLst>
+      <p:par>
+        <p:cTn id="1" dur="indefinite" restart="never" nodeType="tmRoot"/>
+      </p:par>
+    </p:tnLst>
+  </p:timing>
 </p:sld>
 </file>
 
@@ -5375,7 +5493,7 @@
           <a:p>
             <a:r>
               <a:rPr lang="en-US" dirty="0" smtClean="0"/>
-              <a:t>Our custom MPI Interface</a:t>
+              <a:t>Unit testing and MPI program</a:t>
             </a:r>
             <a:endParaRPr lang="en-US" dirty="0"/>
           </a:p>
@@ -5393,821 +5511,55 @@
         </p:nvSpPr>
         <p:spPr/>
         <p:txBody>
-          <a:bodyPr>
-            <a:normAutofit fontScale="85000" lnSpcReduction="20000"/>
-          </a:bodyPr>
-          <a:lstStyle/>
-          <a:p>
-            <a:r>
-              <a:rPr lang="en-US" dirty="0">
-                <a:solidFill>
-                  <a:srgbClr val="7F0055"/>
-                </a:solidFill>
-                <a:latin typeface="Courier New" panose="02070309020205020404" pitchFamily="49" charset="0"/>
-                <a:cs typeface="Courier New" panose="02070309020205020404" pitchFamily="49" charset="0"/>
-              </a:rPr>
-              <a:t>class</a:t>
-            </a:r>
-            <a:r>
-              <a:rPr lang="en-US" dirty="0">
-                <a:latin typeface="Courier New" panose="02070309020205020404" pitchFamily="49" charset="0"/>
-                <a:cs typeface="Courier New" panose="02070309020205020404" pitchFamily="49" charset="0"/>
-              </a:rPr>
-              <a:t> </a:t>
-            </a:r>
-            <a:r>
-              <a:rPr lang="en-US" dirty="0" err="1">
-                <a:latin typeface="Courier New" panose="02070309020205020404" pitchFamily="49" charset="0"/>
-                <a:cs typeface="Courier New" panose="02070309020205020404" pitchFamily="49" charset="0"/>
-              </a:rPr>
-              <a:t>MpiAdapterInterface</a:t>
-            </a:r>
-            <a:r>
-              <a:rPr lang="en-US" dirty="0">
-                <a:latin typeface="Courier New" panose="02070309020205020404" pitchFamily="49" charset="0"/>
-                <a:cs typeface="Courier New" panose="02070309020205020404" pitchFamily="49" charset="0"/>
-              </a:rPr>
-              <a:t> </a:t>
-            </a:r>
-            <a:r>
-              <a:rPr lang="en-US" dirty="0" smtClean="0">
-                <a:latin typeface="Courier New" panose="02070309020205020404" pitchFamily="49" charset="0"/>
-                <a:cs typeface="Courier New" panose="02070309020205020404" pitchFamily="49" charset="0"/>
-              </a:rPr>
-              <a:t>{</a:t>
-            </a:r>
-          </a:p>
-          <a:p>
-            <a:r>
-              <a:rPr lang="en-US" dirty="0" smtClean="0">
-                <a:solidFill>
-                  <a:srgbClr val="7F0055"/>
-                </a:solidFill>
-                <a:latin typeface="Courier New" panose="02070309020205020404" pitchFamily="49" charset="0"/>
-                <a:cs typeface="Courier New" panose="02070309020205020404" pitchFamily="49" charset="0"/>
-              </a:rPr>
-              <a:t>public</a:t>
-            </a:r>
-            <a:r>
-              <a:rPr lang="en-US" dirty="0" smtClean="0">
-                <a:latin typeface="Courier New" panose="02070309020205020404" pitchFamily="49" charset="0"/>
-                <a:cs typeface="Courier New" panose="02070309020205020404" pitchFamily="49" charset="0"/>
-              </a:rPr>
-              <a:t>:</a:t>
-            </a:r>
-          </a:p>
-          <a:p>
-            <a:r>
-              <a:rPr lang="en-US" dirty="0" smtClean="0">
-                <a:solidFill>
-                  <a:srgbClr val="7F0055"/>
-                </a:solidFill>
-                <a:latin typeface="Courier New" panose="02070309020205020404" pitchFamily="49" charset="0"/>
-                <a:cs typeface="Courier New" panose="02070309020205020404" pitchFamily="49" charset="0"/>
-              </a:rPr>
-              <a:t>virtual</a:t>
-            </a:r>
-            <a:r>
-              <a:rPr lang="en-US" dirty="0" smtClean="0">
-                <a:latin typeface="Courier New" panose="02070309020205020404" pitchFamily="49" charset="0"/>
-                <a:cs typeface="Courier New" panose="02070309020205020404" pitchFamily="49" charset="0"/>
-              </a:rPr>
-              <a:t> </a:t>
-            </a:r>
-            <a:r>
-              <a:rPr lang="en-US" dirty="0" err="1">
-                <a:solidFill>
-                  <a:srgbClr val="7F0055"/>
-                </a:solidFill>
-                <a:latin typeface="Courier New" panose="02070309020205020404" pitchFamily="49" charset="0"/>
-                <a:cs typeface="Courier New" panose="02070309020205020404" pitchFamily="49" charset="0"/>
-              </a:rPr>
-              <a:t>int</a:t>
-            </a:r>
-            <a:r>
-              <a:rPr lang="en-US" dirty="0">
-                <a:latin typeface="Courier New" panose="02070309020205020404" pitchFamily="49" charset="0"/>
-                <a:cs typeface="Courier New" panose="02070309020205020404" pitchFamily="49" charset="0"/>
-              </a:rPr>
-              <a:t> </a:t>
-            </a:r>
-            <a:r>
-              <a:rPr lang="en-US" dirty="0" err="1">
-                <a:latin typeface="Courier New" panose="02070309020205020404" pitchFamily="49" charset="0"/>
-                <a:cs typeface="Courier New" panose="02070309020205020404" pitchFamily="49" charset="0"/>
-              </a:rPr>
-              <a:t>MpiCommRank</a:t>
-            </a:r>
-            <a:r>
-              <a:rPr lang="en-US" dirty="0">
-                <a:latin typeface="Courier New" panose="02070309020205020404" pitchFamily="49" charset="0"/>
-                <a:cs typeface="Courier New" panose="02070309020205020404" pitchFamily="49" charset="0"/>
-              </a:rPr>
-              <a:t>(</a:t>
-            </a:r>
-            <a:r>
-              <a:rPr lang="en-US" dirty="0" err="1">
-                <a:latin typeface="Courier New" panose="02070309020205020404" pitchFamily="49" charset="0"/>
-                <a:cs typeface="Courier New" panose="02070309020205020404" pitchFamily="49" charset="0"/>
-              </a:rPr>
-              <a:t>MPI_Comm</a:t>
-            </a:r>
-            <a:r>
-              <a:rPr lang="en-US" dirty="0">
-                <a:latin typeface="Courier New" panose="02070309020205020404" pitchFamily="49" charset="0"/>
-                <a:cs typeface="Courier New" panose="02070309020205020404" pitchFamily="49" charset="0"/>
-              </a:rPr>
-              <a:t> </a:t>
-            </a:r>
-            <a:r>
-              <a:rPr lang="en-US" dirty="0" err="1" smtClean="0">
-                <a:latin typeface="Courier New" panose="02070309020205020404" pitchFamily="49" charset="0"/>
-                <a:cs typeface="Courier New" panose="02070309020205020404" pitchFamily="49" charset="0"/>
-              </a:rPr>
-              <a:t>comm</a:t>
-            </a:r>
-            <a:r>
-              <a:rPr lang="en-US" dirty="0" smtClean="0">
-                <a:latin typeface="Courier New" panose="02070309020205020404" pitchFamily="49" charset="0"/>
-                <a:cs typeface="Courier New" panose="02070309020205020404" pitchFamily="49" charset="0"/>
-              </a:rPr>
-              <a:t>)</a:t>
-            </a:r>
-            <a:r>
-              <a:rPr lang="en-US" dirty="0" err="1" smtClean="0">
-                <a:solidFill>
-                  <a:srgbClr val="7F0055"/>
-                </a:solidFill>
-                <a:latin typeface="Courier New" panose="02070309020205020404" pitchFamily="49" charset="0"/>
-                <a:cs typeface="Courier New" panose="02070309020205020404" pitchFamily="49" charset="0"/>
-              </a:rPr>
-              <a:t>const</a:t>
-            </a:r>
-            <a:r>
-              <a:rPr lang="en-US" dirty="0" smtClean="0">
-                <a:latin typeface="Courier New" panose="02070309020205020404" pitchFamily="49" charset="0"/>
-                <a:cs typeface="Courier New" panose="02070309020205020404" pitchFamily="49" charset="0"/>
-              </a:rPr>
-              <a:t> </a:t>
-            </a:r>
-            <a:r>
-              <a:rPr lang="en-US" dirty="0">
-                <a:latin typeface="Courier New" panose="02070309020205020404" pitchFamily="49" charset="0"/>
-                <a:cs typeface="Courier New" panose="02070309020205020404" pitchFamily="49" charset="0"/>
-              </a:rPr>
-              <a:t>= </a:t>
-            </a:r>
-            <a:r>
-              <a:rPr lang="en-US" dirty="0" smtClean="0">
-                <a:latin typeface="Courier New" panose="02070309020205020404" pitchFamily="49" charset="0"/>
-                <a:cs typeface="Courier New" panose="02070309020205020404" pitchFamily="49" charset="0"/>
-              </a:rPr>
-              <a:t>0;</a:t>
-            </a:r>
-          </a:p>
-          <a:p>
-            <a:r>
-              <a:rPr lang="en-US" dirty="0" smtClean="0">
-                <a:solidFill>
-                  <a:srgbClr val="7F0055"/>
-                </a:solidFill>
-                <a:latin typeface="Courier New" panose="02070309020205020404" pitchFamily="49" charset="0"/>
-                <a:cs typeface="Courier New" panose="02070309020205020404" pitchFamily="49" charset="0"/>
-              </a:rPr>
-              <a:t>virtual</a:t>
-            </a:r>
-            <a:r>
-              <a:rPr lang="en-US" dirty="0" smtClean="0">
-                <a:latin typeface="Courier New" panose="02070309020205020404" pitchFamily="49" charset="0"/>
-                <a:cs typeface="Courier New" panose="02070309020205020404" pitchFamily="49" charset="0"/>
-              </a:rPr>
-              <a:t> </a:t>
-            </a:r>
-            <a:r>
-              <a:rPr lang="en-US" dirty="0">
-                <a:solidFill>
-                  <a:srgbClr val="7F0055"/>
-                </a:solidFill>
-                <a:latin typeface="Courier New" panose="02070309020205020404" pitchFamily="49" charset="0"/>
-                <a:cs typeface="Courier New" panose="02070309020205020404" pitchFamily="49" charset="0"/>
-              </a:rPr>
-              <a:t>void</a:t>
-            </a:r>
-            <a:r>
-              <a:rPr lang="en-US" dirty="0">
-                <a:latin typeface="Courier New" panose="02070309020205020404" pitchFamily="49" charset="0"/>
-                <a:cs typeface="Courier New" panose="02070309020205020404" pitchFamily="49" charset="0"/>
-              </a:rPr>
-              <a:t> </a:t>
-            </a:r>
-            <a:r>
-              <a:rPr lang="en-US" dirty="0" err="1">
-                <a:latin typeface="Courier New" panose="02070309020205020404" pitchFamily="49" charset="0"/>
-                <a:cs typeface="Courier New" panose="02070309020205020404" pitchFamily="49" charset="0"/>
-              </a:rPr>
-              <a:t>MpiSend</a:t>
-            </a:r>
-            <a:r>
-              <a:rPr lang="en-US" dirty="0">
-                <a:latin typeface="Courier New" panose="02070309020205020404" pitchFamily="49" charset="0"/>
-                <a:cs typeface="Courier New" panose="02070309020205020404" pitchFamily="49" charset="0"/>
-              </a:rPr>
-              <a:t>(</a:t>
-            </a:r>
-            <a:r>
-              <a:rPr lang="en-US" dirty="0">
-                <a:solidFill>
-                  <a:srgbClr val="7F0055"/>
-                </a:solidFill>
-                <a:latin typeface="Courier New" panose="02070309020205020404" pitchFamily="49" charset="0"/>
-                <a:cs typeface="Courier New" panose="02070309020205020404" pitchFamily="49" charset="0"/>
-              </a:rPr>
-              <a:t>void</a:t>
-            </a:r>
-            <a:r>
-              <a:rPr lang="en-US" dirty="0">
-                <a:latin typeface="Courier New" panose="02070309020205020404" pitchFamily="49" charset="0"/>
-                <a:cs typeface="Courier New" panose="02070309020205020404" pitchFamily="49" charset="0"/>
-              </a:rPr>
-              <a:t>* </a:t>
-            </a:r>
-            <a:r>
-              <a:rPr lang="en-US" dirty="0" err="1">
-                <a:latin typeface="Courier New" panose="02070309020205020404" pitchFamily="49" charset="0"/>
-                <a:cs typeface="Courier New" panose="02070309020205020404" pitchFamily="49" charset="0"/>
-              </a:rPr>
-              <a:t>buf</a:t>
-            </a:r>
-            <a:r>
-              <a:rPr lang="en-US" dirty="0">
-                <a:latin typeface="Courier New" panose="02070309020205020404" pitchFamily="49" charset="0"/>
-                <a:cs typeface="Courier New" panose="02070309020205020404" pitchFamily="49" charset="0"/>
-              </a:rPr>
-              <a:t>, </a:t>
-            </a:r>
-            <a:r>
-              <a:rPr lang="en-US" dirty="0" err="1">
-                <a:solidFill>
-                  <a:srgbClr val="7F0055"/>
-                </a:solidFill>
-                <a:latin typeface="Courier New" panose="02070309020205020404" pitchFamily="49" charset="0"/>
-                <a:cs typeface="Courier New" panose="02070309020205020404" pitchFamily="49" charset="0"/>
-              </a:rPr>
-              <a:t>int</a:t>
-            </a:r>
-            <a:r>
-              <a:rPr lang="en-US" dirty="0">
-                <a:latin typeface="Courier New" panose="02070309020205020404" pitchFamily="49" charset="0"/>
-                <a:cs typeface="Courier New" panose="02070309020205020404" pitchFamily="49" charset="0"/>
-              </a:rPr>
-              <a:t> </a:t>
-            </a:r>
-            <a:r>
-              <a:rPr lang="en-US" dirty="0" smtClean="0">
-                <a:solidFill>
-                  <a:srgbClr val="7F0055"/>
-                </a:solidFill>
-                <a:latin typeface="Courier New" panose="02070309020205020404" pitchFamily="49" charset="0"/>
-                <a:cs typeface="Courier New" panose="02070309020205020404" pitchFamily="49" charset="0"/>
-              </a:rPr>
-              <a:t>count</a:t>
-            </a:r>
-            <a:r>
-              <a:rPr lang="en-US" dirty="0" smtClean="0">
-                <a:latin typeface="Courier New" panose="02070309020205020404" pitchFamily="49" charset="0"/>
-                <a:cs typeface="Courier New" panose="02070309020205020404" pitchFamily="49" charset="0"/>
-              </a:rPr>
-              <a:t>,</a:t>
-            </a:r>
-          </a:p>
-          <a:p>
-            <a:r>
-              <a:rPr lang="en-US" dirty="0">
-                <a:latin typeface="Courier New" panose="02070309020205020404" pitchFamily="49" charset="0"/>
-                <a:cs typeface="Courier New" panose="02070309020205020404" pitchFamily="49" charset="0"/>
-              </a:rPr>
-              <a:t> </a:t>
-            </a:r>
-            <a:r>
-              <a:rPr lang="en-US" dirty="0" smtClean="0">
-                <a:latin typeface="Courier New" panose="02070309020205020404" pitchFamily="49" charset="0"/>
-                <a:cs typeface="Courier New" panose="02070309020205020404" pitchFamily="49" charset="0"/>
-              </a:rPr>
-              <a:t>                    </a:t>
-            </a:r>
-            <a:r>
-              <a:rPr lang="en-US" dirty="0" err="1" smtClean="0">
-                <a:latin typeface="Courier New" panose="02070309020205020404" pitchFamily="49" charset="0"/>
-                <a:cs typeface="Courier New" panose="02070309020205020404" pitchFamily="49" charset="0"/>
-              </a:rPr>
-              <a:t>MPI_Datatype</a:t>
-            </a:r>
-            <a:r>
-              <a:rPr lang="en-US" dirty="0" smtClean="0">
-                <a:latin typeface="Courier New" panose="02070309020205020404" pitchFamily="49" charset="0"/>
-                <a:cs typeface="Courier New" panose="02070309020205020404" pitchFamily="49" charset="0"/>
-              </a:rPr>
-              <a:t> </a:t>
-            </a:r>
-            <a:r>
-              <a:rPr lang="en-US" dirty="0" err="1" smtClean="0">
-                <a:latin typeface="Courier New" panose="02070309020205020404" pitchFamily="49" charset="0"/>
-                <a:cs typeface="Courier New" panose="02070309020205020404" pitchFamily="49" charset="0"/>
-              </a:rPr>
-              <a:t>datatype</a:t>
-            </a:r>
-            <a:r>
-              <a:rPr lang="en-US" dirty="0" smtClean="0">
-                <a:latin typeface="Courier New" panose="02070309020205020404" pitchFamily="49" charset="0"/>
-                <a:cs typeface="Courier New" panose="02070309020205020404" pitchFamily="49" charset="0"/>
-              </a:rPr>
-              <a:t>,</a:t>
-            </a:r>
-          </a:p>
-          <a:p>
-            <a:r>
-              <a:rPr lang="en-US" dirty="0">
-                <a:solidFill>
-                  <a:srgbClr val="7F0055"/>
-                </a:solidFill>
-                <a:latin typeface="Courier New" panose="02070309020205020404" pitchFamily="49" charset="0"/>
-                <a:cs typeface="Courier New" panose="02070309020205020404" pitchFamily="49" charset="0"/>
-              </a:rPr>
-              <a:t> </a:t>
-            </a:r>
-            <a:r>
-              <a:rPr lang="en-US" dirty="0" smtClean="0">
-                <a:solidFill>
-                  <a:srgbClr val="7F0055"/>
-                </a:solidFill>
-                <a:latin typeface="Courier New" panose="02070309020205020404" pitchFamily="49" charset="0"/>
-                <a:cs typeface="Courier New" panose="02070309020205020404" pitchFamily="49" charset="0"/>
-              </a:rPr>
-              <a:t>                    </a:t>
-            </a:r>
-            <a:r>
-              <a:rPr lang="en-US" dirty="0" err="1" smtClean="0">
-                <a:solidFill>
-                  <a:srgbClr val="7F0055"/>
-                </a:solidFill>
-                <a:latin typeface="Courier New" panose="02070309020205020404" pitchFamily="49" charset="0"/>
-                <a:cs typeface="Courier New" panose="02070309020205020404" pitchFamily="49" charset="0"/>
-              </a:rPr>
-              <a:t>int</a:t>
-            </a:r>
-            <a:r>
-              <a:rPr lang="en-US" dirty="0" smtClean="0">
-                <a:latin typeface="Courier New" panose="02070309020205020404" pitchFamily="49" charset="0"/>
-                <a:cs typeface="Courier New" panose="02070309020205020404" pitchFamily="49" charset="0"/>
-              </a:rPr>
-              <a:t> </a:t>
-            </a:r>
-            <a:r>
-              <a:rPr lang="en-US" dirty="0" err="1">
-                <a:latin typeface="Courier New" panose="02070309020205020404" pitchFamily="49" charset="0"/>
-                <a:cs typeface="Courier New" panose="02070309020205020404" pitchFamily="49" charset="0"/>
-              </a:rPr>
-              <a:t>dest</a:t>
-            </a:r>
-            <a:r>
-              <a:rPr lang="en-US" dirty="0">
-                <a:latin typeface="Courier New" panose="02070309020205020404" pitchFamily="49" charset="0"/>
-                <a:cs typeface="Courier New" panose="02070309020205020404" pitchFamily="49" charset="0"/>
-              </a:rPr>
-              <a:t>, </a:t>
-            </a:r>
-            <a:r>
-              <a:rPr lang="en-US" dirty="0" err="1">
-                <a:solidFill>
-                  <a:srgbClr val="7F0055"/>
-                </a:solidFill>
-                <a:latin typeface="Courier New" panose="02070309020205020404" pitchFamily="49" charset="0"/>
-                <a:cs typeface="Courier New" panose="02070309020205020404" pitchFamily="49" charset="0"/>
-              </a:rPr>
-              <a:t>int</a:t>
-            </a:r>
-            <a:r>
-              <a:rPr lang="en-US" dirty="0">
-                <a:latin typeface="Courier New" panose="02070309020205020404" pitchFamily="49" charset="0"/>
-                <a:cs typeface="Courier New" panose="02070309020205020404" pitchFamily="49" charset="0"/>
-              </a:rPr>
-              <a:t> </a:t>
-            </a:r>
-            <a:r>
-              <a:rPr lang="en-US" dirty="0" smtClean="0">
-                <a:latin typeface="Courier New" panose="02070309020205020404" pitchFamily="49" charset="0"/>
-                <a:cs typeface="Courier New" panose="02070309020205020404" pitchFamily="49" charset="0"/>
-              </a:rPr>
-              <a:t>tag,</a:t>
-            </a:r>
-          </a:p>
-          <a:p>
-            <a:r>
-              <a:rPr lang="en-US" dirty="0">
-                <a:latin typeface="Courier New" panose="02070309020205020404" pitchFamily="49" charset="0"/>
-                <a:cs typeface="Courier New" panose="02070309020205020404" pitchFamily="49" charset="0"/>
-              </a:rPr>
-              <a:t> </a:t>
-            </a:r>
-            <a:r>
-              <a:rPr lang="en-US" dirty="0" smtClean="0">
-                <a:latin typeface="Courier New" panose="02070309020205020404" pitchFamily="49" charset="0"/>
-                <a:cs typeface="Courier New" panose="02070309020205020404" pitchFamily="49" charset="0"/>
-              </a:rPr>
-              <a:t>                    </a:t>
-            </a:r>
-            <a:r>
-              <a:rPr lang="en-US" dirty="0" err="1" smtClean="0">
-                <a:latin typeface="Courier New" panose="02070309020205020404" pitchFamily="49" charset="0"/>
-                <a:cs typeface="Courier New" panose="02070309020205020404" pitchFamily="49" charset="0"/>
-              </a:rPr>
-              <a:t>MPI_Comm</a:t>
-            </a:r>
-            <a:r>
-              <a:rPr lang="en-US" dirty="0" smtClean="0">
-                <a:latin typeface="Courier New" panose="02070309020205020404" pitchFamily="49" charset="0"/>
-                <a:cs typeface="Courier New" panose="02070309020205020404" pitchFamily="49" charset="0"/>
-              </a:rPr>
-              <a:t> </a:t>
-            </a:r>
-            <a:r>
-              <a:rPr lang="en-US" dirty="0" err="1">
-                <a:latin typeface="Courier New" panose="02070309020205020404" pitchFamily="49" charset="0"/>
-                <a:cs typeface="Courier New" panose="02070309020205020404" pitchFamily="49" charset="0"/>
-              </a:rPr>
-              <a:t>comm</a:t>
-            </a:r>
-            <a:r>
-              <a:rPr lang="en-US" dirty="0">
-                <a:latin typeface="Courier New" panose="02070309020205020404" pitchFamily="49" charset="0"/>
-                <a:cs typeface="Courier New" panose="02070309020205020404" pitchFamily="49" charset="0"/>
-              </a:rPr>
-              <a:t>) </a:t>
-            </a:r>
-            <a:r>
-              <a:rPr lang="en-US" dirty="0" err="1">
-                <a:solidFill>
-                  <a:srgbClr val="7F0055"/>
-                </a:solidFill>
-                <a:latin typeface="Courier New" panose="02070309020205020404" pitchFamily="49" charset="0"/>
-                <a:cs typeface="Courier New" panose="02070309020205020404" pitchFamily="49" charset="0"/>
-              </a:rPr>
-              <a:t>const</a:t>
-            </a:r>
-            <a:r>
-              <a:rPr lang="en-US" dirty="0">
-                <a:latin typeface="Courier New" panose="02070309020205020404" pitchFamily="49" charset="0"/>
-                <a:cs typeface="Courier New" panose="02070309020205020404" pitchFamily="49" charset="0"/>
-              </a:rPr>
-              <a:t> = </a:t>
-            </a:r>
-            <a:r>
-              <a:rPr lang="en-US" dirty="0" smtClean="0">
-                <a:latin typeface="Courier New" panose="02070309020205020404" pitchFamily="49" charset="0"/>
-                <a:cs typeface="Courier New" panose="02070309020205020404" pitchFamily="49" charset="0"/>
-              </a:rPr>
-              <a:t>0;</a:t>
-            </a:r>
-          </a:p>
-          <a:p>
-            <a:r>
-              <a:rPr lang="en-US" dirty="0" smtClean="0">
-                <a:solidFill>
-                  <a:srgbClr val="7F0055"/>
-                </a:solidFill>
-                <a:latin typeface="Courier New" panose="02070309020205020404" pitchFamily="49" charset="0"/>
-                <a:cs typeface="Courier New" panose="02070309020205020404" pitchFamily="49" charset="0"/>
-              </a:rPr>
-              <a:t>virtual</a:t>
-            </a:r>
-            <a:r>
-              <a:rPr lang="en-US" dirty="0" smtClean="0">
-                <a:latin typeface="Courier New" panose="02070309020205020404" pitchFamily="49" charset="0"/>
-                <a:cs typeface="Courier New" panose="02070309020205020404" pitchFamily="49" charset="0"/>
-              </a:rPr>
-              <a:t> </a:t>
-            </a:r>
-            <a:r>
-              <a:rPr lang="en-US" dirty="0">
-                <a:solidFill>
-                  <a:srgbClr val="7F0055"/>
-                </a:solidFill>
-                <a:latin typeface="Courier New" panose="02070309020205020404" pitchFamily="49" charset="0"/>
-                <a:cs typeface="Courier New" panose="02070309020205020404" pitchFamily="49" charset="0"/>
-              </a:rPr>
-              <a:t>void</a:t>
-            </a:r>
-            <a:r>
-              <a:rPr lang="en-US" dirty="0">
-                <a:latin typeface="Courier New" panose="02070309020205020404" pitchFamily="49" charset="0"/>
-                <a:cs typeface="Courier New" panose="02070309020205020404" pitchFamily="49" charset="0"/>
-              </a:rPr>
-              <a:t> </a:t>
-            </a:r>
-            <a:r>
-              <a:rPr lang="en-US" dirty="0" err="1">
-                <a:latin typeface="Courier New" panose="02070309020205020404" pitchFamily="49" charset="0"/>
-                <a:cs typeface="Courier New" panose="02070309020205020404" pitchFamily="49" charset="0"/>
-              </a:rPr>
-              <a:t>MpiRecv</a:t>
-            </a:r>
-            <a:r>
-              <a:rPr lang="en-US" dirty="0">
-                <a:latin typeface="Courier New" panose="02070309020205020404" pitchFamily="49" charset="0"/>
-                <a:cs typeface="Courier New" panose="02070309020205020404" pitchFamily="49" charset="0"/>
-              </a:rPr>
-              <a:t>(</a:t>
-            </a:r>
-            <a:r>
-              <a:rPr lang="en-US" dirty="0">
-                <a:solidFill>
-                  <a:srgbClr val="7F0055"/>
-                </a:solidFill>
-                <a:latin typeface="Courier New" panose="02070309020205020404" pitchFamily="49" charset="0"/>
-                <a:cs typeface="Courier New" panose="02070309020205020404" pitchFamily="49" charset="0"/>
-              </a:rPr>
-              <a:t>void</a:t>
-            </a:r>
-            <a:r>
-              <a:rPr lang="en-US" dirty="0">
-                <a:latin typeface="Courier New" panose="02070309020205020404" pitchFamily="49" charset="0"/>
-                <a:cs typeface="Courier New" panose="02070309020205020404" pitchFamily="49" charset="0"/>
-              </a:rPr>
-              <a:t>* </a:t>
-            </a:r>
-            <a:r>
-              <a:rPr lang="en-US" dirty="0" err="1">
-                <a:latin typeface="Courier New" panose="02070309020205020404" pitchFamily="49" charset="0"/>
-                <a:cs typeface="Courier New" panose="02070309020205020404" pitchFamily="49" charset="0"/>
-              </a:rPr>
-              <a:t>buf</a:t>
-            </a:r>
-            <a:r>
-              <a:rPr lang="en-US" dirty="0">
-                <a:latin typeface="Courier New" panose="02070309020205020404" pitchFamily="49" charset="0"/>
-                <a:cs typeface="Courier New" panose="02070309020205020404" pitchFamily="49" charset="0"/>
-              </a:rPr>
-              <a:t>, </a:t>
-            </a:r>
-            <a:r>
-              <a:rPr lang="en-US" dirty="0" err="1">
-                <a:solidFill>
-                  <a:srgbClr val="7F0055"/>
-                </a:solidFill>
-                <a:latin typeface="Courier New" panose="02070309020205020404" pitchFamily="49" charset="0"/>
-                <a:cs typeface="Courier New" panose="02070309020205020404" pitchFamily="49" charset="0"/>
-              </a:rPr>
-              <a:t>int</a:t>
-            </a:r>
-            <a:r>
-              <a:rPr lang="en-US" dirty="0">
-                <a:latin typeface="Courier New" panose="02070309020205020404" pitchFamily="49" charset="0"/>
-                <a:cs typeface="Courier New" panose="02070309020205020404" pitchFamily="49" charset="0"/>
-              </a:rPr>
-              <a:t> </a:t>
-            </a:r>
-            <a:r>
-              <a:rPr lang="en-US" dirty="0" smtClean="0">
-                <a:solidFill>
-                  <a:srgbClr val="7F0055"/>
-                </a:solidFill>
-                <a:latin typeface="Courier New" panose="02070309020205020404" pitchFamily="49" charset="0"/>
-                <a:cs typeface="Courier New" panose="02070309020205020404" pitchFamily="49" charset="0"/>
-              </a:rPr>
-              <a:t>count</a:t>
-            </a:r>
-            <a:r>
-              <a:rPr lang="en-US" dirty="0" smtClean="0">
-                <a:latin typeface="Courier New" panose="02070309020205020404" pitchFamily="49" charset="0"/>
-                <a:cs typeface="Courier New" panose="02070309020205020404" pitchFamily="49" charset="0"/>
-              </a:rPr>
-              <a:t>,</a:t>
-            </a:r>
-          </a:p>
-          <a:p>
-            <a:r>
-              <a:rPr lang="en-US" dirty="0">
-                <a:latin typeface="Courier New" panose="02070309020205020404" pitchFamily="49" charset="0"/>
-                <a:cs typeface="Courier New" panose="02070309020205020404" pitchFamily="49" charset="0"/>
-              </a:rPr>
-              <a:t> </a:t>
-            </a:r>
-            <a:r>
-              <a:rPr lang="en-US" dirty="0" smtClean="0">
-                <a:latin typeface="Courier New" panose="02070309020205020404" pitchFamily="49" charset="0"/>
-                <a:cs typeface="Courier New" panose="02070309020205020404" pitchFamily="49" charset="0"/>
-              </a:rPr>
-              <a:t>                    </a:t>
-            </a:r>
-            <a:r>
-              <a:rPr lang="en-US" dirty="0" err="1" smtClean="0">
-                <a:latin typeface="Courier New" panose="02070309020205020404" pitchFamily="49" charset="0"/>
-                <a:cs typeface="Courier New" panose="02070309020205020404" pitchFamily="49" charset="0"/>
-              </a:rPr>
-              <a:t>MPI_Datatype</a:t>
-            </a:r>
-            <a:r>
-              <a:rPr lang="en-US" dirty="0" smtClean="0">
-                <a:latin typeface="Courier New" panose="02070309020205020404" pitchFamily="49" charset="0"/>
-                <a:cs typeface="Courier New" panose="02070309020205020404" pitchFamily="49" charset="0"/>
-              </a:rPr>
-              <a:t> </a:t>
-            </a:r>
-            <a:r>
-              <a:rPr lang="en-US" dirty="0" err="1" smtClean="0">
-                <a:latin typeface="Courier New" panose="02070309020205020404" pitchFamily="49" charset="0"/>
-                <a:cs typeface="Courier New" panose="02070309020205020404" pitchFamily="49" charset="0"/>
-              </a:rPr>
-              <a:t>datatype</a:t>
-            </a:r>
-            <a:r>
-              <a:rPr lang="en-US" dirty="0" smtClean="0">
-                <a:latin typeface="Courier New" panose="02070309020205020404" pitchFamily="49" charset="0"/>
-                <a:cs typeface="Courier New" panose="02070309020205020404" pitchFamily="49" charset="0"/>
-              </a:rPr>
-              <a:t>,</a:t>
-            </a:r>
-          </a:p>
-          <a:p>
-            <a:r>
-              <a:rPr lang="en-US" dirty="0">
-                <a:solidFill>
-                  <a:srgbClr val="7F0055"/>
-                </a:solidFill>
-                <a:latin typeface="Courier New" panose="02070309020205020404" pitchFamily="49" charset="0"/>
-                <a:cs typeface="Courier New" panose="02070309020205020404" pitchFamily="49" charset="0"/>
-              </a:rPr>
-              <a:t> </a:t>
-            </a:r>
-            <a:r>
-              <a:rPr lang="en-US" dirty="0" smtClean="0">
-                <a:solidFill>
-                  <a:srgbClr val="7F0055"/>
-                </a:solidFill>
-                <a:latin typeface="Courier New" panose="02070309020205020404" pitchFamily="49" charset="0"/>
-                <a:cs typeface="Courier New" panose="02070309020205020404" pitchFamily="49" charset="0"/>
-              </a:rPr>
-              <a:t>                    </a:t>
-            </a:r>
-            <a:r>
-              <a:rPr lang="en-US" dirty="0" err="1" smtClean="0">
-                <a:solidFill>
-                  <a:srgbClr val="7F0055"/>
-                </a:solidFill>
-                <a:latin typeface="Courier New" panose="02070309020205020404" pitchFamily="49" charset="0"/>
-                <a:cs typeface="Courier New" panose="02070309020205020404" pitchFamily="49" charset="0"/>
-              </a:rPr>
-              <a:t>int</a:t>
-            </a:r>
-            <a:r>
-              <a:rPr lang="en-US" dirty="0" smtClean="0">
-                <a:latin typeface="Courier New" panose="02070309020205020404" pitchFamily="49" charset="0"/>
-                <a:cs typeface="Courier New" panose="02070309020205020404" pitchFamily="49" charset="0"/>
-              </a:rPr>
-              <a:t> </a:t>
-            </a:r>
-            <a:r>
-              <a:rPr lang="en-US" dirty="0">
-                <a:latin typeface="Courier New" panose="02070309020205020404" pitchFamily="49" charset="0"/>
-                <a:cs typeface="Courier New" panose="02070309020205020404" pitchFamily="49" charset="0"/>
-              </a:rPr>
-              <a:t>source, </a:t>
-            </a:r>
-            <a:r>
-              <a:rPr lang="en-US" dirty="0" err="1">
-                <a:solidFill>
-                  <a:srgbClr val="7F0055"/>
-                </a:solidFill>
-                <a:latin typeface="Courier New" panose="02070309020205020404" pitchFamily="49" charset="0"/>
-                <a:cs typeface="Courier New" panose="02070309020205020404" pitchFamily="49" charset="0"/>
-              </a:rPr>
-              <a:t>int</a:t>
-            </a:r>
-            <a:r>
-              <a:rPr lang="en-US" dirty="0">
-                <a:latin typeface="Courier New" panose="02070309020205020404" pitchFamily="49" charset="0"/>
-                <a:cs typeface="Courier New" panose="02070309020205020404" pitchFamily="49" charset="0"/>
-              </a:rPr>
-              <a:t> </a:t>
-            </a:r>
-            <a:r>
-              <a:rPr lang="en-US" dirty="0" smtClean="0">
-                <a:latin typeface="Courier New" panose="02070309020205020404" pitchFamily="49" charset="0"/>
-                <a:cs typeface="Courier New" panose="02070309020205020404" pitchFamily="49" charset="0"/>
-              </a:rPr>
-              <a:t>tag,</a:t>
-            </a:r>
-          </a:p>
-          <a:p>
-            <a:r>
-              <a:rPr lang="en-US" dirty="0">
-                <a:latin typeface="Courier New" panose="02070309020205020404" pitchFamily="49" charset="0"/>
-                <a:cs typeface="Courier New" panose="02070309020205020404" pitchFamily="49" charset="0"/>
-              </a:rPr>
-              <a:t> </a:t>
-            </a:r>
-            <a:r>
-              <a:rPr lang="en-US" dirty="0" smtClean="0">
-                <a:latin typeface="Courier New" panose="02070309020205020404" pitchFamily="49" charset="0"/>
-                <a:cs typeface="Courier New" panose="02070309020205020404" pitchFamily="49" charset="0"/>
-              </a:rPr>
-              <a:t>                    </a:t>
-            </a:r>
-            <a:r>
-              <a:rPr lang="en-US" dirty="0" err="1" smtClean="0">
-                <a:latin typeface="Courier New" panose="02070309020205020404" pitchFamily="49" charset="0"/>
-                <a:cs typeface="Courier New" panose="02070309020205020404" pitchFamily="49" charset="0"/>
-              </a:rPr>
-              <a:t>MPI_Comm</a:t>
-            </a:r>
-            <a:r>
-              <a:rPr lang="en-US" dirty="0" smtClean="0">
-                <a:latin typeface="Courier New" panose="02070309020205020404" pitchFamily="49" charset="0"/>
-                <a:cs typeface="Courier New" panose="02070309020205020404" pitchFamily="49" charset="0"/>
-              </a:rPr>
-              <a:t> </a:t>
-            </a:r>
-            <a:r>
-              <a:rPr lang="en-US" dirty="0" err="1" smtClean="0">
-                <a:latin typeface="Courier New" panose="02070309020205020404" pitchFamily="49" charset="0"/>
-                <a:cs typeface="Courier New" panose="02070309020205020404" pitchFamily="49" charset="0"/>
-              </a:rPr>
-              <a:t>comm</a:t>
-            </a:r>
-            <a:r>
-              <a:rPr lang="en-US" dirty="0" smtClean="0">
-                <a:latin typeface="Courier New" panose="02070309020205020404" pitchFamily="49" charset="0"/>
-                <a:cs typeface="Courier New" panose="02070309020205020404" pitchFamily="49" charset="0"/>
-              </a:rPr>
-              <a:t>,</a:t>
-            </a:r>
-          </a:p>
-          <a:p>
-            <a:r>
-              <a:rPr lang="en-US" dirty="0">
-                <a:latin typeface="Courier New" panose="02070309020205020404" pitchFamily="49" charset="0"/>
-                <a:cs typeface="Courier New" panose="02070309020205020404" pitchFamily="49" charset="0"/>
-              </a:rPr>
-              <a:t> </a:t>
-            </a:r>
-            <a:r>
-              <a:rPr lang="en-US" dirty="0" smtClean="0">
-                <a:latin typeface="Courier New" panose="02070309020205020404" pitchFamily="49" charset="0"/>
-                <a:cs typeface="Courier New" panose="02070309020205020404" pitchFamily="49" charset="0"/>
-              </a:rPr>
-              <a:t>                    </a:t>
-            </a:r>
-            <a:r>
-              <a:rPr lang="en-US" dirty="0" err="1" smtClean="0">
-                <a:latin typeface="Courier New" panose="02070309020205020404" pitchFamily="49" charset="0"/>
-                <a:cs typeface="Courier New" panose="02070309020205020404" pitchFamily="49" charset="0"/>
-              </a:rPr>
-              <a:t>MPI_Status</a:t>
-            </a:r>
-            <a:r>
-              <a:rPr lang="en-US" dirty="0">
-                <a:latin typeface="Courier New" panose="02070309020205020404" pitchFamily="49" charset="0"/>
-                <a:cs typeface="Courier New" panose="02070309020205020404" pitchFamily="49" charset="0"/>
-              </a:rPr>
-              <a:t>* status) </a:t>
-            </a:r>
-            <a:r>
-              <a:rPr lang="en-US" dirty="0" err="1">
-                <a:solidFill>
-                  <a:srgbClr val="7F0055"/>
-                </a:solidFill>
-                <a:latin typeface="Courier New" panose="02070309020205020404" pitchFamily="49" charset="0"/>
-                <a:cs typeface="Courier New" panose="02070309020205020404" pitchFamily="49" charset="0"/>
-              </a:rPr>
-              <a:t>const</a:t>
-            </a:r>
-            <a:r>
-              <a:rPr lang="en-US" dirty="0">
-                <a:latin typeface="Courier New" panose="02070309020205020404" pitchFamily="49" charset="0"/>
-                <a:cs typeface="Courier New" panose="02070309020205020404" pitchFamily="49" charset="0"/>
-              </a:rPr>
-              <a:t> = 0</a:t>
-            </a:r>
-            <a:r>
-              <a:rPr lang="en-US" dirty="0" smtClean="0">
-                <a:latin typeface="Courier New" panose="02070309020205020404" pitchFamily="49" charset="0"/>
-                <a:cs typeface="Courier New" panose="02070309020205020404" pitchFamily="49" charset="0"/>
-              </a:rPr>
-              <a:t>;</a:t>
-            </a:r>
-          </a:p>
-          <a:p>
-            <a:r>
-              <a:rPr lang="en-US" dirty="0" smtClean="0">
-                <a:latin typeface="Courier New" panose="02070309020205020404" pitchFamily="49" charset="0"/>
-                <a:cs typeface="Courier New" panose="02070309020205020404" pitchFamily="49" charset="0"/>
-              </a:rPr>
-              <a:t>};</a:t>
-            </a:r>
-            <a:endParaRPr lang="en-US" dirty="0">
-              <a:latin typeface="Courier New" panose="02070309020205020404" pitchFamily="49" charset="0"/>
-              <a:cs typeface="Courier New" panose="02070309020205020404" pitchFamily="49" charset="0"/>
-            </a:endParaRPr>
+          <a:bodyPr/>
+          <a:lstStyle/>
+          <a:p>
+            <a:r>
+              <a:rPr lang="en-US" dirty="0" smtClean="0"/>
+              <a:t>How can we write unit tests when this special run-time environment is necessary?</a:t>
+            </a:r>
+          </a:p>
+          <a:p>
+            <a:pPr marL="800100" lvl="1" indent="-342900"/>
+            <a:r>
+              <a:rPr lang="en-US" dirty="0" smtClean="0"/>
+              <a:t>Short answer: Don’t</a:t>
+            </a:r>
+          </a:p>
+          <a:p>
+            <a:pPr marL="800100" lvl="1" indent="-342900"/>
+            <a:r>
+              <a:rPr lang="en-US" dirty="0" smtClean="0"/>
+              <a:t>Longer answer: Use dependency injection to isolate the MPI interface calls</a:t>
+            </a:r>
+          </a:p>
+          <a:p>
+            <a:pPr marL="1485900" lvl="2" indent="-342900"/>
+            <a:r>
+              <a:rPr lang="en-US" dirty="0" smtClean="0"/>
+              <a:t>Wrap the MPI API in a custom interface</a:t>
+            </a:r>
+          </a:p>
+          <a:p>
+            <a:pPr marL="1485900" lvl="2" indent="-342900"/>
+            <a:r>
+              <a:rPr lang="en-US" dirty="0" smtClean="0"/>
+              <a:t>All production code that uses MPI will use this interface</a:t>
+            </a:r>
+          </a:p>
+          <a:p>
+            <a:pPr marL="1485900" lvl="2" indent="-342900"/>
+            <a:r>
+              <a:rPr lang="en-US" dirty="0" smtClean="0"/>
+              <a:t>Implement a mock MPI object to pass to production code from unit tests</a:t>
+            </a:r>
+          </a:p>
+          <a:p>
+            <a:pPr marL="1485900" lvl="2" indent="-342900"/>
+            <a:r>
+              <a:rPr lang="en-US" dirty="0" smtClean="0"/>
+              <a:t>Use the real MPI interface to pass to production code from other production code</a:t>
+            </a:r>
           </a:p>
         </p:txBody>
       </p:sp>
@@ -6237,13 +5589,265 @@
     </p:spTree>
     <p:extLst>
       <p:ext uri="{BB962C8B-B14F-4D97-AF65-F5344CB8AC3E}">
-        <p14:creationId xmlns:p14="http://schemas.microsoft.com/office/powerpoint/2010/main" val="2480795563"/>
+        <p14:creationId xmlns:p14="http://schemas.microsoft.com/office/powerpoint/2010/main" val="1519197785"/>
       </p:ext>
     </p:extLst>
   </p:cSld>
   <p:clrMapOvr>
     <a:masterClrMapping/>
   </p:clrMapOvr>
+  <p:timing>
+    <p:tnLst>
+      <p:par>
+        <p:cTn id="1" dur="indefinite" restart="never" nodeType="tmRoot">
+          <p:childTnLst>
+            <p:seq concurrent="1" nextAc="seek">
+              <p:cTn id="2" dur="indefinite" nodeType="mainSeq">
+                <p:childTnLst>
+                  <p:par>
+                    <p:cTn id="3" fill="hold">
+                      <p:stCondLst>
+                        <p:cond delay="indefinite"/>
+                      </p:stCondLst>
+                      <p:childTnLst>
+                        <p:par>
+                          <p:cTn id="4" fill="hold">
+                            <p:stCondLst>
+                              <p:cond delay="0"/>
+                            </p:stCondLst>
+                            <p:childTnLst>
+                              <p:par>
+                                <p:cTn id="5" presetID="1" presetClass="entr" presetSubtype="0" fill="hold" nodeType="clickEffect">
+                                  <p:stCondLst>
+                                    <p:cond delay="0"/>
+                                  </p:stCondLst>
+                                  <p:childTnLst>
+                                    <p:set>
+                                      <p:cBhvr>
+                                        <p:cTn id="6" dur="1" fill="hold">
+                                          <p:stCondLst>
+                                            <p:cond delay="0"/>
+                                          </p:stCondLst>
+                                        </p:cTn>
+                                        <p:tgtEl>
+                                          <p:spTgt spid="3">
+                                            <p:txEl>
+                                              <p:pRg st="1" end="1"/>
+                                            </p:txEl>
+                                          </p:spTgt>
+                                        </p:tgtEl>
+                                        <p:attrNameLst>
+                                          <p:attrName>style.visibility</p:attrName>
+                                        </p:attrNameLst>
+                                      </p:cBhvr>
+                                      <p:to>
+                                        <p:strVal val="visible"/>
+                                      </p:to>
+                                    </p:set>
+                                  </p:childTnLst>
+                                </p:cTn>
+                              </p:par>
+                            </p:childTnLst>
+                          </p:cTn>
+                        </p:par>
+                      </p:childTnLst>
+                    </p:cTn>
+                  </p:par>
+                  <p:par>
+                    <p:cTn id="7" fill="hold">
+                      <p:stCondLst>
+                        <p:cond delay="indefinite"/>
+                      </p:stCondLst>
+                      <p:childTnLst>
+                        <p:par>
+                          <p:cTn id="8" fill="hold">
+                            <p:stCondLst>
+                              <p:cond delay="0"/>
+                            </p:stCondLst>
+                            <p:childTnLst>
+                              <p:par>
+                                <p:cTn id="9" presetID="1" presetClass="entr" presetSubtype="0" fill="hold" nodeType="clickEffect">
+                                  <p:stCondLst>
+                                    <p:cond delay="0"/>
+                                  </p:stCondLst>
+                                  <p:childTnLst>
+                                    <p:set>
+                                      <p:cBhvr>
+                                        <p:cTn id="10" dur="1" fill="hold">
+                                          <p:stCondLst>
+                                            <p:cond delay="0"/>
+                                          </p:stCondLst>
+                                        </p:cTn>
+                                        <p:tgtEl>
+                                          <p:spTgt spid="3">
+                                            <p:txEl>
+                                              <p:pRg st="2" end="2"/>
+                                            </p:txEl>
+                                          </p:spTgt>
+                                        </p:tgtEl>
+                                        <p:attrNameLst>
+                                          <p:attrName>style.visibility</p:attrName>
+                                        </p:attrNameLst>
+                                      </p:cBhvr>
+                                      <p:to>
+                                        <p:strVal val="visible"/>
+                                      </p:to>
+                                    </p:set>
+                                  </p:childTnLst>
+                                </p:cTn>
+                              </p:par>
+                              <p:par>
+                                <p:cTn id="11" presetID="1" presetClass="entr" presetSubtype="0" fill="hold" nodeType="withEffect">
+                                  <p:stCondLst>
+                                    <p:cond delay="0"/>
+                                  </p:stCondLst>
+                                  <p:childTnLst>
+                                    <p:set>
+                                      <p:cBhvr>
+                                        <p:cTn id="12" dur="1" fill="hold">
+                                          <p:stCondLst>
+                                            <p:cond delay="0"/>
+                                          </p:stCondLst>
+                                        </p:cTn>
+                                        <p:tgtEl>
+                                          <p:spTgt spid="3">
+                                            <p:txEl>
+                                              <p:pRg st="3" end="3"/>
+                                            </p:txEl>
+                                          </p:spTgt>
+                                        </p:tgtEl>
+                                        <p:attrNameLst>
+                                          <p:attrName>style.visibility</p:attrName>
+                                        </p:attrNameLst>
+                                      </p:cBhvr>
+                                      <p:to>
+                                        <p:strVal val="visible"/>
+                                      </p:to>
+                                    </p:set>
+                                  </p:childTnLst>
+                                </p:cTn>
+                              </p:par>
+                              <p:par>
+                                <p:cTn id="13" presetID="1" presetClass="entr" presetSubtype="0" fill="hold" nodeType="withEffect">
+                                  <p:stCondLst>
+                                    <p:cond delay="0"/>
+                                  </p:stCondLst>
+                                  <p:childTnLst>
+                                    <p:set>
+                                      <p:cBhvr>
+                                        <p:cTn id="14" dur="1" fill="hold">
+                                          <p:stCondLst>
+                                            <p:cond delay="0"/>
+                                          </p:stCondLst>
+                                        </p:cTn>
+                                        <p:tgtEl>
+                                          <p:spTgt spid="3">
+                                            <p:txEl>
+                                              <p:pRg st="4" end="4"/>
+                                            </p:txEl>
+                                          </p:spTgt>
+                                        </p:tgtEl>
+                                        <p:attrNameLst>
+                                          <p:attrName>style.visibility</p:attrName>
+                                        </p:attrNameLst>
+                                      </p:cBhvr>
+                                      <p:to>
+                                        <p:strVal val="visible"/>
+                                      </p:to>
+                                    </p:set>
+                                  </p:childTnLst>
+                                </p:cTn>
+                              </p:par>
+                              <p:par>
+                                <p:cTn id="15" presetID="1" presetClass="entr" presetSubtype="0" fill="hold" nodeType="withEffect">
+                                  <p:stCondLst>
+                                    <p:cond delay="0"/>
+                                  </p:stCondLst>
+                                  <p:childTnLst>
+                                    <p:set>
+                                      <p:cBhvr>
+                                        <p:cTn id="16" dur="1" fill="hold">
+                                          <p:stCondLst>
+                                            <p:cond delay="0"/>
+                                          </p:stCondLst>
+                                        </p:cTn>
+                                        <p:tgtEl>
+                                          <p:spTgt spid="3">
+                                            <p:txEl>
+                                              <p:pRg st="5" end="5"/>
+                                            </p:txEl>
+                                          </p:spTgt>
+                                        </p:tgtEl>
+                                        <p:attrNameLst>
+                                          <p:attrName>style.visibility</p:attrName>
+                                        </p:attrNameLst>
+                                      </p:cBhvr>
+                                      <p:to>
+                                        <p:strVal val="visible"/>
+                                      </p:to>
+                                    </p:set>
+                                  </p:childTnLst>
+                                </p:cTn>
+                              </p:par>
+                              <p:par>
+                                <p:cTn id="17" presetID="1" presetClass="entr" presetSubtype="0" fill="hold" nodeType="withEffect">
+                                  <p:stCondLst>
+                                    <p:cond delay="0"/>
+                                  </p:stCondLst>
+                                  <p:childTnLst>
+                                    <p:set>
+                                      <p:cBhvr>
+                                        <p:cTn id="18" dur="1" fill="hold">
+                                          <p:stCondLst>
+                                            <p:cond delay="0"/>
+                                          </p:stCondLst>
+                                        </p:cTn>
+                                        <p:tgtEl>
+                                          <p:spTgt spid="3">
+                                            <p:txEl>
+                                              <p:pRg st="6" end="6"/>
+                                            </p:txEl>
+                                          </p:spTgt>
+                                        </p:tgtEl>
+                                        <p:attrNameLst>
+                                          <p:attrName>style.visibility</p:attrName>
+                                        </p:attrNameLst>
+                                      </p:cBhvr>
+                                      <p:to>
+                                        <p:strVal val="visible"/>
+                                      </p:to>
+                                    </p:set>
+                                  </p:childTnLst>
+                                </p:cTn>
+                              </p:par>
+                            </p:childTnLst>
+                          </p:cTn>
+                        </p:par>
+                      </p:childTnLst>
+                    </p:cTn>
+                  </p:par>
+                </p:childTnLst>
+              </p:cTn>
+              <p:prevCondLst>
+                <p:cond evt="onPrev" delay="0">
+                  <p:tgtEl>
+                    <p:sldTgt/>
+                  </p:tgtEl>
+                </p:cond>
+              </p:prevCondLst>
+              <p:nextCondLst>
+                <p:cond evt="onNext" delay="0">
+                  <p:tgtEl>
+                    <p:sldTgt/>
+                  </p:tgtEl>
+                </p:cond>
+              </p:nextCondLst>
+            </p:seq>
+          </p:childTnLst>
+        </p:cTn>
+      </p:par>
+    </p:tnLst>
+  </p:timing>
 </p:sld>
 </file>
 
@@ -6281,7 +5885,7 @@
           <a:p>
             <a:r>
               <a:rPr lang="en-US" dirty="0" smtClean="0"/>
-              <a:t>The production implementations</a:t>
+              <a:t>Our custom MPI Interface</a:t>
             </a:r>
             <a:endParaRPr lang="en-US" dirty="0"/>
           </a:p>
@@ -6299,7 +5903,9 @@
         </p:nvSpPr>
         <p:spPr/>
         <p:txBody>
-          <a:bodyPr/>
+          <a:bodyPr>
+            <a:normAutofit fontScale="85000" lnSpcReduction="20000"/>
+          </a:bodyPr>
           <a:lstStyle/>
           <a:p>
             <a:r>
@@ -6310,10 +5916,69 @@
                 <a:latin typeface="Courier New" panose="02070309020205020404" pitchFamily="49" charset="0"/>
                 <a:cs typeface="Courier New" panose="02070309020205020404" pitchFamily="49" charset="0"/>
               </a:rPr>
+              <a:t>class</a:t>
+            </a:r>
+            <a:r>
+              <a:rPr lang="en-US" dirty="0">
+                <a:latin typeface="Courier New" panose="02070309020205020404" pitchFamily="49" charset="0"/>
+                <a:cs typeface="Courier New" panose="02070309020205020404" pitchFamily="49" charset="0"/>
+              </a:rPr>
+              <a:t> </a:t>
+            </a:r>
+            <a:r>
+              <a:rPr lang="en-US" dirty="0" err="1">
+                <a:latin typeface="Courier New" panose="02070309020205020404" pitchFamily="49" charset="0"/>
+                <a:cs typeface="Courier New" panose="02070309020205020404" pitchFamily="49" charset="0"/>
+              </a:rPr>
+              <a:t>MpiAdapterInterface</a:t>
+            </a:r>
+            <a:r>
+              <a:rPr lang="en-US" dirty="0">
+                <a:latin typeface="Courier New" panose="02070309020205020404" pitchFamily="49" charset="0"/>
+                <a:cs typeface="Courier New" panose="02070309020205020404" pitchFamily="49" charset="0"/>
+              </a:rPr>
+              <a:t> </a:t>
+            </a:r>
+            <a:r>
+              <a:rPr lang="en-US" dirty="0" smtClean="0">
+                <a:latin typeface="Courier New" panose="02070309020205020404" pitchFamily="49" charset="0"/>
+                <a:cs typeface="Courier New" panose="02070309020205020404" pitchFamily="49" charset="0"/>
+              </a:rPr>
+              <a:t>{</a:t>
+            </a:r>
+          </a:p>
+          <a:p>
+            <a:r>
+              <a:rPr lang="en-US" dirty="0" smtClean="0">
+                <a:solidFill>
+                  <a:srgbClr val="7F0055"/>
+                </a:solidFill>
+                <a:latin typeface="Courier New" panose="02070309020205020404" pitchFamily="49" charset="0"/>
+                <a:cs typeface="Courier New" panose="02070309020205020404" pitchFamily="49" charset="0"/>
+              </a:rPr>
+              <a:t>public</a:t>
+            </a:r>
+            <a:r>
+              <a:rPr lang="en-US" dirty="0" smtClean="0">
+                <a:latin typeface="Courier New" panose="02070309020205020404" pitchFamily="49" charset="0"/>
+                <a:cs typeface="Courier New" panose="02070309020205020404" pitchFamily="49" charset="0"/>
+              </a:rPr>
+              <a:t>:</a:t>
+            </a:r>
+          </a:p>
+          <a:p>
+            <a:r>
+              <a:rPr lang="en-US" dirty="0" smtClean="0">
+                <a:solidFill>
+                  <a:srgbClr val="7F0055"/>
+                </a:solidFill>
+                <a:latin typeface="Courier New" panose="02070309020205020404" pitchFamily="49" charset="0"/>
+                <a:cs typeface="Courier New" panose="02070309020205020404" pitchFamily="49" charset="0"/>
+              </a:rPr>
               <a:t>virtual</a:t>
             </a:r>
             <a:r>
-              <a:rPr lang="en-US" dirty="0">
+              <a:rPr lang="en-US" dirty="0" smtClean="0">
                 <a:latin typeface="Courier New" panose="02070309020205020404" pitchFamily="49" charset="0"/>
                 <a:cs typeface="Courier New" panose="02070309020205020404" pitchFamily="49" charset="0"/>
               </a:rPr>
@@ -6365,18 +6030,130 @@
               <a:t> </a:t>
             </a:r>
             <a:r>
+              <a:rPr lang="en-US" dirty="0" err="1" smtClean="0">
+                <a:latin typeface="Courier New" panose="02070309020205020404" pitchFamily="49" charset="0"/>
+                <a:cs typeface="Courier New" panose="02070309020205020404" pitchFamily="49" charset="0"/>
+              </a:rPr>
+              <a:t>comm</a:t>
+            </a:r>
+            <a:r>
+              <a:rPr lang="en-US" dirty="0" smtClean="0">
+                <a:latin typeface="Courier New" panose="02070309020205020404" pitchFamily="49" charset="0"/>
+                <a:cs typeface="Courier New" panose="02070309020205020404" pitchFamily="49" charset="0"/>
+              </a:rPr>
+              <a:t>)</a:t>
+            </a:r>
+            <a:r>
+              <a:rPr lang="en-US" dirty="0" err="1" smtClean="0">
+                <a:solidFill>
+                  <a:srgbClr val="7F0055"/>
+                </a:solidFill>
+                <a:latin typeface="Courier New" panose="02070309020205020404" pitchFamily="49" charset="0"/>
+                <a:cs typeface="Courier New" panose="02070309020205020404" pitchFamily="49" charset="0"/>
+              </a:rPr>
+              <a:t>const</a:t>
+            </a:r>
+            <a:r>
+              <a:rPr lang="en-US" dirty="0" smtClean="0">
+                <a:latin typeface="Courier New" panose="02070309020205020404" pitchFamily="49" charset="0"/>
+                <a:cs typeface="Courier New" panose="02070309020205020404" pitchFamily="49" charset="0"/>
+              </a:rPr>
+              <a:t> </a:t>
+            </a:r>
+            <a:r>
+              <a:rPr lang="en-US" dirty="0">
+                <a:latin typeface="Courier New" panose="02070309020205020404" pitchFamily="49" charset="0"/>
+                <a:cs typeface="Courier New" panose="02070309020205020404" pitchFamily="49" charset="0"/>
+              </a:rPr>
+              <a:t>= </a:t>
+            </a:r>
+            <a:r>
+              <a:rPr lang="en-US" dirty="0" smtClean="0">
+                <a:latin typeface="Courier New" panose="02070309020205020404" pitchFamily="49" charset="0"/>
+                <a:cs typeface="Courier New" panose="02070309020205020404" pitchFamily="49" charset="0"/>
+              </a:rPr>
+              <a:t>0;</a:t>
+            </a:r>
+          </a:p>
+          <a:p>
+            <a:r>
+              <a:rPr lang="en-US" dirty="0" smtClean="0">
+                <a:solidFill>
+                  <a:srgbClr val="7F0055"/>
+                </a:solidFill>
+                <a:latin typeface="Courier New" panose="02070309020205020404" pitchFamily="49" charset="0"/>
+                <a:cs typeface="Courier New" panose="02070309020205020404" pitchFamily="49" charset="0"/>
+              </a:rPr>
+              <a:t>virtual</a:t>
+            </a:r>
+            <a:r>
+              <a:rPr lang="en-US" dirty="0" smtClean="0">
+                <a:latin typeface="Courier New" panose="02070309020205020404" pitchFamily="49" charset="0"/>
+                <a:cs typeface="Courier New" panose="02070309020205020404" pitchFamily="49" charset="0"/>
+              </a:rPr>
+              <a:t> </a:t>
+            </a:r>
+            <a:r>
+              <a:rPr lang="en-US" dirty="0">
+                <a:solidFill>
+                  <a:srgbClr val="7F0055"/>
+                </a:solidFill>
+                <a:latin typeface="Courier New" panose="02070309020205020404" pitchFamily="49" charset="0"/>
+                <a:cs typeface="Courier New" panose="02070309020205020404" pitchFamily="49" charset="0"/>
+              </a:rPr>
+              <a:t>void</a:t>
+            </a:r>
+            <a:r>
+              <a:rPr lang="en-US" dirty="0">
+                <a:latin typeface="Courier New" panose="02070309020205020404" pitchFamily="49" charset="0"/>
+                <a:cs typeface="Courier New" panose="02070309020205020404" pitchFamily="49" charset="0"/>
+              </a:rPr>
+              <a:t> </a:t>
+            </a:r>
+            <a:r>
               <a:rPr lang="en-US" dirty="0" err="1">
                 <a:latin typeface="Courier New" panose="02070309020205020404" pitchFamily="49" charset="0"/>
                 <a:cs typeface="Courier New" panose="02070309020205020404" pitchFamily="49" charset="0"/>
               </a:rPr>
-              <a:t>comm</a:t>
-            </a:r>
-            <a:r>
-              <a:rPr lang="en-US" dirty="0">
-                <a:latin typeface="Courier New" panose="02070309020205020404" pitchFamily="49" charset="0"/>
-                <a:cs typeface="Courier New" panose="02070309020205020404" pitchFamily="49" charset="0"/>
-              </a:rPr>
-              <a:t>) </a:t>
+              <a:t>MpiSend</a:t>
+            </a:r>
+            <a:r>
+              <a:rPr lang="en-US" dirty="0">
+                <a:latin typeface="Courier New" panose="02070309020205020404" pitchFamily="49" charset="0"/>
+                <a:cs typeface="Courier New" panose="02070309020205020404" pitchFamily="49" charset="0"/>
+              </a:rPr>
+              <a:t>(</a:t>
+            </a:r>
+            <a:r>
+              <a:rPr lang="en-US" dirty="0">
+                <a:solidFill>
+                  <a:srgbClr val="7F0055"/>
+                </a:solidFill>
+                <a:latin typeface="Courier New" panose="02070309020205020404" pitchFamily="49" charset="0"/>
+                <a:cs typeface="Courier New" panose="02070309020205020404" pitchFamily="49" charset="0"/>
+              </a:rPr>
+              <a:t>void</a:t>
+            </a:r>
+            <a:r>
+              <a:rPr lang="en-US" dirty="0">
+                <a:latin typeface="Courier New" panose="02070309020205020404" pitchFamily="49" charset="0"/>
+                <a:cs typeface="Courier New" panose="02070309020205020404" pitchFamily="49" charset="0"/>
+              </a:rPr>
+              <a:t>* </a:t>
+            </a:r>
+            <a:r>
+              <a:rPr lang="en-US" dirty="0" err="1">
+                <a:latin typeface="Courier New" panose="02070309020205020404" pitchFamily="49" charset="0"/>
+                <a:cs typeface="Courier New" panose="02070309020205020404" pitchFamily="49" charset="0"/>
+              </a:rPr>
+              <a:t>buf</a:t>
+            </a:r>
+            <a:r>
+              <a:rPr lang="en-US" dirty="0">
+                <a:latin typeface="Courier New" panose="02070309020205020404" pitchFamily="49" charset="0"/>
+                <a:cs typeface="Courier New" panose="02070309020205020404" pitchFamily="49" charset="0"/>
+              </a:rPr>
+              <a:t>, </a:t>
             </a:r>
             <a:r>
               <a:rPr lang="en-US" dirty="0" err="1">
@@ -6386,29 +6163,10 @@
                 <a:latin typeface="Courier New" panose="02070309020205020404" pitchFamily="49" charset="0"/>
                 <a:cs typeface="Courier New" panose="02070309020205020404" pitchFamily="49" charset="0"/>
               </a:rPr>
-              <a:t>const</a:t>
-            </a:r>
-            <a:r>
-              <a:rPr lang="en-US" dirty="0">
-                <a:latin typeface="Courier New" panose="02070309020205020404" pitchFamily="49" charset="0"/>
-                <a:cs typeface="Courier New" panose="02070309020205020404" pitchFamily="49" charset="0"/>
-              </a:rPr>
-              <a:t> { </a:t>
-            </a:r>
-            <a:r>
-              <a:rPr lang="en-US" dirty="0" smtClean="0">
-                <a:latin typeface="Courier New" panose="02070309020205020404" pitchFamily="49" charset="0"/>
-                <a:cs typeface="Courier New" panose="02070309020205020404" pitchFamily="49" charset="0"/>
-              </a:rPr>
-              <a:t> </a:t>
-            </a:r>
-          </a:p>
-          <a:p>
-            <a:r>
-              <a:rPr lang="en-US" dirty="0">
-                <a:solidFill>
-                  <a:srgbClr val="7F0055"/>
-                </a:solidFill>
+              <a:t>int</a:t>
+            </a:r>
+            <a:r>
+              <a:rPr lang="en-US" dirty="0">
                 <a:latin typeface="Courier New" panose="02070309020205020404" pitchFamily="49" charset="0"/>
                 <a:cs typeface="Courier New" panose="02070309020205020404" pitchFamily="49" charset="0"/>
               </a:rPr>
@@ -6422,7 +6180,80 @@
                 <a:latin typeface="Courier New" panose="02070309020205020404" pitchFamily="49" charset="0"/>
                 <a:cs typeface="Courier New" panose="02070309020205020404" pitchFamily="49" charset="0"/>
               </a:rPr>
+              <a:t>count</a:t>
+            </a:r>
+            <a:r>
+              <a:rPr lang="en-US" dirty="0" smtClean="0">
+                <a:latin typeface="Courier New" panose="02070309020205020404" pitchFamily="49" charset="0"/>
+                <a:cs typeface="Courier New" panose="02070309020205020404" pitchFamily="49" charset="0"/>
+              </a:rPr>
+              <a:t>,</a:t>
+            </a:r>
+          </a:p>
+          <a:p>
+            <a:r>
+              <a:rPr lang="en-US" dirty="0">
+                <a:latin typeface="Courier New" panose="02070309020205020404" pitchFamily="49" charset="0"/>
+                <a:cs typeface="Courier New" panose="02070309020205020404" pitchFamily="49" charset="0"/>
+              </a:rPr>
               <a:t> </a:t>
+            </a:r>
+            <a:r>
+              <a:rPr lang="en-US" dirty="0" smtClean="0">
+                <a:latin typeface="Courier New" panose="02070309020205020404" pitchFamily="49" charset="0"/>
+                <a:cs typeface="Courier New" panose="02070309020205020404" pitchFamily="49" charset="0"/>
+              </a:rPr>
+              <a:t>                    </a:t>
+            </a:r>
+            <a:r>
+              <a:rPr lang="en-US" dirty="0" err="1" smtClean="0">
+                <a:latin typeface="Courier New" panose="02070309020205020404" pitchFamily="49" charset="0"/>
+                <a:cs typeface="Courier New" panose="02070309020205020404" pitchFamily="49" charset="0"/>
+              </a:rPr>
+              <a:t>MPI_Datatype</a:t>
+            </a:r>
+            <a:r>
+              <a:rPr lang="en-US" dirty="0" smtClean="0">
+                <a:latin typeface="Courier New" panose="02070309020205020404" pitchFamily="49" charset="0"/>
+                <a:cs typeface="Courier New" panose="02070309020205020404" pitchFamily="49" charset="0"/>
+              </a:rPr>
+              <a:t> </a:t>
+            </a:r>
+            <a:r>
+              <a:rPr lang="en-US" dirty="0" err="1" smtClean="0">
+                <a:latin typeface="Courier New" panose="02070309020205020404" pitchFamily="49" charset="0"/>
+                <a:cs typeface="Courier New" panose="02070309020205020404" pitchFamily="49" charset="0"/>
+              </a:rPr>
+              <a:t>datatype</a:t>
+            </a:r>
+            <a:r>
+              <a:rPr lang="en-US" dirty="0" smtClean="0">
+                <a:latin typeface="Courier New" panose="02070309020205020404" pitchFamily="49" charset="0"/>
+                <a:cs typeface="Courier New" panose="02070309020205020404" pitchFamily="49" charset="0"/>
+              </a:rPr>
+              <a:t>,</a:t>
+            </a:r>
+          </a:p>
+          <a:p>
+            <a:r>
+              <a:rPr lang="en-US" dirty="0">
+                <a:solidFill>
+                  <a:srgbClr val="7F0055"/>
+                </a:solidFill>
+                <a:latin typeface="Courier New" panose="02070309020205020404" pitchFamily="49" charset="0"/>
+                <a:cs typeface="Courier New" panose="02070309020205020404" pitchFamily="49" charset="0"/>
+              </a:rPr>
+              <a:t> </a:t>
+            </a:r>
+            <a:r>
+              <a:rPr lang="en-US" dirty="0" smtClean="0">
+                <a:solidFill>
+                  <a:srgbClr val="7F0055"/>
+                </a:solidFill>
+                <a:latin typeface="Courier New" panose="02070309020205020404" pitchFamily="49" charset="0"/>
+                <a:cs typeface="Courier New" panose="02070309020205020404" pitchFamily="49" charset="0"/>
+              </a:rPr>
+              <a:t>                    </a:t>
             </a:r>
             <a:r>
               <a:rPr lang="en-US" dirty="0" err="1" smtClean="0">
@@ -6439,57 +6270,116 @@
                 <a:latin typeface="Courier New" panose="02070309020205020404" pitchFamily="49" charset="0"/>
                 <a:cs typeface="Courier New" panose="02070309020205020404" pitchFamily="49" charset="0"/>
               </a:rPr>
-              <a:t> rank;</a:t>
-            </a:r>
-          </a:p>
-          <a:p>
-            <a:r>
-              <a:rPr lang="en-US" dirty="0">
-                <a:latin typeface="Courier New" panose="02070309020205020404" pitchFamily="49" charset="0"/>
-                <a:cs typeface="Courier New" panose="02070309020205020404" pitchFamily="49" charset="0"/>
-              </a:rPr>
               <a:t> </a:t>
             </a:r>
             <a:r>
-              <a:rPr lang="en-US" dirty="0" smtClean="0">
-                <a:latin typeface="Courier New" panose="02070309020205020404" pitchFamily="49" charset="0"/>
-                <a:cs typeface="Courier New" panose="02070309020205020404" pitchFamily="49" charset="0"/>
-              </a:rPr>
-              <a:t> MPI_Comm_rank(</a:t>
-            </a:r>
-            <a:r>
-              <a:rPr lang="en-US" dirty="0" err="1" smtClean="0">
-                <a:latin typeface="Courier New" panose="02070309020205020404" pitchFamily="49" charset="0"/>
-                <a:cs typeface="Courier New" panose="02070309020205020404" pitchFamily="49" charset="0"/>
-              </a:rPr>
-              <a:t>comm</a:t>
-            </a:r>
-            <a:r>
-              <a:rPr lang="en-US" dirty="0">
-                <a:latin typeface="Courier New" panose="02070309020205020404" pitchFamily="49" charset="0"/>
-                <a:cs typeface="Courier New" panose="02070309020205020404" pitchFamily="49" charset="0"/>
-              </a:rPr>
-              <a:t>, &amp;rank</a:t>
-            </a:r>
-            <a:r>
-              <a:rPr lang="en-US" dirty="0" smtClean="0">
-                <a:latin typeface="Courier New" panose="02070309020205020404" pitchFamily="49" charset="0"/>
-                <a:cs typeface="Courier New" panose="02070309020205020404" pitchFamily="49" charset="0"/>
-              </a:rPr>
-              <a:t>);</a:t>
-            </a:r>
-          </a:p>
-          <a:p>
-            <a:r>
-              <a:rPr lang="en-US" dirty="0">
+              <a:rPr lang="en-US" dirty="0" err="1">
+                <a:latin typeface="Courier New" panose="02070309020205020404" pitchFamily="49" charset="0"/>
+                <a:cs typeface="Courier New" panose="02070309020205020404" pitchFamily="49" charset="0"/>
+              </a:rPr>
+              <a:t>dest</a:t>
+            </a:r>
+            <a:r>
+              <a:rPr lang="en-US" dirty="0">
+                <a:latin typeface="Courier New" panose="02070309020205020404" pitchFamily="49" charset="0"/>
+                <a:cs typeface="Courier New" panose="02070309020205020404" pitchFamily="49" charset="0"/>
+              </a:rPr>
+              <a:t>, </a:t>
+            </a:r>
+            <a:r>
+              <a:rPr lang="en-US" dirty="0" err="1">
                 <a:solidFill>
                   <a:srgbClr val="7F0055"/>
                 </a:solidFill>
                 <a:latin typeface="Courier New" panose="02070309020205020404" pitchFamily="49" charset="0"/>
                 <a:cs typeface="Courier New" panose="02070309020205020404" pitchFamily="49" charset="0"/>
               </a:rPr>
+              <a:t>int</a:t>
+            </a:r>
+            <a:r>
+              <a:rPr lang="en-US" dirty="0">
+                <a:latin typeface="Courier New" panose="02070309020205020404" pitchFamily="49" charset="0"/>
+                <a:cs typeface="Courier New" panose="02070309020205020404" pitchFamily="49" charset="0"/>
+              </a:rPr>
               <a:t> </a:t>
             </a:r>
+            <a:r>
+              <a:rPr lang="en-US" dirty="0" smtClean="0">
+                <a:latin typeface="Courier New" panose="02070309020205020404" pitchFamily="49" charset="0"/>
+                <a:cs typeface="Courier New" panose="02070309020205020404" pitchFamily="49" charset="0"/>
+              </a:rPr>
+              <a:t>tag,</a:t>
+            </a:r>
+          </a:p>
+          <a:p>
+            <a:r>
+              <a:rPr lang="en-US" dirty="0">
+                <a:latin typeface="Courier New" panose="02070309020205020404" pitchFamily="49" charset="0"/>
+                <a:cs typeface="Courier New" panose="02070309020205020404" pitchFamily="49" charset="0"/>
+              </a:rPr>
+              <a:t> </a:t>
+            </a:r>
+            <a:r>
+              <a:rPr lang="en-US" dirty="0" smtClean="0">
+                <a:latin typeface="Courier New" panose="02070309020205020404" pitchFamily="49" charset="0"/>
+                <a:cs typeface="Courier New" panose="02070309020205020404" pitchFamily="49" charset="0"/>
+              </a:rPr>
+              <a:t>                    </a:t>
+            </a:r>
+            <a:r>
+              <a:rPr lang="en-US" dirty="0" err="1" smtClean="0">
+                <a:latin typeface="Courier New" panose="02070309020205020404" pitchFamily="49" charset="0"/>
+                <a:cs typeface="Courier New" panose="02070309020205020404" pitchFamily="49" charset="0"/>
+              </a:rPr>
+              <a:t>MPI_Comm</a:t>
+            </a:r>
+            <a:r>
+              <a:rPr lang="en-US" dirty="0" smtClean="0">
+                <a:latin typeface="Courier New" panose="02070309020205020404" pitchFamily="49" charset="0"/>
+                <a:cs typeface="Courier New" panose="02070309020205020404" pitchFamily="49" charset="0"/>
+              </a:rPr>
+              <a:t> </a:t>
+            </a:r>
+            <a:r>
+              <a:rPr lang="en-US" dirty="0" err="1">
+                <a:latin typeface="Courier New" panose="02070309020205020404" pitchFamily="49" charset="0"/>
+                <a:cs typeface="Courier New" panose="02070309020205020404" pitchFamily="49" charset="0"/>
+              </a:rPr>
+              <a:t>comm</a:t>
+            </a:r>
+            <a:r>
+              <a:rPr lang="en-US" dirty="0">
+                <a:latin typeface="Courier New" panose="02070309020205020404" pitchFamily="49" charset="0"/>
+                <a:cs typeface="Courier New" panose="02070309020205020404" pitchFamily="49" charset="0"/>
+              </a:rPr>
+              <a:t>) </a:t>
+            </a:r>
+            <a:r>
+              <a:rPr lang="en-US" dirty="0" err="1">
+                <a:solidFill>
+                  <a:srgbClr val="7F0055"/>
+                </a:solidFill>
+                <a:latin typeface="Courier New" panose="02070309020205020404" pitchFamily="49" charset="0"/>
+                <a:cs typeface="Courier New" panose="02070309020205020404" pitchFamily="49" charset="0"/>
+              </a:rPr>
+              <a:t>const</a:t>
+            </a:r>
+            <a:r>
+              <a:rPr lang="en-US" dirty="0">
+                <a:latin typeface="Courier New" panose="02070309020205020404" pitchFamily="49" charset="0"/>
+                <a:cs typeface="Courier New" panose="02070309020205020404" pitchFamily="49" charset="0"/>
+              </a:rPr>
+              <a:t> = </a:t>
+            </a:r>
+            <a:r>
+              <a:rPr lang="en-US" dirty="0" smtClean="0">
+                <a:latin typeface="Courier New" panose="02070309020205020404" pitchFamily="49" charset="0"/>
+                <a:cs typeface="Courier New" panose="02070309020205020404" pitchFamily="49" charset="0"/>
+              </a:rPr>
+              <a:t>0;</a:t>
+            </a:r>
+          </a:p>
+          <a:p>
             <a:r>
               <a:rPr lang="en-US" dirty="0" smtClean="0">
                 <a:solidFill>
@@ -6498,7 +6388,7 @@
                 <a:latin typeface="Courier New" panose="02070309020205020404" pitchFamily="49" charset="0"/>
                 <a:cs typeface="Courier New" panose="02070309020205020404" pitchFamily="49" charset="0"/>
               </a:rPr>
-              <a:t> return</a:t>
+              <a:t>virtual</a:t>
             </a:r>
             <a:r>
               <a:rPr lang="en-US" dirty="0" smtClean="0">
@@ -6509,13 +6399,307 @@
             </a:r>
             <a:r>
               <a:rPr lang="en-US" dirty="0">
-                <a:latin typeface="Courier New" panose="02070309020205020404" pitchFamily="49" charset="0"/>
-                <a:cs typeface="Courier New" panose="02070309020205020404" pitchFamily="49" charset="0"/>
-              </a:rPr>
-              <a:t>rank</a:t>
+                <a:solidFill>
+                  <a:srgbClr val="7F0055"/>
+                </a:solidFill>
+                <a:latin typeface="Courier New" panose="02070309020205020404" pitchFamily="49" charset="0"/>
+                <a:cs typeface="Courier New" panose="02070309020205020404" pitchFamily="49" charset="0"/>
+              </a:rPr>
+              <a:t>void</a:t>
+            </a:r>
+            <a:r>
+              <a:rPr lang="en-US" dirty="0">
+                <a:latin typeface="Courier New" panose="02070309020205020404" pitchFamily="49" charset="0"/>
+                <a:cs typeface="Courier New" panose="02070309020205020404" pitchFamily="49" charset="0"/>
+              </a:rPr>
+              <a:t> </a:t>
+            </a:r>
+            <a:r>
+              <a:rPr lang="en-US" dirty="0" err="1">
+                <a:latin typeface="Courier New" panose="02070309020205020404" pitchFamily="49" charset="0"/>
+                <a:cs typeface="Courier New" panose="02070309020205020404" pitchFamily="49" charset="0"/>
+              </a:rPr>
+              <a:t>MpiRecv</a:t>
+            </a:r>
+            <a:r>
+              <a:rPr lang="en-US" dirty="0">
+                <a:latin typeface="Courier New" panose="02070309020205020404" pitchFamily="49" charset="0"/>
+                <a:cs typeface="Courier New" panose="02070309020205020404" pitchFamily="49" charset="0"/>
+              </a:rPr>
+              <a:t>(</a:t>
+            </a:r>
+            <a:r>
+              <a:rPr lang="en-US" dirty="0">
+                <a:solidFill>
+                  <a:srgbClr val="7F0055"/>
+                </a:solidFill>
+                <a:latin typeface="Courier New" panose="02070309020205020404" pitchFamily="49" charset="0"/>
+                <a:cs typeface="Courier New" panose="02070309020205020404" pitchFamily="49" charset="0"/>
+              </a:rPr>
+              <a:t>void</a:t>
+            </a:r>
+            <a:r>
+              <a:rPr lang="en-US" dirty="0">
+                <a:latin typeface="Courier New" panose="02070309020205020404" pitchFamily="49" charset="0"/>
+                <a:cs typeface="Courier New" panose="02070309020205020404" pitchFamily="49" charset="0"/>
+              </a:rPr>
+              <a:t>* </a:t>
+            </a:r>
+            <a:r>
+              <a:rPr lang="en-US" dirty="0" err="1">
+                <a:latin typeface="Courier New" panose="02070309020205020404" pitchFamily="49" charset="0"/>
+                <a:cs typeface="Courier New" panose="02070309020205020404" pitchFamily="49" charset="0"/>
+              </a:rPr>
+              <a:t>buf</a:t>
+            </a:r>
+            <a:r>
+              <a:rPr lang="en-US" dirty="0">
+                <a:latin typeface="Courier New" panose="02070309020205020404" pitchFamily="49" charset="0"/>
+                <a:cs typeface="Courier New" panose="02070309020205020404" pitchFamily="49" charset="0"/>
+              </a:rPr>
+              <a:t>, </a:t>
+            </a:r>
+            <a:r>
+              <a:rPr lang="en-US" dirty="0" err="1">
+                <a:solidFill>
+                  <a:srgbClr val="7F0055"/>
+                </a:solidFill>
+                <a:latin typeface="Courier New" panose="02070309020205020404" pitchFamily="49" charset="0"/>
+                <a:cs typeface="Courier New" panose="02070309020205020404" pitchFamily="49" charset="0"/>
+              </a:rPr>
+              <a:t>int</a:t>
+            </a:r>
+            <a:r>
+              <a:rPr lang="en-US" dirty="0">
+                <a:latin typeface="Courier New" panose="02070309020205020404" pitchFamily="49" charset="0"/>
+                <a:cs typeface="Courier New" panose="02070309020205020404" pitchFamily="49" charset="0"/>
+              </a:rPr>
+              <a:t> </a:t>
             </a:r>
             <a:r>
               <a:rPr lang="en-US" dirty="0" smtClean="0">
+                <a:solidFill>
+                  <a:srgbClr val="7F0055"/>
+                </a:solidFill>
+                <a:latin typeface="Courier New" panose="02070309020205020404" pitchFamily="49" charset="0"/>
+                <a:cs typeface="Courier New" panose="02070309020205020404" pitchFamily="49" charset="0"/>
+              </a:rPr>
+              <a:t>count</a:t>
+            </a:r>
+            <a:r>
+              <a:rPr lang="en-US" dirty="0" smtClean="0">
+                <a:latin typeface="Courier New" panose="02070309020205020404" pitchFamily="49" charset="0"/>
+                <a:cs typeface="Courier New" panose="02070309020205020404" pitchFamily="49" charset="0"/>
+              </a:rPr>
+              <a:t>,</a:t>
+            </a:r>
+          </a:p>
+          <a:p>
+            <a:r>
+              <a:rPr lang="en-US" dirty="0">
+                <a:latin typeface="Courier New" panose="02070309020205020404" pitchFamily="49" charset="0"/>
+                <a:cs typeface="Courier New" panose="02070309020205020404" pitchFamily="49" charset="0"/>
+              </a:rPr>
+              <a:t> </a:t>
+            </a:r>
+            <a:r>
+              <a:rPr lang="en-US" dirty="0" smtClean="0">
+                <a:latin typeface="Courier New" panose="02070309020205020404" pitchFamily="49" charset="0"/>
+                <a:cs typeface="Courier New" panose="02070309020205020404" pitchFamily="49" charset="0"/>
+              </a:rPr>
+              <a:t>                    </a:t>
+            </a:r>
+            <a:r>
+              <a:rPr lang="en-US" dirty="0" err="1" smtClean="0">
+                <a:latin typeface="Courier New" panose="02070309020205020404" pitchFamily="49" charset="0"/>
+                <a:cs typeface="Courier New" panose="02070309020205020404" pitchFamily="49" charset="0"/>
+              </a:rPr>
+              <a:t>MPI_Datatype</a:t>
+            </a:r>
+            <a:r>
+              <a:rPr lang="en-US" dirty="0" smtClean="0">
+                <a:latin typeface="Courier New" panose="02070309020205020404" pitchFamily="49" charset="0"/>
+                <a:cs typeface="Courier New" panose="02070309020205020404" pitchFamily="49" charset="0"/>
+              </a:rPr>
+              <a:t> </a:t>
+            </a:r>
+            <a:r>
+              <a:rPr lang="en-US" dirty="0" err="1" smtClean="0">
+                <a:latin typeface="Courier New" panose="02070309020205020404" pitchFamily="49" charset="0"/>
+                <a:cs typeface="Courier New" panose="02070309020205020404" pitchFamily="49" charset="0"/>
+              </a:rPr>
+              <a:t>datatype</a:t>
+            </a:r>
+            <a:r>
+              <a:rPr lang="en-US" dirty="0" smtClean="0">
+                <a:latin typeface="Courier New" panose="02070309020205020404" pitchFamily="49" charset="0"/>
+                <a:cs typeface="Courier New" panose="02070309020205020404" pitchFamily="49" charset="0"/>
+              </a:rPr>
+              <a:t>,</a:t>
+            </a:r>
+          </a:p>
+          <a:p>
+            <a:r>
+              <a:rPr lang="en-US" dirty="0">
+                <a:solidFill>
+                  <a:srgbClr val="7F0055"/>
+                </a:solidFill>
+                <a:latin typeface="Courier New" panose="02070309020205020404" pitchFamily="49" charset="0"/>
+                <a:cs typeface="Courier New" panose="02070309020205020404" pitchFamily="49" charset="0"/>
+              </a:rPr>
+              <a:t> </a:t>
+            </a:r>
+            <a:r>
+              <a:rPr lang="en-US" dirty="0" smtClean="0">
+                <a:solidFill>
+                  <a:srgbClr val="7F0055"/>
+                </a:solidFill>
+                <a:latin typeface="Courier New" panose="02070309020205020404" pitchFamily="49" charset="0"/>
+                <a:cs typeface="Courier New" panose="02070309020205020404" pitchFamily="49" charset="0"/>
+              </a:rPr>
+              <a:t>                    </a:t>
+            </a:r>
+            <a:r>
+              <a:rPr lang="en-US" dirty="0" err="1" smtClean="0">
+                <a:solidFill>
+                  <a:srgbClr val="7F0055"/>
+                </a:solidFill>
+                <a:latin typeface="Courier New" panose="02070309020205020404" pitchFamily="49" charset="0"/>
+                <a:cs typeface="Courier New" panose="02070309020205020404" pitchFamily="49" charset="0"/>
+              </a:rPr>
+              <a:t>int</a:t>
+            </a:r>
+            <a:r>
+              <a:rPr lang="en-US" dirty="0" smtClean="0">
+                <a:latin typeface="Courier New" panose="02070309020205020404" pitchFamily="49" charset="0"/>
+                <a:cs typeface="Courier New" panose="02070309020205020404" pitchFamily="49" charset="0"/>
+              </a:rPr>
+              <a:t> </a:t>
+            </a:r>
+            <a:r>
+              <a:rPr lang="en-US" dirty="0">
+                <a:latin typeface="Courier New" panose="02070309020205020404" pitchFamily="49" charset="0"/>
+                <a:cs typeface="Courier New" panose="02070309020205020404" pitchFamily="49" charset="0"/>
+              </a:rPr>
+              <a:t>source, </a:t>
+            </a:r>
+            <a:r>
+              <a:rPr lang="en-US" dirty="0" err="1">
+                <a:solidFill>
+                  <a:srgbClr val="7F0055"/>
+                </a:solidFill>
+                <a:latin typeface="Courier New" panose="02070309020205020404" pitchFamily="49" charset="0"/>
+                <a:cs typeface="Courier New" panose="02070309020205020404" pitchFamily="49" charset="0"/>
+              </a:rPr>
+              <a:t>int</a:t>
+            </a:r>
+            <a:r>
+              <a:rPr lang="en-US" dirty="0">
+                <a:latin typeface="Courier New" panose="02070309020205020404" pitchFamily="49" charset="0"/>
+                <a:cs typeface="Courier New" panose="02070309020205020404" pitchFamily="49" charset="0"/>
+              </a:rPr>
+              <a:t> </a:t>
+            </a:r>
+            <a:r>
+              <a:rPr lang="en-US" dirty="0" smtClean="0">
+                <a:latin typeface="Courier New" panose="02070309020205020404" pitchFamily="49" charset="0"/>
+                <a:cs typeface="Courier New" panose="02070309020205020404" pitchFamily="49" charset="0"/>
+              </a:rPr>
+              <a:t>tag,</a:t>
+            </a:r>
+          </a:p>
+          <a:p>
+            <a:r>
+              <a:rPr lang="en-US" dirty="0">
+                <a:latin typeface="Courier New" panose="02070309020205020404" pitchFamily="49" charset="0"/>
+                <a:cs typeface="Courier New" panose="02070309020205020404" pitchFamily="49" charset="0"/>
+              </a:rPr>
+              <a:t> </a:t>
+            </a:r>
+            <a:r>
+              <a:rPr lang="en-US" dirty="0" smtClean="0">
+                <a:latin typeface="Courier New" panose="02070309020205020404" pitchFamily="49" charset="0"/>
+                <a:cs typeface="Courier New" panose="02070309020205020404" pitchFamily="49" charset="0"/>
+              </a:rPr>
+              <a:t>                    </a:t>
+            </a:r>
+            <a:r>
+              <a:rPr lang="en-US" dirty="0" err="1" smtClean="0">
+                <a:latin typeface="Courier New" panose="02070309020205020404" pitchFamily="49" charset="0"/>
+                <a:cs typeface="Courier New" panose="02070309020205020404" pitchFamily="49" charset="0"/>
+              </a:rPr>
+              <a:t>MPI_Comm</a:t>
+            </a:r>
+            <a:r>
+              <a:rPr lang="en-US" dirty="0" smtClean="0">
+                <a:latin typeface="Courier New" panose="02070309020205020404" pitchFamily="49" charset="0"/>
+                <a:cs typeface="Courier New" panose="02070309020205020404" pitchFamily="49" charset="0"/>
+              </a:rPr>
+              <a:t> </a:t>
+            </a:r>
+            <a:r>
+              <a:rPr lang="en-US" dirty="0" err="1" smtClean="0">
+                <a:latin typeface="Courier New" panose="02070309020205020404" pitchFamily="49" charset="0"/>
+                <a:cs typeface="Courier New" panose="02070309020205020404" pitchFamily="49" charset="0"/>
+              </a:rPr>
+              <a:t>comm</a:t>
+            </a:r>
+            <a:r>
+              <a:rPr lang="en-US" dirty="0" smtClean="0">
+                <a:latin typeface="Courier New" panose="02070309020205020404" pitchFamily="49" charset="0"/>
+                <a:cs typeface="Courier New" panose="02070309020205020404" pitchFamily="49" charset="0"/>
+              </a:rPr>
+              <a:t>,</a:t>
+            </a:r>
+          </a:p>
+          <a:p>
+            <a:r>
+              <a:rPr lang="en-US" dirty="0">
+                <a:latin typeface="Courier New" panose="02070309020205020404" pitchFamily="49" charset="0"/>
+                <a:cs typeface="Courier New" panose="02070309020205020404" pitchFamily="49" charset="0"/>
+              </a:rPr>
+              <a:t> </a:t>
+            </a:r>
+            <a:r>
+              <a:rPr lang="en-US" dirty="0" smtClean="0">
+                <a:latin typeface="Courier New" panose="02070309020205020404" pitchFamily="49" charset="0"/>
+                <a:cs typeface="Courier New" panose="02070309020205020404" pitchFamily="49" charset="0"/>
+              </a:rPr>
+              <a:t>                    </a:t>
+            </a:r>
+            <a:r>
+              <a:rPr lang="en-US" dirty="0" err="1" smtClean="0">
+                <a:latin typeface="Courier New" panose="02070309020205020404" pitchFamily="49" charset="0"/>
+                <a:cs typeface="Courier New" panose="02070309020205020404" pitchFamily="49" charset="0"/>
+              </a:rPr>
+              <a:t>MPI_Status</a:t>
+            </a:r>
+            <a:r>
+              <a:rPr lang="en-US" dirty="0">
+                <a:latin typeface="Courier New" panose="02070309020205020404" pitchFamily="49" charset="0"/>
+                <a:cs typeface="Courier New" panose="02070309020205020404" pitchFamily="49" charset="0"/>
+              </a:rPr>
+              <a:t>* status) </a:t>
+            </a:r>
+            <a:r>
+              <a:rPr lang="en-US" dirty="0" err="1">
+                <a:solidFill>
+                  <a:srgbClr val="7F0055"/>
+                </a:solidFill>
+                <a:latin typeface="Courier New" panose="02070309020205020404" pitchFamily="49" charset="0"/>
+                <a:cs typeface="Courier New" panose="02070309020205020404" pitchFamily="49" charset="0"/>
+              </a:rPr>
+              <a:t>const</a:t>
+            </a:r>
+            <a:r>
+              <a:rPr lang="en-US" dirty="0">
+                <a:latin typeface="Courier New" panose="02070309020205020404" pitchFamily="49" charset="0"/>
+                <a:cs typeface="Courier New" panose="02070309020205020404" pitchFamily="49" charset="0"/>
+              </a:rPr>
+              <a:t> = 0</a:t>
+            </a:r>
+            <a:r>
+              <a:rPr lang="en-US" dirty="0" smtClean="0">
                 <a:latin typeface="Courier New" panose="02070309020205020404" pitchFamily="49" charset="0"/>
                 <a:cs typeface="Courier New" panose="02070309020205020404" pitchFamily="49" charset="0"/>
               </a:rPr>
@@ -6528,7 +6712,7 @@
                 <a:latin typeface="Courier New" panose="02070309020205020404" pitchFamily="49" charset="0"/>
                 <a:cs typeface="Courier New" panose="02070309020205020404" pitchFamily="49" charset="0"/>
               </a:rPr>
-              <a:t>}</a:t>
+              <a:t>};</a:t>
             </a:r>
             <a:endParaRPr lang="en-US" dirty="0">
               <a:latin typeface="Courier New" panose="02070309020205020404" pitchFamily="49" charset="0"/>
@@ -6563,13 +6747,20 @@
     </p:spTree>
     <p:extLst>
       <p:ext uri="{BB962C8B-B14F-4D97-AF65-F5344CB8AC3E}">
-        <p14:creationId xmlns:p14="http://schemas.microsoft.com/office/powerpoint/2010/main" val="216964751"/>
+        <p14:creationId xmlns:p14="http://schemas.microsoft.com/office/powerpoint/2010/main" val="2480795563"/>
       </p:ext>
     </p:extLst>
   </p:cSld>
   <p:clrMapOvr>
     <a:masterClrMapping/>
   </p:clrMapOvr>
+  <p:timing>
+    <p:tnLst>
+      <p:par>
+        <p:cTn id="1" dur="indefinite" restart="never" nodeType="tmRoot"/>
+      </p:par>
+    </p:tnLst>
+  </p:timing>
 </p:sld>
 </file>
 
@@ -6606,9 +6797,10 @@
           <a:lstStyle/>
           <a:p>
             <a:r>
-              <a:rPr lang="en-US" dirty="0"/>
+              <a:rPr lang="en-US" dirty="0" smtClean="0"/>
               <a:t>The production implementations</a:t>
             </a:r>
+            <a:endParaRPr lang="en-US" dirty="0"/>
           </a:p>
         </p:txBody>
       </p:sp>
@@ -6643,68 +6835,6 @@
                 <a:cs typeface="Courier New" panose="02070309020205020404" pitchFamily="49" charset="0"/>
               </a:rPr>
               <a:t> </a:t>
-            </a:r>
-            <a:r>
-              <a:rPr lang="en-US" dirty="0">
-                <a:solidFill>
-                  <a:srgbClr val="7F0055"/>
-                </a:solidFill>
-                <a:latin typeface="Courier New" panose="02070309020205020404" pitchFamily="49" charset="0"/>
-                <a:cs typeface="Courier New" panose="02070309020205020404" pitchFamily="49" charset="0"/>
-              </a:rPr>
-              <a:t>void</a:t>
-            </a:r>
-            <a:r>
-              <a:rPr lang="en-US" dirty="0">
-                <a:latin typeface="Courier New" panose="02070309020205020404" pitchFamily="49" charset="0"/>
-                <a:cs typeface="Courier New" panose="02070309020205020404" pitchFamily="49" charset="0"/>
-              </a:rPr>
-              <a:t> </a:t>
-            </a:r>
-            <a:r>
-              <a:rPr lang="en-US" dirty="0" err="1">
-                <a:latin typeface="Courier New" panose="02070309020205020404" pitchFamily="49" charset="0"/>
-                <a:cs typeface="Courier New" panose="02070309020205020404" pitchFamily="49" charset="0"/>
-              </a:rPr>
-              <a:t>MpiSend</a:t>
-            </a:r>
-            <a:r>
-              <a:rPr lang="en-US" dirty="0">
-                <a:latin typeface="Courier New" panose="02070309020205020404" pitchFamily="49" charset="0"/>
-                <a:cs typeface="Courier New" panose="02070309020205020404" pitchFamily="49" charset="0"/>
-              </a:rPr>
-              <a:t>(</a:t>
-            </a:r>
-            <a:r>
-              <a:rPr lang="en-US" dirty="0">
-                <a:solidFill>
-                  <a:srgbClr val="7F0055"/>
-                </a:solidFill>
-                <a:latin typeface="Courier New" panose="02070309020205020404" pitchFamily="49" charset="0"/>
-                <a:cs typeface="Courier New" panose="02070309020205020404" pitchFamily="49" charset="0"/>
-              </a:rPr>
-              <a:t>void</a:t>
-            </a:r>
-            <a:r>
-              <a:rPr lang="en-US" dirty="0">
-                <a:latin typeface="Courier New" panose="02070309020205020404" pitchFamily="49" charset="0"/>
-                <a:cs typeface="Courier New" panose="02070309020205020404" pitchFamily="49" charset="0"/>
-              </a:rPr>
-              <a:t>* </a:t>
-            </a:r>
-            <a:r>
-              <a:rPr lang="en-US" dirty="0" err="1">
-                <a:latin typeface="Courier New" panose="02070309020205020404" pitchFamily="49" charset="0"/>
-                <a:cs typeface="Courier New" panose="02070309020205020404" pitchFamily="49" charset="0"/>
-              </a:rPr>
-              <a:t>buf</a:t>
-            </a:r>
-            <a:r>
-              <a:rPr lang="en-US" dirty="0">
-                <a:latin typeface="Courier New" panose="02070309020205020404" pitchFamily="49" charset="0"/>
-                <a:cs typeface="Courier New" panose="02070309020205020404" pitchFamily="49" charset="0"/>
-              </a:rPr>
-              <a:t>, </a:t>
             </a:r>
             <a:r>
               <a:rPr lang="en-US" dirty="0" err="1">
@@ -6724,6 +6854,84 @@
               <a:t> </a:t>
             </a:r>
             <a:r>
+              <a:rPr lang="en-US" dirty="0" err="1">
+                <a:latin typeface="Courier New" panose="02070309020205020404" pitchFamily="49" charset="0"/>
+                <a:cs typeface="Courier New" panose="02070309020205020404" pitchFamily="49" charset="0"/>
+              </a:rPr>
+              <a:t>MpiCommRank</a:t>
+            </a:r>
+            <a:r>
+              <a:rPr lang="en-US" dirty="0">
+                <a:latin typeface="Courier New" panose="02070309020205020404" pitchFamily="49" charset="0"/>
+                <a:cs typeface="Courier New" panose="02070309020205020404" pitchFamily="49" charset="0"/>
+              </a:rPr>
+              <a:t>(</a:t>
+            </a:r>
+            <a:r>
+              <a:rPr lang="en-US" dirty="0" err="1">
+                <a:latin typeface="Courier New" panose="02070309020205020404" pitchFamily="49" charset="0"/>
+                <a:cs typeface="Courier New" panose="02070309020205020404" pitchFamily="49" charset="0"/>
+              </a:rPr>
+              <a:t>MPI_Comm</a:t>
+            </a:r>
+            <a:r>
+              <a:rPr lang="en-US" dirty="0">
+                <a:latin typeface="Courier New" panose="02070309020205020404" pitchFamily="49" charset="0"/>
+                <a:cs typeface="Courier New" panose="02070309020205020404" pitchFamily="49" charset="0"/>
+              </a:rPr>
+              <a:t> </a:t>
+            </a:r>
+            <a:r>
+              <a:rPr lang="en-US" dirty="0" err="1">
+                <a:latin typeface="Courier New" panose="02070309020205020404" pitchFamily="49" charset="0"/>
+                <a:cs typeface="Courier New" panose="02070309020205020404" pitchFamily="49" charset="0"/>
+              </a:rPr>
+              <a:t>comm</a:t>
+            </a:r>
+            <a:r>
+              <a:rPr lang="en-US" dirty="0">
+                <a:latin typeface="Courier New" panose="02070309020205020404" pitchFamily="49" charset="0"/>
+                <a:cs typeface="Courier New" panose="02070309020205020404" pitchFamily="49" charset="0"/>
+              </a:rPr>
+              <a:t>) </a:t>
+            </a:r>
+            <a:r>
+              <a:rPr lang="en-US" dirty="0" err="1">
+                <a:solidFill>
+                  <a:srgbClr val="7F0055"/>
+                </a:solidFill>
+                <a:latin typeface="Courier New" panose="02070309020205020404" pitchFamily="49" charset="0"/>
+                <a:cs typeface="Courier New" panose="02070309020205020404" pitchFamily="49" charset="0"/>
+              </a:rPr>
+              <a:t>const</a:t>
+            </a:r>
+            <a:r>
+              <a:rPr lang="en-US" dirty="0">
+                <a:latin typeface="Courier New" panose="02070309020205020404" pitchFamily="49" charset="0"/>
+                <a:cs typeface="Courier New" panose="02070309020205020404" pitchFamily="49" charset="0"/>
+              </a:rPr>
+              <a:t> { </a:t>
+            </a:r>
+            <a:r>
+              <a:rPr lang="en-US" dirty="0" smtClean="0">
+                <a:latin typeface="Courier New" panose="02070309020205020404" pitchFamily="49" charset="0"/>
+                <a:cs typeface="Courier New" panose="02070309020205020404" pitchFamily="49" charset="0"/>
+              </a:rPr>
+              <a:t> </a:t>
+            </a:r>
+          </a:p>
+          <a:p>
+            <a:r>
+              <a:rPr lang="en-US" dirty="0">
+                <a:solidFill>
+                  <a:srgbClr val="7F0055"/>
+                </a:solidFill>
+                <a:latin typeface="Courier New" panose="02070309020205020404" pitchFamily="49" charset="0"/>
+                <a:cs typeface="Courier New" panose="02070309020205020404" pitchFamily="49" charset="0"/>
+              </a:rPr>
+              <a:t> </a:t>
+            </a:r>
+            <a:r>
               <a:rPr lang="en-US" dirty="0" smtClean="0">
                 <a:solidFill>
                   <a:srgbClr val="7F0055"/>
@@ -6731,14 +6939,24 @@
                 <a:latin typeface="Courier New" panose="02070309020205020404" pitchFamily="49" charset="0"/>
                 <a:cs typeface="Courier New" panose="02070309020205020404" pitchFamily="49" charset="0"/>
               </a:rPr>
-              <a:t>count</a:t>
+              <a:t> </a:t>
+            </a:r>
+            <a:r>
+              <a:rPr lang="en-US" dirty="0" err="1" smtClean="0">
+                <a:solidFill>
+                  <a:srgbClr val="7F0055"/>
+                </a:solidFill>
+                <a:latin typeface="Courier New" panose="02070309020205020404" pitchFamily="49" charset="0"/>
+                <a:cs typeface="Courier New" panose="02070309020205020404" pitchFamily="49" charset="0"/>
+              </a:rPr>
+              <a:t>int</a:t>
             </a:r>
             <a:r>
               <a:rPr lang="en-US" dirty="0" smtClean="0">
                 <a:latin typeface="Courier New" panose="02070309020205020404" pitchFamily="49" charset="0"/>
                 <a:cs typeface="Courier New" panose="02070309020205020404" pitchFamily="49" charset="0"/>
               </a:rPr>
-              <a:t>,</a:t>
+              <a:t> rank;</a:t>
             </a:r>
           </a:p>
           <a:p>
@@ -6754,35 +6972,28 @@
                 <a:latin typeface="Courier New" panose="02070309020205020404" pitchFamily="49" charset="0"/>
                 <a:cs typeface="Courier New" panose="02070309020205020404" pitchFamily="49" charset="0"/>
               </a:rPr>
-              <a:t>                    </a:t>
+              <a:t> MPI_Comm_rank(</a:t>
             </a:r>
             <a:r>
               <a:rPr lang="en-US" dirty="0" err="1" smtClean="0">
                 <a:latin typeface="Courier New" panose="02070309020205020404" pitchFamily="49" charset="0"/>
                 <a:cs typeface="Courier New" panose="02070309020205020404" pitchFamily="49" charset="0"/>
               </a:rPr>
-              <a:t>MPI_Datatype</a:t>
+              <a:t>comm</a:t>
+            </a:r>
+            <a:r>
+              <a:rPr lang="en-US" dirty="0">
+                <a:latin typeface="Courier New" panose="02070309020205020404" pitchFamily="49" charset="0"/>
+                <a:cs typeface="Courier New" panose="02070309020205020404" pitchFamily="49" charset="0"/>
+              </a:rPr>
+              <a:t>, &amp;rank</a:t>
             </a:r>
             <a:r>
               <a:rPr lang="en-US" dirty="0" smtClean="0">
                 <a:latin typeface="Courier New" panose="02070309020205020404" pitchFamily="49" charset="0"/>
                 <a:cs typeface="Courier New" panose="02070309020205020404" pitchFamily="49" charset="0"/>
               </a:rPr>
-              <a:t> </a:t>
-            </a:r>
-            <a:r>
-              <a:rPr lang="en-US" dirty="0" err="1" smtClean="0">
-                <a:latin typeface="Courier New" panose="02070309020205020404" pitchFamily="49" charset="0"/>
-                <a:cs typeface="Courier New" panose="02070309020205020404" pitchFamily="49" charset="0"/>
-              </a:rPr>
-              <a:t>datatype</a:t>
-            </a:r>
-            <a:r>
-              <a:rPr lang="en-US" dirty="0" smtClean="0">
-                <a:latin typeface="Courier New" panose="02070309020205020404" pitchFamily="49" charset="0"/>
-                <a:cs typeface="Courier New" panose="02070309020205020404" pitchFamily="49" charset="0"/>
-              </a:rPr>
-              <a:t>,</a:t>
+              <a:t>);</a:t>
             </a:r>
           </a:p>
           <a:p>
@@ -6804,17 +7015,7 @@
                 <a:latin typeface="Courier New" panose="02070309020205020404" pitchFamily="49" charset="0"/>
                 <a:cs typeface="Courier New" panose="02070309020205020404" pitchFamily="49" charset="0"/>
               </a:rPr>
-              <a:t>                    </a:t>
-            </a:r>
-            <a:r>
-              <a:rPr lang="en-US" dirty="0" err="1" smtClean="0">
-                <a:solidFill>
-                  <a:srgbClr val="7F0055"/>
-                </a:solidFill>
-                <a:latin typeface="Courier New" panose="02070309020205020404" pitchFamily="49" charset="0"/>
-                <a:cs typeface="Courier New" panose="02070309020205020404" pitchFamily="49" charset="0"/>
-              </a:rPr>
-              <a:t>int</a:t>
+              <a:t> return</a:t>
             </a:r>
             <a:r>
               <a:rPr lang="en-US" dirty="0" smtClean="0">
@@ -6824,185 +7025,18 @@
               <a:t> </a:t>
             </a:r>
             <a:r>
-              <a:rPr lang="en-US" dirty="0" err="1">
-                <a:latin typeface="Courier New" panose="02070309020205020404" pitchFamily="49" charset="0"/>
-                <a:cs typeface="Courier New" panose="02070309020205020404" pitchFamily="49" charset="0"/>
-              </a:rPr>
-              <a:t>dest</a:t>
-            </a:r>
-            <a:r>
-              <a:rPr lang="en-US" dirty="0">
-                <a:latin typeface="Courier New" panose="02070309020205020404" pitchFamily="49" charset="0"/>
-                <a:cs typeface="Courier New" panose="02070309020205020404" pitchFamily="49" charset="0"/>
-              </a:rPr>
-              <a:t>, </a:t>
-            </a:r>
-            <a:r>
-              <a:rPr lang="en-US" dirty="0" err="1">
-                <a:solidFill>
-                  <a:srgbClr val="7F0055"/>
-                </a:solidFill>
-                <a:latin typeface="Courier New" panose="02070309020205020404" pitchFamily="49" charset="0"/>
-                <a:cs typeface="Courier New" panose="02070309020205020404" pitchFamily="49" charset="0"/>
-              </a:rPr>
-              <a:t>int</a:t>
-            </a:r>
-            <a:r>
-              <a:rPr lang="en-US" dirty="0">
-                <a:latin typeface="Courier New" panose="02070309020205020404" pitchFamily="49" charset="0"/>
-                <a:cs typeface="Courier New" panose="02070309020205020404" pitchFamily="49" charset="0"/>
-              </a:rPr>
-              <a:t> </a:t>
+              <a:rPr lang="en-US" dirty="0">
+                <a:latin typeface="Courier New" panose="02070309020205020404" pitchFamily="49" charset="0"/>
+                <a:cs typeface="Courier New" panose="02070309020205020404" pitchFamily="49" charset="0"/>
+              </a:rPr>
+              <a:t>rank</a:t>
             </a:r>
             <a:r>
               <a:rPr lang="en-US" dirty="0" smtClean="0">
                 <a:latin typeface="Courier New" panose="02070309020205020404" pitchFamily="49" charset="0"/>
                 <a:cs typeface="Courier New" panose="02070309020205020404" pitchFamily="49" charset="0"/>
               </a:rPr>
-              <a:t>tag,</a:t>
-            </a:r>
-          </a:p>
-          <a:p>
-            <a:r>
-              <a:rPr lang="en-US" dirty="0">
-                <a:latin typeface="Courier New" panose="02070309020205020404" pitchFamily="49" charset="0"/>
-                <a:cs typeface="Courier New" panose="02070309020205020404" pitchFamily="49" charset="0"/>
-              </a:rPr>
-              <a:t> </a:t>
-            </a:r>
-            <a:r>
-              <a:rPr lang="en-US" dirty="0" smtClean="0">
-                <a:latin typeface="Courier New" panose="02070309020205020404" pitchFamily="49" charset="0"/>
-                <a:cs typeface="Courier New" panose="02070309020205020404" pitchFamily="49" charset="0"/>
-              </a:rPr>
-              <a:t>                    </a:t>
-            </a:r>
-            <a:r>
-              <a:rPr lang="en-US" dirty="0" err="1" smtClean="0">
-                <a:latin typeface="Courier New" panose="02070309020205020404" pitchFamily="49" charset="0"/>
-                <a:cs typeface="Courier New" panose="02070309020205020404" pitchFamily="49" charset="0"/>
-              </a:rPr>
-              <a:t>MPI_Comm</a:t>
-            </a:r>
-            <a:r>
-              <a:rPr lang="en-US" dirty="0" smtClean="0">
-                <a:latin typeface="Courier New" panose="02070309020205020404" pitchFamily="49" charset="0"/>
-                <a:cs typeface="Courier New" panose="02070309020205020404" pitchFamily="49" charset="0"/>
-              </a:rPr>
-              <a:t> </a:t>
-            </a:r>
-            <a:r>
-              <a:rPr lang="en-US" dirty="0" err="1">
-                <a:latin typeface="Courier New" panose="02070309020205020404" pitchFamily="49" charset="0"/>
-                <a:cs typeface="Courier New" panose="02070309020205020404" pitchFamily="49" charset="0"/>
-              </a:rPr>
-              <a:t>comm</a:t>
-            </a:r>
-            <a:r>
-              <a:rPr lang="en-US" dirty="0">
-                <a:latin typeface="Courier New" panose="02070309020205020404" pitchFamily="49" charset="0"/>
-                <a:cs typeface="Courier New" panose="02070309020205020404" pitchFamily="49" charset="0"/>
-              </a:rPr>
-              <a:t>) </a:t>
-            </a:r>
-            <a:r>
-              <a:rPr lang="en-US" dirty="0" err="1">
-                <a:solidFill>
-                  <a:srgbClr val="7F0055"/>
-                </a:solidFill>
-                <a:latin typeface="Courier New" panose="02070309020205020404" pitchFamily="49" charset="0"/>
-                <a:cs typeface="Courier New" panose="02070309020205020404" pitchFamily="49" charset="0"/>
-              </a:rPr>
-              <a:t>const</a:t>
-            </a:r>
-            <a:r>
-              <a:rPr lang="en-US" dirty="0">
-                <a:latin typeface="Courier New" panose="02070309020205020404" pitchFamily="49" charset="0"/>
-                <a:cs typeface="Courier New" panose="02070309020205020404" pitchFamily="49" charset="0"/>
-              </a:rPr>
-              <a:t> </a:t>
-            </a:r>
-            <a:r>
-              <a:rPr lang="en-US" dirty="0" smtClean="0">
-                <a:latin typeface="Courier New" panose="02070309020205020404" pitchFamily="49" charset="0"/>
-                <a:cs typeface="Courier New" panose="02070309020205020404" pitchFamily="49" charset="0"/>
-              </a:rPr>
-              <a:t>{</a:t>
-            </a:r>
-          </a:p>
-          <a:p>
-            <a:r>
-              <a:rPr lang="en-US" dirty="0">
-                <a:latin typeface="Courier New" panose="02070309020205020404" pitchFamily="49" charset="0"/>
-                <a:cs typeface="Courier New" panose="02070309020205020404" pitchFamily="49" charset="0"/>
-              </a:rPr>
-              <a:t> </a:t>
-            </a:r>
-            <a:r>
-              <a:rPr lang="en-US" dirty="0" smtClean="0">
-                <a:latin typeface="Courier New" panose="02070309020205020404" pitchFamily="49" charset="0"/>
-                <a:cs typeface="Courier New" panose="02070309020205020404" pitchFamily="49" charset="0"/>
-              </a:rPr>
-              <a:t> MPI_Send(</a:t>
-            </a:r>
-            <a:r>
-              <a:rPr lang="en-US" dirty="0" err="1" smtClean="0">
-                <a:latin typeface="Courier New" panose="02070309020205020404" pitchFamily="49" charset="0"/>
-                <a:cs typeface="Courier New" panose="02070309020205020404" pitchFamily="49" charset="0"/>
-              </a:rPr>
-              <a:t>buf</a:t>
-            </a:r>
-            <a:r>
-              <a:rPr lang="en-US" dirty="0">
-                <a:latin typeface="Courier New" panose="02070309020205020404" pitchFamily="49" charset="0"/>
-                <a:cs typeface="Courier New" panose="02070309020205020404" pitchFamily="49" charset="0"/>
-              </a:rPr>
-              <a:t>, </a:t>
-            </a:r>
-            <a:r>
-              <a:rPr lang="en-US" dirty="0">
-                <a:solidFill>
-                  <a:srgbClr val="7F0055"/>
-                </a:solidFill>
-                <a:latin typeface="Courier New" panose="02070309020205020404" pitchFamily="49" charset="0"/>
-                <a:cs typeface="Courier New" panose="02070309020205020404" pitchFamily="49" charset="0"/>
-              </a:rPr>
-              <a:t>count</a:t>
-            </a:r>
-            <a:r>
-              <a:rPr lang="en-US" dirty="0">
-                <a:latin typeface="Courier New" panose="02070309020205020404" pitchFamily="49" charset="0"/>
-                <a:cs typeface="Courier New" panose="02070309020205020404" pitchFamily="49" charset="0"/>
-              </a:rPr>
-              <a:t>, </a:t>
-            </a:r>
-            <a:r>
-              <a:rPr lang="en-US" dirty="0" err="1">
-                <a:latin typeface="Courier New" panose="02070309020205020404" pitchFamily="49" charset="0"/>
-                <a:cs typeface="Courier New" panose="02070309020205020404" pitchFamily="49" charset="0"/>
-              </a:rPr>
-              <a:t>datatype</a:t>
-            </a:r>
-            <a:r>
-              <a:rPr lang="en-US" dirty="0">
-                <a:latin typeface="Courier New" panose="02070309020205020404" pitchFamily="49" charset="0"/>
-                <a:cs typeface="Courier New" panose="02070309020205020404" pitchFamily="49" charset="0"/>
-              </a:rPr>
-              <a:t>, </a:t>
-            </a:r>
-            <a:r>
-              <a:rPr lang="en-US" dirty="0" err="1">
-                <a:latin typeface="Courier New" panose="02070309020205020404" pitchFamily="49" charset="0"/>
-                <a:cs typeface="Courier New" panose="02070309020205020404" pitchFamily="49" charset="0"/>
-              </a:rPr>
-              <a:t>dest,tag,comm</a:t>
-            </a:r>
-            <a:r>
-              <a:rPr lang="en-US" dirty="0" smtClean="0">
-                <a:latin typeface="Courier New" panose="02070309020205020404" pitchFamily="49" charset="0"/>
-                <a:cs typeface="Courier New" panose="02070309020205020404" pitchFamily="49" charset="0"/>
-              </a:rPr>
-              <a:t>);</a:t>
+              <a:t>;</a:t>
             </a:r>
           </a:p>
           <a:p>
@@ -7046,13 +7080,20 @@
     </p:spTree>
     <p:extLst>
       <p:ext uri="{BB962C8B-B14F-4D97-AF65-F5344CB8AC3E}">
-        <p14:creationId xmlns:p14="http://schemas.microsoft.com/office/powerpoint/2010/main" val="2520057479"/>
+        <p14:creationId xmlns:p14="http://schemas.microsoft.com/office/powerpoint/2010/main" val="216964751"/>
       </p:ext>
     </p:extLst>
   </p:cSld>
   <p:clrMapOvr>
     <a:masterClrMapping/>
   </p:clrMapOvr>
+  <p:timing>
+    <p:tnLst>
+      <p:par>
+        <p:cTn id="1" dur="indefinite" restart="never" nodeType="tmRoot"/>
+      </p:par>
+    </p:tnLst>
+  </p:timing>
 </p:sld>
 </file>
 
@@ -7149,7 +7190,7 @@
                 <a:latin typeface="Courier New" panose="02070309020205020404" pitchFamily="49" charset="0"/>
                 <a:cs typeface="Courier New" panose="02070309020205020404" pitchFamily="49" charset="0"/>
               </a:rPr>
-              <a:t>MpiRecv</a:t>
+              <a:t>MpiSend</a:t>
             </a:r>
             <a:r>
               <a:rPr lang="en-US" dirty="0">
@@ -7307,11 +7348,18 @@
               <a:t> </a:t>
             </a:r>
             <a:r>
-              <a:rPr lang="en-US" dirty="0">
-                <a:latin typeface="Courier New" panose="02070309020205020404" pitchFamily="49" charset="0"/>
-                <a:cs typeface="Courier New" panose="02070309020205020404" pitchFamily="49" charset="0"/>
-              </a:rPr>
-              <a:t>source, </a:t>
+              <a:rPr lang="en-US" dirty="0" err="1">
+                <a:latin typeface="Courier New" panose="02070309020205020404" pitchFamily="49" charset="0"/>
+                <a:cs typeface="Courier New" panose="02070309020205020404" pitchFamily="49" charset="0"/>
+              </a:rPr>
+              <a:t>dest</a:t>
+            </a:r>
+            <a:r>
+              <a:rPr lang="en-US" dirty="0">
+                <a:latin typeface="Courier New" panose="02070309020205020404" pitchFamily="49" charset="0"/>
+                <a:cs typeface="Courier New" panose="02070309020205020404" pitchFamily="49" charset="0"/>
+              </a:rPr>
+              <a:t>, </a:t>
             </a:r>
             <a:r>
               <a:rPr lang="en-US" dirty="0" err="1">
@@ -7368,48 +7416,18 @@
               <a:t> </a:t>
             </a:r>
             <a:r>
-              <a:rPr lang="en-US" dirty="0" err="1" smtClean="0">
+              <a:rPr lang="en-US" dirty="0" err="1">
                 <a:latin typeface="Courier New" panose="02070309020205020404" pitchFamily="49" charset="0"/>
                 <a:cs typeface="Courier New" panose="02070309020205020404" pitchFamily="49" charset="0"/>
               </a:rPr>
               <a:t>comm</a:t>
             </a:r>
             <a:r>
-              <a:rPr lang="en-US" dirty="0" smtClean="0">
-                <a:latin typeface="Courier New" panose="02070309020205020404" pitchFamily="49" charset="0"/>
-                <a:cs typeface="Courier New" panose="02070309020205020404" pitchFamily="49" charset="0"/>
-              </a:rPr>
-              <a:t>,</a:t>
-            </a:r>
-          </a:p>
-          <a:p>
-            <a:r>
-              <a:rPr lang="en-US" dirty="0">
-                <a:latin typeface="Courier New" panose="02070309020205020404" pitchFamily="49" charset="0"/>
-                <a:cs typeface="Courier New" panose="02070309020205020404" pitchFamily="49" charset="0"/>
-              </a:rPr>
-              <a:t> </a:t>
-            </a:r>
-            <a:r>
-              <a:rPr lang="en-US" dirty="0" smtClean="0">
-                <a:latin typeface="Courier New" panose="02070309020205020404" pitchFamily="49" charset="0"/>
-                <a:cs typeface="Courier New" panose="02070309020205020404" pitchFamily="49" charset="0"/>
-              </a:rPr>
-              <a:t>                    </a:t>
-            </a:r>
-            <a:r>
-              <a:rPr lang="en-US" dirty="0" err="1" smtClean="0">
-                <a:latin typeface="Courier New" panose="02070309020205020404" pitchFamily="49" charset="0"/>
-                <a:cs typeface="Courier New" panose="02070309020205020404" pitchFamily="49" charset="0"/>
-              </a:rPr>
-              <a:t>MPI_Status</a:t>
-            </a:r>
-            <a:r>
-              <a:rPr lang="en-US" dirty="0">
-                <a:latin typeface="Courier New" panose="02070309020205020404" pitchFamily="49" charset="0"/>
-                <a:cs typeface="Courier New" panose="02070309020205020404" pitchFamily="49" charset="0"/>
-              </a:rPr>
-              <a:t>* status) </a:t>
+              <a:rPr lang="en-US" dirty="0">
+                <a:latin typeface="Courier New" panose="02070309020205020404" pitchFamily="49" charset="0"/>
+                <a:cs typeface="Courier New" panose="02070309020205020404" pitchFamily="49" charset="0"/>
+              </a:rPr>
+              <a:t>) </a:t>
             </a:r>
             <a:r>
               <a:rPr lang="en-US" dirty="0" err="1">
@@ -7426,19 +7444,6 @@
                 <a:latin typeface="Courier New" panose="02070309020205020404" pitchFamily="49" charset="0"/>
                 <a:cs typeface="Courier New" panose="02070309020205020404" pitchFamily="49" charset="0"/>
               </a:rPr>
-              <a:t> { </a:t>
-            </a:r>
-            <a:endParaRPr lang="en-US" dirty="0" smtClean="0">
-              <a:latin typeface="Courier New" panose="02070309020205020404" pitchFamily="49" charset="0"/>
-              <a:cs typeface="Courier New" panose="02070309020205020404" pitchFamily="49" charset="0"/>
-            </a:endParaRPr>
-          </a:p>
-          <a:p>
-            <a:r>
-              <a:rPr lang="en-US" dirty="0">
-                <a:latin typeface="Courier New" panose="02070309020205020404" pitchFamily="49" charset="0"/>
-                <a:cs typeface="Courier New" panose="02070309020205020404" pitchFamily="49" charset="0"/>
-              </a:rPr>
               <a:t> </a:t>
             </a:r>
             <a:r>
@@ -7446,7 +7451,23 @@
                 <a:latin typeface="Courier New" panose="02070309020205020404" pitchFamily="49" charset="0"/>
                 <a:cs typeface="Courier New" panose="02070309020205020404" pitchFamily="49" charset="0"/>
               </a:rPr>
-              <a:t> MPI_Recv(</a:t>
+              <a:t>{</a:t>
+            </a:r>
+          </a:p>
+          <a:p>
+            <a:r>
+              <a:rPr lang="en-US" dirty="0">
+                <a:latin typeface="Courier New" panose="02070309020205020404" pitchFamily="49" charset="0"/>
+                <a:cs typeface="Courier New" panose="02070309020205020404" pitchFamily="49" charset="0"/>
+              </a:rPr>
+              <a:t> </a:t>
+            </a:r>
+            <a:r>
+              <a:rPr lang="en-US" dirty="0" smtClean="0">
+                <a:latin typeface="Courier New" panose="02070309020205020404" pitchFamily="49" charset="0"/>
+                <a:cs typeface="Courier New" panose="02070309020205020404" pitchFamily="49" charset="0"/>
+              </a:rPr>
+              <a:t> MPI_Send(</a:t>
             </a:r>
             <a:r>
               <a:rPr lang="en-US" dirty="0" err="1" smtClean="0">
@@ -7491,44 +7512,14 @@
                 <a:latin typeface="Courier New" panose="02070309020205020404" pitchFamily="49" charset="0"/>
                 <a:cs typeface="Courier New" panose="02070309020205020404" pitchFamily="49" charset="0"/>
               </a:rPr>
-              <a:t>, source, </a:t>
-            </a:r>
-            <a:r>
-              <a:rPr lang="en-US" dirty="0" smtClean="0">
-                <a:latin typeface="Courier New" panose="02070309020205020404" pitchFamily="49" charset="0"/>
-                <a:cs typeface="Courier New" panose="02070309020205020404" pitchFamily="49" charset="0"/>
-              </a:rPr>
-              <a:t>tag,</a:t>
-            </a:r>
-          </a:p>
-          <a:p>
-            <a:r>
-              <a:rPr lang="en-US" dirty="0">
-                <a:latin typeface="Courier New" panose="02070309020205020404" pitchFamily="49" charset="0"/>
-                <a:cs typeface="Courier New" panose="02070309020205020404" pitchFamily="49" charset="0"/>
-              </a:rPr>
-              <a:t> </a:t>
-            </a:r>
-            <a:r>
-              <a:rPr lang="en-US" dirty="0" smtClean="0">
-                <a:latin typeface="Courier New" panose="02070309020205020404" pitchFamily="49" charset="0"/>
-                <a:cs typeface="Courier New" panose="02070309020205020404" pitchFamily="49" charset="0"/>
-              </a:rPr>
-              <a:t>          </a:t>
-            </a:r>
-            <a:r>
-              <a:rPr lang="en-US" dirty="0" err="1" smtClean="0">
-                <a:latin typeface="Courier New" panose="02070309020205020404" pitchFamily="49" charset="0"/>
-                <a:cs typeface="Courier New" panose="02070309020205020404" pitchFamily="49" charset="0"/>
-              </a:rPr>
-              <a:t>comm</a:t>
-            </a:r>
-            <a:r>
-              <a:rPr lang="en-US" dirty="0">
-                <a:latin typeface="Courier New" panose="02070309020205020404" pitchFamily="49" charset="0"/>
-                <a:cs typeface="Courier New" panose="02070309020205020404" pitchFamily="49" charset="0"/>
-              </a:rPr>
-              <a:t>, status</a:t>
+              <a:t>, </a:t>
+            </a:r>
+            <a:r>
+              <a:rPr lang="en-US" dirty="0" err="1">
+                <a:latin typeface="Courier New" panose="02070309020205020404" pitchFamily="49" charset="0"/>
+                <a:cs typeface="Courier New" panose="02070309020205020404" pitchFamily="49" charset="0"/>
+              </a:rPr>
+              <a:t>dest,tag,comm</a:t>
             </a:r>
             <a:r>
               <a:rPr lang="en-US" dirty="0" smtClean="0">
@@ -7579,13 +7570,20 @@
     </p:spTree>
     <p:extLst>
       <p:ext uri="{BB962C8B-B14F-4D97-AF65-F5344CB8AC3E}">
-        <p14:creationId xmlns:p14="http://schemas.microsoft.com/office/powerpoint/2010/main" val="4275253139"/>
+        <p14:creationId xmlns:p14="http://schemas.microsoft.com/office/powerpoint/2010/main" val="2520057479"/>
       </p:ext>
     </p:extLst>
   </p:cSld>
   <p:clrMapOvr>
     <a:masterClrMapping/>
   </p:clrMapOvr>
+  <p:timing>
+    <p:tnLst>
+      <p:par>
+        <p:cTn id="1" dur="indefinite" restart="never" nodeType="tmRoot"/>
+      </p:par>
+    </p:tnLst>
+  </p:timing>
 </p:sld>
 </file>
 
@@ -7789,10 +7787,9 @@
           <a:lstStyle/>
           <a:p>
             <a:r>
-              <a:rPr lang="en-US" dirty="0" smtClean="0"/>
-              <a:t>Example</a:t>
-            </a:r>
-            <a:endParaRPr lang="en-US" dirty="0"/>
+              <a:rPr lang="en-US" dirty="0"/>
+              <a:t>The production implementations</a:t>
+            </a:r>
           </a:p>
         </p:txBody>
       </p:sp>
@@ -7812,20 +7809,445 @@
           <a:lstStyle/>
           <a:p>
             <a:r>
-              <a:rPr lang="en-US" dirty="0" smtClean="0"/>
-              <a:t>Let’s look at an example of a map-reduce implementation using MPI.</a:t>
-            </a:r>
-          </a:p>
-          <a:p>
-            <a:pPr marL="800100" lvl="1" indent="-342900"/>
-            <a:r>
-              <a:rPr lang="en-US" dirty="0" smtClean="0"/>
-              <a:t>This is similar to our task-based concurrency map-reduce algorithm.</a:t>
-            </a:r>
-          </a:p>
-          <a:p>
-            <a:pPr marL="800100" lvl="1" indent="-342900"/>
-            <a:endParaRPr lang="en-US" dirty="0"/>
+              <a:rPr lang="en-US" dirty="0">
+                <a:solidFill>
+                  <a:srgbClr val="7F0055"/>
+                </a:solidFill>
+                <a:latin typeface="Courier New" panose="02070309020205020404" pitchFamily="49" charset="0"/>
+                <a:cs typeface="Courier New" panose="02070309020205020404" pitchFamily="49" charset="0"/>
+              </a:rPr>
+              <a:t>virtual</a:t>
+            </a:r>
+            <a:r>
+              <a:rPr lang="en-US" dirty="0">
+                <a:latin typeface="Courier New" panose="02070309020205020404" pitchFamily="49" charset="0"/>
+                <a:cs typeface="Courier New" panose="02070309020205020404" pitchFamily="49" charset="0"/>
+              </a:rPr>
+              <a:t> </a:t>
+            </a:r>
+            <a:r>
+              <a:rPr lang="en-US" dirty="0">
+                <a:solidFill>
+                  <a:srgbClr val="7F0055"/>
+                </a:solidFill>
+                <a:latin typeface="Courier New" panose="02070309020205020404" pitchFamily="49" charset="0"/>
+                <a:cs typeface="Courier New" panose="02070309020205020404" pitchFamily="49" charset="0"/>
+              </a:rPr>
+              <a:t>void</a:t>
+            </a:r>
+            <a:r>
+              <a:rPr lang="en-US" dirty="0">
+                <a:latin typeface="Courier New" panose="02070309020205020404" pitchFamily="49" charset="0"/>
+                <a:cs typeface="Courier New" panose="02070309020205020404" pitchFamily="49" charset="0"/>
+              </a:rPr>
+              <a:t> </a:t>
+            </a:r>
+            <a:r>
+              <a:rPr lang="en-US" dirty="0" err="1">
+                <a:latin typeface="Courier New" panose="02070309020205020404" pitchFamily="49" charset="0"/>
+                <a:cs typeface="Courier New" panose="02070309020205020404" pitchFamily="49" charset="0"/>
+              </a:rPr>
+              <a:t>MpiRecv</a:t>
+            </a:r>
+            <a:r>
+              <a:rPr lang="en-US" dirty="0">
+                <a:latin typeface="Courier New" panose="02070309020205020404" pitchFamily="49" charset="0"/>
+                <a:cs typeface="Courier New" panose="02070309020205020404" pitchFamily="49" charset="0"/>
+              </a:rPr>
+              <a:t>(</a:t>
+            </a:r>
+            <a:r>
+              <a:rPr lang="en-US" dirty="0">
+                <a:solidFill>
+                  <a:srgbClr val="7F0055"/>
+                </a:solidFill>
+                <a:latin typeface="Courier New" panose="02070309020205020404" pitchFamily="49" charset="0"/>
+                <a:cs typeface="Courier New" panose="02070309020205020404" pitchFamily="49" charset="0"/>
+              </a:rPr>
+              <a:t>void</a:t>
+            </a:r>
+            <a:r>
+              <a:rPr lang="en-US" dirty="0">
+                <a:latin typeface="Courier New" panose="02070309020205020404" pitchFamily="49" charset="0"/>
+                <a:cs typeface="Courier New" panose="02070309020205020404" pitchFamily="49" charset="0"/>
+              </a:rPr>
+              <a:t>* </a:t>
+            </a:r>
+            <a:r>
+              <a:rPr lang="en-US" dirty="0" err="1">
+                <a:latin typeface="Courier New" panose="02070309020205020404" pitchFamily="49" charset="0"/>
+                <a:cs typeface="Courier New" panose="02070309020205020404" pitchFamily="49" charset="0"/>
+              </a:rPr>
+              <a:t>buf</a:t>
+            </a:r>
+            <a:r>
+              <a:rPr lang="en-US" dirty="0">
+                <a:latin typeface="Courier New" panose="02070309020205020404" pitchFamily="49" charset="0"/>
+                <a:cs typeface="Courier New" panose="02070309020205020404" pitchFamily="49" charset="0"/>
+              </a:rPr>
+              <a:t>, </a:t>
+            </a:r>
+            <a:r>
+              <a:rPr lang="en-US" dirty="0" err="1">
+                <a:solidFill>
+                  <a:srgbClr val="7F0055"/>
+                </a:solidFill>
+                <a:latin typeface="Courier New" panose="02070309020205020404" pitchFamily="49" charset="0"/>
+                <a:cs typeface="Courier New" panose="02070309020205020404" pitchFamily="49" charset="0"/>
+              </a:rPr>
+              <a:t>int</a:t>
+            </a:r>
+            <a:r>
+              <a:rPr lang="en-US" dirty="0">
+                <a:latin typeface="Courier New" panose="02070309020205020404" pitchFamily="49" charset="0"/>
+                <a:cs typeface="Courier New" panose="02070309020205020404" pitchFamily="49" charset="0"/>
+              </a:rPr>
+              <a:t> </a:t>
+            </a:r>
+            <a:r>
+              <a:rPr lang="en-US" dirty="0" smtClean="0">
+                <a:solidFill>
+                  <a:srgbClr val="7F0055"/>
+                </a:solidFill>
+                <a:latin typeface="Courier New" panose="02070309020205020404" pitchFamily="49" charset="0"/>
+                <a:cs typeface="Courier New" panose="02070309020205020404" pitchFamily="49" charset="0"/>
+              </a:rPr>
+              <a:t>count</a:t>
+            </a:r>
+            <a:r>
+              <a:rPr lang="en-US" dirty="0" smtClean="0">
+                <a:latin typeface="Courier New" panose="02070309020205020404" pitchFamily="49" charset="0"/>
+                <a:cs typeface="Courier New" panose="02070309020205020404" pitchFamily="49" charset="0"/>
+              </a:rPr>
+              <a:t>,</a:t>
+            </a:r>
+          </a:p>
+          <a:p>
+            <a:r>
+              <a:rPr lang="en-US" dirty="0">
+                <a:latin typeface="Courier New" panose="02070309020205020404" pitchFamily="49" charset="0"/>
+                <a:cs typeface="Courier New" panose="02070309020205020404" pitchFamily="49" charset="0"/>
+              </a:rPr>
+              <a:t> </a:t>
+            </a:r>
+            <a:r>
+              <a:rPr lang="en-US" dirty="0" smtClean="0">
+                <a:latin typeface="Courier New" panose="02070309020205020404" pitchFamily="49" charset="0"/>
+                <a:cs typeface="Courier New" panose="02070309020205020404" pitchFamily="49" charset="0"/>
+              </a:rPr>
+              <a:t>                    </a:t>
+            </a:r>
+            <a:r>
+              <a:rPr lang="en-US" dirty="0" err="1" smtClean="0">
+                <a:latin typeface="Courier New" panose="02070309020205020404" pitchFamily="49" charset="0"/>
+                <a:cs typeface="Courier New" panose="02070309020205020404" pitchFamily="49" charset="0"/>
+              </a:rPr>
+              <a:t>MPI_Datatype</a:t>
+            </a:r>
+            <a:r>
+              <a:rPr lang="en-US" dirty="0" smtClean="0">
+                <a:latin typeface="Courier New" panose="02070309020205020404" pitchFamily="49" charset="0"/>
+                <a:cs typeface="Courier New" panose="02070309020205020404" pitchFamily="49" charset="0"/>
+              </a:rPr>
+              <a:t> </a:t>
+            </a:r>
+            <a:r>
+              <a:rPr lang="en-US" dirty="0" err="1" smtClean="0">
+                <a:latin typeface="Courier New" panose="02070309020205020404" pitchFamily="49" charset="0"/>
+                <a:cs typeface="Courier New" panose="02070309020205020404" pitchFamily="49" charset="0"/>
+              </a:rPr>
+              <a:t>datatype</a:t>
+            </a:r>
+            <a:r>
+              <a:rPr lang="en-US" dirty="0" smtClean="0">
+                <a:latin typeface="Courier New" panose="02070309020205020404" pitchFamily="49" charset="0"/>
+                <a:cs typeface="Courier New" panose="02070309020205020404" pitchFamily="49" charset="0"/>
+              </a:rPr>
+              <a:t>,</a:t>
+            </a:r>
+          </a:p>
+          <a:p>
+            <a:r>
+              <a:rPr lang="en-US" dirty="0">
+                <a:solidFill>
+                  <a:srgbClr val="7F0055"/>
+                </a:solidFill>
+                <a:latin typeface="Courier New" panose="02070309020205020404" pitchFamily="49" charset="0"/>
+                <a:cs typeface="Courier New" panose="02070309020205020404" pitchFamily="49" charset="0"/>
+              </a:rPr>
+              <a:t> </a:t>
+            </a:r>
+            <a:r>
+              <a:rPr lang="en-US" dirty="0" smtClean="0">
+                <a:solidFill>
+                  <a:srgbClr val="7F0055"/>
+                </a:solidFill>
+                <a:latin typeface="Courier New" panose="02070309020205020404" pitchFamily="49" charset="0"/>
+                <a:cs typeface="Courier New" panose="02070309020205020404" pitchFamily="49" charset="0"/>
+              </a:rPr>
+              <a:t>                    </a:t>
+            </a:r>
+            <a:r>
+              <a:rPr lang="en-US" dirty="0" err="1" smtClean="0">
+                <a:solidFill>
+                  <a:srgbClr val="7F0055"/>
+                </a:solidFill>
+                <a:latin typeface="Courier New" panose="02070309020205020404" pitchFamily="49" charset="0"/>
+                <a:cs typeface="Courier New" panose="02070309020205020404" pitchFamily="49" charset="0"/>
+              </a:rPr>
+              <a:t>int</a:t>
+            </a:r>
+            <a:r>
+              <a:rPr lang="en-US" dirty="0" smtClean="0">
+                <a:latin typeface="Courier New" panose="02070309020205020404" pitchFamily="49" charset="0"/>
+                <a:cs typeface="Courier New" panose="02070309020205020404" pitchFamily="49" charset="0"/>
+              </a:rPr>
+              <a:t> </a:t>
+            </a:r>
+            <a:r>
+              <a:rPr lang="en-US" dirty="0">
+                <a:latin typeface="Courier New" panose="02070309020205020404" pitchFamily="49" charset="0"/>
+                <a:cs typeface="Courier New" panose="02070309020205020404" pitchFamily="49" charset="0"/>
+              </a:rPr>
+              <a:t>source, </a:t>
+            </a:r>
+            <a:r>
+              <a:rPr lang="en-US" dirty="0" err="1">
+                <a:solidFill>
+                  <a:srgbClr val="7F0055"/>
+                </a:solidFill>
+                <a:latin typeface="Courier New" panose="02070309020205020404" pitchFamily="49" charset="0"/>
+                <a:cs typeface="Courier New" panose="02070309020205020404" pitchFamily="49" charset="0"/>
+              </a:rPr>
+              <a:t>int</a:t>
+            </a:r>
+            <a:r>
+              <a:rPr lang="en-US" dirty="0">
+                <a:latin typeface="Courier New" panose="02070309020205020404" pitchFamily="49" charset="0"/>
+                <a:cs typeface="Courier New" panose="02070309020205020404" pitchFamily="49" charset="0"/>
+              </a:rPr>
+              <a:t> </a:t>
+            </a:r>
+            <a:r>
+              <a:rPr lang="en-US" dirty="0" smtClean="0">
+                <a:latin typeface="Courier New" panose="02070309020205020404" pitchFamily="49" charset="0"/>
+                <a:cs typeface="Courier New" panose="02070309020205020404" pitchFamily="49" charset="0"/>
+              </a:rPr>
+              <a:t>tag,</a:t>
+            </a:r>
+          </a:p>
+          <a:p>
+            <a:r>
+              <a:rPr lang="en-US" dirty="0">
+                <a:latin typeface="Courier New" panose="02070309020205020404" pitchFamily="49" charset="0"/>
+                <a:cs typeface="Courier New" panose="02070309020205020404" pitchFamily="49" charset="0"/>
+              </a:rPr>
+              <a:t> </a:t>
+            </a:r>
+            <a:r>
+              <a:rPr lang="en-US" dirty="0" smtClean="0">
+                <a:latin typeface="Courier New" panose="02070309020205020404" pitchFamily="49" charset="0"/>
+                <a:cs typeface="Courier New" panose="02070309020205020404" pitchFamily="49" charset="0"/>
+              </a:rPr>
+              <a:t>                    </a:t>
+            </a:r>
+            <a:r>
+              <a:rPr lang="en-US" dirty="0" err="1" smtClean="0">
+                <a:latin typeface="Courier New" panose="02070309020205020404" pitchFamily="49" charset="0"/>
+                <a:cs typeface="Courier New" panose="02070309020205020404" pitchFamily="49" charset="0"/>
+              </a:rPr>
+              <a:t>MPI_Comm</a:t>
+            </a:r>
+            <a:r>
+              <a:rPr lang="en-US" dirty="0" smtClean="0">
+                <a:latin typeface="Courier New" panose="02070309020205020404" pitchFamily="49" charset="0"/>
+                <a:cs typeface="Courier New" panose="02070309020205020404" pitchFamily="49" charset="0"/>
+              </a:rPr>
+              <a:t> </a:t>
+            </a:r>
+            <a:r>
+              <a:rPr lang="en-US" dirty="0" err="1" smtClean="0">
+                <a:latin typeface="Courier New" panose="02070309020205020404" pitchFamily="49" charset="0"/>
+                <a:cs typeface="Courier New" panose="02070309020205020404" pitchFamily="49" charset="0"/>
+              </a:rPr>
+              <a:t>comm</a:t>
+            </a:r>
+            <a:r>
+              <a:rPr lang="en-US" dirty="0" smtClean="0">
+                <a:latin typeface="Courier New" panose="02070309020205020404" pitchFamily="49" charset="0"/>
+                <a:cs typeface="Courier New" panose="02070309020205020404" pitchFamily="49" charset="0"/>
+              </a:rPr>
+              <a:t>,</a:t>
+            </a:r>
+          </a:p>
+          <a:p>
+            <a:r>
+              <a:rPr lang="en-US" dirty="0">
+                <a:latin typeface="Courier New" panose="02070309020205020404" pitchFamily="49" charset="0"/>
+                <a:cs typeface="Courier New" panose="02070309020205020404" pitchFamily="49" charset="0"/>
+              </a:rPr>
+              <a:t> </a:t>
+            </a:r>
+            <a:r>
+              <a:rPr lang="en-US" dirty="0" smtClean="0">
+                <a:latin typeface="Courier New" panose="02070309020205020404" pitchFamily="49" charset="0"/>
+                <a:cs typeface="Courier New" panose="02070309020205020404" pitchFamily="49" charset="0"/>
+              </a:rPr>
+              <a:t>                    </a:t>
+            </a:r>
+            <a:r>
+              <a:rPr lang="en-US" dirty="0" err="1" smtClean="0">
+                <a:latin typeface="Courier New" panose="02070309020205020404" pitchFamily="49" charset="0"/>
+                <a:cs typeface="Courier New" panose="02070309020205020404" pitchFamily="49" charset="0"/>
+              </a:rPr>
+              <a:t>MPI_Status</a:t>
+            </a:r>
+            <a:r>
+              <a:rPr lang="en-US" dirty="0">
+                <a:latin typeface="Courier New" panose="02070309020205020404" pitchFamily="49" charset="0"/>
+                <a:cs typeface="Courier New" panose="02070309020205020404" pitchFamily="49" charset="0"/>
+              </a:rPr>
+              <a:t>* status) </a:t>
+            </a:r>
+            <a:r>
+              <a:rPr lang="en-US" dirty="0" err="1">
+                <a:solidFill>
+                  <a:srgbClr val="7F0055"/>
+                </a:solidFill>
+                <a:latin typeface="Courier New" panose="02070309020205020404" pitchFamily="49" charset="0"/>
+                <a:cs typeface="Courier New" panose="02070309020205020404" pitchFamily="49" charset="0"/>
+              </a:rPr>
+              <a:t>const</a:t>
+            </a:r>
+            <a:r>
+              <a:rPr lang="en-US" dirty="0">
+                <a:latin typeface="Courier New" panose="02070309020205020404" pitchFamily="49" charset="0"/>
+                <a:cs typeface="Courier New" panose="02070309020205020404" pitchFamily="49" charset="0"/>
+              </a:rPr>
+              <a:t> { </a:t>
+            </a:r>
+            <a:endParaRPr lang="en-US" dirty="0" smtClean="0">
+              <a:latin typeface="Courier New" panose="02070309020205020404" pitchFamily="49" charset="0"/>
+              <a:cs typeface="Courier New" panose="02070309020205020404" pitchFamily="49" charset="0"/>
+            </a:endParaRPr>
+          </a:p>
+          <a:p>
+            <a:r>
+              <a:rPr lang="en-US" dirty="0">
+                <a:latin typeface="Courier New" panose="02070309020205020404" pitchFamily="49" charset="0"/>
+                <a:cs typeface="Courier New" panose="02070309020205020404" pitchFamily="49" charset="0"/>
+              </a:rPr>
+              <a:t> </a:t>
+            </a:r>
+            <a:r>
+              <a:rPr lang="en-US" dirty="0" smtClean="0">
+                <a:latin typeface="Courier New" panose="02070309020205020404" pitchFamily="49" charset="0"/>
+                <a:cs typeface="Courier New" panose="02070309020205020404" pitchFamily="49" charset="0"/>
+              </a:rPr>
+              <a:t> MPI_Recv(</a:t>
+            </a:r>
+            <a:r>
+              <a:rPr lang="en-US" dirty="0" err="1" smtClean="0">
+                <a:latin typeface="Courier New" panose="02070309020205020404" pitchFamily="49" charset="0"/>
+                <a:cs typeface="Courier New" panose="02070309020205020404" pitchFamily="49" charset="0"/>
+              </a:rPr>
+              <a:t>buf</a:t>
+            </a:r>
+            <a:r>
+              <a:rPr lang="en-US" dirty="0">
+                <a:latin typeface="Courier New" panose="02070309020205020404" pitchFamily="49" charset="0"/>
+                <a:cs typeface="Courier New" panose="02070309020205020404" pitchFamily="49" charset="0"/>
+              </a:rPr>
+              <a:t>, </a:t>
+            </a:r>
+            <a:r>
+              <a:rPr lang="en-US" dirty="0">
+                <a:solidFill>
+                  <a:srgbClr val="7F0055"/>
+                </a:solidFill>
+                <a:latin typeface="Courier New" panose="02070309020205020404" pitchFamily="49" charset="0"/>
+                <a:cs typeface="Courier New" panose="02070309020205020404" pitchFamily="49" charset="0"/>
+              </a:rPr>
+              <a:t>count</a:t>
+            </a:r>
+            <a:r>
+              <a:rPr lang="en-US" dirty="0">
+                <a:latin typeface="Courier New" panose="02070309020205020404" pitchFamily="49" charset="0"/>
+                <a:cs typeface="Courier New" panose="02070309020205020404" pitchFamily="49" charset="0"/>
+              </a:rPr>
+              <a:t>, </a:t>
+            </a:r>
+            <a:r>
+              <a:rPr lang="en-US" dirty="0" err="1">
+                <a:latin typeface="Courier New" panose="02070309020205020404" pitchFamily="49" charset="0"/>
+                <a:cs typeface="Courier New" panose="02070309020205020404" pitchFamily="49" charset="0"/>
+              </a:rPr>
+              <a:t>datatype</a:t>
+            </a:r>
+            <a:r>
+              <a:rPr lang="en-US" dirty="0">
+                <a:latin typeface="Courier New" panose="02070309020205020404" pitchFamily="49" charset="0"/>
+                <a:cs typeface="Courier New" panose="02070309020205020404" pitchFamily="49" charset="0"/>
+              </a:rPr>
+              <a:t>, source, </a:t>
+            </a:r>
+            <a:r>
+              <a:rPr lang="en-US" dirty="0" smtClean="0">
+                <a:latin typeface="Courier New" panose="02070309020205020404" pitchFamily="49" charset="0"/>
+                <a:cs typeface="Courier New" panose="02070309020205020404" pitchFamily="49" charset="0"/>
+              </a:rPr>
+              <a:t>tag,</a:t>
+            </a:r>
+          </a:p>
+          <a:p>
+            <a:r>
+              <a:rPr lang="en-US" dirty="0">
+                <a:latin typeface="Courier New" panose="02070309020205020404" pitchFamily="49" charset="0"/>
+                <a:cs typeface="Courier New" panose="02070309020205020404" pitchFamily="49" charset="0"/>
+              </a:rPr>
+              <a:t> </a:t>
+            </a:r>
+            <a:r>
+              <a:rPr lang="en-US" dirty="0" smtClean="0">
+                <a:latin typeface="Courier New" panose="02070309020205020404" pitchFamily="49" charset="0"/>
+                <a:cs typeface="Courier New" panose="02070309020205020404" pitchFamily="49" charset="0"/>
+              </a:rPr>
+              <a:t>          </a:t>
+            </a:r>
+            <a:r>
+              <a:rPr lang="en-US" dirty="0" err="1" smtClean="0">
+                <a:latin typeface="Courier New" panose="02070309020205020404" pitchFamily="49" charset="0"/>
+                <a:cs typeface="Courier New" panose="02070309020205020404" pitchFamily="49" charset="0"/>
+              </a:rPr>
+              <a:t>comm</a:t>
+            </a:r>
+            <a:r>
+              <a:rPr lang="en-US" dirty="0">
+                <a:latin typeface="Courier New" panose="02070309020205020404" pitchFamily="49" charset="0"/>
+                <a:cs typeface="Courier New" panose="02070309020205020404" pitchFamily="49" charset="0"/>
+              </a:rPr>
+              <a:t>, status</a:t>
+            </a:r>
+            <a:r>
+              <a:rPr lang="en-US" dirty="0" smtClean="0">
+                <a:latin typeface="Courier New" panose="02070309020205020404" pitchFamily="49" charset="0"/>
+                <a:cs typeface="Courier New" panose="02070309020205020404" pitchFamily="49" charset="0"/>
+              </a:rPr>
+              <a:t>);</a:t>
+            </a:r>
+          </a:p>
+          <a:p>
+            <a:r>
+              <a:rPr lang="en-US" dirty="0" smtClean="0">
+                <a:latin typeface="Courier New" panose="02070309020205020404" pitchFamily="49" charset="0"/>
+                <a:cs typeface="Courier New" panose="02070309020205020404" pitchFamily="49" charset="0"/>
+              </a:rPr>
+              <a:t>}</a:t>
+            </a:r>
+            <a:endParaRPr lang="en-US" dirty="0">
+              <a:latin typeface="Courier New" panose="02070309020205020404" pitchFamily="49" charset="0"/>
+              <a:cs typeface="Courier New" panose="02070309020205020404" pitchFamily="49" charset="0"/>
+            </a:endParaRPr>
           </a:p>
         </p:txBody>
       </p:sp>
@@ -7855,13 +8277,20 @@
     </p:spTree>
     <p:extLst>
       <p:ext uri="{BB962C8B-B14F-4D97-AF65-F5344CB8AC3E}">
-        <p14:creationId xmlns:p14="http://schemas.microsoft.com/office/powerpoint/2010/main" val="4199675029"/>
+        <p14:creationId xmlns:p14="http://schemas.microsoft.com/office/powerpoint/2010/main" val="4275253139"/>
       </p:ext>
     </p:extLst>
   </p:cSld>
   <p:clrMapOvr>
     <a:masterClrMapping/>
   </p:clrMapOvr>
+  <p:timing>
+    <p:tnLst>
+      <p:par>
+        <p:cTn id="1" dur="indefinite" restart="never" nodeType="tmRoot"/>
+      </p:par>
+    </p:tnLst>
+  </p:timing>
 </p:sld>
 </file>
 
@@ -7899,11 +8328,7 @@
           <a:p>
             <a:r>
               <a:rPr lang="en-US" dirty="0" smtClean="0"/>
-              <a:t>Gaus</a:t>
-            </a:r>
-            <a:r>
-              <a:rPr lang="en-US" dirty="0" smtClean="0"/>
-              <a:t>s using MPI</a:t>
+              <a:t>Example</a:t>
             </a:r>
             <a:endParaRPr lang="en-US" dirty="0"/>
           </a:p>
@@ -7926,8 +8351,18 @@
           <a:p>
             <a:r>
               <a:rPr lang="en-US" dirty="0" smtClean="0"/>
-              <a:t>Let’s attempt to implement a simple sum of integers using MPI.</a:t>
-            </a:r>
+              <a:t>Let’s look at an example of a map-reduce implementation using MPI.</a:t>
+            </a:r>
+          </a:p>
+          <a:p>
+            <a:pPr marL="800100" lvl="1" indent="-342900"/>
+            <a:r>
+              <a:rPr lang="en-US" dirty="0" smtClean="0"/>
+              <a:t>This is similar to our task-based concurrency map-reduce algorithm.</a:t>
+            </a:r>
+          </a:p>
+          <a:p>
+            <a:pPr marL="800100" lvl="1" indent="-342900"/>
             <a:endParaRPr lang="en-US" dirty="0"/>
           </a:p>
         </p:txBody>
@@ -7950,6 +8385,112 @@
             <a:fld id="{6DA12B36-9664-4CB0-8B2E-F4A2F44AE97E}" type="slidenum">
               <a:rPr lang="en-US" smtClean="0"/>
               <a:t>21</a:t>
+            </a:fld>
+            <a:endParaRPr lang="en-US"/>
+          </a:p>
+        </p:txBody>
+      </p:sp>
+    </p:spTree>
+    <p:extLst>
+      <p:ext uri="{BB962C8B-B14F-4D97-AF65-F5344CB8AC3E}">
+        <p14:creationId xmlns:p14="http://schemas.microsoft.com/office/powerpoint/2010/main" val="4199675029"/>
+      </p:ext>
+    </p:extLst>
+  </p:cSld>
+  <p:clrMapOvr>
+    <a:masterClrMapping/>
+  </p:clrMapOvr>
+  <p:timing>
+    <p:tnLst>
+      <p:par>
+        <p:cTn id="1" dur="indefinite" restart="never" nodeType="tmRoot"/>
+      </p:par>
+    </p:tnLst>
+  </p:timing>
+</p:sld>
+</file>
+
+<file path=ppt/slides/slide22.xml><?xml version="1.0" encoding="utf-8"?>
+<p:sld xmlns:a="http://schemas.openxmlformats.org/drawingml/2006/main" xmlns:r="http://schemas.openxmlformats.org/officeDocument/2006/relationships" xmlns:p="http://schemas.openxmlformats.org/presentationml/2006/main">
+  <p:cSld>
+    <p:spTree>
+      <p:nvGrpSpPr>
+        <p:cNvPr id="1" name=""/>
+        <p:cNvGrpSpPr/>
+        <p:nvPr/>
+      </p:nvGrpSpPr>
+      <p:grpSpPr>
+        <a:xfrm>
+          <a:off x="0" y="0"/>
+          <a:ext cx="0" cy="0"/>
+          <a:chOff x="0" y="0"/>
+          <a:chExt cx="0" cy="0"/>
+        </a:xfrm>
+      </p:grpSpPr>
+      <p:sp>
+        <p:nvSpPr>
+          <p:cNvPr id="2" name="Title 1"/>
+          <p:cNvSpPr>
+            <a:spLocks noGrp="1"/>
+          </p:cNvSpPr>
+          <p:nvPr>
+            <p:ph type="title"/>
+          </p:nvPr>
+        </p:nvSpPr>
+        <p:spPr/>
+        <p:txBody>
+          <a:bodyPr/>
+          <a:lstStyle/>
+          <a:p>
+            <a:r>
+              <a:rPr lang="en-US" dirty="0" smtClean="0"/>
+              <a:t>Gauss using MPI</a:t>
+            </a:r>
+            <a:endParaRPr lang="en-US" dirty="0"/>
+          </a:p>
+        </p:txBody>
+      </p:sp>
+      <p:sp>
+        <p:nvSpPr>
+          <p:cNvPr id="3" name="Content Placeholder 2"/>
+          <p:cNvSpPr>
+            <a:spLocks noGrp="1"/>
+          </p:cNvSpPr>
+          <p:nvPr>
+            <p:ph idx="1"/>
+          </p:nvPr>
+        </p:nvSpPr>
+        <p:spPr/>
+        <p:txBody>
+          <a:bodyPr/>
+          <a:lstStyle/>
+          <a:p>
+            <a:r>
+              <a:rPr lang="en-US" dirty="0" smtClean="0"/>
+              <a:t>Let’s attempt to implement a simple sum of integers using MPI.</a:t>
+            </a:r>
+            <a:endParaRPr lang="en-US" dirty="0"/>
+          </a:p>
+        </p:txBody>
+      </p:sp>
+      <p:sp>
+        <p:nvSpPr>
+          <p:cNvPr id="4" name="Slide Number Placeholder 3"/>
+          <p:cNvSpPr>
+            <a:spLocks noGrp="1"/>
+          </p:cNvSpPr>
+          <p:nvPr>
+            <p:ph type="sldNum" sz="quarter" idx="12"/>
+          </p:nvPr>
+        </p:nvSpPr>
+        <p:spPr/>
+        <p:txBody>
+          <a:bodyPr/>
+          <a:lstStyle/>
+          <a:p>
+            <a:fld id="{6DA12B36-9664-4CB0-8B2E-F4A2F44AE97E}" type="slidenum">
+              <a:rPr lang="en-US" smtClean="0"/>
+              <a:t>22</a:t>
             </a:fld>
             <a:endParaRPr lang="en-US"/>
           </a:p>
@@ -7965,6 +8506,126 @@
   <p:clrMapOvr>
     <a:masterClrMapping/>
   </p:clrMapOvr>
+</p:sld>
+</file>
+
+<file path=ppt/slides/slide23.xml><?xml version="1.0" encoding="utf-8"?>
+<p:sld xmlns:a="http://schemas.openxmlformats.org/drawingml/2006/main" xmlns:r="http://schemas.openxmlformats.org/officeDocument/2006/relationships" xmlns:p="http://schemas.openxmlformats.org/presentationml/2006/main">
+  <p:cSld>
+    <p:spTree>
+      <p:nvGrpSpPr>
+        <p:cNvPr id="1" name=""/>
+        <p:cNvGrpSpPr/>
+        <p:nvPr/>
+      </p:nvGrpSpPr>
+      <p:grpSpPr>
+        <a:xfrm>
+          <a:off x="0" y="0"/>
+          <a:ext cx="0" cy="0"/>
+          <a:chOff x="0" y="0"/>
+          <a:chExt cx="0" cy="0"/>
+        </a:xfrm>
+      </p:grpSpPr>
+      <p:sp>
+        <p:nvSpPr>
+          <p:cNvPr id="2" name="Title 1"/>
+          <p:cNvSpPr>
+            <a:spLocks noGrp="1"/>
+          </p:cNvSpPr>
+          <p:nvPr>
+            <p:ph type="title"/>
+          </p:nvPr>
+        </p:nvSpPr>
+        <p:spPr/>
+        <p:txBody>
+          <a:bodyPr/>
+          <a:lstStyle/>
+          <a:p>
+            <a:r>
+              <a:rPr lang="en-US" dirty="0" smtClean="0"/>
+              <a:t>Matrix Multiplication</a:t>
+            </a:r>
+            <a:endParaRPr lang="en-US" dirty="0"/>
+          </a:p>
+        </p:txBody>
+      </p:sp>
+      <p:sp>
+        <p:nvSpPr>
+          <p:cNvPr id="3" name="Content Placeholder 2"/>
+          <p:cNvSpPr>
+            <a:spLocks noGrp="1"/>
+          </p:cNvSpPr>
+          <p:nvPr>
+            <p:ph idx="1"/>
+          </p:nvPr>
+        </p:nvSpPr>
+        <p:spPr/>
+        <p:txBody>
+          <a:bodyPr/>
+          <a:lstStyle/>
+          <a:p>
+            <a:r>
+              <a:rPr lang="en-US" dirty="0" smtClean="0"/>
+              <a:t>Can we perform matrix multiplication using MPI?</a:t>
+            </a:r>
+          </a:p>
+          <a:p>
+            <a:pPr marL="800100" lvl="1" indent="-342900"/>
+            <a:r>
+              <a:rPr lang="en-US" dirty="0" smtClean="0"/>
+              <a:t>Yes, it is possible.</a:t>
+            </a:r>
+          </a:p>
+          <a:p>
+            <a:pPr marL="800100" lvl="1" indent="-342900"/>
+            <a:r>
+              <a:rPr lang="en-US" dirty="0" smtClean="0"/>
+              <a:t>We cannot directly use the task-based version from an earlier lecture. Why?</a:t>
+            </a:r>
+            <a:endParaRPr lang="en-US" dirty="0"/>
+          </a:p>
+        </p:txBody>
+      </p:sp>
+      <p:sp>
+        <p:nvSpPr>
+          <p:cNvPr id="4" name="Slide Number Placeholder 3"/>
+          <p:cNvSpPr>
+            <a:spLocks noGrp="1"/>
+          </p:cNvSpPr>
+          <p:nvPr>
+            <p:ph type="sldNum" sz="quarter" idx="12"/>
+          </p:nvPr>
+        </p:nvSpPr>
+        <p:spPr/>
+        <p:txBody>
+          <a:bodyPr/>
+          <a:lstStyle/>
+          <a:p>
+            <a:fld id="{6DA12B36-9664-4CB0-8B2E-F4A2F44AE97E}" type="slidenum">
+              <a:rPr lang="en-US" smtClean="0"/>
+              <a:t>23</a:t>
+            </a:fld>
+            <a:endParaRPr lang="en-US"/>
+          </a:p>
+        </p:txBody>
+      </p:sp>
+    </p:spTree>
+    <p:extLst>
+      <p:ext uri="{BB962C8B-B14F-4D97-AF65-F5344CB8AC3E}">
+        <p14:creationId xmlns:p14="http://schemas.microsoft.com/office/powerpoint/2010/main" val="849104339"/>
+      </p:ext>
+    </p:extLst>
+  </p:cSld>
+  <p:clrMapOvr>
+    <a:masterClrMapping/>
+  </p:clrMapOvr>
+  <p:timing>
+    <p:tnLst>
+      <p:par>
+        <p:cTn id="1" dur="indefinite" restart="never" nodeType="tmRoot"/>
+      </p:par>
+    </p:tnLst>
+  </p:timing>
 </p:sld>
 </file>
 
@@ -10393,10 +11054,10 @@
           <a:p>
             <a:pPr marL="1485900" lvl="2" indent="-342900"/>
             <a:r>
-              <a:rPr lang="en-US" dirty="0" smtClean="0">
+              <a:rPr lang="en-US" dirty="0">
                 <a:hlinkClick r:id="rId6"/>
               </a:rPr>
-              <a:t>MPI_Send</a:t>
+              <a:t>MPI_Comm_size</a:t>
             </a:r>
             <a:endParaRPr lang="en-US" dirty="0" smtClean="0"/>
           </a:p>
@@ -10405,6 +11066,16 @@
             <a:r>
               <a:rPr lang="en-US" dirty="0" smtClean="0">
                 <a:hlinkClick r:id="rId7"/>
+              </a:rPr>
+              <a:t>MPI_Send</a:t>
+            </a:r>
+            <a:endParaRPr lang="en-US" dirty="0" smtClean="0"/>
+          </a:p>
+          <a:p>
+            <a:pPr marL="1485900" lvl="2" indent="-342900"/>
+            <a:r>
+              <a:rPr lang="en-US" dirty="0" smtClean="0">
+                <a:hlinkClick r:id="rId8"/>
               </a:rPr>
               <a:t>MPI_Recv</a:t>
             </a:r>
@@ -10456,6 +11127,13 @@
   <p:clrMapOvr>
     <a:masterClrMapping/>
   </p:clrMapOvr>
+  <p:timing>
+    <p:tnLst>
+      <p:par>
+        <p:cTn id="1" dur="indefinite" restart="never" nodeType="tmRoot"/>
+      </p:par>
+    </p:tnLst>
+  </p:timing>
 </p:sld>
 </file>
 

--- a/Lectures/Introduction to MPI/Introduction to MPI.pptx
+++ b/Lectures/Introduction to MPI/Introduction to MPI.pptx
@@ -5,7 +5,7 @@
     <p:sldMasterId id="2147483660" r:id="rId1"/>
   </p:sldMasterIdLst>
   <p:notesMasterIdLst>
-    <p:notesMasterId r:id="rId25"/>
+    <p:notesMasterId r:id="rId28"/>
   </p:notesMasterIdLst>
   <p:sldIdLst>
     <p:sldId id="256" r:id="rId2"/>
@@ -31,6 +31,9 @@
     <p:sldId id="275" r:id="rId22"/>
     <p:sldId id="276" r:id="rId23"/>
     <p:sldId id="277" r:id="rId24"/>
+    <p:sldId id="279" r:id="rId25"/>
+    <p:sldId id="280" r:id="rId26"/>
+    <p:sldId id="281" r:id="rId27"/>
   </p:sldIdLst>
   <p:sldSz cx="9144000" cy="6858000" type="screen4x3"/>
   <p:notesSz cx="6858000" cy="9144000"/>
@@ -214,7 +217,7 @@
           <a:p>
             <a:fld id="{DBE0ECA1-3FBF-48AE-AD2A-4439AE745E19}" type="datetimeFigureOut">
               <a:rPr lang="en-US" smtClean="0"/>
-              <a:t>1/7/2014</a:t>
+              <a:t>1/9/2014</a:t>
             </a:fld>
             <a:endParaRPr lang="en-US"/>
           </a:p>
@@ -675,7 +678,7 @@
           <a:p>
             <a:fld id="{9769DED8-28D4-45B9-A00F-7CFE9335FEA6}" type="datetime1">
               <a:rPr lang="en-US" smtClean="0"/>
-              <a:t>1/7/2014</a:t>
+              <a:t>1/9/2014</a:t>
             </a:fld>
             <a:endParaRPr lang="en-US"/>
           </a:p>
@@ -940,7 +943,7 @@
           <a:p>
             <a:fld id="{2DB3D439-1F88-44B4-B5F7-F9BCD4064257}" type="datetime1">
               <a:rPr lang="en-US" smtClean="0"/>
-              <a:t>1/7/2014</a:t>
+              <a:t>1/9/2014</a:t>
             </a:fld>
             <a:endParaRPr lang="en-US"/>
           </a:p>
@@ -1115,7 +1118,7 @@
           <a:p>
             <a:fld id="{99C5638F-6F55-4055-935C-67841BE78C36}" type="datetime1">
               <a:rPr lang="en-US" smtClean="0"/>
-              <a:t>1/7/2014</a:t>
+              <a:t>1/9/2014</a:t>
             </a:fld>
             <a:endParaRPr lang="en-US"/>
           </a:p>
@@ -1280,7 +1283,7 @@
           <a:p>
             <a:fld id="{E6987D90-0C92-4B22-A29D-FED15412CED2}" type="datetime1">
               <a:rPr lang="en-US" smtClean="0"/>
-              <a:t>1/7/2014</a:t>
+              <a:t>1/9/2014</a:t>
             </a:fld>
             <a:endParaRPr lang="en-US"/>
           </a:p>
@@ -1529,7 +1532,7 @@
           <a:p>
             <a:fld id="{DDB67BC4-9554-49E0-BCB3-D1EF965BA0B8}" type="datetime1">
               <a:rPr lang="en-US" smtClean="0"/>
-              <a:t>1/7/2014</a:t>
+              <a:t>1/9/2014</a:t>
             </a:fld>
             <a:endParaRPr lang="en-US"/>
           </a:p>
@@ -1812,7 +1815,7 @@
           <a:p>
             <a:fld id="{EC24D770-803D-4E01-921C-9C100DD8230C}" type="datetime1">
               <a:rPr lang="en-US" smtClean="0"/>
-              <a:t>1/7/2014</a:t>
+              <a:t>1/9/2014</a:t>
             </a:fld>
             <a:endParaRPr lang="en-US"/>
           </a:p>
@@ -2251,7 +2254,7 @@
           <a:p>
             <a:fld id="{356AD44B-78A4-4209-8070-7DCBE2DC4992}" type="datetime1">
               <a:rPr lang="en-US" smtClean="0"/>
-              <a:t>1/7/2014</a:t>
+              <a:t>1/9/2014</a:t>
             </a:fld>
             <a:endParaRPr lang="en-US"/>
           </a:p>
@@ -2364,7 +2367,7 @@
           <a:p>
             <a:fld id="{A993C59A-7CA2-467F-B7F1-9096881A01B8}" type="datetime1">
               <a:rPr lang="en-US" smtClean="0"/>
-              <a:t>1/7/2014</a:t>
+              <a:t>1/9/2014</a:t>
             </a:fld>
             <a:endParaRPr lang="en-US"/>
           </a:p>
@@ -2454,7 +2457,7 @@
           <a:p>
             <a:fld id="{2B6B58D0-2488-434A-8ED1-692E09B85CC5}" type="datetime1">
               <a:rPr lang="en-US" smtClean="0"/>
-              <a:t>1/7/2014</a:t>
+              <a:t>1/9/2014</a:t>
             </a:fld>
             <a:endParaRPr lang="en-US"/>
           </a:p>
@@ -2696,7 +2699,7 @@
           <a:p>
             <a:fld id="{FDB0AFC2-7D64-4F61-A7B7-9932D3305DDA}" type="datetime1">
               <a:rPr lang="en-US" smtClean="0"/>
-              <a:t>1/7/2014</a:t>
+              <a:t>1/9/2014</a:t>
             </a:fld>
             <a:endParaRPr lang="en-US"/>
           </a:p>
@@ -2990,7 +2993,7 @@
           <a:p>
             <a:fld id="{4983D17A-D7B2-4ECE-8A2C-93679B9D177B}" type="datetime1">
               <a:rPr lang="en-US" smtClean="0"/>
-              <a:t>1/7/2014</a:t>
+              <a:t>1/9/2014</a:t>
             </a:fld>
             <a:endParaRPr lang="en-US"/>
           </a:p>
@@ -3284,7 +3287,7 @@
           <a:p>
             <a:fld id="{2A5275F7-419E-4C23-8A3D-2EE5742B2EC9}" type="datetime1">
               <a:rPr lang="en-US" smtClean="0"/>
-              <a:t>1/7/2014</a:t>
+              <a:t>1/9/2014</a:t>
             </a:fld>
             <a:endParaRPr lang="en-US"/>
           </a:p>
@@ -8613,6 +8616,1310 @@
     <p:extLst>
       <p:ext uri="{BB962C8B-B14F-4D97-AF65-F5344CB8AC3E}">
         <p14:creationId xmlns:p14="http://schemas.microsoft.com/office/powerpoint/2010/main" val="849104339"/>
+      </p:ext>
+    </p:extLst>
+  </p:cSld>
+  <p:clrMapOvr>
+    <a:masterClrMapping/>
+  </p:clrMapOvr>
+  <p:timing>
+    <p:tnLst>
+      <p:par>
+        <p:cTn id="1" dur="indefinite" restart="never" nodeType="tmRoot"/>
+      </p:par>
+    </p:tnLst>
+  </p:timing>
+</p:sld>
+</file>
+
+<file path=ppt/slides/slide24.xml><?xml version="1.0" encoding="utf-8"?>
+<p:sld xmlns:a="http://schemas.openxmlformats.org/drawingml/2006/main" xmlns:r="http://schemas.openxmlformats.org/officeDocument/2006/relationships" xmlns:p="http://schemas.openxmlformats.org/presentationml/2006/main">
+  <p:cSld>
+    <p:spTree>
+      <p:nvGrpSpPr>
+        <p:cNvPr id="1" name=""/>
+        <p:cNvGrpSpPr/>
+        <p:nvPr/>
+      </p:nvGrpSpPr>
+      <p:grpSpPr>
+        <a:xfrm>
+          <a:off x="0" y="0"/>
+          <a:ext cx="0" cy="0"/>
+          <a:chOff x="0" y="0"/>
+          <a:chExt cx="0" cy="0"/>
+        </a:xfrm>
+      </p:grpSpPr>
+      <p:sp>
+        <p:nvSpPr>
+          <p:cNvPr id="2" name="Title 1"/>
+          <p:cNvSpPr>
+            <a:spLocks noGrp="1"/>
+          </p:cNvSpPr>
+          <p:nvPr>
+            <p:ph type="title"/>
+          </p:nvPr>
+        </p:nvSpPr>
+        <p:spPr/>
+        <p:txBody>
+          <a:bodyPr/>
+          <a:lstStyle/>
+          <a:p>
+            <a:r>
+              <a:rPr lang="en-US" dirty="0" smtClean="0"/>
+              <a:t>Slightly more advanced MPI</a:t>
+            </a:r>
+            <a:endParaRPr lang="en-US" dirty="0"/>
+          </a:p>
+        </p:txBody>
+      </p:sp>
+      <p:sp>
+        <p:nvSpPr>
+          <p:cNvPr id="3" name="Content Placeholder 2"/>
+          <p:cNvSpPr>
+            <a:spLocks noGrp="1"/>
+          </p:cNvSpPr>
+          <p:nvPr>
+            <p:ph idx="1"/>
+          </p:nvPr>
+        </p:nvSpPr>
+        <p:spPr/>
+        <p:txBody>
+          <a:bodyPr>
+            <a:normAutofit/>
+          </a:bodyPr>
+          <a:lstStyle/>
+          <a:p>
+            <a:r>
+              <a:rPr lang="en-US" dirty="0" smtClean="0"/>
+              <a:t>This example is rather naïve, and won’t scale well.</a:t>
+            </a:r>
+          </a:p>
+          <a:p>
+            <a:pPr marL="800100" lvl="1" indent="-342900"/>
+            <a:r>
+              <a:rPr lang="en-US" dirty="0" smtClean="0"/>
+              <a:t>We use MPI when we need significant scalability</a:t>
+            </a:r>
+          </a:p>
+          <a:p>
+            <a:pPr marL="800100" lvl="1" indent="-342900"/>
+            <a:r>
+              <a:rPr lang="en-US" dirty="0" smtClean="0"/>
+              <a:t>Imagine scaling to hundreds or thousands of nodes</a:t>
+            </a:r>
+          </a:p>
+          <a:p>
+            <a:pPr marL="800100" lvl="1" indent="-342900"/>
+            <a:r>
+              <a:rPr lang="en-US" dirty="0" smtClean="0"/>
+              <a:t>Where is the bottleneck in the MPI Gauss code?</a:t>
+            </a:r>
+          </a:p>
+          <a:p>
+            <a:r>
+              <a:rPr lang="en-US" dirty="0">
+                <a:solidFill>
+                  <a:srgbClr val="7F0055"/>
+                </a:solidFill>
+                <a:latin typeface="Courier New" panose="02070309020205020404" pitchFamily="49" charset="0"/>
+                <a:cs typeface="Courier New" panose="02070309020205020404" pitchFamily="49" charset="0"/>
+              </a:rPr>
+              <a:t>for</a:t>
+            </a:r>
+            <a:r>
+              <a:rPr lang="en-US" dirty="0">
+                <a:latin typeface="Courier New" panose="02070309020205020404" pitchFamily="49" charset="0"/>
+                <a:cs typeface="Courier New" panose="02070309020205020404" pitchFamily="49" charset="0"/>
+              </a:rPr>
+              <a:t> (</a:t>
+            </a:r>
+            <a:r>
+              <a:rPr lang="en-US" dirty="0" err="1">
+                <a:solidFill>
+                  <a:srgbClr val="7F0055"/>
+                </a:solidFill>
+                <a:latin typeface="Courier New" panose="02070309020205020404" pitchFamily="49" charset="0"/>
+                <a:cs typeface="Courier New" panose="02070309020205020404" pitchFamily="49" charset="0"/>
+              </a:rPr>
+              <a:t>size_t</a:t>
+            </a:r>
+            <a:r>
+              <a:rPr lang="en-US" dirty="0">
+                <a:latin typeface="Courier New" panose="02070309020205020404" pitchFamily="49" charset="0"/>
+                <a:cs typeface="Courier New" panose="02070309020205020404" pitchFamily="49" charset="0"/>
+              </a:rPr>
+              <a:t> </a:t>
+            </a:r>
+            <a:r>
+              <a:rPr lang="en-US" dirty="0" err="1">
+                <a:latin typeface="Courier New" panose="02070309020205020404" pitchFamily="49" charset="0"/>
+                <a:cs typeface="Courier New" panose="02070309020205020404" pitchFamily="49" charset="0"/>
+              </a:rPr>
+              <a:t>i</a:t>
+            </a:r>
+            <a:r>
+              <a:rPr lang="en-US" dirty="0">
+                <a:latin typeface="Courier New" panose="02070309020205020404" pitchFamily="49" charset="0"/>
+                <a:cs typeface="Courier New" panose="02070309020205020404" pitchFamily="49" charset="0"/>
+              </a:rPr>
+              <a:t> = 1; </a:t>
+            </a:r>
+            <a:r>
+              <a:rPr lang="en-US" dirty="0" err="1">
+                <a:latin typeface="Courier New" panose="02070309020205020404" pitchFamily="49" charset="0"/>
+                <a:cs typeface="Courier New" panose="02070309020205020404" pitchFamily="49" charset="0"/>
+              </a:rPr>
+              <a:t>i</a:t>
+            </a:r>
+            <a:r>
+              <a:rPr lang="en-US" dirty="0">
+                <a:latin typeface="Courier New" panose="02070309020205020404" pitchFamily="49" charset="0"/>
+                <a:cs typeface="Courier New" panose="02070309020205020404" pitchFamily="49" charset="0"/>
+              </a:rPr>
+              <a:t> &lt; </a:t>
+            </a:r>
+            <a:r>
+              <a:rPr lang="en-US" dirty="0" err="1">
+                <a:latin typeface="Courier New" panose="02070309020205020404" pitchFamily="49" charset="0"/>
+                <a:cs typeface="Courier New" panose="02070309020205020404" pitchFamily="49" charset="0"/>
+              </a:rPr>
+              <a:t>partitions.size</a:t>
+            </a:r>
+            <a:r>
+              <a:rPr lang="en-US" dirty="0">
+                <a:latin typeface="Courier New" panose="02070309020205020404" pitchFamily="49" charset="0"/>
+                <a:cs typeface="Courier New" panose="02070309020205020404" pitchFamily="49" charset="0"/>
+              </a:rPr>
+              <a:t>(); ++</a:t>
+            </a:r>
+            <a:r>
+              <a:rPr lang="en-US" dirty="0" err="1">
+                <a:latin typeface="Courier New" panose="02070309020205020404" pitchFamily="49" charset="0"/>
+                <a:cs typeface="Courier New" panose="02070309020205020404" pitchFamily="49" charset="0"/>
+              </a:rPr>
+              <a:t>i</a:t>
+            </a:r>
+            <a:r>
+              <a:rPr lang="en-US" dirty="0">
+                <a:latin typeface="Courier New" panose="02070309020205020404" pitchFamily="49" charset="0"/>
+                <a:cs typeface="Courier New" panose="02070309020205020404" pitchFamily="49" charset="0"/>
+              </a:rPr>
+              <a:t>) </a:t>
+            </a:r>
+            <a:r>
+              <a:rPr lang="en-US" dirty="0" smtClean="0">
+                <a:latin typeface="Courier New" panose="02070309020205020404" pitchFamily="49" charset="0"/>
+                <a:cs typeface="Courier New" panose="02070309020205020404" pitchFamily="49" charset="0"/>
+              </a:rPr>
+              <a:t>{</a:t>
+            </a:r>
+          </a:p>
+          <a:p>
+            <a:r>
+              <a:rPr lang="en-US" dirty="0">
+                <a:latin typeface="Courier New" panose="02070309020205020404" pitchFamily="49" charset="0"/>
+                <a:cs typeface="Courier New" panose="02070309020205020404" pitchFamily="49" charset="0"/>
+              </a:rPr>
+              <a:t> </a:t>
+            </a:r>
+            <a:r>
+              <a:rPr lang="en-US" dirty="0" smtClean="0">
+                <a:latin typeface="Courier New" panose="02070309020205020404" pitchFamily="49" charset="0"/>
+                <a:cs typeface="Courier New" panose="02070309020205020404" pitchFamily="49" charset="0"/>
+              </a:rPr>
+              <a:t> </a:t>
+            </a:r>
+            <a:r>
+              <a:rPr lang="en-US" dirty="0" err="1" smtClean="0">
+                <a:latin typeface="Courier New" panose="02070309020205020404" pitchFamily="49" charset="0"/>
+                <a:cs typeface="Courier New" panose="02070309020205020404" pitchFamily="49" charset="0"/>
+              </a:rPr>
+              <a:t>iterator_values</a:t>
+            </a:r>
+            <a:r>
+              <a:rPr lang="en-US" dirty="0" smtClean="0">
+                <a:latin typeface="Courier New" panose="02070309020205020404" pitchFamily="49" charset="0"/>
+                <a:cs typeface="Courier New" panose="02070309020205020404" pitchFamily="49" charset="0"/>
+              </a:rPr>
+              <a:t>[0</a:t>
+            </a:r>
+            <a:r>
+              <a:rPr lang="en-US" dirty="0">
+                <a:latin typeface="Courier New" panose="02070309020205020404" pitchFamily="49" charset="0"/>
+                <a:cs typeface="Courier New" panose="02070309020205020404" pitchFamily="49" charset="0"/>
+              </a:rPr>
+              <a:t>] = partitions[</a:t>
+            </a:r>
+            <a:r>
+              <a:rPr lang="en-US" dirty="0" err="1">
+                <a:latin typeface="Courier New" panose="02070309020205020404" pitchFamily="49" charset="0"/>
+                <a:cs typeface="Courier New" panose="02070309020205020404" pitchFamily="49" charset="0"/>
+              </a:rPr>
+              <a:t>i</a:t>
+            </a:r>
+            <a:r>
+              <a:rPr lang="en-US" dirty="0">
+                <a:latin typeface="Courier New" panose="02070309020205020404" pitchFamily="49" charset="0"/>
+                <a:cs typeface="Courier New" panose="02070309020205020404" pitchFamily="49" charset="0"/>
+              </a:rPr>
+              <a:t>].</a:t>
+            </a:r>
+            <a:r>
+              <a:rPr lang="en-US" dirty="0" smtClean="0">
+                <a:latin typeface="Courier New" panose="02070309020205020404" pitchFamily="49" charset="0"/>
+                <a:cs typeface="Courier New" panose="02070309020205020404" pitchFamily="49" charset="0"/>
+              </a:rPr>
+              <a:t>first;</a:t>
+            </a:r>
+          </a:p>
+          <a:p>
+            <a:r>
+              <a:rPr lang="en-US" dirty="0" smtClean="0">
+                <a:latin typeface="Courier New" panose="02070309020205020404" pitchFamily="49" charset="0"/>
+                <a:cs typeface="Courier New" panose="02070309020205020404" pitchFamily="49" charset="0"/>
+              </a:rPr>
+              <a:t>  </a:t>
+            </a:r>
+            <a:r>
+              <a:rPr lang="en-US" dirty="0" err="1" smtClean="0">
+                <a:latin typeface="Courier New" panose="02070309020205020404" pitchFamily="49" charset="0"/>
+                <a:cs typeface="Courier New" panose="02070309020205020404" pitchFamily="49" charset="0"/>
+              </a:rPr>
+              <a:t>iterator_values</a:t>
+            </a:r>
+            <a:r>
+              <a:rPr lang="en-US" dirty="0" smtClean="0">
+                <a:latin typeface="Courier New" panose="02070309020205020404" pitchFamily="49" charset="0"/>
+                <a:cs typeface="Courier New" panose="02070309020205020404" pitchFamily="49" charset="0"/>
+              </a:rPr>
+              <a:t>[1</a:t>
+            </a:r>
+            <a:r>
+              <a:rPr lang="en-US" dirty="0">
+                <a:latin typeface="Courier New" panose="02070309020205020404" pitchFamily="49" charset="0"/>
+                <a:cs typeface="Courier New" panose="02070309020205020404" pitchFamily="49" charset="0"/>
+              </a:rPr>
+              <a:t>] = partitions[</a:t>
+            </a:r>
+            <a:r>
+              <a:rPr lang="en-US" dirty="0" err="1">
+                <a:latin typeface="Courier New" panose="02070309020205020404" pitchFamily="49" charset="0"/>
+                <a:cs typeface="Courier New" panose="02070309020205020404" pitchFamily="49" charset="0"/>
+              </a:rPr>
+              <a:t>i</a:t>
+            </a:r>
+            <a:r>
+              <a:rPr lang="en-US" dirty="0">
+                <a:latin typeface="Courier New" panose="02070309020205020404" pitchFamily="49" charset="0"/>
+                <a:cs typeface="Courier New" panose="02070309020205020404" pitchFamily="49" charset="0"/>
+              </a:rPr>
+              <a:t>].</a:t>
+            </a:r>
+            <a:r>
+              <a:rPr lang="en-US" dirty="0" smtClean="0">
+                <a:latin typeface="Courier New" panose="02070309020205020404" pitchFamily="49" charset="0"/>
+                <a:cs typeface="Courier New" panose="02070309020205020404" pitchFamily="49" charset="0"/>
+              </a:rPr>
+              <a:t>second;</a:t>
+            </a:r>
+          </a:p>
+          <a:p>
+            <a:r>
+              <a:rPr lang="en-US" dirty="0">
+                <a:latin typeface="Courier New" panose="02070309020205020404" pitchFamily="49" charset="0"/>
+                <a:cs typeface="Courier New" panose="02070309020205020404" pitchFamily="49" charset="0"/>
+              </a:rPr>
+              <a:t> </a:t>
+            </a:r>
+            <a:r>
+              <a:rPr lang="en-US" dirty="0" smtClean="0">
+                <a:latin typeface="Courier New" panose="02070309020205020404" pitchFamily="49" charset="0"/>
+                <a:cs typeface="Courier New" panose="02070309020205020404" pitchFamily="49" charset="0"/>
+              </a:rPr>
+              <a:t> mpi_interface</a:t>
+            </a:r>
+            <a:r>
+              <a:rPr lang="en-US" dirty="0">
+                <a:latin typeface="Courier New" panose="02070309020205020404" pitchFamily="49" charset="0"/>
+                <a:cs typeface="Courier New" panose="02070309020205020404" pitchFamily="49" charset="0"/>
+              </a:rPr>
+              <a:t>_.</a:t>
+            </a:r>
+            <a:r>
+              <a:rPr lang="en-US" dirty="0" err="1">
+                <a:latin typeface="Courier New" panose="02070309020205020404" pitchFamily="49" charset="0"/>
+                <a:cs typeface="Courier New" panose="02070309020205020404" pitchFamily="49" charset="0"/>
+              </a:rPr>
+              <a:t>MpiSend</a:t>
+            </a:r>
+            <a:r>
+              <a:rPr lang="en-US" dirty="0">
+                <a:latin typeface="Courier New" panose="02070309020205020404" pitchFamily="49" charset="0"/>
+                <a:cs typeface="Courier New" panose="02070309020205020404" pitchFamily="49" charset="0"/>
+              </a:rPr>
+              <a:t>(&amp;</a:t>
+            </a:r>
+            <a:r>
+              <a:rPr lang="en-US" dirty="0" err="1">
+                <a:latin typeface="Courier New" panose="02070309020205020404" pitchFamily="49" charset="0"/>
+                <a:cs typeface="Courier New" panose="02070309020205020404" pitchFamily="49" charset="0"/>
+              </a:rPr>
+              <a:t>iterator_values</a:t>
+            </a:r>
+            <a:r>
+              <a:rPr lang="en-US" dirty="0">
+                <a:latin typeface="Courier New" panose="02070309020205020404" pitchFamily="49" charset="0"/>
+                <a:cs typeface="Courier New" panose="02070309020205020404" pitchFamily="49" charset="0"/>
+              </a:rPr>
+              <a:t>[0], </a:t>
+            </a:r>
+            <a:r>
+              <a:rPr lang="en-US" dirty="0" smtClean="0">
+                <a:latin typeface="Courier New" panose="02070309020205020404" pitchFamily="49" charset="0"/>
+                <a:cs typeface="Courier New" panose="02070309020205020404" pitchFamily="49" charset="0"/>
+              </a:rPr>
+              <a:t>2,</a:t>
+            </a:r>
+          </a:p>
+          <a:p>
+            <a:r>
+              <a:rPr lang="en-US" dirty="0">
+                <a:latin typeface="Courier New" panose="02070309020205020404" pitchFamily="49" charset="0"/>
+                <a:cs typeface="Courier New" panose="02070309020205020404" pitchFamily="49" charset="0"/>
+              </a:rPr>
+              <a:t> </a:t>
+            </a:r>
+            <a:r>
+              <a:rPr lang="en-US" dirty="0" smtClean="0">
+                <a:latin typeface="Courier New" panose="02070309020205020404" pitchFamily="49" charset="0"/>
+                <a:cs typeface="Courier New" panose="02070309020205020404" pitchFamily="49" charset="0"/>
+              </a:rPr>
+              <a:t>           MPI_UINT32_T</a:t>
+            </a:r>
+            <a:r>
+              <a:rPr lang="en-US" dirty="0">
+                <a:latin typeface="Courier New" panose="02070309020205020404" pitchFamily="49" charset="0"/>
+                <a:cs typeface="Courier New" panose="02070309020205020404" pitchFamily="49" charset="0"/>
+              </a:rPr>
+              <a:t>, </a:t>
+            </a:r>
+            <a:r>
+              <a:rPr lang="en-US" dirty="0" err="1">
+                <a:latin typeface="Courier New" panose="02070309020205020404" pitchFamily="49" charset="0"/>
+                <a:cs typeface="Courier New" panose="02070309020205020404" pitchFamily="49" charset="0"/>
+              </a:rPr>
+              <a:t>i</a:t>
+            </a:r>
+            <a:r>
+              <a:rPr lang="en-US" dirty="0">
+                <a:latin typeface="Courier New" panose="02070309020205020404" pitchFamily="49" charset="0"/>
+                <a:cs typeface="Courier New" panose="02070309020205020404" pitchFamily="49" charset="0"/>
+              </a:rPr>
+              <a:t>, 0, MPI_COMM_WORLD</a:t>
+            </a:r>
+            <a:r>
+              <a:rPr lang="en-US" dirty="0" smtClean="0">
+                <a:latin typeface="Courier New" panose="02070309020205020404" pitchFamily="49" charset="0"/>
+                <a:cs typeface="Courier New" panose="02070309020205020404" pitchFamily="49" charset="0"/>
+              </a:rPr>
+              <a:t>);</a:t>
+            </a:r>
+          </a:p>
+          <a:p>
+            <a:r>
+              <a:rPr lang="en-US" dirty="0" smtClean="0">
+                <a:latin typeface="Courier New" panose="02070309020205020404" pitchFamily="49" charset="0"/>
+                <a:cs typeface="Courier New" panose="02070309020205020404" pitchFamily="49" charset="0"/>
+              </a:rPr>
+              <a:t>}</a:t>
+            </a:r>
+            <a:endParaRPr lang="en-US" dirty="0">
+              <a:latin typeface="Courier New" panose="02070309020205020404" pitchFamily="49" charset="0"/>
+              <a:cs typeface="Courier New" panose="02070309020205020404" pitchFamily="49" charset="0"/>
+            </a:endParaRPr>
+          </a:p>
+        </p:txBody>
+      </p:sp>
+      <p:sp>
+        <p:nvSpPr>
+          <p:cNvPr id="4" name="Slide Number Placeholder 3"/>
+          <p:cNvSpPr>
+            <a:spLocks noGrp="1"/>
+          </p:cNvSpPr>
+          <p:nvPr>
+            <p:ph type="sldNum" sz="quarter" idx="12"/>
+          </p:nvPr>
+        </p:nvSpPr>
+        <p:spPr/>
+        <p:txBody>
+          <a:bodyPr/>
+          <a:lstStyle/>
+          <a:p>
+            <a:fld id="{6DA12B36-9664-4CB0-8B2E-F4A2F44AE97E}" type="slidenum">
+              <a:rPr lang="en-US" smtClean="0"/>
+              <a:t>24</a:t>
+            </a:fld>
+            <a:endParaRPr lang="en-US"/>
+          </a:p>
+        </p:txBody>
+      </p:sp>
+    </p:spTree>
+    <p:extLst>
+      <p:ext uri="{BB962C8B-B14F-4D97-AF65-F5344CB8AC3E}">
+        <p14:creationId xmlns:p14="http://schemas.microsoft.com/office/powerpoint/2010/main" val="3747614523"/>
+      </p:ext>
+    </p:extLst>
+  </p:cSld>
+  <p:clrMapOvr>
+    <a:masterClrMapping/>
+  </p:clrMapOvr>
+  <p:timing>
+    <p:tnLst>
+      <p:par>
+        <p:cTn id="1" dur="indefinite" restart="never" nodeType="tmRoot">
+          <p:childTnLst>
+            <p:seq concurrent="1" nextAc="seek">
+              <p:cTn id="2" dur="indefinite" nodeType="mainSeq">
+                <p:childTnLst>
+                  <p:par>
+                    <p:cTn id="3" fill="hold">
+                      <p:stCondLst>
+                        <p:cond delay="indefinite"/>
+                      </p:stCondLst>
+                      <p:childTnLst>
+                        <p:par>
+                          <p:cTn id="4" fill="hold">
+                            <p:stCondLst>
+                              <p:cond delay="0"/>
+                            </p:stCondLst>
+                            <p:childTnLst>
+                              <p:par>
+                                <p:cTn id="5" presetID="1" presetClass="entr" presetSubtype="0" fill="hold" nodeType="clickEffect">
+                                  <p:stCondLst>
+                                    <p:cond delay="0"/>
+                                  </p:stCondLst>
+                                  <p:childTnLst>
+                                    <p:set>
+                                      <p:cBhvr>
+                                        <p:cTn id="6" dur="1" fill="hold">
+                                          <p:stCondLst>
+                                            <p:cond delay="0"/>
+                                          </p:stCondLst>
+                                        </p:cTn>
+                                        <p:tgtEl>
+                                          <p:spTgt spid="3">
+                                            <p:txEl>
+                                              <p:pRg st="4" end="4"/>
+                                            </p:txEl>
+                                          </p:spTgt>
+                                        </p:tgtEl>
+                                        <p:attrNameLst>
+                                          <p:attrName>style.visibility</p:attrName>
+                                        </p:attrNameLst>
+                                      </p:cBhvr>
+                                      <p:to>
+                                        <p:strVal val="visible"/>
+                                      </p:to>
+                                    </p:set>
+                                  </p:childTnLst>
+                                </p:cTn>
+                              </p:par>
+                              <p:par>
+                                <p:cTn id="7" presetID="1" presetClass="entr" presetSubtype="0" fill="hold" nodeType="withEffect">
+                                  <p:stCondLst>
+                                    <p:cond delay="0"/>
+                                  </p:stCondLst>
+                                  <p:childTnLst>
+                                    <p:set>
+                                      <p:cBhvr>
+                                        <p:cTn id="8" dur="1" fill="hold">
+                                          <p:stCondLst>
+                                            <p:cond delay="0"/>
+                                          </p:stCondLst>
+                                        </p:cTn>
+                                        <p:tgtEl>
+                                          <p:spTgt spid="3">
+                                            <p:txEl>
+                                              <p:pRg st="5" end="5"/>
+                                            </p:txEl>
+                                          </p:spTgt>
+                                        </p:tgtEl>
+                                        <p:attrNameLst>
+                                          <p:attrName>style.visibility</p:attrName>
+                                        </p:attrNameLst>
+                                      </p:cBhvr>
+                                      <p:to>
+                                        <p:strVal val="visible"/>
+                                      </p:to>
+                                    </p:set>
+                                  </p:childTnLst>
+                                </p:cTn>
+                              </p:par>
+                              <p:par>
+                                <p:cTn id="9" presetID="1" presetClass="entr" presetSubtype="0" fill="hold" nodeType="withEffect">
+                                  <p:stCondLst>
+                                    <p:cond delay="0"/>
+                                  </p:stCondLst>
+                                  <p:childTnLst>
+                                    <p:set>
+                                      <p:cBhvr>
+                                        <p:cTn id="10" dur="1" fill="hold">
+                                          <p:stCondLst>
+                                            <p:cond delay="0"/>
+                                          </p:stCondLst>
+                                        </p:cTn>
+                                        <p:tgtEl>
+                                          <p:spTgt spid="3">
+                                            <p:txEl>
+                                              <p:pRg st="6" end="6"/>
+                                            </p:txEl>
+                                          </p:spTgt>
+                                        </p:tgtEl>
+                                        <p:attrNameLst>
+                                          <p:attrName>style.visibility</p:attrName>
+                                        </p:attrNameLst>
+                                      </p:cBhvr>
+                                      <p:to>
+                                        <p:strVal val="visible"/>
+                                      </p:to>
+                                    </p:set>
+                                  </p:childTnLst>
+                                </p:cTn>
+                              </p:par>
+                              <p:par>
+                                <p:cTn id="11" presetID="1" presetClass="entr" presetSubtype="0" fill="hold" nodeType="withEffect">
+                                  <p:stCondLst>
+                                    <p:cond delay="0"/>
+                                  </p:stCondLst>
+                                  <p:childTnLst>
+                                    <p:set>
+                                      <p:cBhvr>
+                                        <p:cTn id="12" dur="1" fill="hold">
+                                          <p:stCondLst>
+                                            <p:cond delay="0"/>
+                                          </p:stCondLst>
+                                        </p:cTn>
+                                        <p:tgtEl>
+                                          <p:spTgt spid="3">
+                                            <p:txEl>
+                                              <p:pRg st="7" end="7"/>
+                                            </p:txEl>
+                                          </p:spTgt>
+                                        </p:tgtEl>
+                                        <p:attrNameLst>
+                                          <p:attrName>style.visibility</p:attrName>
+                                        </p:attrNameLst>
+                                      </p:cBhvr>
+                                      <p:to>
+                                        <p:strVal val="visible"/>
+                                      </p:to>
+                                    </p:set>
+                                  </p:childTnLst>
+                                </p:cTn>
+                              </p:par>
+                              <p:par>
+                                <p:cTn id="13" presetID="1" presetClass="entr" presetSubtype="0" fill="hold" nodeType="withEffect">
+                                  <p:stCondLst>
+                                    <p:cond delay="0"/>
+                                  </p:stCondLst>
+                                  <p:childTnLst>
+                                    <p:set>
+                                      <p:cBhvr>
+                                        <p:cTn id="14" dur="1" fill="hold">
+                                          <p:stCondLst>
+                                            <p:cond delay="0"/>
+                                          </p:stCondLst>
+                                        </p:cTn>
+                                        <p:tgtEl>
+                                          <p:spTgt spid="3">
+                                            <p:txEl>
+                                              <p:pRg st="8" end="8"/>
+                                            </p:txEl>
+                                          </p:spTgt>
+                                        </p:tgtEl>
+                                        <p:attrNameLst>
+                                          <p:attrName>style.visibility</p:attrName>
+                                        </p:attrNameLst>
+                                      </p:cBhvr>
+                                      <p:to>
+                                        <p:strVal val="visible"/>
+                                      </p:to>
+                                    </p:set>
+                                  </p:childTnLst>
+                                </p:cTn>
+                              </p:par>
+                              <p:par>
+                                <p:cTn id="15" presetID="1" presetClass="entr" presetSubtype="0" fill="hold" nodeType="withEffect">
+                                  <p:stCondLst>
+                                    <p:cond delay="0"/>
+                                  </p:stCondLst>
+                                  <p:childTnLst>
+                                    <p:set>
+                                      <p:cBhvr>
+                                        <p:cTn id="16" dur="1" fill="hold">
+                                          <p:stCondLst>
+                                            <p:cond delay="0"/>
+                                          </p:stCondLst>
+                                        </p:cTn>
+                                        <p:tgtEl>
+                                          <p:spTgt spid="3">
+                                            <p:txEl>
+                                              <p:pRg st="9" end="9"/>
+                                            </p:txEl>
+                                          </p:spTgt>
+                                        </p:tgtEl>
+                                        <p:attrNameLst>
+                                          <p:attrName>style.visibility</p:attrName>
+                                        </p:attrNameLst>
+                                      </p:cBhvr>
+                                      <p:to>
+                                        <p:strVal val="visible"/>
+                                      </p:to>
+                                    </p:set>
+                                  </p:childTnLst>
+                                </p:cTn>
+                              </p:par>
+                            </p:childTnLst>
+                          </p:cTn>
+                        </p:par>
+                      </p:childTnLst>
+                    </p:cTn>
+                  </p:par>
+                </p:childTnLst>
+              </p:cTn>
+              <p:prevCondLst>
+                <p:cond evt="onPrev" delay="0">
+                  <p:tgtEl>
+                    <p:sldTgt/>
+                  </p:tgtEl>
+                </p:cond>
+              </p:prevCondLst>
+              <p:nextCondLst>
+                <p:cond evt="onNext" delay="0">
+                  <p:tgtEl>
+                    <p:sldTgt/>
+                  </p:tgtEl>
+                </p:cond>
+              </p:nextCondLst>
+            </p:seq>
+          </p:childTnLst>
+        </p:cTn>
+      </p:par>
+    </p:tnLst>
+  </p:timing>
+</p:sld>
+</file>
+
+<file path=ppt/slides/slide25.xml><?xml version="1.0" encoding="utf-8"?>
+<p:sld xmlns:a="http://schemas.openxmlformats.org/drawingml/2006/main" xmlns:r="http://schemas.openxmlformats.org/officeDocument/2006/relationships" xmlns:p="http://schemas.openxmlformats.org/presentationml/2006/main">
+  <p:cSld>
+    <p:spTree>
+      <p:nvGrpSpPr>
+        <p:cNvPr id="1" name=""/>
+        <p:cNvGrpSpPr/>
+        <p:nvPr/>
+      </p:nvGrpSpPr>
+      <p:grpSpPr>
+        <a:xfrm>
+          <a:off x="0" y="0"/>
+          <a:ext cx="0" cy="0"/>
+          <a:chOff x="0" y="0"/>
+          <a:chExt cx="0" cy="0"/>
+        </a:xfrm>
+      </p:grpSpPr>
+      <p:sp>
+        <p:nvSpPr>
+          <p:cNvPr id="2" name="Title 1"/>
+          <p:cNvSpPr>
+            <a:spLocks noGrp="1"/>
+          </p:cNvSpPr>
+          <p:nvPr>
+            <p:ph type="title"/>
+          </p:nvPr>
+        </p:nvSpPr>
+        <p:spPr/>
+        <p:txBody>
+          <a:bodyPr/>
+          <a:lstStyle/>
+          <a:p>
+            <a:r>
+              <a:rPr lang="en-US" dirty="0" smtClean="0"/>
+              <a:t>Why is MPI_Send a bottleneck?</a:t>
+            </a:r>
+            <a:endParaRPr lang="en-US" dirty="0"/>
+          </a:p>
+        </p:txBody>
+      </p:sp>
+      <p:sp>
+        <p:nvSpPr>
+          <p:cNvPr id="3" name="Content Placeholder 2"/>
+          <p:cNvSpPr>
+            <a:spLocks noGrp="1"/>
+          </p:cNvSpPr>
+          <p:nvPr>
+            <p:ph idx="1"/>
+          </p:nvPr>
+        </p:nvSpPr>
+        <p:spPr/>
+        <p:txBody>
+          <a:bodyPr/>
+          <a:lstStyle/>
+          <a:p>
+            <a:r>
+              <a:rPr lang="en-US" dirty="0" smtClean="0"/>
+              <a:t>With </a:t>
+            </a:r>
+            <a:r>
+              <a:rPr lang="en-US" i="1" dirty="0" smtClean="0"/>
+              <a:t>n</a:t>
+            </a:r>
+            <a:r>
+              <a:rPr lang="en-US" dirty="0" smtClean="0"/>
+              <a:t> nodes, this code must call MPI_Send </a:t>
+            </a:r>
+            <a:r>
+              <a:rPr lang="en-US" i="1" dirty="0" smtClean="0"/>
+              <a:t>n</a:t>
+            </a:r>
+            <a:r>
+              <a:rPr lang="en-US" dirty="0" smtClean="0"/>
+              <a:t> times, and wait for each </a:t>
+            </a:r>
+            <a:r>
+              <a:rPr lang="en-US" i="1" dirty="0" smtClean="0"/>
+              <a:t>n</a:t>
+            </a:r>
+            <a:r>
+              <a:rPr lang="en-US" dirty="0" smtClean="0"/>
+              <a:t> node to respond.</a:t>
+            </a:r>
+          </a:p>
+          <a:p>
+            <a:pPr marL="800100" lvl="1" indent="-342900"/>
+            <a:r>
+              <a:rPr lang="en-US" dirty="0" smtClean="0"/>
+              <a:t>This portion of the must execute serially.</a:t>
+            </a:r>
+          </a:p>
+          <a:p>
+            <a:pPr marL="800100" lvl="1" indent="-342900"/>
+            <a:r>
+              <a:rPr lang="en-US" dirty="0" smtClean="0"/>
+              <a:t>This portion of the code will be slow.</a:t>
+            </a:r>
+          </a:p>
+          <a:p>
+            <a:pPr marL="342900" indent="-342900"/>
+            <a:r>
+              <a:rPr lang="en-US" dirty="0" smtClean="0"/>
+              <a:t>Consider this analogy:</a:t>
+            </a:r>
+          </a:p>
+          <a:p>
+            <a:pPr marL="800100" lvl="1" indent="-342900"/>
+            <a:r>
+              <a:rPr lang="en-US" b="0" dirty="0"/>
+              <a:t>L1 cache: it's on your desk, pick it up.</a:t>
+            </a:r>
+          </a:p>
+          <a:p>
+            <a:pPr marL="800100" lvl="1" indent="-342900"/>
+            <a:r>
+              <a:rPr lang="en-US" b="0" dirty="0"/>
+              <a:t>L2 cache: it's on the bookshelf in your office, get up out of the chair.</a:t>
+            </a:r>
+          </a:p>
+          <a:p>
+            <a:pPr marL="800100" lvl="1" indent="-342900"/>
+            <a:r>
+              <a:rPr lang="en-US" b="0" dirty="0"/>
+              <a:t>Main memory: it's on the shelf in your garage downstairs, might as well get a snack while you're down there.</a:t>
+            </a:r>
+          </a:p>
+          <a:p>
+            <a:pPr marL="800100" lvl="1" indent="-342900"/>
+            <a:r>
+              <a:rPr lang="en-US" b="0" dirty="0" smtClean="0"/>
+              <a:t>Disk/Network: </a:t>
+            </a:r>
+            <a:r>
+              <a:rPr lang="en-US" b="0" dirty="0"/>
+              <a:t>it's in, um, California. Walk there. Walk back. Really</a:t>
+            </a:r>
+            <a:r>
+              <a:rPr lang="en-US" b="0" dirty="0" smtClean="0"/>
+              <a:t>.</a:t>
+            </a:r>
+            <a:endParaRPr lang="en-US" b="0" dirty="0"/>
+          </a:p>
+          <a:p>
+            <a:pPr marL="342900" indent="-342900"/>
+            <a:endParaRPr lang="en-US" dirty="0"/>
+          </a:p>
+        </p:txBody>
+      </p:sp>
+      <p:sp>
+        <p:nvSpPr>
+          <p:cNvPr id="4" name="Slide Number Placeholder 3"/>
+          <p:cNvSpPr>
+            <a:spLocks noGrp="1"/>
+          </p:cNvSpPr>
+          <p:nvPr>
+            <p:ph type="sldNum" sz="quarter" idx="12"/>
+          </p:nvPr>
+        </p:nvSpPr>
+        <p:spPr/>
+        <p:txBody>
+          <a:bodyPr/>
+          <a:lstStyle/>
+          <a:p>
+            <a:fld id="{6DA12B36-9664-4CB0-8B2E-F4A2F44AE97E}" type="slidenum">
+              <a:rPr lang="en-US" smtClean="0"/>
+              <a:t>25</a:t>
+            </a:fld>
+            <a:endParaRPr lang="en-US"/>
+          </a:p>
+        </p:txBody>
+      </p:sp>
+      <p:sp>
+        <p:nvSpPr>
+          <p:cNvPr id="5" name="Footer Placeholder 4"/>
+          <p:cNvSpPr>
+            <a:spLocks noGrp="1"/>
+          </p:cNvSpPr>
+          <p:nvPr>
+            <p:ph type="ftr" sz="quarter" idx="11"/>
+          </p:nvPr>
+        </p:nvSpPr>
+        <p:spPr>
+          <a:xfrm>
+            <a:off x="457200" y="6477000"/>
+            <a:ext cx="5638800" cy="299721"/>
+          </a:xfrm>
+        </p:spPr>
+        <p:txBody>
+          <a:bodyPr/>
+          <a:lstStyle/>
+          <a:p>
+            <a:r>
+              <a:rPr lang="en-US" dirty="0" smtClean="0"/>
+              <a:t>Source: http://hacksoflife.blogspot.com/2011/04/going-to-california-with-aching-in-my.html</a:t>
+            </a:r>
+            <a:endParaRPr lang="en-US" dirty="0"/>
+          </a:p>
+        </p:txBody>
+      </p:sp>
+    </p:spTree>
+    <p:extLst>
+      <p:ext uri="{BB962C8B-B14F-4D97-AF65-F5344CB8AC3E}">
+        <p14:creationId xmlns:p14="http://schemas.microsoft.com/office/powerpoint/2010/main" val="772341944"/>
+      </p:ext>
+    </p:extLst>
+  </p:cSld>
+  <p:clrMapOvr>
+    <a:masterClrMapping/>
+  </p:clrMapOvr>
+  <p:timing>
+    <p:tnLst>
+      <p:par>
+        <p:cTn id="1" dur="indefinite" restart="never" nodeType="tmRoot">
+          <p:childTnLst>
+            <p:seq concurrent="1" nextAc="seek">
+              <p:cTn id="2" dur="indefinite" nodeType="mainSeq">
+                <p:childTnLst>
+                  <p:par>
+                    <p:cTn id="3" fill="hold">
+                      <p:stCondLst>
+                        <p:cond delay="indefinite"/>
+                      </p:stCondLst>
+                      <p:childTnLst>
+                        <p:par>
+                          <p:cTn id="4" fill="hold">
+                            <p:stCondLst>
+                              <p:cond delay="0"/>
+                            </p:stCondLst>
+                            <p:childTnLst>
+                              <p:par>
+                                <p:cTn id="5" presetID="1" presetClass="entr" presetSubtype="0" fill="hold" nodeType="clickEffect">
+                                  <p:stCondLst>
+                                    <p:cond delay="0"/>
+                                  </p:stCondLst>
+                                  <p:childTnLst>
+                                    <p:set>
+                                      <p:cBhvr>
+                                        <p:cTn id="6" dur="1" fill="hold">
+                                          <p:stCondLst>
+                                            <p:cond delay="0"/>
+                                          </p:stCondLst>
+                                        </p:cTn>
+                                        <p:tgtEl>
+                                          <p:spTgt spid="3">
+                                            <p:txEl>
+                                              <p:pRg st="4" end="4"/>
+                                            </p:txEl>
+                                          </p:spTgt>
+                                        </p:tgtEl>
+                                        <p:attrNameLst>
+                                          <p:attrName>style.visibility</p:attrName>
+                                        </p:attrNameLst>
+                                      </p:cBhvr>
+                                      <p:to>
+                                        <p:strVal val="visible"/>
+                                      </p:to>
+                                    </p:set>
+                                  </p:childTnLst>
+                                </p:cTn>
+                              </p:par>
+                            </p:childTnLst>
+                          </p:cTn>
+                        </p:par>
+                      </p:childTnLst>
+                    </p:cTn>
+                  </p:par>
+                  <p:par>
+                    <p:cTn id="7" fill="hold">
+                      <p:stCondLst>
+                        <p:cond delay="indefinite"/>
+                      </p:stCondLst>
+                      <p:childTnLst>
+                        <p:par>
+                          <p:cTn id="8" fill="hold">
+                            <p:stCondLst>
+                              <p:cond delay="0"/>
+                            </p:stCondLst>
+                            <p:childTnLst>
+                              <p:par>
+                                <p:cTn id="9" presetID="1" presetClass="entr" presetSubtype="0" fill="hold" nodeType="clickEffect">
+                                  <p:stCondLst>
+                                    <p:cond delay="0"/>
+                                  </p:stCondLst>
+                                  <p:childTnLst>
+                                    <p:set>
+                                      <p:cBhvr>
+                                        <p:cTn id="10" dur="1" fill="hold">
+                                          <p:stCondLst>
+                                            <p:cond delay="0"/>
+                                          </p:stCondLst>
+                                        </p:cTn>
+                                        <p:tgtEl>
+                                          <p:spTgt spid="3">
+                                            <p:txEl>
+                                              <p:pRg st="5" end="5"/>
+                                            </p:txEl>
+                                          </p:spTgt>
+                                        </p:tgtEl>
+                                        <p:attrNameLst>
+                                          <p:attrName>style.visibility</p:attrName>
+                                        </p:attrNameLst>
+                                      </p:cBhvr>
+                                      <p:to>
+                                        <p:strVal val="visible"/>
+                                      </p:to>
+                                    </p:set>
+                                  </p:childTnLst>
+                                </p:cTn>
+                              </p:par>
+                            </p:childTnLst>
+                          </p:cTn>
+                        </p:par>
+                      </p:childTnLst>
+                    </p:cTn>
+                  </p:par>
+                  <p:par>
+                    <p:cTn id="11" fill="hold">
+                      <p:stCondLst>
+                        <p:cond delay="indefinite"/>
+                      </p:stCondLst>
+                      <p:childTnLst>
+                        <p:par>
+                          <p:cTn id="12" fill="hold">
+                            <p:stCondLst>
+                              <p:cond delay="0"/>
+                            </p:stCondLst>
+                            <p:childTnLst>
+                              <p:par>
+                                <p:cTn id="13" presetID="1" presetClass="entr" presetSubtype="0" fill="hold" nodeType="clickEffect">
+                                  <p:stCondLst>
+                                    <p:cond delay="0"/>
+                                  </p:stCondLst>
+                                  <p:childTnLst>
+                                    <p:set>
+                                      <p:cBhvr>
+                                        <p:cTn id="14" dur="1" fill="hold">
+                                          <p:stCondLst>
+                                            <p:cond delay="0"/>
+                                          </p:stCondLst>
+                                        </p:cTn>
+                                        <p:tgtEl>
+                                          <p:spTgt spid="3">
+                                            <p:txEl>
+                                              <p:pRg st="6" end="6"/>
+                                            </p:txEl>
+                                          </p:spTgt>
+                                        </p:tgtEl>
+                                        <p:attrNameLst>
+                                          <p:attrName>style.visibility</p:attrName>
+                                        </p:attrNameLst>
+                                      </p:cBhvr>
+                                      <p:to>
+                                        <p:strVal val="visible"/>
+                                      </p:to>
+                                    </p:set>
+                                  </p:childTnLst>
+                                </p:cTn>
+                              </p:par>
+                            </p:childTnLst>
+                          </p:cTn>
+                        </p:par>
+                      </p:childTnLst>
+                    </p:cTn>
+                  </p:par>
+                  <p:par>
+                    <p:cTn id="15" fill="hold">
+                      <p:stCondLst>
+                        <p:cond delay="indefinite"/>
+                      </p:stCondLst>
+                      <p:childTnLst>
+                        <p:par>
+                          <p:cTn id="16" fill="hold">
+                            <p:stCondLst>
+                              <p:cond delay="0"/>
+                            </p:stCondLst>
+                            <p:childTnLst>
+                              <p:par>
+                                <p:cTn id="17" presetID="1" presetClass="entr" presetSubtype="0" fill="hold" nodeType="clickEffect">
+                                  <p:stCondLst>
+                                    <p:cond delay="0"/>
+                                  </p:stCondLst>
+                                  <p:childTnLst>
+                                    <p:set>
+                                      <p:cBhvr>
+                                        <p:cTn id="18" dur="1" fill="hold">
+                                          <p:stCondLst>
+                                            <p:cond delay="0"/>
+                                          </p:stCondLst>
+                                        </p:cTn>
+                                        <p:tgtEl>
+                                          <p:spTgt spid="3">
+                                            <p:txEl>
+                                              <p:pRg st="7" end="7"/>
+                                            </p:txEl>
+                                          </p:spTgt>
+                                        </p:tgtEl>
+                                        <p:attrNameLst>
+                                          <p:attrName>style.visibility</p:attrName>
+                                        </p:attrNameLst>
+                                      </p:cBhvr>
+                                      <p:to>
+                                        <p:strVal val="visible"/>
+                                      </p:to>
+                                    </p:set>
+                                  </p:childTnLst>
+                                </p:cTn>
+                              </p:par>
+                            </p:childTnLst>
+                          </p:cTn>
+                        </p:par>
+                      </p:childTnLst>
+                    </p:cTn>
+                  </p:par>
+                </p:childTnLst>
+              </p:cTn>
+              <p:prevCondLst>
+                <p:cond evt="onPrev" delay="0">
+                  <p:tgtEl>
+                    <p:sldTgt/>
+                  </p:tgtEl>
+                </p:cond>
+              </p:prevCondLst>
+              <p:nextCondLst>
+                <p:cond evt="onNext" delay="0">
+                  <p:tgtEl>
+                    <p:sldTgt/>
+                  </p:tgtEl>
+                </p:cond>
+              </p:nextCondLst>
+            </p:seq>
+          </p:childTnLst>
+        </p:cTn>
+      </p:par>
+    </p:tnLst>
+  </p:timing>
+</p:sld>
+</file>
+
+<file path=ppt/slides/slide26.xml><?xml version="1.0" encoding="utf-8"?>
+<p:sld xmlns:a="http://schemas.openxmlformats.org/drawingml/2006/main" xmlns:r="http://schemas.openxmlformats.org/officeDocument/2006/relationships" xmlns:p="http://schemas.openxmlformats.org/presentationml/2006/main">
+  <p:cSld>
+    <p:spTree>
+      <p:nvGrpSpPr>
+        <p:cNvPr id="1" name=""/>
+        <p:cNvGrpSpPr/>
+        <p:nvPr/>
+      </p:nvGrpSpPr>
+      <p:grpSpPr>
+        <a:xfrm>
+          <a:off x="0" y="0"/>
+          <a:ext cx="0" cy="0"/>
+          <a:chOff x="0" y="0"/>
+          <a:chExt cx="0" cy="0"/>
+        </a:xfrm>
+      </p:grpSpPr>
+      <p:sp>
+        <p:nvSpPr>
+          <p:cNvPr id="2" name="Title 1"/>
+          <p:cNvSpPr>
+            <a:spLocks noGrp="1"/>
+          </p:cNvSpPr>
+          <p:nvPr>
+            <p:ph type="title"/>
+          </p:nvPr>
+        </p:nvSpPr>
+        <p:spPr/>
+        <p:txBody>
+          <a:bodyPr>
+            <a:normAutofit/>
+          </a:bodyPr>
+          <a:lstStyle/>
+          <a:p>
+            <a:r>
+              <a:rPr lang="en-US" dirty="0" smtClean="0"/>
+              <a:t>MPI will do map/reduce for us</a:t>
+            </a:r>
+            <a:endParaRPr lang="en-US" dirty="0"/>
+          </a:p>
+        </p:txBody>
+      </p:sp>
+      <p:sp>
+        <p:nvSpPr>
+          <p:cNvPr id="3" name="Content Placeholder 2"/>
+          <p:cNvSpPr>
+            <a:spLocks noGrp="1"/>
+          </p:cNvSpPr>
+          <p:nvPr>
+            <p:ph idx="1"/>
+          </p:nvPr>
+        </p:nvSpPr>
+        <p:spPr/>
+        <p:txBody>
+          <a:bodyPr/>
+          <a:lstStyle/>
+          <a:p>
+            <a:r>
+              <a:rPr lang="en-US" dirty="0" smtClean="0"/>
+              <a:t>MPI has a built-in concept like map/reduce.</a:t>
+            </a:r>
+          </a:p>
+          <a:p>
+            <a:pPr marL="800100" lvl="1" indent="-342900"/>
+            <a:r>
+              <a:rPr lang="en-US" dirty="0" smtClean="0"/>
+              <a:t>Uses advanced sending algorithms based on network topology.</a:t>
+            </a:r>
+          </a:p>
+          <a:p>
+            <a:pPr marL="800100" lvl="1" indent="-342900"/>
+            <a:r>
+              <a:rPr lang="en-US" dirty="0" smtClean="0"/>
+              <a:t>Does for </a:t>
+            </a:r>
+            <a:r>
+              <a:rPr lang="en-US" i="1" dirty="0" smtClean="0"/>
+              <a:t>n</a:t>
+            </a:r>
+            <a:r>
+              <a:rPr lang="en-US" dirty="0" smtClean="0"/>
+              <a:t> nodes, does not block </a:t>
+            </a:r>
+            <a:r>
+              <a:rPr lang="en-US" i="1" dirty="0" smtClean="0"/>
+              <a:t>n</a:t>
+            </a:r>
+            <a:r>
+              <a:rPr lang="en-US" dirty="0" smtClean="0"/>
+              <a:t> times waiting for network.</a:t>
+            </a:r>
+          </a:p>
+          <a:p>
+            <a:pPr marL="800100" lvl="1" indent="-342900"/>
+            <a:r>
+              <a:rPr lang="en-US" dirty="0" smtClean="0"/>
+              <a:t>Simplifies the client code.</a:t>
+            </a:r>
+          </a:p>
+          <a:p>
+            <a:pPr marL="342900" indent="-342900"/>
+            <a:endParaRPr lang="en-US" dirty="0"/>
+          </a:p>
+          <a:p>
+            <a:pPr marL="342900" indent="-342900"/>
+            <a:r>
+              <a:rPr lang="en-US" dirty="0" smtClean="0"/>
+              <a:t>MPI calls this scatter/gather.</a:t>
+            </a:r>
+          </a:p>
+          <a:p>
+            <a:pPr marL="800100" lvl="1" indent="-342900"/>
+            <a:r>
+              <a:rPr lang="en-US" dirty="0" smtClean="0">
+                <a:hlinkClick r:id="rId2"/>
+              </a:rPr>
+              <a:t>MPI_Scatter</a:t>
+            </a:r>
+            <a:r>
+              <a:rPr lang="en-US" dirty="0" smtClean="0"/>
+              <a:t> (similar to map)</a:t>
+            </a:r>
+          </a:p>
+          <a:p>
+            <a:pPr marL="800100" lvl="1" indent="-342900"/>
+            <a:r>
+              <a:rPr lang="en-US" dirty="0" smtClean="0">
+                <a:hlinkClick r:id="rId3"/>
+              </a:rPr>
+              <a:t>MPI_Gather</a:t>
+            </a:r>
+            <a:r>
+              <a:rPr lang="en-US" dirty="0" smtClean="0"/>
+              <a:t> (similar to reduce)</a:t>
+            </a:r>
+          </a:p>
+          <a:p>
+            <a:r>
+              <a:rPr lang="en-US" dirty="0" smtClean="0"/>
+              <a:t>Let’s see them in action.</a:t>
+            </a:r>
+            <a:endParaRPr lang="en-US" dirty="0"/>
+          </a:p>
+        </p:txBody>
+      </p:sp>
+      <p:sp>
+        <p:nvSpPr>
+          <p:cNvPr id="4" name="Slide Number Placeholder 3"/>
+          <p:cNvSpPr>
+            <a:spLocks noGrp="1"/>
+          </p:cNvSpPr>
+          <p:nvPr>
+            <p:ph type="sldNum" sz="quarter" idx="12"/>
+          </p:nvPr>
+        </p:nvSpPr>
+        <p:spPr/>
+        <p:txBody>
+          <a:bodyPr/>
+          <a:lstStyle/>
+          <a:p>
+            <a:fld id="{6DA12B36-9664-4CB0-8B2E-F4A2F44AE97E}" type="slidenum">
+              <a:rPr lang="en-US" smtClean="0"/>
+              <a:t>26</a:t>
+            </a:fld>
+            <a:endParaRPr lang="en-US"/>
+          </a:p>
+        </p:txBody>
+      </p:sp>
+    </p:spTree>
+    <p:extLst>
+      <p:ext uri="{BB962C8B-B14F-4D97-AF65-F5344CB8AC3E}">
+        <p14:creationId xmlns:p14="http://schemas.microsoft.com/office/powerpoint/2010/main" val="1691603660"/>
       </p:ext>
     </p:extLst>
   </p:cSld>

--- a/Lectures/Introduction to MPI/Introduction to MPI.pptx
+++ b/Lectures/Introduction to MPI/Introduction to MPI.pptx
@@ -5,7 +5,7 @@
     <p:sldMasterId id="2147483660" r:id="rId1"/>
   </p:sldMasterIdLst>
   <p:notesMasterIdLst>
-    <p:notesMasterId r:id="rId28"/>
+    <p:notesMasterId r:id="rId27"/>
   </p:notesMasterIdLst>
   <p:sldIdLst>
     <p:sldId id="256" r:id="rId2"/>
@@ -29,11 +29,10 @@
     <p:sldId id="273" r:id="rId20"/>
     <p:sldId id="274" r:id="rId21"/>
     <p:sldId id="275" r:id="rId22"/>
-    <p:sldId id="276" r:id="rId23"/>
-    <p:sldId id="277" r:id="rId24"/>
-    <p:sldId id="279" r:id="rId25"/>
-    <p:sldId id="280" r:id="rId26"/>
-    <p:sldId id="281" r:id="rId27"/>
+    <p:sldId id="277" r:id="rId23"/>
+    <p:sldId id="279" r:id="rId24"/>
+    <p:sldId id="280" r:id="rId25"/>
+    <p:sldId id="281" r:id="rId26"/>
   </p:sldIdLst>
   <p:sldSz cx="9144000" cy="6858000" type="screen4x3"/>
   <p:notesSz cx="6858000" cy="9144000"/>
@@ -217,7 +216,7 @@
           <a:p>
             <a:fld id="{DBE0ECA1-3FBF-48AE-AD2A-4439AE745E19}" type="datetimeFigureOut">
               <a:rPr lang="en-US" smtClean="0"/>
-              <a:t>1/9/2014</a:t>
+              <a:t>2/12/2014</a:t>
             </a:fld>
             <a:endParaRPr lang="en-US"/>
           </a:p>
@@ -678,7 +677,7 @@
           <a:p>
             <a:fld id="{9769DED8-28D4-45B9-A00F-7CFE9335FEA6}" type="datetime1">
               <a:rPr lang="en-US" smtClean="0"/>
-              <a:t>1/9/2014</a:t>
+              <a:t>2/12/2014</a:t>
             </a:fld>
             <a:endParaRPr lang="en-US"/>
           </a:p>
@@ -943,7 +942,7 @@
           <a:p>
             <a:fld id="{2DB3D439-1F88-44B4-B5F7-F9BCD4064257}" type="datetime1">
               <a:rPr lang="en-US" smtClean="0"/>
-              <a:t>1/9/2014</a:t>
+              <a:t>2/12/2014</a:t>
             </a:fld>
             <a:endParaRPr lang="en-US"/>
           </a:p>
@@ -1118,7 +1117,7 @@
           <a:p>
             <a:fld id="{99C5638F-6F55-4055-935C-67841BE78C36}" type="datetime1">
               <a:rPr lang="en-US" smtClean="0"/>
-              <a:t>1/9/2014</a:t>
+              <a:t>2/12/2014</a:t>
             </a:fld>
             <a:endParaRPr lang="en-US"/>
           </a:p>
@@ -1283,7 +1282,7 @@
           <a:p>
             <a:fld id="{E6987D90-0C92-4B22-A29D-FED15412CED2}" type="datetime1">
               <a:rPr lang="en-US" smtClean="0"/>
-              <a:t>1/9/2014</a:t>
+              <a:t>2/12/2014</a:t>
             </a:fld>
             <a:endParaRPr lang="en-US"/>
           </a:p>
@@ -1532,7 +1531,7 @@
           <a:p>
             <a:fld id="{DDB67BC4-9554-49E0-BCB3-D1EF965BA0B8}" type="datetime1">
               <a:rPr lang="en-US" smtClean="0"/>
-              <a:t>1/9/2014</a:t>
+              <a:t>2/12/2014</a:t>
             </a:fld>
             <a:endParaRPr lang="en-US"/>
           </a:p>
@@ -1815,7 +1814,7 @@
           <a:p>
             <a:fld id="{EC24D770-803D-4E01-921C-9C100DD8230C}" type="datetime1">
               <a:rPr lang="en-US" smtClean="0"/>
-              <a:t>1/9/2014</a:t>
+              <a:t>2/12/2014</a:t>
             </a:fld>
             <a:endParaRPr lang="en-US"/>
           </a:p>
@@ -2254,7 +2253,7 @@
           <a:p>
             <a:fld id="{356AD44B-78A4-4209-8070-7DCBE2DC4992}" type="datetime1">
               <a:rPr lang="en-US" smtClean="0"/>
-              <a:t>1/9/2014</a:t>
+              <a:t>2/12/2014</a:t>
             </a:fld>
             <a:endParaRPr lang="en-US"/>
           </a:p>
@@ -2367,7 +2366,7 @@
           <a:p>
             <a:fld id="{A993C59A-7CA2-467F-B7F1-9096881A01B8}" type="datetime1">
               <a:rPr lang="en-US" smtClean="0"/>
-              <a:t>1/9/2014</a:t>
+              <a:t>2/12/2014</a:t>
             </a:fld>
             <a:endParaRPr lang="en-US"/>
           </a:p>
@@ -2457,7 +2456,7 @@
           <a:p>
             <a:fld id="{2B6B58D0-2488-434A-8ED1-692E09B85CC5}" type="datetime1">
               <a:rPr lang="en-US" smtClean="0"/>
-              <a:t>1/9/2014</a:t>
+              <a:t>2/12/2014</a:t>
             </a:fld>
             <a:endParaRPr lang="en-US"/>
           </a:p>
@@ -2699,7 +2698,7 @@
           <a:p>
             <a:fld id="{FDB0AFC2-7D64-4F61-A7B7-9932D3305DDA}" type="datetime1">
               <a:rPr lang="en-US" smtClean="0"/>
-              <a:t>1/9/2014</a:t>
+              <a:t>2/12/2014</a:t>
             </a:fld>
             <a:endParaRPr lang="en-US"/>
           </a:p>
@@ -2993,7 +2992,7 @@
           <a:p>
             <a:fld id="{4983D17A-D7B2-4ECE-8A2C-93679B9D177B}" type="datetime1">
               <a:rPr lang="en-US" smtClean="0"/>
-              <a:t>1/9/2014</a:t>
+              <a:t>2/12/2014</a:t>
             </a:fld>
             <a:endParaRPr lang="en-US"/>
           </a:p>
@@ -3287,7 +3286,7 @@
           <a:p>
             <a:fld id="{2A5275F7-419E-4C23-8A3D-2EE5742B2EC9}" type="datetime1">
               <a:rPr lang="en-US" smtClean="0"/>
-              <a:t>1/9/2014</a:t>
+              <a:t>2/12/2014</a:t>
             </a:fld>
             <a:endParaRPr lang="en-US"/>
           </a:p>
@@ -7647,7 +7646,19 @@
           <a:p>
             <a:r>
               <a:rPr lang="en-US" dirty="0" smtClean="0"/>
-              <a:t>Message Passing Interface (MPI) is a standard system for message passing among processes.</a:t>
+              <a:t>Message Passing Interface (MPI) is a standard system for </a:t>
+            </a:r>
+            <a:r>
+              <a:rPr lang="en-US" dirty="0" smtClean="0"/>
+              <a:t>sending information </a:t>
+            </a:r>
+            <a:r>
+              <a:rPr lang="en-US" dirty="0" smtClean="0"/>
+              <a:t>among </a:t>
+            </a:r>
+            <a:r>
+              <a:rPr lang="en-US" dirty="0" smtClean="0"/>
+              <a:t>processes.</a:t>
             </a:r>
           </a:p>
           <a:p>
@@ -8361,8 +8372,24 @@
             <a:pPr marL="800100" lvl="1" indent="-342900"/>
             <a:r>
               <a:rPr lang="en-US" dirty="0" smtClean="0"/>
-              <a:t>This is similar to our task-based concurrency map-reduce algorithm.</a:t>
-            </a:r>
+              <a:t>This is similar to our task-based concurrency map-reduce algorithm</a:t>
+            </a:r>
+            <a:r>
+              <a:rPr lang="en-US" dirty="0" smtClean="0"/>
+              <a:t>.</a:t>
+            </a:r>
+          </a:p>
+          <a:p>
+            <a:pPr marL="800100" lvl="1" indent="-342900"/>
+            <a:r>
+              <a:rPr lang="en-US" dirty="0" smtClean="0"/>
+              <a:t>Consider how we could attach the debugger to </a:t>
+            </a:r>
+            <a:r>
+              <a:rPr lang="en-US" smtClean="0"/>
+              <a:t>debug this code.</a:t>
+            </a:r>
+            <a:endParaRPr lang="en-US" dirty="0" smtClean="0"/>
           </a:p>
           <a:p>
             <a:pPr marL="800100" lvl="1" indent="-342900"/>
@@ -8447,7 +8474,7 @@
           <a:p>
             <a:r>
               <a:rPr lang="en-US" dirty="0" smtClean="0"/>
-              <a:t>Gauss using MPI</a:t>
+              <a:t>Matrix Multiplication</a:t>
             </a:r>
             <a:endParaRPr lang="en-US" dirty="0"/>
           </a:p>
@@ -8470,7 +8497,21 @@
           <a:p>
             <a:r>
               <a:rPr lang="en-US" dirty="0" smtClean="0"/>
-              <a:t>Let’s attempt to implement a simple sum of integers using MPI.</a:t>
+              <a:t>Can we perform matrix multiplication using MPI?</a:t>
+            </a:r>
+          </a:p>
+          <a:p>
+            <a:pPr marL="800100" lvl="1" indent="-342900"/>
+            <a:r>
+              <a:rPr lang="en-US" dirty="0" smtClean="0"/>
+              <a:t>Yes, it is possible.</a:t>
+            </a:r>
+          </a:p>
+          <a:p>
+            <a:pPr marL="800100" lvl="1" indent="-342900"/>
+            <a:r>
+              <a:rPr lang="en-US" dirty="0" smtClean="0"/>
+              <a:t>We cannot directly use the task-based version from an earlier lecture. Why?</a:t>
             </a:r>
             <a:endParaRPr lang="en-US" dirty="0"/>
           </a:p>
@@ -8502,13 +8543,20 @@
     </p:spTree>
     <p:extLst>
       <p:ext uri="{BB962C8B-B14F-4D97-AF65-F5344CB8AC3E}">
-        <p14:creationId xmlns:p14="http://schemas.microsoft.com/office/powerpoint/2010/main" val="559609309"/>
+        <p14:creationId xmlns:p14="http://schemas.microsoft.com/office/powerpoint/2010/main" val="849104339"/>
       </p:ext>
     </p:extLst>
   </p:cSld>
   <p:clrMapOvr>
     <a:masterClrMapping/>
   </p:clrMapOvr>
+  <p:timing>
+    <p:tnLst>
+      <p:par>
+        <p:cTn id="1" dur="indefinite" restart="never" nodeType="tmRoot"/>
+      </p:par>
+    </p:tnLst>
+  </p:timing>
 </p:sld>
 </file>
 
@@ -8546,126 +8594,6 @@
           <a:p>
             <a:r>
               <a:rPr lang="en-US" dirty="0" smtClean="0"/>
-              <a:t>Matrix Multiplication</a:t>
-            </a:r>
-            <a:endParaRPr lang="en-US" dirty="0"/>
-          </a:p>
-        </p:txBody>
-      </p:sp>
-      <p:sp>
-        <p:nvSpPr>
-          <p:cNvPr id="3" name="Content Placeholder 2"/>
-          <p:cNvSpPr>
-            <a:spLocks noGrp="1"/>
-          </p:cNvSpPr>
-          <p:nvPr>
-            <p:ph idx="1"/>
-          </p:nvPr>
-        </p:nvSpPr>
-        <p:spPr/>
-        <p:txBody>
-          <a:bodyPr/>
-          <a:lstStyle/>
-          <a:p>
-            <a:r>
-              <a:rPr lang="en-US" dirty="0" smtClean="0"/>
-              <a:t>Can we perform matrix multiplication using MPI?</a:t>
-            </a:r>
-          </a:p>
-          <a:p>
-            <a:pPr marL="800100" lvl="1" indent="-342900"/>
-            <a:r>
-              <a:rPr lang="en-US" dirty="0" smtClean="0"/>
-              <a:t>Yes, it is possible.</a:t>
-            </a:r>
-          </a:p>
-          <a:p>
-            <a:pPr marL="800100" lvl="1" indent="-342900"/>
-            <a:r>
-              <a:rPr lang="en-US" dirty="0" smtClean="0"/>
-              <a:t>We cannot directly use the task-based version from an earlier lecture. Why?</a:t>
-            </a:r>
-            <a:endParaRPr lang="en-US" dirty="0"/>
-          </a:p>
-        </p:txBody>
-      </p:sp>
-      <p:sp>
-        <p:nvSpPr>
-          <p:cNvPr id="4" name="Slide Number Placeholder 3"/>
-          <p:cNvSpPr>
-            <a:spLocks noGrp="1"/>
-          </p:cNvSpPr>
-          <p:nvPr>
-            <p:ph type="sldNum" sz="quarter" idx="12"/>
-          </p:nvPr>
-        </p:nvSpPr>
-        <p:spPr/>
-        <p:txBody>
-          <a:bodyPr/>
-          <a:lstStyle/>
-          <a:p>
-            <a:fld id="{6DA12B36-9664-4CB0-8B2E-F4A2F44AE97E}" type="slidenum">
-              <a:rPr lang="en-US" smtClean="0"/>
-              <a:t>23</a:t>
-            </a:fld>
-            <a:endParaRPr lang="en-US"/>
-          </a:p>
-        </p:txBody>
-      </p:sp>
-    </p:spTree>
-    <p:extLst>
-      <p:ext uri="{BB962C8B-B14F-4D97-AF65-F5344CB8AC3E}">
-        <p14:creationId xmlns:p14="http://schemas.microsoft.com/office/powerpoint/2010/main" val="849104339"/>
-      </p:ext>
-    </p:extLst>
-  </p:cSld>
-  <p:clrMapOvr>
-    <a:masterClrMapping/>
-  </p:clrMapOvr>
-  <p:timing>
-    <p:tnLst>
-      <p:par>
-        <p:cTn id="1" dur="indefinite" restart="never" nodeType="tmRoot"/>
-      </p:par>
-    </p:tnLst>
-  </p:timing>
-</p:sld>
-</file>
-
-<file path=ppt/slides/slide24.xml><?xml version="1.0" encoding="utf-8"?>
-<p:sld xmlns:a="http://schemas.openxmlformats.org/drawingml/2006/main" xmlns:r="http://schemas.openxmlformats.org/officeDocument/2006/relationships" xmlns:p="http://schemas.openxmlformats.org/presentationml/2006/main">
-  <p:cSld>
-    <p:spTree>
-      <p:nvGrpSpPr>
-        <p:cNvPr id="1" name=""/>
-        <p:cNvGrpSpPr/>
-        <p:nvPr/>
-      </p:nvGrpSpPr>
-      <p:grpSpPr>
-        <a:xfrm>
-          <a:off x="0" y="0"/>
-          <a:ext cx="0" cy="0"/>
-          <a:chOff x="0" y="0"/>
-          <a:chExt cx="0" cy="0"/>
-        </a:xfrm>
-      </p:grpSpPr>
-      <p:sp>
-        <p:nvSpPr>
-          <p:cNvPr id="2" name="Title 1"/>
-          <p:cNvSpPr>
-            <a:spLocks noGrp="1"/>
-          </p:cNvSpPr>
-          <p:nvPr>
-            <p:ph type="title"/>
-          </p:nvPr>
-        </p:nvSpPr>
-        <p:spPr/>
-        <p:txBody>
-          <a:bodyPr/>
-          <a:lstStyle/>
-          <a:p>
-            <a:r>
-              <a:rPr lang="en-US" dirty="0" smtClean="0"/>
               <a:t>Slightly more advanced MPI</a:t>
             </a:r>
             <a:endParaRPr lang="en-US" dirty="0"/>
@@ -9057,7 +8985,7 @@
           <a:p>
             <a:fld id="{6DA12B36-9664-4CB0-8B2E-F4A2F44AE97E}" type="slidenum">
               <a:rPr lang="en-US" smtClean="0"/>
-              <a:t>24</a:t>
+              <a:t>23</a:t>
             </a:fld>
             <a:endParaRPr lang="en-US"/>
           </a:p>
@@ -9310,7 +9238,7 @@
 </p:sld>
 </file>
 
-<file path=ppt/slides/slide25.xml><?xml version="1.0" encoding="utf-8"?>
+<file path=ppt/slides/slide24.xml><?xml version="1.0" encoding="utf-8"?>
 <p:sld xmlns:a="http://schemas.openxmlformats.org/drawingml/2006/main" xmlns:r="http://schemas.openxmlformats.org/officeDocument/2006/relationships" xmlns:p="http://schemas.openxmlformats.org/presentationml/2006/main">
   <p:cSld>
     <p:spTree>
@@ -9475,7 +9403,7 @@
           <a:p>
             <a:fld id="{6DA12B36-9664-4CB0-8B2E-F4A2F44AE97E}" type="slidenum">
               <a:rPr lang="en-US" smtClean="0"/>
-              <a:t>25</a:t>
+              <a:t>24</a:t>
             </a:fld>
             <a:endParaRPr lang="en-US"/>
           </a:p>
@@ -9748,7 +9676,7 @@
 </p:sld>
 </file>
 
-<file path=ppt/slides/slide26.xml><?xml version="1.0" encoding="utf-8"?>
+<file path=ppt/slides/slide25.xml><?xml version="1.0" encoding="utf-8"?>
 <p:sld xmlns:a="http://schemas.openxmlformats.org/drawingml/2006/main" xmlns:r="http://schemas.openxmlformats.org/officeDocument/2006/relationships" xmlns:p="http://schemas.openxmlformats.org/presentationml/2006/main">
   <p:cSld>
     <p:spTree>
@@ -9910,7 +9838,7 @@
           <a:p>
             <a:fld id="{6DA12B36-9664-4CB0-8B2E-F4A2F44AE97E}" type="slidenum">
               <a:rPr lang="en-US" smtClean="0"/>
-              <a:t>26</a:t>
+              <a:t>25</a:t>
             </a:fld>
             <a:endParaRPr lang="en-US"/>
           </a:p>
@@ -11447,8 +11375,8 @@
               <a:t>Combination of </a:t>
             </a:r>
             <a:r>
-              <a:rPr lang="en-US" dirty="0" err="1" smtClean="0"/>
-              <a:t>approachs</a:t>
+              <a:rPr lang="en-US" dirty="0" smtClean="0"/>
+              <a:t>approaches</a:t>
             </a:r>
             <a:endParaRPr lang="en-US" dirty="0" smtClean="0"/>
           </a:p>
@@ -11456,8 +11384,34 @@
             <a:pPr marL="800100" lvl="1" indent="-342900"/>
             <a:r>
               <a:rPr lang="en-US" dirty="0" smtClean="0"/>
-              <a:t>Communication is managed by a run-time environment</a:t>
-            </a:r>
+              <a:t>Communication is managed by a run-time </a:t>
+            </a:r>
+            <a:r>
+              <a:rPr lang="en-US" dirty="0" smtClean="0"/>
+              <a:t>environment</a:t>
+            </a:r>
+          </a:p>
+          <a:p>
+            <a:pPr marL="800100" lvl="1" indent="-342900"/>
+            <a:r>
+              <a:rPr lang="en-US" dirty="0" smtClean="0"/>
+              <a:t>Key differences from thread-based concurrency</a:t>
+            </a:r>
+          </a:p>
+          <a:p>
+            <a:pPr marL="1485900" lvl="2" indent="-342900"/>
+            <a:r>
+              <a:rPr lang="en-US" dirty="0" smtClean="0"/>
+              <a:t>Communication usually involves serialization of data</a:t>
+            </a:r>
+          </a:p>
+          <a:p>
+            <a:pPr marL="1485900" lvl="2" indent="-342900"/>
+            <a:r>
+              <a:rPr lang="en-US" dirty="0" smtClean="0"/>
+              <a:t>Communication may be costly</a:t>
+            </a:r>
+            <a:endParaRPr lang="en-US" dirty="0" smtClean="0"/>
           </a:p>
           <a:p>
             <a:pPr marL="1485900" lvl="2" indent="-342900"/>
@@ -11555,7 +11509,7 @@
             <p:ph idx="1"/>
             <p:extLst>
               <p:ext uri="{D42A27DB-BD31-4B8C-83A1-F6EECF244321}">
-                <p14:modId xmlns:p14="http://schemas.microsoft.com/office/powerpoint/2010/main" val="3915970133"/>
+                <p14:modId xmlns:p14="http://schemas.microsoft.com/office/powerpoint/2010/main" val="2645410249"/>
               </p:ext>
             </p:extLst>
           </p:nvPr>
@@ -11572,8 +11526,8 @@
               </a:tblPr>
               <a:tblGrid>
                 <a:gridCol w="2540000"/>
-                <a:gridCol w="2540000"/>
-                <a:gridCol w="2540000"/>
+                <a:gridCol w="2717800"/>
+                <a:gridCol w="2362200"/>
               </a:tblGrid>
               <a:tr h="370840">
                 <a:tc>
@@ -11825,7 +11779,15 @@
                     <a:p>
                       <a:r>
                         <a:rPr lang="en-US" dirty="0" smtClean="0"/>
-                        <a:t>Number of logic cores</a:t>
+                        <a:t>Number of </a:t>
+                      </a:r>
+                      <a:r>
+                        <a:rPr lang="en-US" dirty="0" smtClean="0"/>
+                        <a:t>logical </a:t>
+                      </a:r>
+                      <a:r>
+                        <a:rPr lang="en-US" dirty="0" smtClean="0"/>
+                        <a:t>cores</a:t>
                       </a:r>
                       <a:endParaRPr lang="en-US" dirty="0"/>
                     </a:p>

--- a/Lectures/Introduction to MPI/Introduction to MPI.pptx
+++ b/Lectures/Introduction to MPI/Introduction to MPI.pptx
@@ -132,7 +132,563 @@
       </a:defRPr>
     </a:lvl9pPr>
   </p:defaultTextStyle>
+  <p:extLst>
+    <p:ext uri="{EFAFB233-063F-42B5-8137-9DF3F51BA10A}">
+      <p15:sldGuideLst xmlns:p15="http://schemas.microsoft.com/office/powerpoint/2012/main">
+        <p15:guide id="1" orient="horz" pos="2160">
+          <p15:clr>
+            <a:srgbClr val="A4A3A4"/>
+          </p15:clr>
+        </p15:guide>
+        <p15:guide id="2" pos="2880">
+          <p15:clr>
+            <a:srgbClr val="A4A3A4"/>
+          </p15:clr>
+        </p15:guide>
+      </p15:sldGuideLst>
+    </p:ext>
+  </p:extLst>
 </p:presentation>
+</file>
+
+<file path=ppt/ink/ink1.xml><?xml version="1.0" encoding="utf-8"?>
+<inkml:ink xmlns:inkml="http://www.w3.org/2003/InkML">
+  <inkml:definitions>
+    <inkml:context xml:id="ctx0">
+      <inkml:inkSource xml:id="inkSrc0">
+        <inkml:traceFormat>
+          <inkml:channel name="X" type="integer" max="26312" units="in"/>
+          <inkml:channel name="Y" type="integer" max="16520" units="in"/>
+          <inkml:channel name="F" type="integer" max="255" units="dev"/>
+          <inkml:channel name="T" type="integer" max="2.14748E9" units="dev"/>
+        </inkml:traceFormat>
+        <inkml:channelProperties>
+          <inkml:channelProperty channel="X" name="resolution" value="2540.01343" units="1/in"/>
+          <inkml:channelProperty channel="Y" name="resolution" value="2540.36597" units="1/in"/>
+          <inkml:channelProperty channel="F" name="resolution" value="3.97878E-7" units="1/dev"/>
+          <inkml:channelProperty channel="T" name="resolution" value="1" units="1/dev"/>
+        </inkml:channelProperties>
+      </inkml:inkSource>
+      <inkml:timestamp xml:id="ts0" timeString="2014-02-18T00:17:39.538"/>
+    </inkml:context>
+    <inkml:brush xml:id="br0">
+      <inkml:brushProperty name="width" value="0.04667" units="cm"/>
+      <inkml:brushProperty name="height" value="0.04667" units="cm"/>
+      <inkml:brushProperty name="fitToCurve" value="1"/>
+    </inkml:brush>
+  </inkml:definitions>
+  <inkml:traceGroup>
+    <inkml:annotationXML>
+      <emma:emma xmlns:emma="http://www.w3.org/2003/04/emma" version="1.0">
+        <emma:interpretation id="{BB91DF45-76A2-4973-A08A-471DC3C3FFA2}" emma:medium="tactile" emma:mode="ink">
+          <msink:context xmlns:msink="http://schemas.microsoft.com/ink/2010/main" type="writingRegion" rotatedBoundingBox="17046,12055 20377,11362 20649,12675 17318,13367"/>
+        </emma:interpretation>
+      </emma:emma>
+    </inkml:annotationXML>
+    <inkml:traceGroup>
+      <inkml:annotationXML>
+        <emma:emma xmlns:emma="http://www.w3.org/2003/04/emma" version="1.0">
+          <emma:interpretation id="{E3F14457-66A9-4B73-9573-014B4929D32C}" emma:medium="tactile" emma:mode="ink">
+            <msink:context xmlns:msink="http://schemas.microsoft.com/ink/2010/main" type="paragraph" rotatedBoundingBox="17046,12055 20377,11362 20649,12675 17318,13367" alignmentLevel="1"/>
+          </emma:interpretation>
+        </emma:emma>
+      </inkml:annotationXML>
+      <inkml:traceGroup>
+        <inkml:annotationXML>
+          <emma:emma xmlns:emma="http://www.w3.org/2003/04/emma" version="1.0">
+            <emma:interpretation id="{6232041B-6BD9-4E9B-AA3C-45A9F85AA6C8}" emma:medium="tactile" emma:mode="ink">
+              <msink:context xmlns:msink="http://schemas.microsoft.com/ink/2010/main" type="line" rotatedBoundingBox="17045,12054 20377,11362 20649,12675 17318,13367"/>
+            </emma:interpretation>
+          </emma:emma>
+        </inkml:annotationXML>
+        <inkml:traceGroup>
+          <inkml:annotationXML>
+            <emma:emma xmlns:emma="http://www.w3.org/2003/04/emma" version="1.0">
+              <emma:interpretation id="{F019B7BC-9216-40DD-9F13-A25DB7218C95}" emma:medium="tactile" emma:mode="ink">
+                <msink:context xmlns:msink="http://schemas.microsoft.com/ink/2010/main" type="inkWord" rotatedBoundingBox="17046,12055 17652,11929 17890,13076 17284,13202"/>
+              </emma:interpretation>
+              <emma:one-of disjunction-type="recognition" id="oneOf0">
+                <emma:interpretation id="interp0" emma:lang="en-US" emma:confidence="0">
+                  <emma:literal>a</emma:literal>
+                </emma:interpretation>
+                <emma:interpretation id="interp1" emma:lang="en-US" emma:confidence="0">
+                  <emma:literal>h</emma:literal>
+                </emma:interpretation>
+                <emma:interpretation id="interp2" emma:lang="en-US" emma:confidence="0">
+                  <emma:literal>s</emma:literal>
+                </emma:interpretation>
+                <emma:interpretation id="interp3" emma:lang="en-US" emma:confidence="0">
+                  <emma:literal>\</emma:literal>
+                </emma:interpretation>
+                <emma:interpretation id="interp4" emma:lang="en-US" emma:confidence="0">
+                  <emma:literal>•</emma:literal>
+                </emma:interpretation>
+              </emma:one-of>
+            </emma:emma>
+          </inkml:annotationXML>
+          <inkml:trace contextRef="#ctx0" brushRef="#br0">3052 774 1 0,'-12'-32'8'16,"2"3"0"-16,-7 0 1 16,3 1 1-16,-5 7-1 15,3-1 3-15,16 22 0 16,-33-25 1-16,33 25 0 15,-23-14-2-15,23 14 0 16,0 0-1-16,0 0 0 16,0 0-2-16,0 0-1 15,0 0-2-15,31 30 0 16,-14-11-1-16,20 20 1 15,2 8-2-15,12 12-1 16,13 9-1-16,6 8 0 0,-2 2 0 16,6 2-1-1,-6 0 0-15,-2-7 0 0,-8-7-1 16,-11-2 0-16,-10-11 0 15,-10-6 1-15,-2-6-1 16,-11-10 0-16,-4-2-1 16,-1-11 1-16,-9-18 0 15,-7 20-1-15,7-20 2 16,-24-2-1-16,3-6 1 15,-10-6-1-15,-4-7 1 16,-12-3 1-16,-5-3-1 16,1-4 0-16,-5 1 1 15,3-3-1-15,1 4 0 0,3 9 0 16,12 3 0-1,6 5 0-15,12 10 0 16,19 2 0-16,-18 24-1 0,26-3 1 16,11 10 0-16,7 4 0 15,9 1-1-15,15 1 1 16,-1-2 0-16,9-2-3 15,2-8 3-15,-5-9-3 16,1-8 3-16,-7-6 0 16,-12-8 0-16,-6-4 0 15,-6-9 0-15,-9-3 3 16,-7-7-2-16,-9 0 2 15,0-1-3-15,-7-5-1 16,5 10-2-16,-8-10-5 16,10 35-23-16,2-28-2 0,-2 28-1 15,0 0 1-15</inkml:trace>
+        </inkml:traceGroup>
+        <inkml:traceGroup>
+          <inkml:annotationXML>
+            <emma:emma xmlns:emma="http://www.w3.org/2003/04/emma" version="1.0">
+              <emma:interpretation id="{D7DB3F0F-8BDA-45BB-9285-5BC1E28667BB}" emma:medium="tactile" emma:mode="ink">
+                <msink:context xmlns:msink="http://schemas.microsoft.com/ink/2010/main" type="inkWord" rotatedBoundingBox="18259,12165 20449,11710 20649,12675 18460,13130"/>
+              </emma:interpretation>
+              <emma:one-of disjunction-type="recognition" id="oneOf1">
+                <emma:interpretation id="interp5" emma:lang="en-US" emma:confidence="1">
+                  <emma:literal>map</emma:literal>
+                </emma:interpretation>
+                <emma:interpretation id="interp6" emma:lang="en-US" emma:confidence="0">
+                  <emma:literal>maps</emma:literal>
+                </emma:interpretation>
+                <emma:interpretation id="interp7" emma:lang="en-US" emma:confidence="0">
+                  <emma:literal>mop</emma:literal>
+                </emma:interpretation>
+                <emma:interpretation id="interp8" emma:lang="en-US" emma:confidence="0">
+                  <emma:literal>mump</emma:literal>
+                </emma:interpretation>
+                <emma:interpretation id="interp9" emma:lang="en-US" emma:confidence="0">
+                  <emma:literal>nap</emma:literal>
+                </emma:interpretation>
+              </emma:one-of>
+            </emma:emma>
+          </inkml:annotationXML>
+          <inkml:trace contextRef="#ctx0" brushRef="#br0" timeOffset="772.0772">4195 1012 2 0,'-4'-22'28'0,"-6"1"1"16,10 21 1-16,0 0-12 15,0 0-6-15,23 4-2 16,-23-4-3-16,20 50-2 16,-12-18-1-16,7 11-1 15,-7 0-1-15,2 3 0 16,-4-5-1-16,-1-2-1 15,-3-11 1-15,0-3-1 16,-2-25 1-16,-4 22-1 16,4-22 0-16,-9-22 1 15,5-5-1-15,2-10 1 0,0-14 0 16,2-6 0-16,-2-13 1 15,6-2-1-15,0 0 1 16,7 11-1-16,-3 3 1 16,6 17-1-16,3 15 2 15,3 18-2-15,3 14-1 16,2 18 1-16,6 7-1 15,2 12 0-15,-1 2 0 16,4 2 0-16,-1 3-1 16,0-11 1-16,-3-5-1 15,3-7 0-15,-4-13-1 16,-4-14 1-16,-2-14 0 15,-2-8 1-15,-5-13-1 0,-4-4 1 16,-5-10 1-16,-3-1-1 16,-4 5 0-16,0 2 1 15,0 8 0-15,0 9-1 16,2 5 2-16,-4 21-1 15,0 0 0-15,27 12 0 16,-8 11 0-16,-3 12-1 16,9 6 0-16,-1-2-1 15,3 6-1-15,0-4 1 16,4-6-4-16,-6-13 1 15,14 3-2-15,-21-27-6 16,17 10-11-16,-12-20-10 16,-2-7-1-16,1-7 2 15</inkml:trace>
+          <inkml:trace contextRef="#ctx0" brushRef="#br0" timeOffset="1269.1269">5314 660 10 0,'10'-21'27'0,"-10"21"2"15,0 0 0-15,-17-24-13 16,17 24-5-16,-14-23-3 16,14 23-1-16,-12-27-1 15,12 27-1-15,-25-24-1 16,25 24 0-16,-25-13-1 15,25 13-1-15,-25 11-1 16,25-11 0-16,-24 39 0 16,20-13-1-16,4 7 0 0,2 4 0 31,6 4 0-31,6-6 0 0,-1-2-1 0,9-7 1 15,-1-3 0-15,4-11 0 16,-1-10 1-16,1-8-1 16,0-12 0-16,0-1 1 15,-7-5-1-15,1-3 1 16,-5 2-1-16,2 1 0 15,-1 3 1-15,-15 21-1 32,29-24 0-32,-29 24-1 0,33 10 1 0,-33-10-1 15,39 39 0-15,-21-19 0 16,1 7-1-16,-1-7 0 15,5 1-2-15,-23-21 1 0,33 16-3 16,-33-16-4-16,25-12-8 16,-25 12-12-1,2-37-3-15,0 17 2 0</inkml:trace>
+          <inkml:trace contextRef="#ctx0" brushRef="#br0" timeOffset="1719.1719">5762 471 13 0,'9'25'30'0,"13"20"-1"16,-3 8-8-16,2-2-7 15,16 19-3-15,-13-11-4 0,11 21-1 16,-8-10-3-16,4 6-1 15,-8-6-2-15,-5-5 1 16,-8-9-1-16,-1-9 1 16,-11-14 0-16,-5-11 0 15,7-22 2-15,-20 4-1 16,-1-28 2-16,9-7 0 15,-11-20 0-15,7-7 0 16,-3-24 0-16,11-2-1 16,0-18 2-16,12 3-5 15,8-1 4-15,11 6-5 16,2 5 4-16,8 11-2 15,6 21 0-15,4 12 0 16,-2 14 0-16,2 17 1 16,-4 12-2-16,-3 12 0 0,-1 11-2 15,-7 9 1-15,-5 11 0 16,-11 2 0-16,-8 9-1 15,-12-1 1-15,-6 0-3 16,-19-8 1-16,-2 8-6 16,-29-28-9-16,6 14-16 15,-10-13-1-15,-6 3 0 16,-8-6 2-16</inkml:trace>
+        </inkml:traceGroup>
+      </inkml:traceGroup>
+    </inkml:traceGroup>
+  </inkml:traceGroup>
+</inkml:ink>
+</file>
+
+<file path=ppt/ink/ink2.xml><?xml version="1.0" encoding="utf-8"?>
+<inkml:ink xmlns:inkml="http://www.w3.org/2003/InkML">
+  <inkml:definitions>
+    <inkml:context xml:id="ctx0">
+      <inkml:inkSource xml:id="inkSrc0">
+        <inkml:traceFormat>
+          <inkml:channel name="X" type="integer" max="26312" units="in"/>
+          <inkml:channel name="Y" type="integer" max="16520" units="in"/>
+          <inkml:channel name="F" type="integer" max="255" units="dev"/>
+          <inkml:channel name="T" type="integer" max="2.14748E9" units="dev"/>
+        </inkml:traceFormat>
+        <inkml:channelProperties>
+          <inkml:channelProperty channel="X" name="resolution" value="2540.01343" units="1/in"/>
+          <inkml:channelProperty channel="Y" name="resolution" value="2540.36597" units="1/in"/>
+          <inkml:channelProperty channel="F" name="resolution" value="3.97878E-7" units="1/dev"/>
+          <inkml:channelProperty channel="T" name="resolution" value="1" units="1/dev"/>
+        </inkml:channelProperties>
+      </inkml:inkSource>
+      <inkml:timestamp xml:id="ts0" timeString="2014-02-18T00:17:18.259"/>
+    </inkml:context>
+    <inkml:brush xml:id="br0">
+      <inkml:brushProperty name="width" value="0.04667" units="cm"/>
+      <inkml:brushProperty name="height" value="0.04667" units="cm"/>
+      <inkml:brushProperty name="fitToCurve" value="1"/>
+    </inkml:brush>
+  </inkml:definitions>
+  <inkml:traceGroup>
+    <inkml:annotationXML>
+      <emma:emma xmlns:emma="http://www.w3.org/2003/04/emma" version="1.0">
+        <emma:interpretation id="{D80CB3EC-EADC-4C3B-90EA-25DE7747FB6C}" emma:medium="tactile" emma:mode="ink">
+          <msink:context xmlns:msink="http://schemas.microsoft.com/ink/2010/main" type="writingRegion" rotatedBoundingBox="12639,11481 14663,11481 14663,15431 12639,15431"/>
+        </emma:interpretation>
+      </emma:emma>
+    </inkml:annotationXML>
+    <inkml:traceGroup>
+      <inkml:annotationXML>
+        <emma:emma xmlns:emma="http://www.w3.org/2003/04/emma" version="1.0">
+          <emma:interpretation id="{EC846E99-C803-4DB6-9879-4989C8D7334C}" emma:medium="tactile" emma:mode="ink">
+            <msink:context xmlns:msink="http://schemas.microsoft.com/ink/2010/main" type="paragraph" rotatedBoundingBox="12639,11481 14663,11481 14663,15431 12639,15431" alignmentLevel="1"/>
+          </emma:interpretation>
+        </emma:emma>
+      </inkml:annotationXML>
+      <inkml:traceGroup>
+        <inkml:annotationXML>
+          <emma:emma xmlns:emma="http://www.w3.org/2003/04/emma" version="1.0">
+            <emma:interpretation id="{4D341572-B4CC-4146-9A52-FEEA9A364B76}" emma:medium="tactile" emma:mode="ink">
+              <msink:context xmlns:msink="http://schemas.microsoft.com/ink/2010/main" type="line" rotatedBoundingBox="12639,11481 14663,11481 14663,15431 12639,15431"/>
+            </emma:interpretation>
+          </emma:emma>
+        </inkml:annotationXML>
+        <inkml:traceGroup>
+          <inkml:annotationXML>
+            <emma:emma xmlns:emma="http://www.w3.org/2003/04/emma" version="1.0">
+              <emma:interpretation id="{2A6F7F24-14F9-4806-89C8-C4D22B6044CE}" emma:medium="tactile" emma:mode="ink">
+                <msink:context xmlns:msink="http://schemas.microsoft.com/ink/2010/main" type="inkWord" rotatedBoundingBox="12436,15303 14277,11460 14809,11715 12969,15558"/>
+              </emma:interpretation>
+              <emma:one-of disjunction-type="recognition" id="oneOf0">
+                <emma:interpretation id="interp0" emma:lang="en-US" emma:confidence="0">
+                  <emma:literal>of</emma:literal>
+                </emma:interpretation>
+                <emma:interpretation id="interp1" emma:lang="en-US" emma:confidence="0">
+                  <emma:literal>.10</emma:literal>
+                </emma:interpretation>
+                <emma:interpretation id="interp2" emma:lang="en-US" emma:confidence="0">
+                  <emma:literal>.10,</emma:literal>
+                </emma:interpretation>
+                <emma:interpretation id="interp3" emma:lang="en-US" emma:confidence="0">
+                  <emma:literal>0,</emma:literal>
+                </emma:interpretation>
+                <emma:interpretation id="interp4" emma:lang="en-US" emma:confidence="0">
+                  <emma:literal>.00</emma:literal>
+                </emma:interpretation>
+              </emma:one-of>
+            </emma:emma>
+          </inkml:annotationXML>
+          <inkml:trace contextRef="#ctx0" brushRef="#br0">229 75 34 0,'-10'-22'32'16,"1"3"1"-16,9 19 1 15,-28-34-18-15,28 34-1 16,-31 6-4-16,18 18-3 16,-20-1-3-16,9 26 0 15,-5 11-3-15,6 17 1 16,3 5-3-16,11 9 2 15,9-3-2-15,17 0 1 16,12-14-2-16,14-9 2 0,6-24-1 16,11-20 0-1,4-19 0-15,2-19 1 16,-7-15-1-16,-7-13 0 0,-11-17 2 15,-12-1-2-15,-13-3 2 16,-16 2-1 0,-12 3 0-16,-13 1 0 0,-14 9 0 15,-4 6-1-15,0 8-1 16,-5 6 0-16,11 11-1 15,-4 4-1-15,21 18-3 16,-7-9-4-16,31 32-16 16,-4-25-9-1,0 43 0-15,6-16-2 0,11 12 1 16</inkml:trace>
+          <inkml:trace contextRef="#ctx0" brushRef="#br0" timeOffset="655.0655">136 1197 18 0,'0'0'30'15,"0"0"1"-15,0 0 2 16,8 20-14-16,-8-20-6 15,-4 23-2-15,4-23-3 16,-6 37-1-16,6-37-3 16,-10 43 0-16,-5-21-1 15,7 7-1-15,-8 0 0 16,5 4-1-16,-7 1 0 15,1 5 0-15,-1-4 0 16,1 6-1-16,1-4 0 0,-1 0-2 16,-1-2 2-16,-5 4-2 15,3-4 1-15,-5 4-1 16,-4 6 2-16,-4 0-2 15,0 6 2-15,-4 2 0 16,2 7 0-16,0 3 0 16,-2 9 0-1,0 2 0-15,0 6 0 0,-4-2 0 16,0-2 0-1,6-3 0-15,0-9-1 0,4-13 0 16,8-6-1-16,0-24-3 16,23 5-6-16,0-26-22 15,0 0-2-15,11-36-2 16,13 13 3-16</inkml:trace>
+          <inkml:trace contextRef="#ctx0" brushRef="#br0" timeOffset="1170.117">-1410 3335 20 0,'-21'8'34'15,"21"-8"1"-15,-16 39 0 16,-1-20-19-16,21 26-5 15,-20-8-4-15,16 20-2 16,-11 2-2-16,5 5 1 0,4 2-3 16,-2-5 0-16,8-3-2 15,-2-17 0-15,15 0-4 16,-17-41-3-1,49 20-24-15,-26-34-2 0,16-9-2 16,2-16 1-16</inkml:trace>
+        </inkml:traceGroup>
+      </inkml:traceGroup>
+    </inkml:traceGroup>
+  </inkml:traceGroup>
+</inkml:ink>
+</file>
+
+<file path=ppt/ink/ink3.xml><?xml version="1.0" encoding="utf-8"?>
+<inkml:ink xmlns:inkml="http://www.w3.org/2003/InkML">
+  <inkml:definitions>
+    <inkml:context xml:id="ctx0">
+      <inkml:inkSource xml:id="inkSrc0">
+        <inkml:traceFormat>
+          <inkml:channel name="X" type="integer" max="26312" units="in"/>
+          <inkml:channel name="Y" type="integer" max="16520" units="in"/>
+          <inkml:channel name="F" type="integer" max="255" units="dev"/>
+          <inkml:channel name="T" type="integer" max="2.14748E9" units="dev"/>
+        </inkml:traceFormat>
+        <inkml:channelProperties>
+          <inkml:channelProperty channel="X" name="resolution" value="2540.01343" units="1/in"/>
+          <inkml:channelProperty channel="Y" name="resolution" value="2540.36597" units="1/in"/>
+          <inkml:channelProperty channel="F" name="resolution" value="3.97878E-7" units="1/dev"/>
+          <inkml:channelProperty channel="T" name="resolution" value="1" units="1/dev"/>
+        </inkml:channelProperties>
+      </inkml:inkSource>
+      <inkml:timestamp xml:id="ts0" timeString="2014-02-18T00:17:20.942"/>
+    </inkml:context>
+    <inkml:brush xml:id="br0">
+      <inkml:brushProperty name="width" value="0.04667" units="cm"/>
+      <inkml:brushProperty name="height" value="0.04667" units="cm"/>
+      <inkml:brushProperty name="fitToCurve" value="1"/>
+    </inkml:brush>
+  </inkml:definitions>
+  <inkml:traceGroup>
+    <inkml:annotationXML>
+      <emma:emma xmlns:emma="http://www.w3.org/2003/04/emma" version="1.0">
+        <emma:interpretation id="{7A1FA15C-C80E-4452-ACD8-DEE736B73573}" emma:medium="tactile" emma:mode="ink">
+          <msink:context xmlns:msink="http://schemas.microsoft.com/ink/2010/main" type="writingRegion" rotatedBoundingBox="15296,12286 17431,12286 17431,14785 15296,14785"/>
+        </emma:interpretation>
+      </emma:emma>
+    </inkml:annotationXML>
+    <inkml:traceGroup>
+      <inkml:annotationXML>
+        <emma:emma xmlns:emma="http://www.w3.org/2003/04/emma" version="1.0">
+          <emma:interpretation id="{476C82FD-D780-4E12-B6F5-ABECD678AF96}" emma:medium="tactile" emma:mode="ink">
+            <msink:context xmlns:msink="http://schemas.microsoft.com/ink/2010/main" type="paragraph" rotatedBoundingBox="15296,12286 17431,12286 17431,14785 15296,14785" alignmentLevel="1"/>
+          </emma:interpretation>
+        </emma:emma>
+      </inkml:annotationXML>
+      <inkml:traceGroup>
+        <inkml:annotationXML>
+          <emma:emma xmlns:emma="http://www.w3.org/2003/04/emma" version="1.0">
+            <emma:interpretation id="{104C5BD4-4562-4835-8A88-8C509D245B01}" emma:medium="tactile" emma:mode="ink">
+              <msink:context xmlns:msink="http://schemas.microsoft.com/ink/2010/main" type="line" rotatedBoundingBox="15296,12286 17431,12286 17431,14785 15296,14785"/>
+            </emma:interpretation>
+          </emma:emma>
+        </inkml:annotationXML>
+        <inkml:traceGroup>
+          <inkml:annotationXML>
+            <emma:emma xmlns:emma="http://www.w3.org/2003/04/emma" version="1.0">
+              <emma:interpretation id="{EA949E1C-61F8-422C-B566-371CAA4C19C6}" emma:medium="tactile" emma:mode="ink">
+                <msink:context xmlns:msink="http://schemas.microsoft.com/ink/2010/main" type="inkWord" rotatedBoundingBox="15296,12286 17431,12286 17431,14785 15296,14785">
+                  <msink:destinationLink direction="with" ref="{6AC76623-758D-4ED8-899E-FFB47D0AB25B}"/>
+                </msink:context>
+              </emma:interpretation>
+              <emma:one-of disjunction-type="recognition" id="oneOf0">
+                <emma:interpretation id="interp0" emma:lang="en-US" emma:confidence="0">
+                  <emma:literal>'3</emma:literal>
+                </emma:interpretation>
+                <emma:interpretation id="interp1" emma:lang="en-US" emma:confidence="0">
+                  <emma:literal>\ 3</emma:literal>
+                </emma:interpretation>
+                <emma:interpretation id="interp2" emma:lang="en-US" emma:confidence="0">
+                  <emma:literal>' 3</emma:literal>
+                </emma:interpretation>
+                <emma:interpretation id="interp3" emma:lang="en-US" emma:confidence="0">
+                  <emma:literal>13</emma:literal>
+                </emma:interpretation>
+                <emma:interpretation id="interp4" emma:lang="en-US" emma:confidence="0">
+                  <emma:literal>• 3</emma:literal>
+                </emma:interpretation>
+              </emma:one-of>
+            </emma:emma>
+          </inkml:annotationXML>
+          <inkml:trace contextRef="#ctx0" brushRef="#br0">1166 805 28 0,'-8'31'31'0,"20"-10"2"0,9 5-1 15,5-7-20-15,36 28-1 16,0-8-2-16,31 26-1 16,1-5-2-16,26 14-1 15,-3-1-2-15,13 9 0 16,-9-8-1-16,-3 2-1 15,-11-8-1-15,-8-7-2 16,-15-5 0-16,-24-9-2 16,-2-6-1-16,-21-17-9 15,4 9-19-15,-41-33-4 16,23 33 1-16,-23-33 2 15</inkml:trace>
+          <inkml:trace contextRef="#ctx0" brushRef="#br0" timeOffset="623.0623">2688 2601 36 0,'-33'4'31'15,"33"-4"1"-15,-19 10-7 16,19-10-17-16,15-22-2 15,5 1 0-15,19 7-2 16,5-13 1-16,15 15-1 16,-1-13 0-16,12 15-1 15,-10 4 0-15,0 8 1 16,-15 2-2-16,-4 13-1 15,-16 3 0-15,-11 13 0 16,-14 0-1-16,-8 4 1 16,-11 2-1-16,-5 2 0 15,-3-5 0-15,0-1 1 0,5-6-1 16,5-4 0-16,9-5 0 15,8-20 0-15,12 21 0 16,11-15 1-16,8-2-1 16,10 2-1-1,-4 2 1-15,2 7 1 0,-4-1 0 16,-8 8 0-16,-13 7 0 15,-14 6-2-15,-14 4 2 16,-15 4-1-16,-14-4 1 16,-9 2-3-16,-7-2 2 15,-5-10-3-15,0-5 1 16,2-7 0-16,11 1-4 15,-7-20-6 1,25 10-24-16,-2-10-1 0,35 2 1 16,-19-4 0-16</inkml:trace>
+        </inkml:traceGroup>
+      </inkml:traceGroup>
+    </inkml:traceGroup>
+  </inkml:traceGroup>
+</inkml:ink>
+</file>
+
+<file path=ppt/ink/ink4.xml><?xml version="1.0" encoding="utf-8"?>
+<inkml:ink xmlns:inkml="http://www.w3.org/2003/InkML">
+  <inkml:definitions>
+    <inkml:context xml:id="ctx0">
+      <inkml:inkSource xml:id="inkSrc0">
+        <inkml:traceFormat>
+          <inkml:channel name="X" type="integer" max="26312" units="in"/>
+          <inkml:channel name="Y" type="integer" max="16520" units="in"/>
+          <inkml:channel name="F" type="integer" max="255" units="dev"/>
+          <inkml:channel name="T" type="integer" max="2.14748E9" units="dev"/>
+        </inkml:traceFormat>
+        <inkml:channelProperties>
+          <inkml:channelProperty channel="X" name="resolution" value="2540.01343" units="1/in"/>
+          <inkml:channelProperty channel="Y" name="resolution" value="2540.36597" units="1/in"/>
+          <inkml:channelProperty channel="F" name="resolution" value="3.97878E-7" units="1/dev"/>
+          <inkml:channelProperty channel="T" name="resolution" value="1" units="1/dev"/>
+        </inkml:channelProperties>
+      </inkml:inkSource>
+      <inkml:timestamp xml:id="ts0" timeString="2014-02-18T00:17:19.909"/>
+    </inkml:context>
+    <inkml:brush xml:id="br0">
+      <inkml:brushProperty name="width" value="0.04667" units="cm"/>
+      <inkml:brushProperty name="height" value="0.04667" units="cm"/>
+      <inkml:brushProperty name="fitToCurve" value="1"/>
+    </inkml:brush>
+  </inkml:definitions>
+  <inkml:traceGroup>
+    <inkml:annotationXML>
+      <emma:emma xmlns:emma="http://www.w3.org/2003/04/emma" version="1.0">
+        <emma:interpretation id="{6AC76623-758D-4ED8-899E-FFB47D0AB25B}" emma:medium="tactile" emma:mode="ink">
+          <msink:context xmlns:msink="http://schemas.microsoft.com/ink/2010/main" type="inkDrawing" rotatedBoundingBox="15039,12773 15229,13982 15179,13990 14988,12781" semanticType="callout" shapeName="Other">
+            <msink:sourceLink direction="with" ref="{80538C39-4E34-4A80-929F-05325D473AFC}"/>
+            <msink:sourceLink direction="with" ref="{EA949E1C-61F8-422C-B566-371CAA4C19C6}"/>
+          </msink:context>
+        </emma:interpretation>
+      </emma:emma>
+    </inkml:annotationXML>
+    <inkml:trace contextRef="#ctx0" brushRef="#br0">859 1355 25 0,'14'-37'31'15,"-14"37"1"-15,13-23 0 0,-13 23-16 16,0 0-3-16,0 0-4 15,20 29-1-15,-24 2-1 16,11 24-2-16,-5 13-3 16,6 16-1-16,-2 8 0 15,2 8-1-15,9 7 0 16,-1 0-1-16,1-3 0 15,1-7-1-15,5-7-1 16,-11-21 0-16,11 3-7 16,-19-25-25-16,12-12 1 15,-11-14-2-15,-5-21 1 16</inkml:trace>
+  </inkml:traceGroup>
+</inkml:ink>
+</file>
+
+<file path=ppt/ink/ink5.xml><?xml version="1.0" encoding="utf-8"?>
+<inkml:ink xmlns:inkml="http://www.w3.org/2003/InkML">
+  <inkml:definitions>
+    <inkml:context xml:id="ctx0">
+      <inkml:inkSource xml:id="inkSrc0">
+        <inkml:traceFormat>
+          <inkml:channel name="X" type="integer" max="26312" units="in"/>
+          <inkml:channel name="Y" type="integer" max="16520" units="in"/>
+          <inkml:channel name="F" type="integer" max="255" units="dev"/>
+          <inkml:channel name="T" type="integer" max="2.14748E9" units="dev"/>
+        </inkml:traceFormat>
+        <inkml:channelProperties>
+          <inkml:channelProperty channel="X" name="resolution" value="2540.01343" units="1/in"/>
+          <inkml:channelProperty channel="Y" name="resolution" value="2540.36597" units="1/in"/>
+          <inkml:channelProperty channel="F" name="resolution" value="3.97878E-7" units="1/dev"/>
+          <inkml:channelProperty channel="T" name="resolution" value="1" units="1/dev"/>
+        </inkml:channelProperties>
+      </inkml:inkSource>
+      <inkml:timestamp xml:id="ts0" timeString="2014-02-18T00:17:20.471"/>
+    </inkml:context>
+    <inkml:brush xml:id="br0">
+      <inkml:brushProperty name="width" value="0.04667" units="cm"/>
+      <inkml:brushProperty name="height" value="0.04667" units="cm"/>
+      <inkml:brushProperty name="fitToCurve" value="1"/>
+    </inkml:brush>
+  </inkml:definitions>
+  <inkml:traceGroup>
+    <inkml:annotationXML>
+      <emma:emma xmlns:emma="http://www.w3.org/2003/04/emma" version="1.0">
+        <emma:interpretation id="{B54E99A4-52AB-47A4-9B0D-E633BE6082C3}" emma:medium="tactile" emma:mode="ink">
+          <msink:context xmlns:msink="http://schemas.microsoft.com/ink/2010/main" type="writingRegion" rotatedBoundingBox="14822,14771 15631,14771 15631,15607 14822,15607"/>
+        </emma:interpretation>
+      </emma:emma>
+    </inkml:annotationXML>
+    <inkml:traceGroup>
+      <inkml:annotationXML>
+        <emma:emma xmlns:emma="http://www.w3.org/2003/04/emma" version="1.0">
+          <emma:interpretation id="{9EE31A5C-47F1-4153-AB5F-C1F56B6D7F88}" emma:medium="tactile" emma:mode="ink">
+            <msink:context xmlns:msink="http://schemas.microsoft.com/ink/2010/main" type="paragraph" rotatedBoundingBox="14822,14771 15631,14771 15631,15607 14822,15607" alignmentLevel="1"/>
+          </emma:interpretation>
+        </emma:emma>
+      </inkml:annotationXML>
+      <inkml:traceGroup>
+        <inkml:annotationXML>
+          <emma:emma xmlns:emma="http://www.w3.org/2003/04/emma" version="1.0">
+            <emma:interpretation id="{B7BEB098-2380-439E-8814-543F94679D5D}" emma:medium="tactile" emma:mode="ink">
+              <msink:context xmlns:msink="http://schemas.microsoft.com/ink/2010/main" type="line" rotatedBoundingBox="14822,14771 15631,14771 15631,15607 14822,15607"/>
+            </emma:interpretation>
+          </emma:emma>
+        </inkml:annotationXML>
+        <inkml:traceGroup>
+          <inkml:annotationXML>
+            <emma:emma xmlns:emma="http://www.w3.org/2003/04/emma" version="1.0">
+              <emma:interpretation id="{80538C39-4E34-4A80-929F-05325D473AFC}" emma:medium="tactile" emma:mode="ink">
+                <msink:context xmlns:msink="http://schemas.microsoft.com/ink/2010/main" type="inkWord" rotatedBoundingBox="14822,14771 15631,14771 15631,15607 14822,15607">
+                  <msink:destinationLink direction="with" ref="{6AC76623-758D-4ED8-899E-FFB47D0AB25B}"/>
+                </msink:context>
+              </emma:interpretation>
+              <emma:one-of disjunction-type="recognition" id="oneOf0">
+                <emma:interpretation id="interp0" emma:lang="en-US" emma:confidence="1">
+                  <emma:literal>2</emma:literal>
+                </emma:interpretation>
+                <emma:interpretation id="interp1" emma:lang="en-US" emma:confidence="0">
+                  <emma:literal>z</emma:literal>
+                </emma:interpretation>
+                <emma:interpretation id="interp2" emma:lang="en-US" emma:confidence="0">
+                  <emma:literal>Z</emma:literal>
+                </emma:interpretation>
+                <emma:interpretation id="interp3" emma:lang="en-US" emma:confidence="0">
+                  <emma:literal>s</emma:literal>
+                </emma:interpretation>
+                <emma:interpretation id="interp4" emma:lang="en-US" emma:confidence="0">
+                  <emma:literal>a</emma:literal>
+                </emma:interpretation>
+              </emma:one-of>
+            </emma:emma>
+          </inkml:annotationXML>
+          <inkml:trace contextRef="#ctx0" brushRef="#br0">684 3440 7 0,'0'0'31'15,"21"-31"0"-15,-3 10 2 16,15 11-19-16,-8-23-3 15,24 21-3-15,-14-17-1 16,17 23-2-16,-15-2 0 16,6 18-2-16,-14 11 0 15,-4 18-1-15,-19 8 1 16,-4 18-1-16,-10 7 0 15,-9 8 1-15,-1 2-2 16,-3-4 1-16,0-2-1 0,7-6 0 16,4-13 0-16,8-8 0 15,4-8-1-15,14-14 1 16,7-13-1-16,6-6 0 15,6-14 0-15,12-10 0 16,5-9-2-16,-3-16-1 16,13 4-4-16,-15-30-18 15,15 11-11-15,-4-11-1 16,5 3 1-16</inkml:trace>
+        </inkml:traceGroup>
+      </inkml:traceGroup>
+    </inkml:traceGroup>
+  </inkml:traceGroup>
+</inkml:ink>
+</file>
+
+<file path=ppt/ink/ink6.xml><?xml version="1.0" encoding="utf-8"?>
+<inkml:ink xmlns:inkml="http://www.w3.org/2003/InkML">
+  <inkml:definitions>
+    <inkml:context xml:id="ctx0">
+      <inkml:inkSource xml:id="inkSrc0">
+        <inkml:traceFormat>
+          <inkml:channel name="X" type="integer" max="26312" units="in"/>
+          <inkml:channel name="Y" type="integer" max="16520" units="in"/>
+          <inkml:channel name="F" type="integer" max="255" units="dev"/>
+          <inkml:channel name="T" type="integer" max="2.14748E9" units="dev"/>
+        </inkml:traceFormat>
+        <inkml:channelProperties>
+          <inkml:channelProperty channel="X" name="resolution" value="2540.01343" units="1/in"/>
+          <inkml:channelProperty channel="Y" name="resolution" value="2540.36597" units="1/in"/>
+          <inkml:channelProperty channel="F" name="resolution" value="3.97878E-7" units="1/dev"/>
+          <inkml:channelProperty channel="T" name="resolution" value="1" units="1/dev"/>
+        </inkml:channelProperties>
+      </inkml:inkSource>
+      <inkml:timestamp xml:id="ts0" timeString="2014-02-18T00:17:43.378"/>
+    </inkml:context>
+    <inkml:brush xml:id="br0">
+      <inkml:brushProperty name="width" value="0.04667" units="cm"/>
+      <inkml:brushProperty name="height" value="0.04667" units="cm"/>
+      <inkml:brushProperty name="fitToCurve" value="1"/>
+    </inkml:brush>
+  </inkml:definitions>
+  <inkml:traceGroup>
+    <inkml:annotationXML>
+      <emma:emma xmlns:emma="http://www.w3.org/2003/04/emma" version="1.0">
+        <emma:interpretation id="{334751CA-F842-4308-9A72-140941B0E400}" emma:medium="tactile" emma:mode="ink">
+          <msink:context xmlns:msink="http://schemas.microsoft.com/ink/2010/main" type="writingRegion" rotatedBoundingBox="10098,12780 12900,10974 13999,12677 11197,14484"/>
+        </emma:interpretation>
+      </emma:emma>
+    </inkml:annotationXML>
+    <inkml:traceGroup>
+      <inkml:annotationXML>
+        <emma:emma xmlns:emma="http://www.w3.org/2003/04/emma" version="1.0">
+          <emma:interpretation id="{02545271-9783-4497-B31F-666B73989205}" emma:medium="tactile" emma:mode="ink">
+            <msink:context xmlns:msink="http://schemas.microsoft.com/ink/2010/main" type="paragraph" rotatedBoundingBox="10098,12780 12900,10974 13341,11658 10540,13465" alignmentLevel="1"/>
+          </emma:interpretation>
+        </emma:emma>
+      </inkml:annotationXML>
+      <inkml:traceGroup>
+        <inkml:annotationXML>
+          <emma:emma xmlns:emma="http://www.w3.org/2003/04/emma" version="1.0">
+            <emma:interpretation id="{8D68BAD2-ACD5-46A6-86E8-591A7C596CE3}" emma:medium="tactile" emma:mode="ink">
+              <msink:context xmlns:msink="http://schemas.microsoft.com/ink/2010/main" type="line" rotatedBoundingBox="10098,12780 12900,10974 13341,11658 10540,13465"/>
+            </emma:interpretation>
+          </emma:emma>
+        </inkml:annotationXML>
+        <inkml:traceGroup>
+          <inkml:annotationXML>
+            <emma:emma xmlns:emma="http://www.w3.org/2003/04/emma" version="1.0">
+              <emma:interpretation id="{CEE217E8-FB79-4614-BFAB-80E75D25A8DA}" emma:medium="tactile" emma:mode="ink">
+                <msink:context xmlns:msink="http://schemas.microsoft.com/ink/2010/main" type="inkWord" rotatedBoundingBox="10098,12780 12900,10974 13341,11658 10540,13465"/>
+              </emma:interpretation>
+              <emma:one-of disjunction-type="recognition" id="oneOf0">
+                <emma:interpretation id="interp0" emma:lang="en-US" emma:confidence="0">
+                  <emma:literal>reduce</emma:literal>
+                </emma:interpretation>
+                <emma:interpretation id="interp1" emma:lang="en-US" emma:confidence="0">
+                  <emma:literal>peace</emma:literal>
+                </emma:interpretation>
+                <emma:interpretation id="interp2" emma:lang="en-US" emma:confidence="0">
+                  <emma:literal>seance</emma:literal>
+                </emma:interpretation>
+                <emma:interpretation id="interp3" emma:lang="en-US" emma:confidence="0">
+                  <emma:literal>seance.</emma:literal>
+                </emma:interpretation>
+                <emma:interpretation id="interp4" emma:lang="en-US" emma:confidence="0">
+                  <emma:literal>seduce</emma:literal>
+                </emma:interpretation>
+              </emma:one-of>
+            </emma:emma>
+          </inkml:annotationXML>
+          <inkml:trace contextRef="#ctx0" brushRef="#br0">-3651 1713 11 0,'8'25'29'0,"0"2"3"15,5-1 2-15,-13-26-17 16,37 45-5-16,-37-45-2 16,14 33-3-16,-14-33-2 15,7 25-1-15,-7-25-1 16,0 0 0-16,-33-4 0 0,14-11-1 15,-6-7-1-15,-1-9 0 16,-9-10 1-16,-3 0 0 16,1-6 0-16,4 6 0 15,7 4-2-15,5 4 2 16,9 11-1-16,12 22 1 15,0 0-3-15,43-13 1 16,-2 26-1-16,2 3 1 16,15 0-1-16,2-1 1 15,2-5-1-15,-3-4 1 16,-3-6-1-16,-5-6 1 15,-7-6 0 1,-7-7 0-16,-13-7 0 0,-3-3 0 16,-11 0 1-16,-10 1-1 0,-6-1 0 15,-8 0 1-15,-5 5-1 16,-6 3 0-1,-1 9 0-15,-1 8 1 0,-2 6-1 32,4 8 1-32,5 8-1 0,7 9 0 0,7 10 0 15,10 2 0-15,5 0 0 16,11 0-1-1,5-2 0-15,6-11-2 0,0-1 1 16,0-15-3-16,8-4 1 16,-6-20-4-16,8 4-4 15,-23-21-21-15,15-4-1 16,-8-14 3-16,0-4-1 15</inkml:trace>
+          <inkml:trace contextRef="#ctx0" brushRef="#br0" timeOffset="772.0772">-3078 680 26 0,'0'0'30'0,"6"21"1"16,4 3-1-16,19 13-15 15,-17-8-6-15,27 24-1 16,-6-8-3-16,13 17-1 15,-5-9-1-15,10 5-1 16,-1-7-2-16,-7-4 1 16,-6-10-1-16,-8-6-1 15,-4-15 0-15,-25-16 0 16,18 14 0-16,-18-14 0 0,-18-10 0 15,-7-2 0-15,-4-1 1 16,-10-5-1-16,-6 2 1 16,-3 7 1-16,-5 7-1 15,3 13 1-15,3 5-1 16,6 11 1-16,12 3 0 15,10 7-1-15,9 4 1 16,14-6-1-16,13 0 0 16,11-10 0-16,10-9 0 15,7-10 0-15,8-6-2 16,3-14 0-16,8-9-2 15,-11-20-3-15,15 4-3 0,-24-28-3 16,15 11-2-16,-28-22 1 16,12 11 1-16,-26-11 4 15,3 12 3-15,-13 3 5 31,-9 3 6-31,6 23 4 16,-17 0 4-16,13 37 0 0,-8-18-1 0,8 18-2 16,4 31-2-16,13 4-2 15,-5-5-2-15,9 15 0 16,-1-6-2-16,7 0 0 15,-2-6 0-15,4-6-1 16,-5-11 0-16,1-6 0 16,-2-8-1-16,-23-2 0 15,28-20 0-15,-19-3-1 16,-3-9 1-16,-6-5-1 0,0-6 1 15,0-5-1-15,-2 5 2 16,4 4-1-16,0 3 0 16,4 11 1-16,-6 25 0 15,23-16-1-15,-23 16 0 16,37 26 1-16,-14 3-2 15,-1-2 0-15,9 7-1 16,-4-9-2-16,12 8-3 16,-12-25-10-16,8 2-13 15,-2-8-2-15,-2-12 2 16,-1-6 0-16</inkml:trace>
+          <inkml:trace contextRef="#ctx0" brushRef="#br0" timeOffset="1280.128">-1622 192 37 0,'0'0'30'0,"-29"31"2"16,8-10-1-16,3 9-14 15,-11-13-9-15,16 18-2 16,-7-13-2-16,12 11-1 16,-1-4-1-16,11 1-1 15,5-1-1-15,9-6 1 16,5-1-1-16,3-5 0 0,5-5 0 15,2-6 0-15,2-4-1 16,0-8 1-16,2-4-1 16,-2-9-1-16,0-3 0 15,-4-13 0-15,0-6 1 16,-1-6 0-16,-3-5 0 15,-6-5 0 1,-3 4 1-16,-8-5 0 0,1 3 2 16,-9 6 1-16,-9 6-2 15,-5 12 1-15,-7 6 2 16,-1 17-2-16,-3 10 0 15,0 17 0-15,5 7-1 16,3 15 0-16,7 11 0 16,8 5-1-16,12 2-2 0,9-3 0 15,7-7-1-15,9-12-3 16,15-11 2-16,3-23-2 15,19-6-8-15,5-35-18 16,7-18 1-16,1-28 0 16,13-31 1-16</inkml:trace>
+        </inkml:traceGroup>
+      </inkml:traceGroup>
+    </inkml:traceGroup>
+    <inkml:traceGroup>
+      <inkml:annotationXML>
+        <emma:emma xmlns:emma="http://www.w3.org/2003/04/emma" version="1.0">
+          <emma:interpretation id="{30FBA766-8E58-4816-8BE1-8773071DB3B7}" emma:medium="tactile" emma:mode="ink">
+            <msink:context xmlns:msink="http://schemas.microsoft.com/ink/2010/main" type="paragraph" rotatedBoundingBox="11094,13987 11843,12960 12331,13316 11582,14344" alignmentLevel="1"/>
+          </emma:interpretation>
+        </emma:emma>
+      </inkml:annotationXML>
+      <inkml:traceGroup>
+        <inkml:annotationXML>
+          <emma:emma xmlns:emma="http://www.w3.org/2003/04/emma" version="1.0">
+            <emma:interpretation id="{2D49174D-EDC2-407D-B82A-E6D40C1EC99F}" emma:medium="tactile" emma:mode="ink">
+              <msink:context xmlns:msink="http://schemas.microsoft.com/ink/2010/main" type="line" rotatedBoundingBox="11094,13987 11843,12960 12331,13316 11582,14344"/>
+            </emma:interpretation>
+          </emma:emma>
+        </inkml:annotationXML>
+        <inkml:traceGroup>
+          <inkml:annotationXML>
+            <emma:emma xmlns:emma="http://www.w3.org/2003/04/emma" version="1.0">
+              <emma:interpretation id="{7B2CD5AE-1EAF-4167-8515-7EACEE535449}" emma:medium="tactile" emma:mode="ink">
+                <msink:context xmlns:msink="http://schemas.microsoft.com/ink/2010/main" type="inkWord" rotatedBoundingBox="11094,13987 11843,12960 12331,13316 11582,14344"/>
+              </emma:interpretation>
+              <emma:one-of disjunction-type="recognition" id="oneOf1">
+                <emma:interpretation id="interp5" emma:lang="en-US" emma:confidence="1">
+                  <emma:literal>•</emma:literal>
+                </emma:interpretation>
+                <emma:interpretation id="interp6" emma:lang="en-US" emma:confidence="0">
+                  <emma:literal>P</emma:literal>
+                </emma:interpretation>
+                <emma:interpretation id="interp7" emma:lang="en-US" emma:confidence="0">
+                  <emma:literal>y</emma:literal>
+                </emma:interpretation>
+                <emma:interpretation id="interp8" emma:lang="en-US" emma:confidence="0">
+                  <emma:literal>p</emma:literal>
+                </emma:interpretation>
+                <emma:interpretation id="interp9" emma:lang="en-US" emma:confidence="0">
+                  <emma:literal>Y</emma:literal>
+                </emma:interpretation>
+              </emma:one-of>
+            </emma:emma>
+          </inkml:annotationXML>
+          <inkml:trace contextRef="#ctx0" brushRef="#br0" timeOffset="-942.0942">-2634 2806 33 0,'0'0'31'0,"0"0"3"15,0-22-11-15,21 17-8 16,-21-27-5-16,27 13-2 16,-15-26-2-16,27 4-1 15,-10-16 0-15,20-5-2 16,-1-14-1-16,9-4-1 0,1-2 1 15,2 0-2-15,0-2 1 16,-1 8-1-16,-7 9 1 16,-3 7-2-16,-8 11 2 15,-6 14-2-15,-10 7 1 16,-6 11 0-16,-19 17 0 15,0 0 0-15,0 0 0 16,0 0 0-16,0 0 0 16,0 0 0-16,-31 15 0 15,31-15 0-15,-35 14 0 16,10-6 0-16,0-2 0 15,-6 0-1-15,-4 1 1 0,-6-1 0 16,-8 2 0 0,-5-2 0-16,-7 6 0 0,-7 3 0 15,2-1 0-15,2 5 0 16,4-3 0-16,9 2 0 15,9-5 0-15,16-5 0 16,26-8 0-16,0 0-1 16,24-19 1-16,22-5 0 15,15-5 0-15,12-4 0 16,11-2 0-16,0-3 2 15,1 5-3-15,-9 6 2 16,-6 13-2-16,-12 8 1 16,-15 14-1-16,-18 10 1 15,-11 17 0-15,-12 12-2 16,-12 2 2-16,-5 11-1 0,-7-3 1 15,-3-3 1-15,0-3-2 16,1-18-1 0,11 1-4-16,-5-31-6 0,18-3-22 15,0 0-1-15,12-37 0 16,-2 4 0-1</inkml:trace>
+        </inkml:traceGroup>
+      </inkml:traceGroup>
+    </inkml:traceGroup>
+  </inkml:traceGroup>
+</inkml:ink>
 </file>
 
 <file path=ppt/notesMasters/notesMaster1.xml><?xml version="1.0" encoding="utf-8"?>
@@ -217,7 +773,7 @@
           <a:p>
             <a:fld id="{DBE0ECA1-3FBF-48AE-AD2A-4439AE745E19}" type="datetimeFigureOut">
               <a:rPr lang="en-US" smtClean="0"/>
-              <a:t>1/9/2014</a:t>
+              <a:t>2/17/2014</a:t>
             </a:fld>
             <a:endParaRPr lang="en-US"/>
           </a:p>
@@ -485,6 +1041,1756 @@
 </p:notesMaster>
 </file>
 
+<file path=ppt/notesSlides/notesSlide1.xml><?xml version="1.0" encoding="utf-8"?>
+<p:notes xmlns:a="http://schemas.openxmlformats.org/drawingml/2006/main" xmlns:r="http://schemas.openxmlformats.org/officeDocument/2006/relationships" xmlns:p="http://schemas.openxmlformats.org/presentationml/2006/main">
+  <p:cSld>
+    <p:spTree>
+      <p:nvGrpSpPr>
+        <p:cNvPr id="1" name=""/>
+        <p:cNvGrpSpPr/>
+        <p:nvPr/>
+      </p:nvGrpSpPr>
+      <p:grpSpPr>
+        <a:xfrm>
+          <a:off x="0" y="0"/>
+          <a:ext cx="0" cy="0"/>
+          <a:chOff x="0" y="0"/>
+          <a:chExt cx="0" cy="0"/>
+        </a:xfrm>
+      </p:grpSpPr>
+      <p:sp>
+        <p:nvSpPr>
+          <p:cNvPr id="2" name="Slide Image Placeholder 1"/>
+          <p:cNvSpPr>
+            <a:spLocks noGrp="1" noRot="1" noChangeAspect="1"/>
+          </p:cNvSpPr>
+          <p:nvPr>
+            <p:ph type="sldImg"/>
+          </p:nvPr>
+        </p:nvSpPr>
+        <p:spPr/>
+      </p:sp>
+      <p:sp>
+        <p:nvSpPr>
+          <p:cNvPr id="3" name="Notes Placeholder 2"/>
+          <p:cNvSpPr>
+            <a:spLocks noGrp="1"/>
+          </p:cNvSpPr>
+          <p:nvPr>
+            <p:ph type="body" idx="1"/>
+          </p:nvPr>
+        </p:nvSpPr>
+        <p:spPr/>
+        <p:txBody>
+          <a:bodyPr/>
+          <a:lstStyle/>
+          <a:p>
+            <a:r>
+              <a:rPr lang="en-US" dirty="0" smtClean="0"/>
+              <a:t>HW 5 is MPI!!!</a:t>
+            </a:r>
+          </a:p>
+          <a:p>
+            <a:pPr marL="171450" indent="-171450">
+              <a:buFont typeface="Arial" panose="020B0604020202020204" pitchFamily="34" charset="0"/>
+              <a:buChar char="•"/>
+            </a:pPr>
+            <a:r>
+              <a:rPr lang="en-US" dirty="0" smtClean="0"/>
+              <a:t>Designed for multithreads</a:t>
+            </a:r>
+            <a:r>
+              <a:rPr lang="en-US" baseline="0" dirty="0" smtClean="0"/>
+              <a:t> before multicore (multiple computers instead)</a:t>
+            </a:r>
+          </a:p>
+          <a:p>
+            <a:pPr marL="171450" indent="-171450">
+              <a:buFont typeface="Arial" panose="020B0604020202020204" pitchFamily="34" charset="0"/>
+              <a:buChar char="•"/>
+            </a:pPr>
+            <a:r>
+              <a:rPr lang="en-US" baseline="0" dirty="0" smtClean="0"/>
+              <a:t>Can also be used for multiprocessing within computer</a:t>
+            </a:r>
+          </a:p>
+          <a:p>
+            <a:pPr marL="171450" indent="-171450">
+              <a:buFont typeface="Arial" panose="020B0604020202020204" pitchFamily="34" charset="0"/>
+              <a:buChar char="•"/>
+            </a:pPr>
+            <a:endParaRPr lang="en-US" baseline="0" dirty="0" smtClean="0"/>
+          </a:p>
+          <a:p>
+            <a:pPr marL="171450" indent="-171450">
+              <a:buFont typeface="Arial" panose="020B0604020202020204" pitchFamily="34" charset="0"/>
+              <a:buChar char="•"/>
+            </a:pPr>
+            <a:r>
+              <a:rPr lang="en-US" baseline="0" dirty="0" smtClean="0"/>
+              <a:t>MPI standards, MPICH2 lags behind.</a:t>
+            </a:r>
+          </a:p>
+          <a:p>
+            <a:pPr marL="171450" indent="-171450">
+              <a:buFont typeface="Arial" panose="020B0604020202020204" pitchFamily="34" charset="0"/>
+              <a:buChar char="•"/>
+            </a:pPr>
+            <a:r>
+              <a:rPr lang="en-US" baseline="0" dirty="0" smtClean="0"/>
+              <a:t>Intel’s is good for their processors</a:t>
+            </a:r>
+          </a:p>
+          <a:p>
+            <a:pPr marL="171450" indent="-171450">
+              <a:buFont typeface="Arial" panose="020B0604020202020204" pitchFamily="34" charset="0"/>
+              <a:buChar char="•"/>
+            </a:pPr>
+            <a:r>
+              <a:rPr lang="en-US" baseline="0" dirty="0" smtClean="0"/>
+              <a:t>Open API is the best</a:t>
+            </a:r>
+          </a:p>
+          <a:p>
+            <a:pPr marL="171450" indent="-171450">
+              <a:buFont typeface="Arial" panose="020B0604020202020204" pitchFamily="34" charset="0"/>
+              <a:buChar char="•"/>
+            </a:pPr>
+            <a:endParaRPr lang="en-US" baseline="0" dirty="0" smtClean="0"/>
+          </a:p>
+          <a:p>
+            <a:pPr marL="171450" indent="-171450">
+              <a:buFont typeface="Arial" panose="020B0604020202020204" pitchFamily="34" charset="0"/>
+              <a:buChar char="•"/>
+            </a:pPr>
+            <a:r>
+              <a:rPr lang="en-US" baseline="0" dirty="0" smtClean="0"/>
+              <a:t>SMP: symmetric multiprocessor (multiple processors in one board)</a:t>
+            </a:r>
+          </a:p>
+          <a:p>
+            <a:pPr marL="171450" indent="-171450">
+              <a:buFont typeface="Arial" panose="020B0604020202020204" pitchFamily="34" charset="0"/>
+              <a:buChar char="•"/>
+            </a:pPr>
+            <a:r>
+              <a:rPr lang="en-US" baseline="0" dirty="0" smtClean="0"/>
+              <a:t>Or shared memory parallel  - one processor, many threads</a:t>
+            </a:r>
+            <a:endParaRPr lang="en-US" dirty="0"/>
+          </a:p>
+        </p:txBody>
+      </p:sp>
+      <p:sp>
+        <p:nvSpPr>
+          <p:cNvPr id="4" name="Slide Number Placeholder 3"/>
+          <p:cNvSpPr>
+            <a:spLocks noGrp="1"/>
+          </p:cNvSpPr>
+          <p:nvPr>
+            <p:ph type="sldNum" sz="quarter" idx="10"/>
+          </p:nvPr>
+        </p:nvSpPr>
+        <p:spPr/>
+        <p:txBody>
+          <a:bodyPr/>
+          <a:lstStyle/>
+          <a:p>
+            <a:fld id="{33EB61B5-0B25-4052-8EFA-97E46EEADB31}" type="slidenum">
+              <a:rPr lang="en-US" smtClean="0"/>
+              <a:t>2</a:t>
+            </a:fld>
+            <a:endParaRPr lang="en-US"/>
+          </a:p>
+        </p:txBody>
+      </p:sp>
+    </p:spTree>
+    <p:extLst>
+      <p:ext uri="{BB962C8B-B14F-4D97-AF65-F5344CB8AC3E}">
+        <p14:creationId xmlns:p14="http://schemas.microsoft.com/office/powerpoint/2010/main" val="2579730609"/>
+      </p:ext>
+    </p:extLst>
+  </p:cSld>
+  <p:clrMapOvr>
+    <a:masterClrMapping/>
+  </p:clrMapOvr>
+</p:notes>
+</file>
+
+<file path=ppt/notesSlides/notesSlide10.xml><?xml version="1.0" encoding="utf-8"?>
+<p:notes xmlns:a="http://schemas.openxmlformats.org/drawingml/2006/main" xmlns:r="http://schemas.openxmlformats.org/officeDocument/2006/relationships" xmlns:p="http://schemas.openxmlformats.org/presentationml/2006/main">
+  <p:cSld>
+    <p:spTree>
+      <p:nvGrpSpPr>
+        <p:cNvPr id="1" name=""/>
+        <p:cNvGrpSpPr/>
+        <p:nvPr/>
+      </p:nvGrpSpPr>
+      <p:grpSpPr>
+        <a:xfrm>
+          <a:off x="0" y="0"/>
+          <a:ext cx="0" cy="0"/>
+          <a:chOff x="0" y="0"/>
+          <a:chExt cx="0" cy="0"/>
+        </a:xfrm>
+      </p:grpSpPr>
+      <p:sp>
+        <p:nvSpPr>
+          <p:cNvPr id="2" name="Slide Image Placeholder 1"/>
+          <p:cNvSpPr>
+            <a:spLocks noGrp="1" noRot="1" noChangeAspect="1"/>
+          </p:cNvSpPr>
+          <p:nvPr>
+            <p:ph type="sldImg"/>
+          </p:nvPr>
+        </p:nvSpPr>
+        <p:spPr/>
+      </p:sp>
+      <p:sp>
+        <p:nvSpPr>
+          <p:cNvPr id="3" name="Notes Placeholder 2"/>
+          <p:cNvSpPr>
+            <a:spLocks noGrp="1"/>
+          </p:cNvSpPr>
+          <p:nvPr>
+            <p:ph type="body" idx="1"/>
+          </p:nvPr>
+        </p:nvSpPr>
+        <p:spPr/>
+        <p:txBody>
+          <a:bodyPr/>
+          <a:lstStyle/>
+          <a:p>
+            <a:pPr marL="171450" indent="-171450">
+              <a:buFont typeface="Arial" panose="020B0604020202020204" pitchFamily="34" charset="0"/>
+              <a:buChar char="•"/>
+            </a:pPr>
+            <a:r>
+              <a:rPr lang="en-US" dirty="0" smtClean="0"/>
+              <a:t>Can’t just run on every</a:t>
+            </a:r>
+            <a:r>
+              <a:rPr lang="en-US" baseline="0" dirty="0" smtClean="0"/>
+              <a:t> machine (because runtime must be installed)</a:t>
+            </a:r>
+          </a:p>
+          <a:p>
+            <a:pPr marL="171450" indent="-171450">
+              <a:buFont typeface="Arial" panose="020B0604020202020204" pitchFamily="34" charset="0"/>
+              <a:buChar char="•"/>
+            </a:pPr>
+            <a:endParaRPr lang="en-US" baseline="0" dirty="0" smtClean="0"/>
+          </a:p>
+          <a:p>
+            <a:pPr marL="171450" indent="-171450">
+              <a:buFont typeface="Arial" panose="020B0604020202020204" pitchFamily="34" charset="0"/>
+              <a:buChar char="•"/>
+            </a:pPr>
+            <a:r>
+              <a:rPr lang="en-US" baseline="0" dirty="0" smtClean="0"/>
+              <a:t>Isolate MPI calls from code to write tests</a:t>
+            </a:r>
+          </a:p>
+          <a:p>
+            <a:pPr marL="171450" indent="-171450">
+              <a:buFont typeface="Arial" panose="020B0604020202020204" pitchFamily="34" charset="0"/>
+              <a:buChar char="•"/>
+            </a:pPr>
+            <a:endParaRPr lang="en-US" baseline="0" dirty="0" smtClean="0"/>
+          </a:p>
+          <a:p>
+            <a:pPr marL="171450" indent="-171450">
+              <a:buFont typeface="Arial" panose="020B0604020202020204" pitchFamily="34" charset="0"/>
+              <a:buChar char="•"/>
+            </a:pPr>
+            <a:r>
+              <a:rPr lang="en-US" baseline="0" dirty="0" smtClean="0"/>
+              <a:t>Ruby on rails: end to end tests (creating dummy data base) – slow and bad – same thing here: separate from code so fast tests! Don’t depend on changes to API</a:t>
+            </a:r>
+            <a:endParaRPr lang="en-US" dirty="0"/>
+          </a:p>
+        </p:txBody>
+      </p:sp>
+      <p:sp>
+        <p:nvSpPr>
+          <p:cNvPr id="4" name="Slide Number Placeholder 3"/>
+          <p:cNvSpPr>
+            <a:spLocks noGrp="1"/>
+          </p:cNvSpPr>
+          <p:nvPr>
+            <p:ph type="sldNum" sz="quarter" idx="10"/>
+          </p:nvPr>
+        </p:nvSpPr>
+        <p:spPr/>
+        <p:txBody>
+          <a:bodyPr/>
+          <a:lstStyle/>
+          <a:p>
+            <a:fld id="{33EB61B5-0B25-4052-8EFA-97E46EEADB31}" type="slidenum">
+              <a:rPr lang="en-US" smtClean="0"/>
+              <a:t>16</a:t>
+            </a:fld>
+            <a:endParaRPr lang="en-US"/>
+          </a:p>
+        </p:txBody>
+      </p:sp>
+    </p:spTree>
+    <p:extLst>
+      <p:ext uri="{BB962C8B-B14F-4D97-AF65-F5344CB8AC3E}">
+        <p14:creationId xmlns:p14="http://schemas.microsoft.com/office/powerpoint/2010/main" val="2616239697"/>
+      </p:ext>
+    </p:extLst>
+  </p:cSld>
+  <p:clrMapOvr>
+    <a:masterClrMapping/>
+  </p:clrMapOvr>
+</p:notes>
+</file>
+
+<file path=ppt/notesSlides/notesSlide11.xml><?xml version="1.0" encoding="utf-8"?>
+<p:notes xmlns:a="http://schemas.openxmlformats.org/drawingml/2006/main" xmlns:r="http://schemas.openxmlformats.org/officeDocument/2006/relationships" xmlns:p="http://schemas.openxmlformats.org/presentationml/2006/main">
+  <p:cSld>
+    <p:spTree>
+      <p:nvGrpSpPr>
+        <p:cNvPr id="1" name=""/>
+        <p:cNvGrpSpPr/>
+        <p:nvPr/>
+      </p:nvGrpSpPr>
+      <p:grpSpPr>
+        <a:xfrm>
+          <a:off x="0" y="0"/>
+          <a:ext cx="0" cy="0"/>
+          <a:chOff x="0" y="0"/>
+          <a:chExt cx="0" cy="0"/>
+        </a:xfrm>
+      </p:grpSpPr>
+      <p:sp>
+        <p:nvSpPr>
+          <p:cNvPr id="2" name="Slide Image Placeholder 1"/>
+          <p:cNvSpPr>
+            <a:spLocks noGrp="1" noRot="1" noChangeAspect="1"/>
+          </p:cNvSpPr>
+          <p:nvPr>
+            <p:ph type="sldImg"/>
+          </p:nvPr>
+        </p:nvSpPr>
+        <p:spPr/>
+      </p:sp>
+      <p:sp>
+        <p:nvSpPr>
+          <p:cNvPr id="3" name="Notes Placeholder 2"/>
+          <p:cNvSpPr>
+            <a:spLocks noGrp="1"/>
+          </p:cNvSpPr>
+          <p:nvPr>
+            <p:ph type="body" idx="1"/>
+          </p:nvPr>
+        </p:nvSpPr>
+        <p:spPr/>
+        <p:txBody>
+          <a:bodyPr/>
+          <a:lstStyle/>
+          <a:p>
+            <a:endParaRPr lang="en-US" dirty="0"/>
+          </a:p>
+        </p:txBody>
+      </p:sp>
+      <p:sp>
+        <p:nvSpPr>
+          <p:cNvPr id="4" name="Slide Number Placeholder 3"/>
+          <p:cNvSpPr>
+            <a:spLocks noGrp="1"/>
+          </p:cNvSpPr>
+          <p:nvPr>
+            <p:ph type="sldNum" sz="quarter" idx="10"/>
+          </p:nvPr>
+        </p:nvSpPr>
+        <p:spPr/>
+        <p:txBody>
+          <a:bodyPr/>
+          <a:lstStyle/>
+          <a:p>
+            <a:fld id="{33EB61B5-0B25-4052-8EFA-97E46EEADB31}" type="slidenum">
+              <a:rPr lang="en-US" smtClean="0"/>
+              <a:t>17</a:t>
+            </a:fld>
+            <a:endParaRPr lang="en-US"/>
+          </a:p>
+        </p:txBody>
+      </p:sp>
+    </p:spTree>
+    <p:extLst>
+      <p:ext uri="{BB962C8B-B14F-4D97-AF65-F5344CB8AC3E}">
+        <p14:creationId xmlns:p14="http://schemas.microsoft.com/office/powerpoint/2010/main" val="678086828"/>
+      </p:ext>
+    </p:extLst>
+  </p:cSld>
+  <p:clrMapOvr>
+    <a:masterClrMapping/>
+  </p:clrMapOvr>
+</p:notes>
+</file>
+
+<file path=ppt/notesSlides/notesSlide12.xml><?xml version="1.0" encoding="utf-8"?>
+<p:notes xmlns:a="http://schemas.openxmlformats.org/drawingml/2006/main" xmlns:r="http://schemas.openxmlformats.org/officeDocument/2006/relationships" xmlns:p="http://schemas.openxmlformats.org/presentationml/2006/main">
+  <p:cSld>
+    <p:spTree>
+      <p:nvGrpSpPr>
+        <p:cNvPr id="1" name=""/>
+        <p:cNvGrpSpPr/>
+        <p:nvPr/>
+      </p:nvGrpSpPr>
+      <p:grpSpPr>
+        <a:xfrm>
+          <a:off x="0" y="0"/>
+          <a:ext cx="0" cy="0"/>
+          <a:chOff x="0" y="0"/>
+          <a:chExt cx="0" cy="0"/>
+        </a:xfrm>
+      </p:grpSpPr>
+      <p:sp>
+        <p:nvSpPr>
+          <p:cNvPr id="2" name="Slide Image Placeholder 1"/>
+          <p:cNvSpPr>
+            <a:spLocks noGrp="1" noRot="1" noChangeAspect="1"/>
+          </p:cNvSpPr>
+          <p:nvPr>
+            <p:ph type="sldImg"/>
+          </p:nvPr>
+        </p:nvSpPr>
+        <p:spPr/>
+      </p:sp>
+      <p:sp>
+        <p:nvSpPr>
+          <p:cNvPr id="3" name="Notes Placeholder 2"/>
+          <p:cNvSpPr>
+            <a:spLocks noGrp="1"/>
+          </p:cNvSpPr>
+          <p:nvPr>
+            <p:ph type="body" idx="1"/>
+          </p:nvPr>
+        </p:nvSpPr>
+        <p:spPr/>
+        <p:txBody>
+          <a:bodyPr/>
+          <a:lstStyle/>
+          <a:p>
+            <a:r>
+              <a:rPr lang="en-US" dirty="0" smtClean="0"/>
+              <a:t>SEE GAUSS EXAMPLE</a:t>
+            </a:r>
+          </a:p>
+          <a:p>
+            <a:pPr marL="171450" indent="-171450">
+              <a:buFont typeface="Arial" panose="020B0604020202020204" pitchFamily="34" charset="0"/>
+              <a:buChar char="•"/>
+            </a:pPr>
+            <a:r>
+              <a:rPr lang="en-US" dirty="0" smtClean="0"/>
+              <a:t>Similar to multithread implementation</a:t>
+            </a:r>
+          </a:p>
+          <a:p>
+            <a:pPr marL="628650" lvl="1" indent="-171450">
+              <a:buFont typeface="Arial" panose="020B0604020202020204" pitchFamily="34" charset="0"/>
+              <a:buChar char="•"/>
+            </a:pPr>
+            <a:r>
+              <a:rPr lang="en-US" dirty="0" smtClean="0"/>
+              <a:t>Instead of getting iterators,</a:t>
+            </a:r>
+            <a:r>
+              <a:rPr lang="en-US" baseline="0" dirty="0" smtClean="0"/>
+              <a:t> passing integers</a:t>
+            </a:r>
+          </a:p>
+          <a:p>
+            <a:pPr marL="1085850" lvl="2" indent="-171450">
+              <a:buFont typeface="Arial" panose="020B0604020202020204" pitchFamily="34" charset="0"/>
+              <a:buChar char="•"/>
+            </a:pPr>
+            <a:r>
+              <a:rPr lang="en-US" baseline="0" dirty="0" smtClean="0"/>
+              <a:t>More general in how we partition space – have a method to partition that accepts full item &amp; #of partitions and returns unsigned </a:t>
+            </a:r>
+            <a:r>
+              <a:rPr lang="en-US" baseline="0" dirty="0" err="1" smtClean="0"/>
+              <a:t>ints</a:t>
+            </a:r>
+            <a:endParaRPr lang="en-US" baseline="0" dirty="0" smtClean="0"/>
+          </a:p>
+          <a:p>
+            <a:pPr marL="1085850" lvl="2" indent="-171450">
+              <a:buFont typeface="Arial" panose="020B0604020202020204" pitchFamily="34" charset="0"/>
+              <a:buChar char="•"/>
+            </a:pPr>
+            <a:endParaRPr lang="en-US" baseline="0" dirty="0" smtClean="0"/>
+          </a:p>
+          <a:p>
+            <a:pPr marL="1085850" lvl="2" indent="-171450">
+              <a:buFont typeface="Arial" panose="020B0604020202020204" pitchFamily="34" charset="0"/>
+              <a:buChar char="•"/>
+            </a:pPr>
+            <a:r>
+              <a:rPr lang="en-US" baseline="0" dirty="0" smtClean="0"/>
+              <a:t>Every process calls complete </a:t>
+            </a:r>
+          </a:p>
+          <a:p>
+            <a:pPr marL="1085850" lvl="2" indent="-171450">
+              <a:buFont typeface="Arial" panose="020B0604020202020204" pitchFamily="34" charset="0"/>
+              <a:buChar char="•"/>
+            </a:pPr>
+            <a:endParaRPr lang="en-US" baseline="0" dirty="0" smtClean="0"/>
+          </a:p>
+          <a:p>
+            <a:pPr marL="1085850" lvl="2" indent="-171450">
+              <a:buFont typeface="Arial" panose="020B0604020202020204" pitchFamily="34" charset="0"/>
+              <a:buChar char="•"/>
+            </a:pPr>
+            <a:endParaRPr lang="en-US" baseline="0" dirty="0" smtClean="0"/>
+          </a:p>
+          <a:p>
+            <a:pPr marL="1085850" lvl="2" indent="-171450">
+              <a:buFont typeface="Arial" panose="020B0604020202020204" pitchFamily="34" charset="0"/>
+              <a:buChar char="•"/>
+            </a:pPr>
+            <a:endParaRPr lang="en-US" baseline="0" dirty="0" smtClean="0"/>
+          </a:p>
+          <a:p>
+            <a:pPr marL="1085850" lvl="2" indent="-171450">
+              <a:buFont typeface="Arial" panose="020B0604020202020204" pitchFamily="34" charset="0"/>
+              <a:buChar char="•"/>
+            </a:pPr>
+            <a:r>
+              <a:rPr lang="en-US" baseline="0" dirty="0" smtClean="0"/>
+              <a:t>HOW TO DEBUG:</a:t>
+            </a:r>
+            <a:br>
+              <a:rPr lang="en-US" baseline="0" dirty="0" smtClean="0"/>
+            </a:br>
+            <a:r>
+              <a:rPr lang="en-US" baseline="0" dirty="0" smtClean="0"/>
+              <a:t> MPI_COMM_SIZE(MPI_COMM_WORLD, &amp;</a:t>
+            </a:r>
+            <a:r>
+              <a:rPr lang="en-US" baseline="0" dirty="0" err="1" smtClean="0"/>
+              <a:t>number_of_processes</a:t>
+            </a:r>
+            <a:r>
+              <a:rPr lang="en-US" baseline="0" dirty="0" smtClean="0"/>
+              <a:t>);  </a:t>
+            </a:r>
+          </a:p>
+          <a:p>
+            <a:pPr marL="1085850" lvl="2" indent="-171450">
+              <a:buFont typeface="Arial" panose="020B0604020202020204" pitchFamily="34" charset="0"/>
+              <a:buChar char="•"/>
+            </a:pPr>
+            <a:r>
+              <a:rPr lang="en-US" baseline="0" dirty="0" smtClean="0"/>
+              <a:t>run from command prompt, ctrl alt p for </a:t>
+            </a:r>
+            <a:r>
+              <a:rPr lang="en-US" baseline="0" dirty="0" err="1" smtClean="0"/>
+              <a:t>processe</a:t>
+            </a:r>
+            <a:endParaRPr lang="en-US" dirty="0"/>
+          </a:p>
+        </p:txBody>
+      </p:sp>
+      <p:sp>
+        <p:nvSpPr>
+          <p:cNvPr id="4" name="Slide Number Placeholder 3"/>
+          <p:cNvSpPr>
+            <a:spLocks noGrp="1"/>
+          </p:cNvSpPr>
+          <p:nvPr>
+            <p:ph type="sldNum" sz="quarter" idx="10"/>
+          </p:nvPr>
+        </p:nvSpPr>
+        <p:spPr/>
+        <p:txBody>
+          <a:bodyPr/>
+          <a:lstStyle/>
+          <a:p>
+            <a:fld id="{33EB61B5-0B25-4052-8EFA-97E46EEADB31}" type="slidenum">
+              <a:rPr lang="en-US" smtClean="0"/>
+              <a:t>21</a:t>
+            </a:fld>
+            <a:endParaRPr lang="en-US"/>
+          </a:p>
+        </p:txBody>
+      </p:sp>
+    </p:spTree>
+    <p:extLst>
+      <p:ext uri="{BB962C8B-B14F-4D97-AF65-F5344CB8AC3E}">
+        <p14:creationId xmlns:p14="http://schemas.microsoft.com/office/powerpoint/2010/main" val="3032375312"/>
+      </p:ext>
+    </p:extLst>
+  </p:cSld>
+  <p:clrMapOvr>
+    <a:masterClrMapping/>
+  </p:clrMapOvr>
+</p:notes>
+</file>
+
+<file path=ppt/notesSlides/notesSlide13.xml><?xml version="1.0" encoding="utf-8"?>
+<p:notes xmlns:a="http://schemas.openxmlformats.org/drawingml/2006/main" xmlns:r="http://schemas.openxmlformats.org/officeDocument/2006/relationships" xmlns:p="http://schemas.openxmlformats.org/presentationml/2006/main">
+  <p:cSld>
+    <p:spTree>
+      <p:nvGrpSpPr>
+        <p:cNvPr id="1" name=""/>
+        <p:cNvGrpSpPr/>
+        <p:nvPr/>
+      </p:nvGrpSpPr>
+      <p:grpSpPr>
+        <a:xfrm>
+          <a:off x="0" y="0"/>
+          <a:ext cx="0" cy="0"/>
+          <a:chOff x="0" y="0"/>
+          <a:chExt cx="0" cy="0"/>
+        </a:xfrm>
+      </p:grpSpPr>
+      <p:sp>
+        <p:nvSpPr>
+          <p:cNvPr id="2" name="Slide Image Placeholder 1"/>
+          <p:cNvSpPr>
+            <a:spLocks noGrp="1" noRot="1" noChangeAspect="1"/>
+          </p:cNvSpPr>
+          <p:nvPr>
+            <p:ph type="sldImg"/>
+          </p:nvPr>
+        </p:nvSpPr>
+        <p:spPr/>
+      </p:sp>
+      <p:sp>
+        <p:nvSpPr>
+          <p:cNvPr id="3" name="Notes Placeholder 2"/>
+          <p:cNvSpPr>
+            <a:spLocks noGrp="1"/>
+          </p:cNvSpPr>
+          <p:nvPr>
+            <p:ph type="body" idx="1"/>
+          </p:nvPr>
+        </p:nvSpPr>
+        <p:spPr/>
+        <p:txBody>
+          <a:bodyPr/>
+          <a:lstStyle/>
+          <a:p>
+            <a:r>
+              <a:rPr lang="en-US" dirty="0" smtClean="0"/>
+              <a:t>Blocking</a:t>
+            </a:r>
+            <a:r>
+              <a:rPr lang="en-US" baseline="0" dirty="0" smtClean="0"/>
+              <a:t> send is slow on huge networks – has to wait for confirmation</a:t>
+            </a:r>
+          </a:p>
+          <a:p>
+            <a:r>
+              <a:rPr lang="en-US" baseline="0" dirty="0" smtClean="0"/>
+              <a:t>Partition is slow as well</a:t>
+            </a:r>
+            <a:endParaRPr lang="en-US" dirty="0"/>
+          </a:p>
+        </p:txBody>
+      </p:sp>
+      <p:sp>
+        <p:nvSpPr>
+          <p:cNvPr id="4" name="Slide Number Placeholder 3"/>
+          <p:cNvSpPr>
+            <a:spLocks noGrp="1"/>
+          </p:cNvSpPr>
+          <p:nvPr>
+            <p:ph type="sldNum" sz="quarter" idx="10"/>
+          </p:nvPr>
+        </p:nvSpPr>
+        <p:spPr/>
+        <p:txBody>
+          <a:bodyPr/>
+          <a:lstStyle/>
+          <a:p>
+            <a:fld id="{33EB61B5-0B25-4052-8EFA-97E46EEADB31}" type="slidenum">
+              <a:rPr lang="en-US" smtClean="0"/>
+              <a:t>24</a:t>
+            </a:fld>
+            <a:endParaRPr lang="en-US"/>
+          </a:p>
+        </p:txBody>
+      </p:sp>
+    </p:spTree>
+    <p:extLst>
+      <p:ext uri="{BB962C8B-B14F-4D97-AF65-F5344CB8AC3E}">
+        <p14:creationId xmlns:p14="http://schemas.microsoft.com/office/powerpoint/2010/main" val="2482189876"/>
+      </p:ext>
+    </p:extLst>
+  </p:cSld>
+  <p:clrMapOvr>
+    <a:masterClrMapping/>
+  </p:clrMapOvr>
+</p:notes>
+</file>
+
+<file path=ppt/notesSlides/notesSlide14.xml><?xml version="1.0" encoding="utf-8"?>
+<p:notes xmlns:a="http://schemas.openxmlformats.org/drawingml/2006/main" xmlns:r="http://schemas.openxmlformats.org/officeDocument/2006/relationships" xmlns:p="http://schemas.openxmlformats.org/presentationml/2006/main">
+  <p:cSld>
+    <p:spTree>
+      <p:nvGrpSpPr>
+        <p:cNvPr id="1" name=""/>
+        <p:cNvGrpSpPr/>
+        <p:nvPr/>
+      </p:nvGrpSpPr>
+      <p:grpSpPr>
+        <a:xfrm>
+          <a:off x="0" y="0"/>
+          <a:ext cx="0" cy="0"/>
+          <a:chOff x="0" y="0"/>
+          <a:chExt cx="0" cy="0"/>
+        </a:xfrm>
+      </p:grpSpPr>
+      <p:sp>
+        <p:nvSpPr>
+          <p:cNvPr id="2" name="Slide Image Placeholder 1"/>
+          <p:cNvSpPr>
+            <a:spLocks noGrp="1" noRot="1" noChangeAspect="1"/>
+          </p:cNvSpPr>
+          <p:nvPr>
+            <p:ph type="sldImg"/>
+          </p:nvPr>
+        </p:nvSpPr>
+        <p:spPr/>
+      </p:sp>
+      <p:sp>
+        <p:nvSpPr>
+          <p:cNvPr id="3" name="Notes Placeholder 2"/>
+          <p:cNvSpPr>
+            <a:spLocks noGrp="1"/>
+          </p:cNvSpPr>
+          <p:nvPr>
+            <p:ph type="body" idx="1"/>
+          </p:nvPr>
+        </p:nvSpPr>
+        <p:spPr/>
+        <p:txBody>
+          <a:bodyPr/>
+          <a:lstStyle/>
+          <a:p>
+            <a:endParaRPr lang="en-US" dirty="0"/>
+          </a:p>
+        </p:txBody>
+      </p:sp>
+      <p:sp>
+        <p:nvSpPr>
+          <p:cNvPr id="4" name="Slide Number Placeholder 3"/>
+          <p:cNvSpPr>
+            <a:spLocks noGrp="1"/>
+          </p:cNvSpPr>
+          <p:nvPr>
+            <p:ph type="sldNum" sz="quarter" idx="10"/>
+          </p:nvPr>
+        </p:nvSpPr>
+        <p:spPr/>
+        <p:txBody>
+          <a:bodyPr/>
+          <a:lstStyle/>
+          <a:p>
+            <a:fld id="{33EB61B5-0B25-4052-8EFA-97E46EEADB31}" type="slidenum">
+              <a:rPr lang="en-US" smtClean="0"/>
+              <a:t>25</a:t>
+            </a:fld>
+            <a:endParaRPr lang="en-US"/>
+          </a:p>
+        </p:txBody>
+      </p:sp>
+    </p:spTree>
+    <p:extLst>
+      <p:ext uri="{BB962C8B-B14F-4D97-AF65-F5344CB8AC3E}">
+        <p14:creationId xmlns:p14="http://schemas.microsoft.com/office/powerpoint/2010/main" val="3787491481"/>
+      </p:ext>
+    </p:extLst>
+  </p:cSld>
+  <p:clrMapOvr>
+    <a:masterClrMapping/>
+  </p:clrMapOvr>
+</p:notes>
+</file>
+
+<file path=ppt/notesSlides/notesSlide15.xml><?xml version="1.0" encoding="utf-8"?>
+<p:notes xmlns:a="http://schemas.openxmlformats.org/drawingml/2006/main" xmlns:r="http://schemas.openxmlformats.org/officeDocument/2006/relationships" xmlns:p="http://schemas.openxmlformats.org/presentationml/2006/main">
+  <p:cSld>
+    <p:spTree>
+      <p:nvGrpSpPr>
+        <p:cNvPr id="1" name=""/>
+        <p:cNvGrpSpPr/>
+        <p:nvPr/>
+      </p:nvGrpSpPr>
+      <p:grpSpPr>
+        <a:xfrm>
+          <a:off x="0" y="0"/>
+          <a:ext cx="0" cy="0"/>
+          <a:chOff x="0" y="0"/>
+          <a:chExt cx="0" cy="0"/>
+        </a:xfrm>
+      </p:grpSpPr>
+      <p:sp>
+        <p:nvSpPr>
+          <p:cNvPr id="2" name="Slide Image Placeholder 1"/>
+          <p:cNvSpPr>
+            <a:spLocks noGrp="1" noRot="1" noChangeAspect="1"/>
+          </p:cNvSpPr>
+          <p:nvPr>
+            <p:ph type="sldImg"/>
+          </p:nvPr>
+        </p:nvSpPr>
+        <p:spPr/>
+      </p:sp>
+      <p:sp>
+        <p:nvSpPr>
+          <p:cNvPr id="3" name="Notes Placeholder 2"/>
+          <p:cNvSpPr>
+            <a:spLocks noGrp="1"/>
+          </p:cNvSpPr>
+          <p:nvPr>
+            <p:ph type="body" idx="1"/>
+          </p:nvPr>
+        </p:nvSpPr>
+        <p:spPr/>
+        <p:txBody>
+          <a:bodyPr/>
+          <a:lstStyle/>
+          <a:p>
+            <a:r>
+              <a:rPr lang="en-US" dirty="0" smtClean="0"/>
+              <a:t>Speed up by using scatter/gather</a:t>
+            </a:r>
+          </a:p>
+          <a:p>
+            <a:r>
+              <a:rPr lang="en-US" dirty="0" smtClean="0"/>
+              <a:t>Scatter: based on network</a:t>
+            </a:r>
+            <a:r>
+              <a:rPr lang="en-US" baseline="0" dirty="0" smtClean="0"/>
+              <a:t> topology, what is the best way to send out?</a:t>
+            </a:r>
+          </a:p>
+          <a:p>
+            <a:endParaRPr lang="en-US" baseline="0" dirty="0" smtClean="0"/>
+          </a:p>
+          <a:p>
+            <a:endParaRPr lang="en-US" baseline="0" dirty="0" smtClean="0"/>
+          </a:p>
+          <a:p>
+            <a:r>
+              <a:rPr lang="en-US" baseline="0" dirty="0" smtClean="0"/>
+              <a:t>See example (scatter gather .h or  something)</a:t>
+            </a:r>
+          </a:p>
+          <a:p>
+            <a:pPr marL="171450" indent="-171450">
+              <a:buFont typeface="Arial" panose="020B0604020202020204" pitchFamily="34" charset="0"/>
+              <a:buChar char="•"/>
+            </a:pPr>
+            <a:r>
+              <a:rPr lang="en-US" baseline="0" dirty="0" smtClean="0"/>
+              <a:t>Serial on rank 0 only</a:t>
+            </a:r>
+          </a:p>
+          <a:p>
+            <a:pPr marL="171450" indent="-171450">
+              <a:buFont typeface="Arial" panose="020B0604020202020204" pitchFamily="34" charset="0"/>
+              <a:buChar char="•"/>
+            </a:pPr>
+            <a:r>
+              <a:rPr lang="en-US" baseline="0" dirty="0" smtClean="0"/>
+              <a:t>Scatter: given n values send out information to all different slave nodes, on each node call map on everything (incl. 0)</a:t>
+            </a:r>
+          </a:p>
+          <a:p>
+            <a:pPr marL="628650" lvl="1" indent="-171450">
+              <a:buFont typeface="Arial" panose="020B0604020202020204" pitchFamily="34" charset="0"/>
+              <a:buChar char="•"/>
+            </a:pPr>
+            <a:r>
+              <a:rPr lang="en-US" baseline="0" dirty="0" smtClean="0"/>
+              <a:t>Send and receive on same call</a:t>
+            </a:r>
+          </a:p>
+          <a:p>
+            <a:pPr marL="628650" lvl="1" indent="-171450">
+              <a:buFont typeface="Arial" panose="020B0604020202020204" pitchFamily="34" charset="0"/>
+              <a:buChar char="•"/>
+            </a:pPr>
+            <a:endParaRPr lang="en-US" baseline="0" dirty="0" smtClean="0"/>
+          </a:p>
+          <a:p>
+            <a:pPr marL="628650" lvl="1" indent="-171450">
+              <a:buFont typeface="Arial" panose="020B0604020202020204" pitchFamily="34" charset="0"/>
+              <a:buChar char="•"/>
+            </a:pPr>
+            <a:r>
+              <a:rPr lang="en-US" baseline="0" dirty="0" smtClean="0"/>
+              <a:t>Used instead of send and </a:t>
+            </a:r>
+            <a:r>
+              <a:rPr lang="en-US" baseline="0" smtClean="0"/>
+              <a:t>recieve</a:t>
+            </a:r>
+            <a:endParaRPr lang="en-US" baseline="0" dirty="0" smtClean="0"/>
+          </a:p>
+        </p:txBody>
+      </p:sp>
+      <p:sp>
+        <p:nvSpPr>
+          <p:cNvPr id="4" name="Slide Number Placeholder 3"/>
+          <p:cNvSpPr>
+            <a:spLocks noGrp="1"/>
+          </p:cNvSpPr>
+          <p:nvPr>
+            <p:ph type="sldNum" sz="quarter" idx="10"/>
+          </p:nvPr>
+        </p:nvSpPr>
+        <p:spPr/>
+        <p:txBody>
+          <a:bodyPr/>
+          <a:lstStyle/>
+          <a:p>
+            <a:fld id="{33EB61B5-0B25-4052-8EFA-97E46EEADB31}" type="slidenum">
+              <a:rPr lang="en-US" smtClean="0"/>
+              <a:t>26</a:t>
+            </a:fld>
+            <a:endParaRPr lang="en-US"/>
+          </a:p>
+        </p:txBody>
+      </p:sp>
+    </p:spTree>
+    <p:extLst>
+      <p:ext uri="{BB962C8B-B14F-4D97-AF65-F5344CB8AC3E}">
+        <p14:creationId xmlns:p14="http://schemas.microsoft.com/office/powerpoint/2010/main" val="2671785116"/>
+      </p:ext>
+    </p:extLst>
+  </p:cSld>
+  <p:clrMapOvr>
+    <a:masterClrMapping/>
+  </p:clrMapOvr>
+</p:notes>
+</file>
+
+<file path=ppt/notesSlides/notesSlide2.xml><?xml version="1.0" encoding="utf-8"?>
+<p:notes xmlns:a="http://schemas.openxmlformats.org/drawingml/2006/main" xmlns:r="http://schemas.openxmlformats.org/officeDocument/2006/relationships" xmlns:p="http://schemas.openxmlformats.org/presentationml/2006/main">
+  <p:cSld>
+    <p:spTree>
+      <p:nvGrpSpPr>
+        <p:cNvPr id="1" name=""/>
+        <p:cNvGrpSpPr/>
+        <p:nvPr/>
+      </p:nvGrpSpPr>
+      <p:grpSpPr>
+        <a:xfrm>
+          <a:off x="0" y="0"/>
+          <a:ext cx="0" cy="0"/>
+          <a:chOff x="0" y="0"/>
+          <a:chExt cx="0" cy="0"/>
+        </a:xfrm>
+      </p:grpSpPr>
+      <p:sp>
+        <p:nvSpPr>
+          <p:cNvPr id="2" name="Slide Image Placeholder 1"/>
+          <p:cNvSpPr>
+            <a:spLocks noGrp="1" noRot="1" noChangeAspect="1"/>
+          </p:cNvSpPr>
+          <p:nvPr>
+            <p:ph type="sldImg"/>
+          </p:nvPr>
+        </p:nvSpPr>
+        <p:spPr/>
+      </p:sp>
+      <p:sp>
+        <p:nvSpPr>
+          <p:cNvPr id="3" name="Notes Placeholder 2"/>
+          <p:cNvSpPr>
+            <a:spLocks noGrp="1"/>
+          </p:cNvSpPr>
+          <p:nvPr>
+            <p:ph type="body" idx="1"/>
+          </p:nvPr>
+        </p:nvSpPr>
+        <p:spPr/>
+        <p:txBody>
+          <a:bodyPr/>
+          <a:lstStyle/>
+          <a:p>
+            <a:pPr marL="171450" indent="-171450">
+              <a:buFont typeface="Arial" panose="020B0604020202020204" pitchFamily="34" charset="0"/>
+              <a:buChar char="•"/>
+            </a:pPr>
+            <a:r>
+              <a:rPr lang="en-US" baseline="0" dirty="0" smtClean="0"/>
+              <a:t>MPI allows us to abstract away the communications mechanism</a:t>
+            </a:r>
+          </a:p>
+          <a:p>
+            <a:pPr marL="171450" indent="-171450">
+              <a:buFont typeface="Arial" panose="020B0604020202020204" pitchFamily="34" charset="0"/>
+              <a:buChar char="•"/>
+            </a:pPr>
+            <a:r>
+              <a:rPr lang="en-US" baseline="0" dirty="0" smtClean="0"/>
+              <a:t>Mechanism to send string to another machine with different </a:t>
+            </a:r>
+            <a:r>
+              <a:rPr lang="en-US" baseline="0" dirty="0" err="1" smtClean="0"/>
+              <a:t>architechure</a:t>
+            </a:r>
+            <a:endParaRPr lang="en-US" baseline="0" dirty="0" smtClean="0"/>
+          </a:p>
+          <a:p>
+            <a:pPr marL="171450" indent="-171450">
+              <a:buFont typeface="Arial" panose="020B0604020202020204" pitchFamily="34" charset="0"/>
+              <a:buChar char="•"/>
+            </a:pPr>
+            <a:r>
+              <a:rPr lang="en-US" baseline="0" dirty="0" smtClean="0"/>
+              <a:t>Slower than memory</a:t>
+            </a:r>
+            <a:endParaRPr lang="en-US" dirty="0"/>
+          </a:p>
+        </p:txBody>
+      </p:sp>
+      <p:sp>
+        <p:nvSpPr>
+          <p:cNvPr id="4" name="Slide Number Placeholder 3"/>
+          <p:cNvSpPr>
+            <a:spLocks noGrp="1"/>
+          </p:cNvSpPr>
+          <p:nvPr>
+            <p:ph type="sldNum" sz="quarter" idx="10"/>
+          </p:nvPr>
+        </p:nvSpPr>
+        <p:spPr/>
+        <p:txBody>
+          <a:bodyPr/>
+          <a:lstStyle/>
+          <a:p>
+            <a:fld id="{33EB61B5-0B25-4052-8EFA-97E46EEADB31}" type="slidenum">
+              <a:rPr lang="en-US" smtClean="0"/>
+              <a:t>5</a:t>
+            </a:fld>
+            <a:endParaRPr lang="en-US"/>
+          </a:p>
+        </p:txBody>
+      </p:sp>
+    </p:spTree>
+    <p:extLst>
+      <p:ext uri="{BB962C8B-B14F-4D97-AF65-F5344CB8AC3E}">
+        <p14:creationId xmlns:p14="http://schemas.microsoft.com/office/powerpoint/2010/main" val="1404103918"/>
+      </p:ext>
+    </p:extLst>
+  </p:cSld>
+  <p:clrMapOvr>
+    <a:masterClrMapping/>
+  </p:clrMapOvr>
+</p:notes>
+</file>
+
+<file path=ppt/notesSlides/notesSlide3.xml><?xml version="1.0" encoding="utf-8"?>
+<p:notes xmlns:a="http://schemas.openxmlformats.org/drawingml/2006/main" xmlns:r="http://schemas.openxmlformats.org/officeDocument/2006/relationships" xmlns:p="http://schemas.openxmlformats.org/presentationml/2006/main">
+  <p:cSld>
+    <p:spTree>
+      <p:nvGrpSpPr>
+        <p:cNvPr id="1" name=""/>
+        <p:cNvGrpSpPr/>
+        <p:nvPr/>
+      </p:nvGrpSpPr>
+      <p:grpSpPr>
+        <a:xfrm>
+          <a:off x="0" y="0"/>
+          <a:ext cx="0" cy="0"/>
+          <a:chOff x="0" y="0"/>
+          <a:chExt cx="0" cy="0"/>
+        </a:xfrm>
+      </p:grpSpPr>
+      <p:sp>
+        <p:nvSpPr>
+          <p:cNvPr id="2" name="Slide Image Placeholder 1"/>
+          <p:cNvSpPr>
+            <a:spLocks noGrp="1" noRot="1" noChangeAspect="1"/>
+          </p:cNvSpPr>
+          <p:nvPr>
+            <p:ph type="sldImg"/>
+          </p:nvPr>
+        </p:nvSpPr>
+        <p:spPr/>
+      </p:sp>
+      <p:sp>
+        <p:nvSpPr>
+          <p:cNvPr id="3" name="Notes Placeholder 2"/>
+          <p:cNvSpPr>
+            <a:spLocks noGrp="1"/>
+          </p:cNvSpPr>
+          <p:nvPr>
+            <p:ph type="body" idx="1"/>
+          </p:nvPr>
+        </p:nvSpPr>
+        <p:spPr/>
+        <p:txBody>
+          <a:bodyPr/>
+          <a:lstStyle/>
+          <a:p>
+            <a:pPr marL="171450" indent="-171450">
+              <a:buFont typeface="Arial" panose="020B0604020202020204" pitchFamily="34" charset="0"/>
+              <a:buChar char="•"/>
+            </a:pPr>
+            <a:r>
+              <a:rPr lang="en-US" dirty="0" smtClean="0"/>
+              <a:t>Higher overhead for MPI</a:t>
+            </a:r>
+            <a:r>
+              <a:rPr lang="en-US" baseline="0" dirty="0" smtClean="0"/>
+              <a:t> </a:t>
+            </a:r>
+          </a:p>
+          <a:p>
+            <a:pPr marL="171450" indent="-171450">
+              <a:buFont typeface="Arial" panose="020B0604020202020204" pitchFamily="34" charset="0"/>
+              <a:buChar char="•"/>
+            </a:pPr>
+            <a:endParaRPr lang="en-US" baseline="0" dirty="0" smtClean="0"/>
+          </a:p>
+          <a:p>
+            <a:pPr marL="171450" indent="-171450">
+              <a:buFont typeface="Arial" panose="020B0604020202020204" pitchFamily="34" charset="0"/>
+              <a:buChar char="•"/>
+            </a:pPr>
+            <a:r>
+              <a:rPr lang="en-US" baseline="0" dirty="0" smtClean="0"/>
+              <a:t>Costs more $$ for number of logical cores  with thread based</a:t>
+            </a:r>
+          </a:p>
+          <a:p>
+            <a:pPr marL="171450" indent="-171450">
+              <a:buFont typeface="Arial" panose="020B0604020202020204" pitchFamily="34" charset="0"/>
+              <a:buChar char="•"/>
+            </a:pPr>
+            <a:r>
+              <a:rPr lang="en-US" baseline="0" dirty="0" smtClean="0"/>
+              <a:t>REALLY Big problems use process based because logical cores</a:t>
+            </a:r>
+          </a:p>
+        </p:txBody>
+      </p:sp>
+      <p:sp>
+        <p:nvSpPr>
+          <p:cNvPr id="4" name="Slide Number Placeholder 3"/>
+          <p:cNvSpPr>
+            <a:spLocks noGrp="1"/>
+          </p:cNvSpPr>
+          <p:nvPr>
+            <p:ph type="sldNum" sz="quarter" idx="10"/>
+          </p:nvPr>
+        </p:nvSpPr>
+        <p:spPr/>
+        <p:txBody>
+          <a:bodyPr/>
+          <a:lstStyle/>
+          <a:p>
+            <a:fld id="{33EB61B5-0B25-4052-8EFA-97E46EEADB31}" type="slidenum">
+              <a:rPr lang="en-US" smtClean="0"/>
+              <a:t>6</a:t>
+            </a:fld>
+            <a:endParaRPr lang="en-US"/>
+          </a:p>
+        </p:txBody>
+      </p:sp>
+    </p:spTree>
+    <p:extLst>
+      <p:ext uri="{BB962C8B-B14F-4D97-AF65-F5344CB8AC3E}">
+        <p14:creationId xmlns:p14="http://schemas.microsoft.com/office/powerpoint/2010/main" val="2887854886"/>
+      </p:ext>
+    </p:extLst>
+  </p:cSld>
+  <p:clrMapOvr>
+    <a:masterClrMapping/>
+  </p:clrMapOvr>
+</p:notes>
+</file>
+
+<file path=ppt/notesSlides/notesSlide4.xml><?xml version="1.0" encoding="utf-8"?>
+<p:notes xmlns:a="http://schemas.openxmlformats.org/drawingml/2006/main" xmlns:r="http://schemas.openxmlformats.org/officeDocument/2006/relationships" xmlns:p="http://schemas.openxmlformats.org/presentationml/2006/main">
+  <p:cSld>
+    <p:spTree>
+      <p:nvGrpSpPr>
+        <p:cNvPr id="1" name=""/>
+        <p:cNvGrpSpPr/>
+        <p:nvPr/>
+      </p:nvGrpSpPr>
+      <p:grpSpPr>
+        <a:xfrm>
+          <a:off x="0" y="0"/>
+          <a:ext cx="0" cy="0"/>
+          <a:chOff x="0" y="0"/>
+          <a:chExt cx="0" cy="0"/>
+        </a:xfrm>
+      </p:grpSpPr>
+      <p:sp>
+        <p:nvSpPr>
+          <p:cNvPr id="2" name="Slide Image Placeholder 1"/>
+          <p:cNvSpPr>
+            <a:spLocks noGrp="1" noRot="1" noChangeAspect="1"/>
+          </p:cNvSpPr>
+          <p:nvPr>
+            <p:ph type="sldImg"/>
+          </p:nvPr>
+        </p:nvSpPr>
+        <p:spPr/>
+      </p:sp>
+      <p:sp>
+        <p:nvSpPr>
+          <p:cNvPr id="3" name="Notes Placeholder 2"/>
+          <p:cNvSpPr>
+            <a:spLocks noGrp="1"/>
+          </p:cNvSpPr>
+          <p:nvPr>
+            <p:ph type="body" idx="1"/>
+          </p:nvPr>
+        </p:nvSpPr>
+        <p:spPr/>
+        <p:txBody>
+          <a:bodyPr/>
+          <a:lstStyle/>
+          <a:p>
+            <a:r>
+              <a:rPr lang="en-US" dirty="0" smtClean="0"/>
+              <a:t>Harder</a:t>
+            </a:r>
+            <a:r>
+              <a:rPr lang="en-US" baseline="0" dirty="0" smtClean="0"/>
+              <a:t> to debug when multiple machines</a:t>
+            </a:r>
+            <a:endParaRPr lang="en-US" dirty="0"/>
+          </a:p>
+        </p:txBody>
+      </p:sp>
+      <p:sp>
+        <p:nvSpPr>
+          <p:cNvPr id="4" name="Slide Number Placeholder 3"/>
+          <p:cNvSpPr>
+            <a:spLocks noGrp="1"/>
+          </p:cNvSpPr>
+          <p:nvPr>
+            <p:ph type="sldNum" sz="quarter" idx="10"/>
+          </p:nvPr>
+        </p:nvSpPr>
+        <p:spPr/>
+        <p:txBody>
+          <a:bodyPr/>
+          <a:lstStyle/>
+          <a:p>
+            <a:fld id="{33EB61B5-0B25-4052-8EFA-97E46EEADB31}" type="slidenum">
+              <a:rPr lang="en-US" smtClean="0"/>
+              <a:t>7</a:t>
+            </a:fld>
+            <a:endParaRPr lang="en-US"/>
+          </a:p>
+        </p:txBody>
+      </p:sp>
+    </p:spTree>
+    <p:extLst>
+      <p:ext uri="{BB962C8B-B14F-4D97-AF65-F5344CB8AC3E}">
+        <p14:creationId xmlns:p14="http://schemas.microsoft.com/office/powerpoint/2010/main" val="634829176"/>
+      </p:ext>
+    </p:extLst>
+  </p:cSld>
+  <p:clrMapOvr>
+    <a:masterClrMapping/>
+  </p:clrMapOvr>
+</p:notes>
+</file>
+
+<file path=ppt/notesSlides/notesSlide5.xml><?xml version="1.0" encoding="utf-8"?>
+<p:notes xmlns:a="http://schemas.openxmlformats.org/drawingml/2006/main" xmlns:r="http://schemas.openxmlformats.org/officeDocument/2006/relationships" xmlns:p="http://schemas.openxmlformats.org/presentationml/2006/main">
+  <p:cSld>
+    <p:spTree>
+      <p:nvGrpSpPr>
+        <p:cNvPr id="1" name=""/>
+        <p:cNvGrpSpPr/>
+        <p:nvPr/>
+      </p:nvGrpSpPr>
+      <p:grpSpPr>
+        <a:xfrm>
+          <a:off x="0" y="0"/>
+          <a:ext cx="0" cy="0"/>
+          <a:chOff x="0" y="0"/>
+          <a:chExt cx="0" cy="0"/>
+        </a:xfrm>
+      </p:grpSpPr>
+      <p:sp>
+        <p:nvSpPr>
+          <p:cNvPr id="2" name="Slide Image Placeholder 1"/>
+          <p:cNvSpPr>
+            <a:spLocks noGrp="1" noRot="1" noChangeAspect="1"/>
+          </p:cNvSpPr>
+          <p:nvPr>
+            <p:ph type="sldImg"/>
+          </p:nvPr>
+        </p:nvSpPr>
+        <p:spPr/>
+      </p:sp>
+      <p:sp>
+        <p:nvSpPr>
+          <p:cNvPr id="3" name="Notes Placeholder 2"/>
+          <p:cNvSpPr>
+            <a:spLocks noGrp="1"/>
+          </p:cNvSpPr>
+          <p:nvPr>
+            <p:ph type="body" idx="1"/>
+          </p:nvPr>
+        </p:nvSpPr>
+        <p:spPr/>
+        <p:txBody>
+          <a:bodyPr/>
+          <a:lstStyle/>
+          <a:p>
+            <a:r>
+              <a:rPr lang="en-US" dirty="0" smtClean="0"/>
+              <a:t>* </a:t>
+            </a:r>
+            <a:endParaRPr lang="en-US" dirty="0"/>
+          </a:p>
+        </p:txBody>
+      </p:sp>
+      <p:sp>
+        <p:nvSpPr>
+          <p:cNvPr id="4" name="Slide Number Placeholder 3"/>
+          <p:cNvSpPr>
+            <a:spLocks noGrp="1"/>
+          </p:cNvSpPr>
+          <p:nvPr>
+            <p:ph type="sldNum" sz="quarter" idx="10"/>
+          </p:nvPr>
+        </p:nvSpPr>
+        <p:spPr/>
+        <p:txBody>
+          <a:bodyPr/>
+          <a:lstStyle/>
+          <a:p>
+            <a:fld id="{33EB61B5-0B25-4052-8EFA-97E46EEADB31}" type="slidenum">
+              <a:rPr lang="en-US" smtClean="0"/>
+              <a:t>8</a:t>
+            </a:fld>
+            <a:endParaRPr lang="en-US"/>
+          </a:p>
+        </p:txBody>
+      </p:sp>
+    </p:spTree>
+    <p:extLst>
+      <p:ext uri="{BB962C8B-B14F-4D97-AF65-F5344CB8AC3E}">
+        <p14:creationId xmlns:p14="http://schemas.microsoft.com/office/powerpoint/2010/main" val="1560807453"/>
+      </p:ext>
+    </p:extLst>
+  </p:cSld>
+  <p:clrMapOvr>
+    <a:masterClrMapping/>
+  </p:clrMapOvr>
+</p:notes>
+</file>
+
+<file path=ppt/notesSlides/notesSlide6.xml><?xml version="1.0" encoding="utf-8"?>
+<p:notes xmlns:a="http://schemas.openxmlformats.org/drawingml/2006/main" xmlns:r="http://schemas.openxmlformats.org/officeDocument/2006/relationships" xmlns:p="http://schemas.openxmlformats.org/presentationml/2006/main">
+  <p:cSld>
+    <p:spTree>
+      <p:nvGrpSpPr>
+        <p:cNvPr id="1" name=""/>
+        <p:cNvGrpSpPr/>
+        <p:nvPr/>
+      </p:nvGrpSpPr>
+      <p:grpSpPr>
+        <a:xfrm>
+          <a:off x="0" y="0"/>
+          <a:ext cx="0" cy="0"/>
+          <a:chOff x="0" y="0"/>
+          <a:chExt cx="0" cy="0"/>
+        </a:xfrm>
+      </p:grpSpPr>
+      <p:sp>
+        <p:nvSpPr>
+          <p:cNvPr id="2" name="Slide Image Placeholder 1"/>
+          <p:cNvSpPr>
+            <a:spLocks noGrp="1" noRot="1" noChangeAspect="1"/>
+          </p:cNvSpPr>
+          <p:nvPr>
+            <p:ph type="sldImg"/>
+          </p:nvPr>
+        </p:nvSpPr>
+        <p:spPr/>
+      </p:sp>
+      <p:sp>
+        <p:nvSpPr>
+          <p:cNvPr id="3" name="Notes Placeholder 2"/>
+          <p:cNvSpPr>
+            <a:spLocks noGrp="1"/>
+          </p:cNvSpPr>
+          <p:nvPr>
+            <p:ph type="body" idx="1"/>
+          </p:nvPr>
+        </p:nvSpPr>
+        <p:spPr/>
+        <p:txBody>
+          <a:bodyPr/>
+          <a:lstStyle/>
+          <a:p>
+            <a:r>
+              <a:rPr lang="en-US" dirty="0" smtClean="0"/>
+              <a:t>Really</a:t>
+            </a:r>
+            <a:r>
+              <a:rPr lang="en-US" baseline="0" dirty="0" smtClean="0"/>
+              <a:t> good place for information!</a:t>
+            </a:r>
+            <a:endParaRPr lang="en-US" dirty="0"/>
+          </a:p>
+        </p:txBody>
+      </p:sp>
+      <p:sp>
+        <p:nvSpPr>
+          <p:cNvPr id="4" name="Slide Number Placeholder 3"/>
+          <p:cNvSpPr>
+            <a:spLocks noGrp="1"/>
+          </p:cNvSpPr>
+          <p:nvPr>
+            <p:ph type="sldNum" sz="quarter" idx="10"/>
+          </p:nvPr>
+        </p:nvSpPr>
+        <p:spPr/>
+        <p:txBody>
+          <a:bodyPr/>
+          <a:lstStyle/>
+          <a:p>
+            <a:fld id="{33EB61B5-0B25-4052-8EFA-97E46EEADB31}" type="slidenum">
+              <a:rPr lang="en-US" smtClean="0"/>
+              <a:t>9</a:t>
+            </a:fld>
+            <a:endParaRPr lang="en-US"/>
+          </a:p>
+        </p:txBody>
+      </p:sp>
+    </p:spTree>
+    <p:extLst>
+      <p:ext uri="{BB962C8B-B14F-4D97-AF65-F5344CB8AC3E}">
+        <p14:creationId xmlns:p14="http://schemas.microsoft.com/office/powerpoint/2010/main" val="1162974080"/>
+      </p:ext>
+    </p:extLst>
+  </p:cSld>
+  <p:clrMapOvr>
+    <a:masterClrMapping/>
+  </p:clrMapOvr>
+</p:notes>
+</file>
+
+<file path=ppt/notesSlides/notesSlide7.xml><?xml version="1.0" encoding="utf-8"?>
+<p:notes xmlns:a="http://schemas.openxmlformats.org/drawingml/2006/main" xmlns:r="http://schemas.openxmlformats.org/officeDocument/2006/relationships" xmlns:p="http://schemas.openxmlformats.org/presentationml/2006/main">
+  <p:cSld>
+    <p:spTree>
+      <p:nvGrpSpPr>
+        <p:cNvPr id="1" name=""/>
+        <p:cNvGrpSpPr/>
+        <p:nvPr/>
+      </p:nvGrpSpPr>
+      <p:grpSpPr>
+        <a:xfrm>
+          <a:off x="0" y="0"/>
+          <a:ext cx="0" cy="0"/>
+          <a:chOff x="0" y="0"/>
+          <a:chExt cx="0" cy="0"/>
+        </a:xfrm>
+      </p:grpSpPr>
+      <p:sp>
+        <p:nvSpPr>
+          <p:cNvPr id="2" name="Slide Image Placeholder 1"/>
+          <p:cNvSpPr>
+            <a:spLocks noGrp="1" noRot="1" noChangeAspect="1"/>
+          </p:cNvSpPr>
+          <p:nvPr>
+            <p:ph type="sldImg"/>
+          </p:nvPr>
+        </p:nvSpPr>
+        <p:spPr/>
+      </p:sp>
+      <p:sp>
+        <p:nvSpPr>
+          <p:cNvPr id="3" name="Notes Placeholder 2"/>
+          <p:cNvSpPr>
+            <a:spLocks noGrp="1"/>
+          </p:cNvSpPr>
+          <p:nvPr>
+            <p:ph type="body" idx="1"/>
+          </p:nvPr>
+        </p:nvSpPr>
+        <p:spPr/>
+        <p:txBody>
+          <a:bodyPr/>
+          <a:lstStyle/>
+          <a:p>
+            <a:r>
+              <a:rPr lang="en-US" dirty="0" smtClean="0"/>
+              <a:t>Most methods</a:t>
+            </a:r>
+            <a:r>
+              <a:rPr lang="en-US" baseline="0" dirty="0" smtClean="0"/>
+              <a:t> return </a:t>
+            </a:r>
+            <a:r>
+              <a:rPr lang="en-US" baseline="0" dirty="0" err="1" smtClean="0"/>
+              <a:t>int</a:t>
+            </a:r>
+            <a:r>
+              <a:rPr lang="en-US" baseline="0" dirty="0" smtClean="0"/>
+              <a:t>, usually pass/fail</a:t>
+            </a:r>
+          </a:p>
+          <a:p>
+            <a:r>
+              <a:rPr lang="en-US" baseline="0" dirty="0" smtClean="0"/>
+              <a:t>Real thing is pointer (rank here)</a:t>
+            </a:r>
+            <a:endParaRPr lang="en-US" dirty="0"/>
+          </a:p>
+        </p:txBody>
+      </p:sp>
+      <p:sp>
+        <p:nvSpPr>
+          <p:cNvPr id="4" name="Slide Number Placeholder 3"/>
+          <p:cNvSpPr>
+            <a:spLocks noGrp="1"/>
+          </p:cNvSpPr>
+          <p:nvPr>
+            <p:ph type="sldNum" sz="quarter" idx="10"/>
+          </p:nvPr>
+        </p:nvSpPr>
+        <p:spPr/>
+        <p:txBody>
+          <a:bodyPr/>
+          <a:lstStyle/>
+          <a:p>
+            <a:fld id="{33EB61B5-0B25-4052-8EFA-97E46EEADB31}" type="slidenum">
+              <a:rPr lang="en-US" smtClean="0"/>
+              <a:t>11</a:t>
+            </a:fld>
+            <a:endParaRPr lang="en-US"/>
+          </a:p>
+        </p:txBody>
+      </p:sp>
+    </p:spTree>
+    <p:extLst>
+      <p:ext uri="{BB962C8B-B14F-4D97-AF65-F5344CB8AC3E}">
+        <p14:creationId xmlns:p14="http://schemas.microsoft.com/office/powerpoint/2010/main" val="1101878655"/>
+      </p:ext>
+    </p:extLst>
+  </p:cSld>
+  <p:clrMapOvr>
+    <a:masterClrMapping/>
+  </p:clrMapOvr>
+</p:notes>
+</file>
+
+<file path=ppt/notesSlides/notesSlide8.xml><?xml version="1.0" encoding="utf-8"?>
+<p:notes xmlns:a="http://schemas.openxmlformats.org/drawingml/2006/main" xmlns:r="http://schemas.openxmlformats.org/officeDocument/2006/relationships" xmlns:p="http://schemas.openxmlformats.org/presentationml/2006/main">
+  <p:cSld>
+    <p:spTree>
+      <p:nvGrpSpPr>
+        <p:cNvPr id="1" name=""/>
+        <p:cNvGrpSpPr/>
+        <p:nvPr/>
+      </p:nvGrpSpPr>
+      <p:grpSpPr>
+        <a:xfrm>
+          <a:off x="0" y="0"/>
+          <a:ext cx="0" cy="0"/>
+          <a:chOff x="0" y="0"/>
+          <a:chExt cx="0" cy="0"/>
+        </a:xfrm>
+      </p:grpSpPr>
+      <p:sp>
+        <p:nvSpPr>
+          <p:cNvPr id="2" name="Slide Image Placeholder 1"/>
+          <p:cNvSpPr>
+            <a:spLocks noGrp="1" noRot="1" noChangeAspect="1"/>
+          </p:cNvSpPr>
+          <p:nvPr>
+            <p:ph type="sldImg"/>
+          </p:nvPr>
+        </p:nvSpPr>
+        <p:spPr/>
+      </p:sp>
+      <p:sp>
+        <p:nvSpPr>
+          <p:cNvPr id="3" name="Notes Placeholder 2"/>
+          <p:cNvSpPr>
+            <a:spLocks noGrp="1"/>
+          </p:cNvSpPr>
+          <p:nvPr>
+            <p:ph type="body" idx="1"/>
+          </p:nvPr>
+        </p:nvSpPr>
+        <p:spPr/>
+        <p:txBody>
+          <a:bodyPr/>
+          <a:lstStyle/>
+          <a:p>
+            <a:r>
+              <a:rPr lang="en-US" dirty="0" smtClean="0"/>
+              <a:t>Indexing</a:t>
+            </a:r>
+            <a:r>
+              <a:rPr lang="en-US" baseline="0" dirty="0" smtClean="0"/>
+              <a:t> buffer</a:t>
+            </a:r>
+            <a:endParaRPr lang="en-US" dirty="0"/>
+          </a:p>
+        </p:txBody>
+      </p:sp>
+      <p:sp>
+        <p:nvSpPr>
+          <p:cNvPr id="4" name="Slide Number Placeholder 3"/>
+          <p:cNvSpPr>
+            <a:spLocks noGrp="1"/>
+          </p:cNvSpPr>
+          <p:nvPr>
+            <p:ph type="sldNum" sz="quarter" idx="10"/>
+          </p:nvPr>
+        </p:nvSpPr>
+        <p:spPr/>
+        <p:txBody>
+          <a:bodyPr/>
+          <a:lstStyle/>
+          <a:p>
+            <a:fld id="{33EB61B5-0B25-4052-8EFA-97E46EEADB31}" type="slidenum">
+              <a:rPr lang="en-US" smtClean="0"/>
+              <a:t>14</a:t>
+            </a:fld>
+            <a:endParaRPr lang="en-US"/>
+          </a:p>
+        </p:txBody>
+      </p:sp>
+    </p:spTree>
+    <p:extLst>
+      <p:ext uri="{BB962C8B-B14F-4D97-AF65-F5344CB8AC3E}">
+        <p14:creationId xmlns:p14="http://schemas.microsoft.com/office/powerpoint/2010/main" val="617038673"/>
+      </p:ext>
+    </p:extLst>
+  </p:cSld>
+  <p:clrMapOvr>
+    <a:masterClrMapping/>
+  </p:clrMapOvr>
+</p:notes>
+</file>
+
+<file path=ppt/notesSlides/notesSlide9.xml><?xml version="1.0" encoding="utf-8"?>
+<p:notes xmlns:a="http://schemas.openxmlformats.org/drawingml/2006/main" xmlns:r="http://schemas.openxmlformats.org/officeDocument/2006/relationships" xmlns:p="http://schemas.openxmlformats.org/presentationml/2006/main">
+  <p:cSld>
+    <p:spTree>
+      <p:nvGrpSpPr>
+        <p:cNvPr id="1" name=""/>
+        <p:cNvGrpSpPr/>
+        <p:nvPr/>
+      </p:nvGrpSpPr>
+      <p:grpSpPr>
+        <a:xfrm>
+          <a:off x="0" y="0"/>
+          <a:ext cx="0" cy="0"/>
+          <a:chOff x="0" y="0"/>
+          <a:chExt cx="0" cy="0"/>
+        </a:xfrm>
+      </p:grpSpPr>
+      <p:sp>
+        <p:nvSpPr>
+          <p:cNvPr id="2" name="Slide Image Placeholder 1"/>
+          <p:cNvSpPr>
+            <a:spLocks noGrp="1" noRot="1" noChangeAspect="1"/>
+          </p:cNvSpPr>
+          <p:nvPr>
+            <p:ph type="sldImg"/>
+          </p:nvPr>
+        </p:nvSpPr>
+        <p:spPr/>
+      </p:sp>
+      <p:sp>
+        <p:nvSpPr>
+          <p:cNvPr id="3" name="Notes Placeholder 2"/>
+          <p:cNvSpPr>
+            <a:spLocks noGrp="1"/>
+          </p:cNvSpPr>
+          <p:nvPr>
+            <p:ph type="body" idx="1"/>
+          </p:nvPr>
+        </p:nvSpPr>
+        <p:spPr/>
+        <p:txBody>
+          <a:bodyPr/>
+          <a:lstStyle/>
+          <a:p>
+            <a:r>
+              <a:rPr lang="en-US" dirty="0" smtClean="0"/>
+              <a:t>‘-n’ </a:t>
+            </a:r>
+          </a:p>
+          <a:p>
+            <a:r>
+              <a:rPr lang="en-US" dirty="0" smtClean="0"/>
+              <a:t>ON</a:t>
+            </a:r>
+            <a:r>
+              <a:rPr lang="en-US" baseline="0" dirty="0" smtClean="0"/>
+              <a:t> EACH PROCESS main is called!</a:t>
+            </a:r>
+          </a:p>
+          <a:p>
+            <a:r>
+              <a:rPr lang="en-US" baseline="0" dirty="0" smtClean="0"/>
+              <a:t>* But slightly different things are done</a:t>
+            </a:r>
+            <a:endParaRPr lang="en-US" dirty="0"/>
+          </a:p>
+        </p:txBody>
+      </p:sp>
+      <p:sp>
+        <p:nvSpPr>
+          <p:cNvPr id="4" name="Slide Number Placeholder 3"/>
+          <p:cNvSpPr>
+            <a:spLocks noGrp="1"/>
+          </p:cNvSpPr>
+          <p:nvPr>
+            <p:ph type="sldNum" sz="quarter" idx="10"/>
+          </p:nvPr>
+        </p:nvSpPr>
+        <p:spPr/>
+        <p:txBody>
+          <a:bodyPr/>
+          <a:lstStyle/>
+          <a:p>
+            <a:fld id="{33EB61B5-0B25-4052-8EFA-97E46EEADB31}" type="slidenum">
+              <a:rPr lang="en-US" smtClean="0"/>
+              <a:t>15</a:t>
+            </a:fld>
+            <a:endParaRPr lang="en-US"/>
+          </a:p>
+        </p:txBody>
+      </p:sp>
+    </p:spTree>
+    <p:extLst>
+      <p:ext uri="{BB962C8B-B14F-4D97-AF65-F5344CB8AC3E}">
+        <p14:creationId xmlns:p14="http://schemas.microsoft.com/office/powerpoint/2010/main" val="475258606"/>
+      </p:ext>
+    </p:extLst>
+  </p:cSld>
+  <p:clrMapOvr>
+    <a:masterClrMapping/>
+  </p:clrMapOvr>
+</p:notes>
+</file>
+
 <file path=ppt/slideLayouts/slideLayout1.xml><?xml version="1.0" encoding="utf-8"?>
 <p:sldLayout xmlns:a="http://schemas.openxmlformats.org/drawingml/2006/main" xmlns:r="http://schemas.openxmlformats.org/officeDocument/2006/relationships" xmlns:p="http://schemas.openxmlformats.org/presentationml/2006/main" showMasterSp="0" type="title" preserve="1">
   <p:cSld name="Title Slide">
@@ -678,7 +2984,7 @@
           <a:p>
             <a:fld id="{9769DED8-28D4-45B9-A00F-7CFE9335FEA6}" type="datetime1">
               <a:rPr lang="en-US" smtClean="0"/>
-              <a:t>1/9/2014</a:t>
+              <a:t>2/17/2014</a:t>
             </a:fld>
             <a:endParaRPr lang="en-US"/>
           </a:p>
@@ -943,7 +3249,7 @@
           <a:p>
             <a:fld id="{2DB3D439-1F88-44B4-B5F7-F9BCD4064257}" type="datetime1">
               <a:rPr lang="en-US" smtClean="0"/>
-              <a:t>1/9/2014</a:t>
+              <a:t>2/17/2014</a:t>
             </a:fld>
             <a:endParaRPr lang="en-US"/>
           </a:p>
@@ -1118,7 +3424,7 @@
           <a:p>
             <a:fld id="{99C5638F-6F55-4055-935C-67841BE78C36}" type="datetime1">
               <a:rPr lang="en-US" smtClean="0"/>
-              <a:t>1/9/2014</a:t>
+              <a:t>2/17/2014</a:t>
             </a:fld>
             <a:endParaRPr lang="en-US"/>
           </a:p>
@@ -1283,7 +3589,7 @@
           <a:p>
             <a:fld id="{E6987D90-0C92-4B22-A29D-FED15412CED2}" type="datetime1">
               <a:rPr lang="en-US" smtClean="0"/>
-              <a:t>1/9/2014</a:t>
+              <a:t>2/17/2014</a:t>
             </a:fld>
             <a:endParaRPr lang="en-US"/>
           </a:p>
@@ -1532,7 +3838,7 @@
           <a:p>
             <a:fld id="{DDB67BC4-9554-49E0-BCB3-D1EF965BA0B8}" type="datetime1">
               <a:rPr lang="en-US" smtClean="0"/>
-              <a:t>1/9/2014</a:t>
+              <a:t>2/17/2014</a:t>
             </a:fld>
             <a:endParaRPr lang="en-US"/>
           </a:p>
@@ -1815,7 +4121,7 @@
           <a:p>
             <a:fld id="{EC24D770-803D-4E01-921C-9C100DD8230C}" type="datetime1">
               <a:rPr lang="en-US" smtClean="0"/>
-              <a:t>1/9/2014</a:t>
+              <a:t>2/17/2014</a:t>
             </a:fld>
             <a:endParaRPr lang="en-US"/>
           </a:p>
@@ -2254,7 +4560,7 @@
           <a:p>
             <a:fld id="{356AD44B-78A4-4209-8070-7DCBE2DC4992}" type="datetime1">
               <a:rPr lang="en-US" smtClean="0"/>
-              <a:t>1/9/2014</a:t>
+              <a:t>2/17/2014</a:t>
             </a:fld>
             <a:endParaRPr lang="en-US"/>
           </a:p>
@@ -2367,7 +4673,7 @@
           <a:p>
             <a:fld id="{A993C59A-7CA2-467F-B7F1-9096881A01B8}" type="datetime1">
               <a:rPr lang="en-US" smtClean="0"/>
-              <a:t>1/9/2014</a:t>
+              <a:t>2/17/2014</a:t>
             </a:fld>
             <a:endParaRPr lang="en-US"/>
           </a:p>
@@ -2457,7 +4763,7 @@
           <a:p>
             <a:fld id="{2B6B58D0-2488-434A-8ED1-692E09B85CC5}" type="datetime1">
               <a:rPr lang="en-US" smtClean="0"/>
-              <a:t>1/9/2014</a:t>
+              <a:t>2/17/2014</a:t>
             </a:fld>
             <a:endParaRPr lang="en-US"/>
           </a:p>
@@ -2699,7 +5005,7 @@
           <a:p>
             <a:fld id="{FDB0AFC2-7D64-4F61-A7B7-9932D3305DDA}" type="datetime1">
               <a:rPr lang="en-US" smtClean="0"/>
-              <a:t>1/9/2014</a:t>
+              <a:t>2/17/2014</a:t>
             </a:fld>
             <a:endParaRPr lang="en-US"/>
           </a:p>
@@ -2993,7 +5299,7 @@
           <a:p>
             <a:fld id="{4983D17A-D7B2-4ECE-8A2C-93679B9D177B}" type="datetime1">
               <a:rPr lang="en-US" smtClean="0"/>
-              <a:t>1/9/2014</a:t>
+              <a:t>2/17/2014</a:t>
             </a:fld>
             <a:endParaRPr lang="en-US"/>
           </a:p>
@@ -3287,7 +5593,7 @@
           <a:p>
             <a:fld id="{2A5275F7-419E-4C23-8A3D-2EE5742B2EC9}" type="datetime1">
               <a:rPr lang="en-US" smtClean="0"/>
-              <a:t>1/9/2014</a:t>
+              <a:t>2/17/2014</a:t>
             </a:fld>
             <a:endParaRPr lang="en-US"/>
           </a:p>
@@ -4633,8 +6939,12 @@
           <a:p>
             <a:pPr marL="800100" lvl="1" indent="-342900"/>
             <a:r>
-              <a:rPr lang="en-US" dirty="0" smtClean="0"/>
-              <a:t>MPI does define non-blocking send and receive methods</a:t>
+              <a:rPr lang="en-US" b="1" dirty="0" smtClean="0"/>
+              <a:t>MPI does </a:t>
+            </a:r>
+            <a:r>
+              <a:rPr lang="en-US" dirty="0" smtClean="0"/>
+              <a:t>define non-blocking send and receive methods</a:t>
             </a:r>
           </a:p>
           <a:p>
@@ -5533,7 +7843,15 @@
             <a:pPr marL="800100" lvl="1" indent="-342900"/>
             <a:r>
               <a:rPr lang="en-US" dirty="0" smtClean="0"/>
-              <a:t>Longer answer: Use dependency injection to isolate the MPI interface calls</a:t>
+              <a:t>Longer answer: Use </a:t>
+            </a:r>
+            <a:r>
+              <a:rPr lang="en-US" b="1" u="sng" dirty="0" smtClean="0"/>
+              <a:t>dependency injection</a:t>
+            </a:r>
+            <a:r>
+              <a:rPr lang="en-US" dirty="0" smtClean="0"/>
+              <a:t> to isolate the MPI interface calls</a:t>
             </a:r>
           </a:p>
           <a:p>
@@ -5554,8 +7872,20 @@
             <a:pPr marL="1485900" lvl="2" indent="-342900"/>
             <a:r>
               <a:rPr lang="en-US" dirty="0" smtClean="0"/>
-              <a:t>Implement a mock MPI object to pass to production code from unit tests</a:t>
-            </a:r>
+              <a:t>Implement a mock MPI object to pass to production code from unit </a:t>
+            </a:r>
+            <a:r>
+              <a:rPr lang="en-US" dirty="0" smtClean="0"/>
+              <a:t>tests</a:t>
+            </a:r>
+          </a:p>
+          <a:p>
+            <a:pPr marL="1943100" lvl="3" indent="-342900"/>
+            <a:r>
+              <a:rPr lang="en-US" dirty="0" smtClean="0"/>
+              <a:t>Verifies called correctly</a:t>
+            </a:r>
+            <a:endParaRPr lang="en-US" dirty="0" smtClean="0"/>
           </a:p>
           <a:p>
             <a:pPr marL="1485900" lvl="2" indent="-342900"/>
@@ -5823,6 +8153,37 @@
                                   </p:childTnLst>
                                 </p:cTn>
                               </p:par>
+                              <p:par>
+                                <p:cTn id="19" presetID="1" presetClass="entr" presetSubtype="0" fill="hold" nodeType="withEffect">
+                                  <p:stCondLst>
+                                    <p:cond delay="0"/>
+                                  </p:stCondLst>
+                                  <p:childTnLst>
+                                    <p:set>
+                                      <p:cBhvr>
+                                        <p:cTn id="20" dur="1" fill="hold">
+                                          <p:stCondLst>
+                                            <p:cond delay="0"/>
+                                          </p:stCondLst>
+                                        </p:cTn>
+                                        <p:tgtEl>
+                                          <p:spTgt spid="3">
+                                            <p:txEl>
+                                              <p:pRg st="7" end="7"/>
+                                            </p:txEl>
+                                          </p:spTgt>
+                                        </p:tgtEl>
+                                        <p:attrNameLst>
+                                          <p:attrName>style.visibility</p:attrName>
+                                        </p:attrNameLst>
+                                      </p:cBhvr>
+                                      <p:to>
+                                        <p:strVal val="visible"/>
+                                      </p:to>
+                                    </p:set>
+                                  </p:childTnLst>
+                                </p:cTn>
+                              </p:par>
                             </p:childTnLst>
                           </p:cTn>
                         </p:par>
@@ -7668,8 +10029,13 @@
             <a:pPr marL="1485900" lvl="2" indent="-342900"/>
             <a:r>
               <a:rPr lang="en-US" dirty="0" smtClean="0"/>
-              <a:t>Open MPI</a:t>
-            </a:r>
+              <a:t>Open </a:t>
+            </a:r>
+            <a:r>
+              <a:rPr lang="en-US" dirty="0" smtClean="0"/>
+              <a:t>MPI (no good windows version)</a:t>
+            </a:r>
+            <a:endParaRPr lang="en-US" dirty="0" smtClean="0"/>
           </a:p>
           <a:p>
             <a:pPr marL="1485900" lvl="2" indent="-342900"/>
@@ -7689,8 +10055,9 @@
             <a:pPr marL="1485900" lvl="2" indent="-342900"/>
             <a:r>
               <a:rPr lang="en-US" dirty="0" smtClean="0"/>
-              <a:t>MPICH2</a:t>
-            </a:r>
+              <a:t>MPICH2… AND MORE!</a:t>
+            </a:r>
+            <a:endParaRPr lang="en-US" dirty="0" smtClean="0"/>
           </a:p>
           <a:p>
             <a:pPr marL="800100" lvl="1" indent="-342900"/>
@@ -8393,6 +10760,240 @@
           </a:p>
         </p:txBody>
       </p:sp>
+      <mc:AlternateContent xmlns:mc="http://schemas.openxmlformats.org/markup-compatibility/2006">
+        <mc:Choice xmlns:p14="http://schemas.microsoft.com/office/powerpoint/2010/main" Requires="p14">
+          <p:contentPart p14:bwMode="auto" r:id="rId3">
+            <p14:nvContentPartPr>
+              <p14:cNvPr id="7" name="Ink 6"/>
+              <p14:cNvContentPartPr/>
+              <p14:nvPr/>
+            </p14:nvContentPartPr>
+            <p14:xfrm>
+              <a:off x="6137520" y="4225200"/>
+              <a:ext cx="1238760" cy="494280"/>
+            </p14:xfrm>
+          </p:contentPart>
+        </mc:Choice>
+        <mc:Fallback>
+          <p:pic>
+            <p:nvPicPr>
+              <p:cNvPr id="7" name="Ink 6"/>
+              <p:cNvPicPr/>
+              <p:nvPr/>
+            </p:nvPicPr>
+            <p:blipFill>
+              <a:blip r:embed="rId4"/>
+              <a:stretch>
+                <a:fillRect/>
+              </a:stretch>
+            </p:blipFill>
+            <p:spPr>
+              <a:xfrm>
+                <a:off x="6127800" y="4214040"/>
+                <a:ext cx="1259640" cy="515520"/>
+              </a:xfrm>
+              <a:prstGeom prst="rect">
+                <a:avLst/>
+              </a:prstGeom>
+            </p:spPr>
+          </p:pic>
+        </mc:Fallback>
+      </mc:AlternateContent>
+      <mc:AlternateContent xmlns:mc="http://schemas.openxmlformats.org/markup-compatibility/2006">
+        <mc:Choice xmlns:p14="http://schemas.microsoft.com/office/powerpoint/2010/main" Requires="p14">
+          <p:contentPart p14:bwMode="auto" r:id="rId5">
+            <p14:nvContentPartPr>
+              <p14:cNvPr id="17" name="Ink 16"/>
+              <p14:cNvContentPartPr/>
+              <p14:nvPr/>
+            </p14:nvContentPartPr>
+            <p14:xfrm>
+              <a:off x="4549200" y="4133400"/>
+              <a:ext cx="729720" cy="1420560"/>
+            </p14:xfrm>
+          </p:contentPart>
+        </mc:Choice>
+        <mc:Fallback>
+          <p:pic>
+            <p:nvPicPr>
+              <p:cNvPr id="17" name="Ink 16"/>
+              <p:cNvPicPr/>
+              <p:nvPr/>
+            </p:nvPicPr>
+            <p:blipFill>
+              <a:blip r:embed="rId6"/>
+              <a:stretch>
+                <a:fillRect/>
+              </a:stretch>
+            </p:blipFill>
+            <p:spPr>
+              <a:xfrm>
+                <a:off x="4538760" y="4123320"/>
+                <a:ext cx="752760" cy="1438920"/>
+              </a:xfrm>
+              <a:prstGeom prst="rect">
+                <a:avLst/>
+              </a:prstGeom>
+            </p:spPr>
+          </p:pic>
+        </mc:Fallback>
+      </mc:AlternateContent>
+      <mc:AlternateContent xmlns:mc="http://schemas.openxmlformats.org/markup-compatibility/2006">
+        <mc:Choice xmlns:p14="http://schemas.microsoft.com/office/powerpoint/2010/main" Requires="p14">
+          <p:contentPart p14:bwMode="auto" r:id="rId7">
+            <p14:nvContentPartPr>
+              <p14:cNvPr id="20" name="Ink 19"/>
+              <p14:cNvContentPartPr/>
+              <p14:nvPr/>
+            </p14:nvContentPartPr>
+            <p14:xfrm>
+              <a:off x="5511120" y="4423200"/>
+              <a:ext cx="764640" cy="900360"/>
+            </p14:xfrm>
+          </p:contentPart>
+        </mc:Choice>
+        <mc:Fallback>
+          <p:pic>
+            <p:nvPicPr>
+              <p:cNvPr id="20" name="Ink 19"/>
+              <p:cNvPicPr/>
+              <p:nvPr/>
+            </p:nvPicPr>
+            <p:blipFill>
+              <a:blip r:embed="rId8"/>
+              <a:stretch>
+                <a:fillRect/>
+              </a:stretch>
+            </p:blipFill>
+            <p:spPr>
+              <a:xfrm>
+                <a:off x="5506080" y="4419600"/>
+                <a:ext cx="780840" cy="912240"/>
+              </a:xfrm>
+              <a:prstGeom prst="rect">
+                <a:avLst/>
+              </a:prstGeom>
+            </p:spPr>
+          </p:pic>
+        </mc:Fallback>
+      </mc:AlternateContent>
+      <mc:AlternateContent xmlns:mc="http://schemas.openxmlformats.org/markup-compatibility/2006">
+        <mc:Choice xmlns:p14="http://schemas.microsoft.com/office/powerpoint/2010/main" Requires="p14">
+          <p:contentPart p14:bwMode="auto" r:id="rId9">
+            <p14:nvContentPartPr>
+              <p14:cNvPr id="21" name="Ink 20"/>
+              <p14:cNvContentPartPr/>
+              <p14:nvPr/>
+            </p14:nvContentPartPr>
+            <p14:xfrm>
+              <a:off x="5399160" y="4600680"/>
+              <a:ext cx="81360" cy="434160"/>
+            </p14:xfrm>
+          </p:contentPart>
+        </mc:Choice>
+        <mc:Fallback>
+          <p:pic>
+            <p:nvPicPr>
+              <p:cNvPr id="21" name="Ink 20"/>
+              <p:cNvPicPr/>
+              <p:nvPr/>
+            </p:nvPicPr>
+            <p:blipFill>
+              <a:blip r:embed="rId10"/>
+              <a:stretch>
+                <a:fillRect/>
+              </a:stretch>
+            </p:blipFill>
+            <p:spPr>
+              <a:xfrm>
+                <a:off x="5395920" y="4590600"/>
+                <a:ext cx="89640" cy="449280"/>
+              </a:xfrm>
+              <a:prstGeom prst="rect">
+                <a:avLst/>
+              </a:prstGeom>
+            </p:spPr>
+          </p:pic>
+        </mc:Fallback>
+      </mc:AlternateContent>
+      <mc:AlternateContent xmlns:mc="http://schemas.openxmlformats.org/markup-compatibility/2006">
+        <mc:Choice xmlns:p14="http://schemas.microsoft.com/office/powerpoint/2010/main" Requires="p14">
+          <p:contentPart p14:bwMode="auto" r:id="rId11">
+            <p14:nvContentPartPr>
+              <p14:cNvPr id="22" name="Ink 21"/>
+              <p14:cNvContentPartPr/>
+              <p14:nvPr/>
+            </p14:nvContentPartPr>
+            <p14:xfrm>
+              <a:off x="5336160" y="5317800"/>
+              <a:ext cx="291600" cy="301320"/>
+            </p14:xfrm>
+          </p:contentPart>
+        </mc:Choice>
+        <mc:Fallback>
+          <p:pic>
+            <p:nvPicPr>
+              <p:cNvPr id="22" name="Ink 21"/>
+              <p:cNvPicPr/>
+              <p:nvPr/>
+            </p:nvPicPr>
+            <p:blipFill>
+              <a:blip r:embed="rId12"/>
+              <a:stretch>
+                <a:fillRect/>
+              </a:stretch>
+            </p:blipFill>
+            <p:spPr>
+              <a:xfrm>
+                <a:off x="5332200" y="5308080"/>
+                <a:ext cx="299160" cy="321840"/>
+              </a:xfrm>
+              <a:prstGeom prst="rect">
+                <a:avLst/>
+              </a:prstGeom>
+            </p:spPr>
+          </p:pic>
+        </mc:Fallback>
+      </mc:AlternateContent>
+      <mc:AlternateContent xmlns:mc="http://schemas.openxmlformats.org/markup-compatibility/2006">
+        <mc:Choice xmlns:p14="http://schemas.microsoft.com/office/powerpoint/2010/main" Requires="p14">
+          <p:contentPart p14:bwMode="auto" r:id="rId13">
+            <p14:nvContentPartPr>
+              <p14:cNvPr id="27" name="Ink 26"/>
+              <p14:cNvContentPartPr/>
+              <p14:nvPr/>
+            </p14:nvContentPartPr>
+            <p14:xfrm>
+              <a:off x="3697440" y="4111440"/>
+              <a:ext cx="1081440" cy="1032480"/>
+            </p14:xfrm>
+          </p:contentPart>
+        </mc:Choice>
+        <mc:Fallback>
+          <p:pic>
+            <p:nvPicPr>
+              <p:cNvPr id="27" name="Ink 26"/>
+              <p:cNvPicPr/>
+              <p:nvPr/>
+            </p:nvPicPr>
+            <p:blipFill>
+              <a:blip r:embed="rId14"/>
+              <a:stretch>
+                <a:fillRect/>
+              </a:stretch>
+            </p:blipFill>
+            <p:spPr>
+              <a:xfrm>
+                <a:off x="3685920" y="4100640"/>
+                <a:ext cx="1096200" cy="1050120"/>
+              </a:xfrm>
+              <a:prstGeom prst="rect">
+                <a:avLst/>
+              </a:prstGeom>
+            </p:spPr>
+          </p:pic>
+        </mc:Fallback>
+      </mc:AlternateContent>
     </p:spTree>
     <p:extLst>
       <p:ext uri="{BB962C8B-B14F-4D97-AF65-F5344CB8AC3E}">
@@ -8583,7 +11184,18 @@
             <a:pPr marL="800100" lvl="1" indent="-342900"/>
             <a:r>
               <a:rPr lang="en-US" dirty="0" smtClean="0"/>
-              <a:t>We cannot directly use the task-based version from an earlier lecture. Why?</a:t>
+              <a:t>We cannot directly use the task-based version from an earlier lecture. Why</a:t>
+            </a:r>
+            <a:r>
+              <a:rPr lang="en-US" dirty="0" smtClean="0"/>
+              <a:t>?</a:t>
+            </a:r>
+          </a:p>
+          <a:p>
+            <a:pPr marL="1485900" lvl="2" indent="-342900"/>
+            <a:r>
+              <a:rPr lang="en-US" dirty="0" smtClean="0"/>
+              <a:t>All based on shared memory &amp; iterators</a:t>
             </a:r>
             <a:endParaRPr lang="en-US" dirty="0"/>
           </a:p>
@@ -9862,7 +12474,7 @@
             <a:pPr marL="800100" lvl="1" indent="-342900"/>
             <a:r>
               <a:rPr lang="en-US" dirty="0" smtClean="0">
-                <a:hlinkClick r:id="rId2"/>
+                <a:hlinkClick r:id="rId3"/>
               </a:rPr>
               <a:t>MPI_Scatter</a:t>
             </a:r>
@@ -9875,7 +12487,7 @@
             <a:pPr marL="800100" lvl="1" indent="-342900"/>
             <a:r>
               <a:rPr lang="en-US" dirty="0" smtClean="0">
-                <a:hlinkClick r:id="rId3"/>
+                <a:hlinkClick r:id="rId4"/>
               </a:rPr>
               <a:t>MPI_Gather</a:t>
             </a:r>
@@ -11555,7 +14167,7 @@
             <p:ph idx="1"/>
             <p:extLst>
               <p:ext uri="{D42A27DB-BD31-4B8C-83A1-F6EECF244321}">
-                <p14:modId xmlns:p14="http://schemas.microsoft.com/office/powerpoint/2010/main" val="3915970133"/>
+                <p14:modId xmlns:p14="http://schemas.microsoft.com/office/powerpoint/2010/main" val="3496057703"/>
               </p:ext>
             </p:extLst>
           </p:nvPr>
@@ -11747,7 +14359,7 @@
                     <a:p>
                       <a:r>
                         <a:rPr lang="en-US" dirty="0" smtClean="0"/>
-                        <a:t>No</a:t>
+                        <a:t>No (OS enforced)</a:t>
                       </a:r>
                       <a:endParaRPr lang="en-US" dirty="0"/>
                     </a:p>
@@ -12173,8 +14785,20 @@
             <a:pPr marL="1485900" lvl="2" indent="-342900"/>
             <a:r>
               <a:rPr lang="en-US" dirty="0" smtClean="0"/>
-              <a:t>Originally used to implement ATM network switches</a:t>
-            </a:r>
+              <a:t>Originally used to implement ATM network </a:t>
+            </a:r>
+            <a:r>
+              <a:rPr lang="en-US" dirty="0" smtClean="0"/>
+              <a:t>switches</a:t>
+            </a:r>
+          </a:p>
+          <a:p>
+            <a:pPr marL="1485900" lvl="2" indent="-342900"/>
+            <a:r>
+              <a:rPr lang="en-US" dirty="0" smtClean="0"/>
+              <a:t>(Push new software versions)</a:t>
+            </a:r>
+            <a:endParaRPr lang="en-US" dirty="0" smtClean="0"/>
           </a:p>
           <a:p>
             <a:pPr marL="800100" lvl="1" indent="-342900"/>
@@ -12315,7 +14939,7 @@
             </a:r>
             <a:r>
               <a:rPr lang="en-US" dirty="0" smtClean="0">
-                <a:hlinkClick r:id="rId2"/>
+                <a:hlinkClick r:id="rId3"/>
               </a:rPr>
               <a:t>documentation</a:t>
             </a:r>
@@ -12327,16 +14951,6 @@
               <a:rPr lang="en-US" dirty="0" smtClean="0"/>
               <a:t>We will use only a few methods</a:t>
             </a:r>
-          </a:p>
-          <a:p>
-            <a:pPr marL="1485900" lvl="2" indent="-342900"/>
-            <a:r>
-              <a:rPr lang="en-US" dirty="0" smtClean="0">
-                <a:hlinkClick r:id="rId3"/>
-              </a:rPr>
-              <a:t>MPI_Init</a:t>
-            </a:r>
-            <a:endParaRPr lang="en-US" dirty="0" smtClean="0"/>
           </a:p>
           <a:p>
             <a:pPr marL="1485900" lvl="2" indent="-342900"/>
@@ -12344,7 +14958,7 @@
               <a:rPr lang="en-US" dirty="0" smtClean="0">
                 <a:hlinkClick r:id="rId4"/>
               </a:rPr>
-              <a:t>MPI_Finalize</a:t>
+              <a:t>MPI_Init</a:t>
             </a:r>
             <a:endParaRPr lang="en-US" dirty="0" smtClean="0"/>
           </a:p>
@@ -12354,6 +14968,16 @@
               <a:rPr lang="en-US" dirty="0" smtClean="0">
                 <a:hlinkClick r:id="rId5"/>
               </a:rPr>
+              <a:t>MPI_Finalize</a:t>
+            </a:r>
+            <a:endParaRPr lang="en-US" dirty="0" smtClean="0"/>
+          </a:p>
+          <a:p>
+            <a:pPr marL="1485900" lvl="2" indent="-342900"/>
+            <a:r>
+              <a:rPr lang="en-US" dirty="0" smtClean="0">
+                <a:hlinkClick r:id="rId6"/>
+              </a:rPr>
               <a:t>MPI_Comm_rank</a:t>
             </a:r>
             <a:endParaRPr lang="en-US" dirty="0" smtClean="0"/>
@@ -12362,19 +14986,9 @@
             <a:pPr marL="1485900" lvl="2" indent="-342900"/>
             <a:r>
               <a:rPr lang="en-US" dirty="0">
-                <a:hlinkClick r:id="rId6"/>
+                <a:hlinkClick r:id="rId7"/>
               </a:rPr>
               <a:t>MPI_Comm_size</a:t>
-            </a:r>
-            <a:endParaRPr lang="en-US" dirty="0" smtClean="0"/>
-          </a:p>
-          <a:p>
-            <a:pPr marL="1485900" lvl="2" indent="-342900"/>
-            <a:r>
-              <a:rPr lang="en-US" dirty="0" smtClean="0">
-                <a:hlinkClick r:id="rId7"/>
-              </a:rPr>
-              <a:t>MPI_Send</a:t>
             </a:r>
             <a:endParaRPr lang="en-US" dirty="0" smtClean="0"/>
           </a:p>
@@ -12383,6 +14997,16 @@
             <a:r>
               <a:rPr lang="en-US" dirty="0" smtClean="0">
                 <a:hlinkClick r:id="rId8"/>
+              </a:rPr>
+              <a:t>MPI_Send</a:t>
+            </a:r>
+            <a:endParaRPr lang="en-US" dirty="0" smtClean="0"/>
+          </a:p>
+          <a:p>
+            <a:pPr marL="1485900" lvl="2" indent="-342900"/>
+            <a:r>
+              <a:rPr lang="en-US" dirty="0" smtClean="0">
+                <a:hlinkClick r:id="rId9"/>
               </a:rPr>
               <a:t>MPI_Recv</a:t>
             </a:r>
